--- a/talks/WilliamVanWoensel-BottomUpOWL2RL-RuleMLWebinar-2017-05-26.pptx
+++ b/talks/WilliamVanWoensel-BottomUpOWL2RL-RuleMLWebinar-2017-05-26.pptx
@@ -5,7 +5,7 @@
     <p:sldMasterId id="2147483660" r:id="rId1"/>
   </p:sldMasterIdLst>
   <p:notesMasterIdLst>
-    <p:notesMasterId r:id="rId19"/>
+    <p:notesMasterId r:id="rId23"/>
   </p:notesMasterIdLst>
   <p:sldIdLst>
     <p:sldId id="256" r:id="rId2"/>
@@ -24,7 +24,11 @@
     <p:sldId id="271" r:id="rId15"/>
     <p:sldId id="272" r:id="rId16"/>
     <p:sldId id="273" r:id="rId17"/>
-    <p:sldId id="263" r:id="rId18"/>
+    <p:sldId id="274" r:id="rId18"/>
+    <p:sldId id="275" r:id="rId19"/>
+    <p:sldId id="276" r:id="rId20"/>
+    <p:sldId id="277" r:id="rId21"/>
+    <p:sldId id="263" r:id="rId22"/>
   </p:sldIdLst>
   <p:sldSz cx="12192000" cy="6858000"/>
   <p:notesSz cx="6858000" cy="9144000"/>
@@ -213,7 +217,7 @@
           <a:p>
             <a:fld id="{F61AB19B-0B12-41BB-B2E6-8A3614868EAE}" type="datetimeFigureOut">
               <a:rPr lang="en-CA" smtClean="0"/>
-              <a:t>24/05/2017</a:t>
+              <a:t>25/05/2017</a:t>
             </a:fld>
             <a:endParaRPr lang="en-CA"/>
           </a:p>
@@ -525,75 +529,7 @@
           <a:bodyPr/>
           <a:lstStyle/>
           <a:p>
-            <a:r>
-              <a:rPr lang="fr-FR" sz="1200" b="0" i="0" u="none" strike="noStrike" kern="1200" baseline="0" dirty="0" err="1" smtClean="0">
-                <a:solidFill>
-                  <a:schemeClr val="tx1"/>
-                </a:solidFill>
-                <a:latin typeface="+mn-lt"/>
-                <a:ea typeface="+mn-ea"/>
-                <a:cs typeface="+mn-cs"/>
-              </a:rPr>
-              <a:t>Galaxy</a:t>
-            </a:r>
-            <a:r>
-              <a:rPr lang="fr-FR" sz="1200" b="0" i="0" u="none" strike="noStrike" kern="1200" baseline="0" dirty="0" smtClean="0">
-                <a:solidFill>
-                  <a:schemeClr val="tx1"/>
-                </a:solidFill>
-                <a:latin typeface="+mn-lt"/>
-                <a:ea typeface="+mn-ea"/>
-                <a:cs typeface="+mn-cs"/>
-              </a:rPr>
-              <a:t> Nexus (Android 4.2.1, 1.2 GHz </a:t>
-            </a:r>
-            <a:r>
-              <a:rPr lang="fr-FR" sz="1200" b="0" i="0" u="none" strike="noStrike" kern="1200" baseline="0" dirty="0" err="1" smtClean="0">
-                <a:solidFill>
-                  <a:schemeClr val="tx1"/>
-                </a:solidFill>
-                <a:latin typeface="+mn-lt"/>
-                <a:ea typeface="+mn-ea"/>
-                <a:cs typeface="+mn-cs"/>
-              </a:rPr>
-              <a:t>dualcore</a:t>
-            </a:r>
-            <a:r>
-              <a:rPr lang="fr-FR" sz="1200" b="0" i="0" u="none" strike="noStrike" kern="1200" baseline="0" dirty="0" smtClean="0">
-                <a:solidFill>
-                  <a:schemeClr val="tx1"/>
-                </a:solidFill>
-                <a:latin typeface="+mn-lt"/>
-                <a:ea typeface="+mn-ea"/>
-                <a:cs typeface="+mn-cs"/>
-              </a:rPr>
-              <a:t>, </a:t>
-            </a:r>
-            <a:r>
-              <a:rPr lang="en-CA" sz="1200" b="0" i="0" u="none" strike="noStrike" kern="1200" baseline="0" dirty="0" smtClean="0">
-                <a:solidFill>
-                  <a:schemeClr val="tx1"/>
-                </a:solidFill>
-                <a:latin typeface="+mn-lt"/>
-                <a:ea typeface="+mn-ea"/>
-                <a:cs typeface="+mn-cs"/>
-              </a:rPr>
-              <a:t>1 GB RAM, released in 2011, in the following denoted as A1)</a:t>
-            </a:r>
-          </a:p>
-          <a:p>
-            <a:r>
-              <a:rPr lang="en-CA" sz="1200" b="0" i="0" u="none" strike="noStrike" kern="1200" baseline="0" dirty="0" smtClean="0">
-                <a:solidFill>
-                  <a:schemeClr val="tx1"/>
-                </a:solidFill>
-                <a:latin typeface="+mn-lt"/>
-                <a:ea typeface="+mn-ea"/>
-                <a:cs typeface="+mn-cs"/>
-              </a:rPr>
-              <a:t>Galaxy 655 Tab 2 7.0 (Android 4.1.2, 1 GHz dual-core, 1 GB RAM, released in 2012, denoted A2)</a:t>
-            </a:r>
-            <a:endParaRPr lang="en-CA" dirty="0"/>
+            <a:endParaRPr lang="en-CA"/>
           </a:p>
         </p:txBody>
       </p:sp>
@@ -614,7 +550,7 @@
           <a:p>
             <a:fld id="{E8FF3829-06E9-4FAD-8533-8366B6FD6FBE}" type="slidenum">
               <a:rPr lang="en-CA" smtClean="0"/>
-              <a:t>6</a:t>
+              <a:t>1</a:t>
             </a:fld>
             <a:endParaRPr lang="en-CA"/>
           </a:p>
@@ -623,7 +559,7 @@
     </p:spTree>
     <p:extLst>
       <p:ext uri="{BB962C8B-B14F-4D97-AF65-F5344CB8AC3E}">
-        <p14:creationId xmlns:p14="http://schemas.microsoft.com/office/powerpoint/2010/main" val="1300660172"/>
+        <p14:creationId xmlns:p14="http://schemas.microsoft.com/office/powerpoint/2010/main" val="69862235"/>
       </p:ext>
     </p:extLst>
   </p:cSld>
@@ -677,14 +613,49 @@
           <a:bodyPr/>
           <a:lstStyle/>
           <a:p>
-            <a:pPr rtl="0"/>
-            <a:r>
-              <a:rPr lang="en-CA" sz="1200" dirty="0" smtClean="0"/>
-              <a:t>Removing logically equivalent rules:</a:t>
-            </a:r>
-            <a:r>
-              <a:rPr lang="en-CA" sz="1200" baseline="0" dirty="0" smtClean="0"/>
-              <a:t> i</a:t>
+            <a:r>
+              <a:rPr lang="fr-FR" sz="1200" b="0" i="0" u="none" strike="noStrike" kern="1200" baseline="0" dirty="0" err="1" smtClean="0">
+                <a:solidFill>
+                  <a:schemeClr val="tx1"/>
+                </a:solidFill>
+                <a:latin typeface="+mn-lt"/>
+                <a:ea typeface="+mn-ea"/>
+                <a:cs typeface="+mn-cs"/>
+              </a:rPr>
+              <a:t>Galaxy</a:t>
+            </a:r>
+            <a:r>
+              <a:rPr lang="fr-FR" sz="1200" b="0" i="0" u="none" strike="noStrike" kern="1200" baseline="0" dirty="0" smtClean="0">
+                <a:solidFill>
+                  <a:schemeClr val="tx1"/>
+                </a:solidFill>
+                <a:latin typeface="+mn-lt"/>
+                <a:ea typeface="+mn-ea"/>
+                <a:cs typeface="+mn-cs"/>
+              </a:rPr>
+              <a:t> Nexus (Android 4.2.1, 1.2 GHz </a:t>
+            </a:r>
+            <a:r>
+              <a:rPr lang="fr-FR" sz="1200" b="0" i="0" u="none" strike="noStrike" kern="1200" baseline="0" dirty="0" err="1" smtClean="0">
+                <a:solidFill>
+                  <a:schemeClr val="tx1"/>
+                </a:solidFill>
+                <a:latin typeface="+mn-lt"/>
+                <a:ea typeface="+mn-ea"/>
+                <a:cs typeface="+mn-cs"/>
+              </a:rPr>
+              <a:t>dualcore</a:t>
+            </a:r>
+            <a:r>
+              <a:rPr lang="fr-FR" sz="1200" b="0" i="0" u="none" strike="noStrike" kern="1200" baseline="0" dirty="0" smtClean="0">
+                <a:solidFill>
+                  <a:schemeClr val="tx1"/>
+                </a:solidFill>
+                <a:latin typeface="+mn-lt"/>
+                <a:ea typeface="+mn-ea"/>
+                <a:cs typeface="+mn-cs"/>
+              </a:rPr>
+              <a:t>, </a:t>
             </a:r>
             <a:r>
               <a:rPr lang="en-CA" sz="1200" b="0" i="0" u="none" strike="noStrike" kern="1200" baseline="0" dirty="0" smtClean="0">
@@ -695,56 +666,22 @@
                 <a:ea typeface="+mn-ea"/>
                 <a:cs typeface="+mn-cs"/>
               </a:rPr>
-              <a:t>.e., rules of which the results are covered by other rule(s)</a:t>
-            </a:r>
-          </a:p>
-          <a:p>
-            <a:pPr marL="0" marR="0" lvl="0" indent="0" algn="l" defTabSz="914400" rtl="0" eaLnBrk="1" fontAlgn="auto" latinLnBrk="0" hangingPunct="1">
-              <a:lnSpc>
-                <a:spcPct val="100000"/>
-              </a:lnSpc>
-              <a:spcBef>
-                <a:spcPts val="0"/>
-              </a:spcBef>
-              <a:spcAft>
-                <a:spcPts val="0"/>
-              </a:spcAft>
-              <a:buClrTx/>
-              <a:buSzTx/>
-              <a:buFontTx/>
-              <a:buNone/>
-              <a:tabLst/>
-              <a:defRPr/>
-            </a:pPr>
-            <a:endParaRPr lang="en-CA" sz="1200" dirty="0" smtClean="0"/>
-          </a:p>
-          <a:p>
-            <a:pPr marL="0" marR="0" lvl="0" indent="0" algn="l" defTabSz="914400" rtl="0" eaLnBrk="1" fontAlgn="auto" latinLnBrk="0" hangingPunct="1">
-              <a:lnSpc>
-                <a:spcPct val="100000"/>
-              </a:lnSpc>
-              <a:spcBef>
-                <a:spcPts val="0"/>
-              </a:spcBef>
-              <a:spcAft>
-                <a:spcPts val="0"/>
-              </a:spcAft>
-              <a:buClrTx/>
-              <a:buSzTx/>
-              <a:buFontTx/>
-              <a:buNone/>
-              <a:tabLst/>
-              <a:defRPr/>
-            </a:pPr>
-            <a:r>
-              <a:rPr lang="en-CA" sz="1200" dirty="0" smtClean="0"/>
-              <a:t>Some of these break conformance with OWL2 RL axiomatization:</a:t>
-            </a:r>
-            <a:r>
-              <a:rPr lang="en-CA" sz="1200" baseline="0" dirty="0" smtClean="0"/>
-              <a:t> </a:t>
-            </a:r>
-            <a:endParaRPr lang="en-CA" sz="1200" dirty="0" smtClean="0"/>
+              <a:t>1 GB RAM, released in 2011, in the following denoted as A1)</a:t>
+            </a:r>
+          </a:p>
+          <a:p>
+            <a:r>
+              <a:rPr lang="en-CA" sz="1200" b="0" i="0" u="none" strike="noStrike" kern="1200" baseline="0" dirty="0" smtClean="0">
+                <a:solidFill>
+                  <a:schemeClr val="tx1"/>
+                </a:solidFill>
+                <a:latin typeface="+mn-lt"/>
+                <a:ea typeface="+mn-ea"/>
+                <a:cs typeface="+mn-cs"/>
+              </a:rPr>
+              <a:t>Galaxy 655 Tab 2 7.0 (Android 4.1.2, 1 GHz dual-core, 1 GB RAM, released in 2012, denoted A2)</a:t>
+            </a:r>
+            <a:endParaRPr lang="en-CA" dirty="0"/>
           </a:p>
         </p:txBody>
       </p:sp>
@@ -765,7 +702,7 @@
           <a:p>
             <a:fld id="{E8FF3829-06E9-4FAD-8533-8366B6FD6FBE}" type="slidenum">
               <a:rPr lang="en-CA" smtClean="0"/>
-              <a:t>7</a:t>
+              <a:t>6</a:t>
             </a:fld>
             <a:endParaRPr lang="en-CA"/>
           </a:p>
@@ -774,7 +711,7 @@
     </p:spTree>
     <p:extLst>
       <p:ext uri="{BB962C8B-B14F-4D97-AF65-F5344CB8AC3E}">
-        <p14:creationId xmlns:p14="http://schemas.microsoft.com/office/powerpoint/2010/main" val="3341281739"/>
+        <p14:creationId xmlns:p14="http://schemas.microsoft.com/office/powerpoint/2010/main" val="1300660172"/>
       </p:ext>
     </p:extLst>
   </p:cSld>
@@ -828,41 +765,74 @@
           <a:bodyPr/>
           <a:lstStyle/>
           <a:p>
-            <a:r>
-              <a:rPr lang="en-CA" dirty="0" smtClean="0"/>
-              <a:t>Conformant </a:t>
-            </a:r>
-            <a:r>
-              <a:rPr lang="en-CA" baseline="0" dirty="0" smtClean="0"/>
-              <a:t>–</a:t>
-            </a:r>
-            <a:r>
-              <a:rPr lang="en-CA" dirty="0" smtClean="0"/>
-              <a:t> Volatile</a:t>
-            </a:r>
-            <a:r>
-              <a:rPr lang="en-CA" baseline="0" dirty="0" smtClean="0"/>
-              <a:t> : ca. 94% (-6%)</a:t>
-            </a:r>
-          </a:p>
-          <a:p>
-            <a:r>
-              <a:rPr lang="en-CA" baseline="0" dirty="0" smtClean="0"/>
-              <a:t>Conformant – Stable (inf-inst): ca. 44% (-56%)</a:t>
-            </a:r>
-          </a:p>
-          <a:p>
-            <a:r>
-              <a:rPr lang="en-CA" baseline="0" dirty="0" smtClean="0"/>
-              <a:t>Non-conformant – Volatile: ca. 55% (-45%)</a:t>
-            </a:r>
-          </a:p>
-          <a:p>
-            <a:r>
-              <a:rPr lang="en-CA" baseline="0" dirty="0" smtClean="0"/>
-              <a:t>Non-conformant – Stable (inf-inst): ca. 10% (-90%)</a:t>
-            </a:r>
-            <a:endParaRPr lang="en-CA" dirty="0"/>
+            <a:pPr rtl="0"/>
+            <a:r>
+              <a:rPr lang="en-CA" sz="1200" dirty="0" smtClean="0"/>
+              <a:t>Removing logically equivalent rules:</a:t>
+            </a:r>
+            <a:r>
+              <a:rPr lang="en-CA" sz="1200" baseline="0" dirty="0" smtClean="0"/>
+              <a:t> i</a:t>
+            </a:r>
+            <a:r>
+              <a:rPr lang="en-CA" sz="1200" b="0" i="0" u="none" strike="noStrike" kern="1200" baseline="0" dirty="0" smtClean="0">
+                <a:solidFill>
+                  <a:schemeClr val="tx1"/>
+                </a:solidFill>
+                <a:latin typeface="+mn-lt"/>
+                <a:ea typeface="+mn-ea"/>
+                <a:cs typeface="+mn-cs"/>
+              </a:rPr>
+              <a:t>.e., rules of which the results are covered by other rule(s)</a:t>
+            </a:r>
+          </a:p>
+          <a:p>
+            <a:pPr marL="0" marR="0" lvl="0" indent="0" algn="l" defTabSz="914400" rtl="0" eaLnBrk="1" fontAlgn="auto" latinLnBrk="0" hangingPunct="1">
+              <a:lnSpc>
+                <a:spcPct val="100000"/>
+              </a:lnSpc>
+              <a:spcBef>
+                <a:spcPts val="0"/>
+              </a:spcBef>
+              <a:spcAft>
+                <a:spcPts val="0"/>
+              </a:spcAft>
+              <a:buClrTx/>
+              <a:buSzTx/>
+              <a:buFontTx/>
+              <a:buNone/>
+              <a:tabLst/>
+              <a:defRPr/>
+            </a:pPr>
+            <a:endParaRPr lang="en-CA" sz="1200" dirty="0" smtClean="0"/>
+          </a:p>
+          <a:p>
+            <a:pPr marL="0" marR="0" lvl="0" indent="0" algn="l" defTabSz="914400" rtl="0" eaLnBrk="1" fontAlgn="auto" latinLnBrk="0" hangingPunct="1">
+              <a:lnSpc>
+                <a:spcPct val="100000"/>
+              </a:lnSpc>
+              <a:spcBef>
+                <a:spcPts val="0"/>
+              </a:spcBef>
+              <a:spcAft>
+                <a:spcPts val="0"/>
+              </a:spcAft>
+              <a:buClrTx/>
+              <a:buSzTx/>
+              <a:buFontTx/>
+              <a:buNone/>
+              <a:tabLst/>
+              <a:defRPr/>
+            </a:pPr>
+            <a:r>
+              <a:rPr lang="en-CA" sz="1200" dirty="0" smtClean="0"/>
+              <a:t>Some of these break conformance with OWL2 RL axiomatization:</a:t>
+            </a:r>
+            <a:r>
+              <a:rPr lang="en-CA" sz="1200" baseline="0" dirty="0" smtClean="0"/>
+              <a:t> </a:t>
+            </a:r>
+            <a:endParaRPr lang="en-CA" sz="1200" dirty="0" smtClean="0"/>
           </a:p>
         </p:txBody>
       </p:sp>
@@ -883,7 +853,7 @@
           <a:p>
             <a:fld id="{E8FF3829-06E9-4FAD-8533-8366B6FD6FBE}" type="slidenum">
               <a:rPr lang="en-CA" smtClean="0"/>
-              <a:t>8</a:t>
+              <a:t>7</a:t>
             </a:fld>
             <a:endParaRPr lang="en-CA"/>
           </a:p>
@@ -892,7 +862,7 @@
     </p:spTree>
     <p:extLst>
       <p:ext uri="{BB962C8B-B14F-4D97-AF65-F5344CB8AC3E}">
-        <p14:creationId xmlns:p14="http://schemas.microsoft.com/office/powerpoint/2010/main" val="3646769070"/>
+        <p14:creationId xmlns:p14="http://schemas.microsoft.com/office/powerpoint/2010/main" val="3341281739"/>
       </p:ext>
     </p:extLst>
   </p:cSld>
@@ -948,6 +918,124 @@
           <a:p>
             <a:r>
               <a:rPr lang="en-CA" dirty="0" smtClean="0"/>
+              <a:t>Conformant </a:t>
+            </a:r>
+            <a:r>
+              <a:rPr lang="en-CA" baseline="0" dirty="0" smtClean="0"/>
+              <a:t>–</a:t>
+            </a:r>
+            <a:r>
+              <a:rPr lang="en-CA" dirty="0" smtClean="0"/>
+              <a:t> Volatile</a:t>
+            </a:r>
+            <a:r>
+              <a:rPr lang="en-CA" baseline="0" dirty="0" smtClean="0"/>
+              <a:t> : ca. 94% (-6%)</a:t>
+            </a:r>
+          </a:p>
+          <a:p>
+            <a:r>
+              <a:rPr lang="en-CA" baseline="0" dirty="0" smtClean="0"/>
+              <a:t>Conformant – Stable (inf-inst): ca. 44% (-56%)</a:t>
+            </a:r>
+          </a:p>
+          <a:p>
+            <a:r>
+              <a:rPr lang="en-CA" baseline="0" dirty="0" smtClean="0"/>
+              <a:t>Non-conformant – Volatile: ca. 55% (-45%)</a:t>
+            </a:r>
+          </a:p>
+          <a:p>
+            <a:r>
+              <a:rPr lang="en-CA" baseline="0" dirty="0" smtClean="0"/>
+              <a:t>Non-conformant – Stable (inf-inst): ca. 10% (-90%)</a:t>
+            </a:r>
+            <a:endParaRPr lang="en-CA" dirty="0"/>
+          </a:p>
+        </p:txBody>
+      </p:sp>
+      <p:sp>
+        <p:nvSpPr>
+          <p:cNvPr id="4" name="Slide Number Placeholder 3"/>
+          <p:cNvSpPr>
+            <a:spLocks noGrp="1"/>
+          </p:cNvSpPr>
+          <p:nvPr>
+            <p:ph type="sldNum" sz="quarter" idx="10"/>
+          </p:nvPr>
+        </p:nvSpPr>
+        <p:spPr/>
+        <p:txBody>
+          <a:bodyPr/>
+          <a:lstStyle/>
+          <a:p>
+            <a:fld id="{E8FF3829-06E9-4FAD-8533-8366B6FD6FBE}" type="slidenum">
+              <a:rPr lang="en-CA" smtClean="0"/>
+              <a:t>8</a:t>
+            </a:fld>
+            <a:endParaRPr lang="en-CA"/>
+          </a:p>
+        </p:txBody>
+      </p:sp>
+    </p:spTree>
+    <p:extLst>
+      <p:ext uri="{BB962C8B-B14F-4D97-AF65-F5344CB8AC3E}">
+        <p14:creationId xmlns:p14="http://schemas.microsoft.com/office/powerpoint/2010/main" val="3646769070"/>
+      </p:ext>
+    </p:extLst>
+  </p:cSld>
+  <p:clrMapOvr>
+    <a:masterClrMapping/>
+  </p:clrMapOvr>
+</p:notes>
+</file>
+
+<file path=ppt/notesSlides/notesSlide5.xml><?xml version="1.0" encoding="utf-8"?>
+<p:notes xmlns:a="http://schemas.openxmlformats.org/drawingml/2006/main" xmlns:r="http://schemas.openxmlformats.org/officeDocument/2006/relationships" xmlns:p="http://schemas.openxmlformats.org/presentationml/2006/main">
+  <p:cSld>
+    <p:spTree>
+      <p:nvGrpSpPr>
+        <p:cNvPr id="1" name=""/>
+        <p:cNvGrpSpPr/>
+        <p:nvPr/>
+      </p:nvGrpSpPr>
+      <p:grpSpPr>
+        <a:xfrm>
+          <a:off x="0" y="0"/>
+          <a:ext cx="0" cy="0"/>
+          <a:chOff x="0" y="0"/>
+          <a:chExt cx="0" cy="0"/>
+        </a:xfrm>
+      </p:grpSpPr>
+      <p:sp>
+        <p:nvSpPr>
+          <p:cNvPr id="2" name="Slide Image Placeholder 1"/>
+          <p:cNvSpPr>
+            <a:spLocks noGrp="1" noRot="1" noChangeAspect="1"/>
+          </p:cNvSpPr>
+          <p:nvPr>
+            <p:ph type="sldImg"/>
+          </p:nvPr>
+        </p:nvSpPr>
+        <p:spPr/>
+      </p:sp>
+      <p:sp>
+        <p:nvSpPr>
+          <p:cNvPr id="3" name="Notes Placeholder 2"/>
+          <p:cNvSpPr>
+            <a:spLocks noGrp="1"/>
+          </p:cNvSpPr>
+          <p:nvPr>
+            <p:ph type="body" idx="1"/>
+          </p:nvPr>
+        </p:nvSpPr>
+        <p:spPr/>
+        <p:txBody>
+          <a:bodyPr/>
+          <a:lstStyle/>
+          <a:p>
+            <a:r>
+              <a:rPr lang="en-CA" dirty="0" smtClean="0"/>
               <a:t>Pause alpha nodes: assumes that standard-practice</a:t>
             </a:r>
             <a:r>
@@ -1010,7 +1098,7 @@
 </p:notes>
 </file>
 
-<file path=ppt/notesSlides/notesSlide5.xml><?xml version="1.0" encoding="utf-8"?>
+<file path=ppt/notesSlides/notesSlide6.xml><?xml version="1.0" encoding="utf-8"?>
 <p:notes xmlns:a="http://schemas.openxmlformats.org/drawingml/2006/main" xmlns:r="http://schemas.openxmlformats.org/officeDocument/2006/relationships" xmlns:p="http://schemas.openxmlformats.org/presentationml/2006/main">
   <p:cSld>
     <p:spTree>
@@ -3630,7 +3718,7 @@
 </p:notes>
 </file>
 
-<file path=ppt/notesSlides/notesSlide6.xml><?xml version="1.0" encoding="utf-8"?>
+<file path=ppt/notesSlides/notesSlide7.xml><?xml version="1.0" encoding="utf-8"?>
 <p:notes xmlns:a="http://schemas.openxmlformats.org/drawingml/2006/main" xmlns:r="http://schemas.openxmlformats.org/officeDocument/2006/relationships" xmlns:p="http://schemas.openxmlformats.org/presentationml/2006/main">
   <p:cSld>
     <p:spTree>
@@ -3827,7 +3915,7 @@
 </p:notes>
 </file>
 
-<file path=ppt/notesSlides/notesSlide7.xml><?xml version="1.0" encoding="utf-8"?>
+<file path=ppt/notesSlides/notesSlide8.xml><?xml version="1.0" encoding="utf-8"?>
 <p:notes xmlns:a="http://schemas.openxmlformats.org/drawingml/2006/main" xmlns:r="http://schemas.openxmlformats.org/officeDocument/2006/relationships" xmlns:p="http://schemas.openxmlformats.org/presentationml/2006/main">
   <p:cSld>
     <p:spTree>
@@ -4816,7 +4904,7 @@
 </p:notes>
 </file>
 
-<file path=ppt/notesSlides/notesSlide8.xml><?xml version="1.0" encoding="utf-8"?>
+<file path=ppt/notesSlides/notesSlide9.xml><?xml version="1.0" encoding="utf-8"?>
 <p:notes xmlns:a="http://schemas.openxmlformats.org/drawingml/2006/main" xmlns:r="http://schemas.openxmlformats.org/officeDocument/2006/relationships" xmlns:p="http://schemas.openxmlformats.org/presentationml/2006/main">
   <p:cSld>
     <p:spTree>
@@ -5115,9 +5203,9 @@
           <a:bodyPr/>
           <a:lstStyle/>
           <a:p>
-            <a:fld id="{67B6F8C8-4A9C-44F0-9785-57451618E72F}" type="datetimeFigureOut">
+            <a:fld id="{9185BE60-0B19-4A2E-A512-2272E9B73DEB}" type="datetime1">
               <a:rPr lang="en-CA" smtClean="0"/>
-              <a:t>24/05/2017</a:t>
+              <a:t>25/05/2017</a:t>
             </a:fld>
             <a:endParaRPr lang="en-CA"/>
           </a:p>
@@ -5532,9 +5620,9 @@
           <a:bodyPr/>
           <a:lstStyle/>
           <a:p>
-            <a:fld id="{67B6F8C8-4A9C-44F0-9785-57451618E72F}" type="datetimeFigureOut">
+            <a:fld id="{6EB5CA60-75C4-47A2-8B1D-36F9F9D26615}" type="datetime1">
               <a:rPr lang="en-CA" smtClean="0"/>
-              <a:t>24/05/2017</a:t>
+              <a:t>25/05/2017</a:t>
             </a:fld>
             <a:endParaRPr lang="en-CA"/>
           </a:p>
@@ -5712,9 +5800,9 @@
           <a:bodyPr/>
           <a:lstStyle/>
           <a:p>
-            <a:fld id="{67B6F8C8-4A9C-44F0-9785-57451618E72F}" type="datetimeFigureOut">
+            <a:fld id="{BBB6C154-BAD4-45C4-9F0C-44D867EFFF3E}" type="datetime1">
               <a:rPr lang="en-CA" smtClean="0"/>
-              <a:t>24/05/2017</a:t>
+              <a:t>25/05/2017</a:t>
             </a:fld>
             <a:endParaRPr lang="en-CA"/>
           </a:p>
@@ -5917,9 +6005,9 @@
             </a:lvl1pPr>
           </a:lstStyle>
           <a:p>
-            <a:fld id="{67B6F8C8-4A9C-44F0-9785-57451618E72F}" type="datetimeFigureOut">
+            <a:fld id="{64CB2766-0896-4834-9051-F9B21CBB5EE0}" type="datetime1">
               <a:rPr lang="en-CA" smtClean="0"/>
-              <a:t>24/05/2017</a:t>
+              <a:t>25/05/2017</a:t>
             </a:fld>
             <a:endParaRPr lang="en-CA"/>
           </a:p>
@@ -6178,9 +6266,9 @@
           <a:bodyPr/>
           <a:lstStyle/>
           <a:p>
-            <a:fld id="{67B6F8C8-4A9C-44F0-9785-57451618E72F}" type="datetimeFigureOut">
+            <a:fld id="{0ADFF501-8D3A-445D-9E05-515F772F3778}" type="datetime1">
               <a:rPr lang="en-CA" smtClean="0"/>
-              <a:t>24/05/2017</a:t>
+              <a:t>25/05/2017</a:t>
             </a:fld>
             <a:endParaRPr lang="en-CA"/>
           </a:p>
@@ -6473,9 +6561,9 @@
           <a:bodyPr/>
           <a:lstStyle/>
           <a:p>
-            <a:fld id="{67B6F8C8-4A9C-44F0-9785-57451618E72F}" type="datetimeFigureOut">
+            <a:fld id="{5EE7FBA4-1A61-45E2-BE08-B184927059C0}" type="datetime1">
               <a:rPr lang="en-CA" smtClean="0"/>
-              <a:t>24/05/2017</a:t>
+              <a:t>25/05/2017</a:t>
             </a:fld>
             <a:endParaRPr lang="en-CA"/>
           </a:p>
@@ -6902,9 +6990,9 @@
           <a:bodyPr/>
           <a:lstStyle/>
           <a:p>
-            <a:fld id="{67B6F8C8-4A9C-44F0-9785-57451618E72F}" type="datetimeFigureOut">
+            <a:fld id="{84E7F4B8-D00E-4716-89D9-A368C45E489F}" type="datetime1">
               <a:rPr lang="en-CA" smtClean="0"/>
-              <a:t>24/05/2017</a:t>
+              <a:t>25/05/2017</a:t>
             </a:fld>
             <a:endParaRPr lang="en-CA"/>
           </a:p>
@@ -7020,9 +7108,9 @@
           <a:bodyPr/>
           <a:lstStyle/>
           <a:p>
-            <a:fld id="{67B6F8C8-4A9C-44F0-9785-57451618E72F}" type="datetimeFigureOut">
+            <a:fld id="{2F013FBC-6E0E-4369-A0AB-32FF458BC0E0}" type="datetime1">
               <a:rPr lang="en-CA" smtClean="0"/>
-              <a:t>24/05/2017</a:t>
+              <a:t>25/05/2017</a:t>
             </a:fld>
             <a:endParaRPr lang="en-CA"/>
           </a:p>
@@ -7115,9 +7203,9 @@
           <a:bodyPr/>
           <a:lstStyle/>
           <a:p>
-            <a:fld id="{67B6F8C8-4A9C-44F0-9785-57451618E72F}" type="datetimeFigureOut">
+            <a:fld id="{522DA37E-C27C-4055-98E2-DAFF9AE909DD}" type="datetime1">
               <a:rPr lang="en-CA" smtClean="0"/>
-              <a:t>24/05/2017</a:t>
+              <a:t>25/05/2017</a:t>
             </a:fld>
             <a:endParaRPr lang="en-CA"/>
           </a:p>
@@ -7392,9 +7480,9 @@
           <a:bodyPr/>
           <a:lstStyle/>
           <a:p>
-            <a:fld id="{67B6F8C8-4A9C-44F0-9785-57451618E72F}" type="datetimeFigureOut">
+            <a:fld id="{54C07254-8743-4922-83E0-01BD9B0616E2}" type="datetime1">
               <a:rPr lang="en-CA" smtClean="0"/>
-              <a:t>24/05/2017</a:t>
+              <a:t>25/05/2017</a:t>
             </a:fld>
             <a:endParaRPr lang="en-CA"/>
           </a:p>
@@ -7649,9 +7737,9 @@
           <a:bodyPr/>
           <a:lstStyle/>
           <a:p>
-            <a:fld id="{67B6F8C8-4A9C-44F0-9785-57451618E72F}" type="datetimeFigureOut">
+            <a:fld id="{45E7184B-5765-4306-B08F-4FEF9DF7655C}" type="datetime1">
               <a:rPr lang="en-CA" smtClean="0"/>
-              <a:t>24/05/2017</a:t>
+              <a:t>25/05/2017</a:t>
             </a:fld>
             <a:endParaRPr lang="en-CA"/>
           </a:p>
@@ -7860,9 +7948,9 @@
             </a:lvl1pPr>
           </a:lstStyle>
           <a:p>
-            <a:fld id="{67B6F8C8-4A9C-44F0-9785-57451618E72F}" type="datetimeFigureOut">
+            <a:fld id="{B14DAE8C-7338-4C6D-919D-0FA65621C767}" type="datetime1">
               <a:rPr lang="en-CA" smtClean="0"/>
-              <a:t>24/05/2017</a:t>
+              <a:t>25/05/2017</a:t>
             </a:fld>
             <a:endParaRPr lang="en-CA"/>
           </a:p>
@@ -8085,6 +8173,7 @@
       </p:par>
     </p:tnLst>
   </p:timing>
+  <p:hf hdr="0" ftr="0"/>
   <p:txStyles>
     <p:titleStyle>
       <a:lvl1pPr algn="l" defTabSz="914400" rtl="0" eaLnBrk="1" latinLnBrk="0" hangingPunct="1">
@@ -8403,6 +8492,52 @@
           </a:p>
         </p:txBody>
       </p:sp>
+      <p:sp>
+        <p:nvSpPr>
+          <p:cNvPr id="4" name="Date Placeholder 3"/>
+          <p:cNvSpPr>
+            <a:spLocks noGrp="1"/>
+          </p:cNvSpPr>
+          <p:nvPr>
+            <p:ph type="dt" sz="half" idx="10"/>
+          </p:nvPr>
+        </p:nvSpPr>
+        <p:spPr/>
+        <p:txBody>
+          <a:bodyPr/>
+          <a:lstStyle/>
+          <a:p>
+            <a:fld id="{43B07AE5-5EF2-4872-90CB-EB9B07BB7C50}" type="datetime1">
+              <a:rPr lang="en-CA" smtClean="0"/>
+              <a:t>25/05/2017</a:t>
+            </a:fld>
+            <a:endParaRPr lang="en-CA"/>
+          </a:p>
+        </p:txBody>
+      </p:sp>
+      <p:sp>
+        <p:nvSpPr>
+          <p:cNvPr id="5" name="Slide Number Placeholder 4"/>
+          <p:cNvSpPr>
+            <a:spLocks noGrp="1"/>
+          </p:cNvSpPr>
+          <p:nvPr>
+            <p:ph type="sldNum" sz="quarter" idx="12"/>
+          </p:nvPr>
+        </p:nvSpPr>
+        <p:spPr/>
+        <p:txBody>
+          <a:bodyPr/>
+          <a:lstStyle/>
+          <a:p>
+            <a:fld id="{1238C4B7-3C1E-4FA0-9C76-FE5833939200}" type="slidenum">
+              <a:rPr lang="en-CA" smtClean="0"/>
+              <a:t>1</a:t>
+            </a:fld>
+            <a:endParaRPr lang="en-CA"/>
+          </a:p>
+        </p:txBody>
+      </p:sp>
     </p:spTree>
     <p:extLst>
       <p:ext uri="{BB962C8B-B14F-4D97-AF65-F5344CB8AC3E}">
@@ -8692,6 +8827,52 @@
           </a:p>
         </p:txBody>
       </p:sp>
+      <p:sp>
+        <p:nvSpPr>
+          <p:cNvPr id="4" name="Date Placeholder 3"/>
+          <p:cNvSpPr>
+            <a:spLocks noGrp="1"/>
+          </p:cNvSpPr>
+          <p:nvPr>
+            <p:ph type="dt" sz="half" idx="10"/>
+          </p:nvPr>
+        </p:nvSpPr>
+        <p:spPr/>
+        <p:txBody>
+          <a:bodyPr/>
+          <a:lstStyle/>
+          <a:p>
+            <a:fld id="{3898490E-7F1B-404B-B979-5AD6C5802BCE}" type="datetime1">
+              <a:rPr lang="en-CA" smtClean="0"/>
+              <a:t>25/05/2017</a:t>
+            </a:fld>
+            <a:endParaRPr lang="en-CA"/>
+          </a:p>
+        </p:txBody>
+      </p:sp>
+      <p:sp>
+        <p:nvSpPr>
+          <p:cNvPr id="6" name="Slide Number Placeholder 5"/>
+          <p:cNvSpPr>
+            <a:spLocks noGrp="1"/>
+          </p:cNvSpPr>
+          <p:nvPr>
+            <p:ph type="sldNum" sz="quarter" idx="12"/>
+          </p:nvPr>
+        </p:nvSpPr>
+        <p:spPr/>
+        <p:txBody>
+          <a:bodyPr/>
+          <a:lstStyle/>
+          <a:p>
+            <a:fld id="{1238C4B7-3C1E-4FA0-9C76-FE5833939200}" type="slidenum">
+              <a:rPr lang="en-CA" smtClean="0"/>
+              <a:t>10</a:t>
+            </a:fld>
+            <a:endParaRPr lang="en-CA"/>
+          </a:p>
+        </p:txBody>
+      </p:sp>
     </p:spTree>
     <p:extLst>
       <p:ext uri="{BB962C8B-B14F-4D97-AF65-F5344CB8AC3E}">
@@ -8855,15 +9036,7 @@
             </a:r>
             <a:r>
               <a:rPr lang="en-CA" sz="1600" dirty="0" smtClean="0"/>
-              <a:t> vs. regular </a:t>
-            </a:r>
-            <a:r>
-              <a:rPr lang="en-CA" sz="1600" dirty="0" smtClean="0"/>
-              <a:t>memory, </a:t>
-            </a:r>
-            <a:r>
-              <a:rPr lang="en-CA" sz="1600" dirty="0" smtClean="0"/>
-              <a:t>based on premise selectivity</a:t>
+              <a:t> vs. regular memory, based on premise selectivity</a:t>
             </a:r>
             <a:endParaRPr lang="en-CA" sz="2400" dirty="0" smtClean="0"/>
           </a:p>
@@ -8893,7 +9066,11 @@
             </a:r>
             <a:r>
               <a:rPr lang="en-CA" sz="1600" dirty="0"/>
-              <a:t>[10]</a:t>
+              <a:t>[</a:t>
+            </a:r>
+            <a:r>
+              <a:rPr lang="en-CA" sz="1600" dirty="0" smtClean="0"/>
+              <a:t>11]</a:t>
             </a:r>
             <a:endParaRPr lang="en-CA" sz="1600" dirty="0" smtClean="0"/>
           </a:p>
@@ -9013,6 +9190,52 @@
               <a:buAutoNum type="arabicParenR"/>
             </a:pPr>
             <a:endParaRPr lang="en-CA" sz="1400" dirty="0" smtClean="0"/>
+          </a:p>
+        </p:txBody>
+      </p:sp>
+      <p:sp>
+        <p:nvSpPr>
+          <p:cNvPr id="4" name="Date Placeholder 3"/>
+          <p:cNvSpPr>
+            <a:spLocks noGrp="1"/>
+          </p:cNvSpPr>
+          <p:nvPr>
+            <p:ph type="dt" sz="half" idx="10"/>
+          </p:nvPr>
+        </p:nvSpPr>
+        <p:spPr/>
+        <p:txBody>
+          <a:bodyPr/>
+          <a:lstStyle/>
+          <a:p>
+            <a:fld id="{6D242BE0-C77A-4230-862D-BF2B9D388E0E}" type="datetime1">
+              <a:rPr lang="en-CA" smtClean="0"/>
+              <a:t>25/05/2017</a:t>
+            </a:fld>
+            <a:endParaRPr lang="en-CA"/>
+          </a:p>
+        </p:txBody>
+      </p:sp>
+      <p:sp>
+        <p:nvSpPr>
+          <p:cNvPr id="5" name="Slide Number Placeholder 4"/>
+          <p:cNvSpPr>
+            <a:spLocks noGrp="1"/>
+          </p:cNvSpPr>
+          <p:nvPr>
+            <p:ph type="sldNum" sz="quarter" idx="12"/>
+          </p:nvPr>
+        </p:nvSpPr>
+        <p:spPr/>
+        <p:txBody>
+          <a:bodyPr/>
+          <a:lstStyle/>
+          <a:p>
+            <a:fld id="{1238C4B7-3C1E-4FA0-9C76-FE5833939200}" type="slidenum">
+              <a:rPr lang="en-CA" smtClean="0"/>
+              <a:t>11</a:t>
+            </a:fld>
+            <a:endParaRPr lang="en-CA"/>
           </a:p>
         </p:txBody>
       </p:sp>
@@ -9071,8 +9294,12 @@
           <a:lstStyle/>
           <a:p>
             <a:r>
+              <a:rPr lang="en-CA" dirty="0" smtClean="0"/>
+              <a:t>Dynamic </a:t>
+            </a:r>
+            <a:r>
               <a:rPr lang="en-CA" dirty="0"/>
-              <a:t>2) Dynamic tailoring of RETE </a:t>
+              <a:t>tailoring of RETE </a:t>
             </a:r>
             <a:r>
               <a:rPr lang="en-CA" dirty="0" smtClean="0"/>
@@ -9155,6 +9382,52 @@
                 <a:srgbClr val="52514F"/>
               </a:solidFill>
             </a:endParaRPr>
+          </a:p>
+        </p:txBody>
+      </p:sp>
+      <p:sp>
+        <p:nvSpPr>
+          <p:cNvPr id="3" name="Date Placeholder 2"/>
+          <p:cNvSpPr>
+            <a:spLocks noGrp="1"/>
+          </p:cNvSpPr>
+          <p:nvPr>
+            <p:ph type="dt" sz="half" idx="10"/>
+          </p:nvPr>
+        </p:nvSpPr>
+        <p:spPr/>
+        <p:txBody>
+          <a:bodyPr/>
+          <a:lstStyle/>
+          <a:p>
+            <a:fld id="{3096AAE5-5DCE-4DBE-B8B9-CC0417094FD4}" type="datetime1">
+              <a:rPr lang="en-CA" smtClean="0"/>
+              <a:t>25/05/2017</a:t>
+            </a:fld>
+            <a:endParaRPr lang="en-CA"/>
+          </a:p>
+        </p:txBody>
+      </p:sp>
+      <p:sp>
+        <p:nvSpPr>
+          <p:cNvPr id="4" name="Slide Number Placeholder 3"/>
+          <p:cNvSpPr>
+            <a:spLocks noGrp="1"/>
+          </p:cNvSpPr>
+          <p:nvPr>
+            <p:ph type="sldNum" sz="quarter" idx="12"/>
+          </p:nvPr>
+        </p:nvSpPr>
+        <p:spPr/>
+        <p:txBody>
+          <a:bodyPr/>
+          <a:lstStyle/>
+          <a:p>
+            <a:fld id="{1238C4B7-3C1E-4FA0-9C76-FE5833939200}" type="slidenum">
+              <a:rPr lang="en-CA" smtClean="0"/>
+              <a:t>12</a:t>
+            </a:fld>
+            <a:endParaRPr lang="en-CA"/>
           </a:p>
         </p:txBody>
       </p:sp>
@@ -9213,14 +9486,22 @@
           <a:lstStyle/>
           <a:p>
             <a:r>
-              <a:rPr lang="en-CA" sz="2800" i="1" dirty="0" smtClean="0"/>
+              <a:rPr lang="en-CA" i="1" dirty="0" smtClean="0"/>
               <a:t>Dataset-mask</a:t>
             </a:r>
             <a:r>
-              <a:rPr lang="en-CA" sz="2800" dirty="0" smtClean="0"/>
-              <a:t>: evaluation (1)</a:t>
-            </a:r>
-            <a:endParaRPr lang="en-CA" sz="3100" dirty="0"/>
+              <a:rPr lang="en-CA" dirty="0" smtClean="0"/>
+              <a:t>: </a:t>
+            </a:r>
+            <a:r>
+              <a:rPr lang="en-CA" dirty="0" smtClean="0"/>
+              <a:t>Evaluation </a:t>
+            </a:r>
+            <a:r>
+              <a:rPr lang="en-CA" dirty="0" smtClean="0"/>
+              <a:t>(1)</a:t>
+            </a:r>
+            <a:endParaRPr lang="en-CA" dirty="0"/>
           </a:p>
         </p:txBody>
       </p:sp>
@@ -9939,6 +10220,52 @@
           <a:lstStyle/>
           <a:p>
             <a:pPr algn="ctr"/>
+            <a:endParaRPr lang="en-CA"/>
+          </a:p>
+        </p:txBody>
+      </p:sp>
+      <p:sp>
+        <p:nvSpPr>
+          <p:cNvPr id="3" name="Date Placeholder 2"/>
+          <p:cNvSpPr>
+            <a:spLocks noGrp="1"/>
+          </p:cNvSpPr>
+          <p:nvPr>
+            <p:ph type="dt" sz="half" idx="10"/>
+          </p:nvPr>
+        </p:nvSpPr>
+        <p:spPr/>
+        <p:txBody>
+          <a:bodyPr/>
+          <a:lstStyle/>
+          <a:p>
+            <a:fld id="{5A114AFF-F195-44F3-9AFA-66A0F0280E9D}" type="datetime1">
+              <a:rPr lang="en-CA" smtClean="0"/>
+              <a:t>25/05/2017</a:t>
+            </a:fld>
+            <a:endParaRPr lang="en-CA"/>
+          </a:p>
+        </p:txBody>
+      </p:sp>
+      <p:sp>
+        <p:nvSpPr>
+          <p:cNvPr id="6" name="Slide Number Placeholder 5"/>
+          <p:cNvSpPr>
+            <a:spLocks noGrp="1"/>
+          </p:cNvSpPr>
+          <p:nvPr>
+            <p:ph type="sldNum" sz="quarter" idx="12"/>
+          </p:nvPr>
+        </p:nvSpPr>
+        <p:spPr/>
+        <p:txBody>
+          <a:bodyPr/>
+          <a:lstStyle/>
+          <a:p>
+            <a:fld id="{1238C4B7-3C1E-4FA0-9C76-FE5833939200}" type="slidenum">
+              <a:rPr lang="en-CA" smtClean="0"/>
+              <a:t>13</a:t>
+            </a:fld>
             <a:endParaRPr lang="en-CA"/>
           </a:p>
         </p:txBody>
@@ -10629,7 +10956,19 @@
             </a:r>
             <a:r>
               <a:rPr lang="en-CA" dirty="0" smtClean="0"/>
-              <a:t>: evaluation (2)</a:t>
+              <a:t>: </a:t>
+            </a:r>
+            <a:r>
+              <a:rPr lang="en-CA" dirty="0" smtClean="0"/>
+              <a:t>Ev</a:t>
+            </a:r>
+            <a:r>
+              <a:rPr lang="en-CA" dirty="0" smtClean="0"/>
+              <a:t>aluation </a:t>
+            </a:r>
+            <a:r>
+              <a:rPr lang="en-CA" dirty="0" smtClean="0"/>
+              <a:t>(2)</a:t>
             </a:r>
             <a:endParaRPr lang="en-CA" i="1" dirty="0"/>
           </a:p>
@@ -10757,6 +11096,52 @@
               <a:rPr lang="en-CA" dirty="0" smtClean="0"/>
               <a:t>: avg. ca. +1s</a:t>
             </a:r>
+          </a:p>
+        </p:txBody>
+      </p:sp>
+      <p:sp>
+        <p:nvSpPr>
+          <p:cNvPr id="4" name="Date Placeholder 3"/>
+          <p:cNvSpPr>
+            <a:spLocks noGrp="1"/>
+          </p:cNvSpPr>
+          <p:nvPr>
+            <p:ph type="dt" sz="half" idx="10"/>
+          </p:nvPr>
+        </p:nvSpPr>
+        <p:spPr/>
+        <p:txBody>
+          <a:bodyPr/>
+          <a:lstStyle/>
+          <a:p>
+            <a:fld id="{EA2AC138-0074-40E9-9448-CA30F323B1CF}" type="datetime1">
+              <a:rPr lang="en-CA" smtClean="0"/>
+              <a:t>25/05/2017</a:t>
+            </a:fld>
+            <a:endParaRPr lang="en-CA"/>
+          </a:p>
+        </p:txBody>
+      </p:sp>
+      <p:sp>
+        <p:nvSpPr>
+          <p:cNvPr id="5" name="Slide Number Placeholder 4"/>
+          <p:cNvSpPr>
+            <a:spLocks noGrp="1"/>
+          </p:cNvSpPr>
+          <p:nvPr>
+            <p:ph type="sldNum" sz="quarter" idx="12"/>
+          </p:nvPr>
+        </p:nvSpPr>
+        <p:spPr/>
+        <p:txBody>
+          <a:bodyPr/>
+          <a:lstStyle/>
+          <a:p>
+            <a:fld id="{1238C4B7-3C1E-4FA0-9C76-FE5833939200}" type="slidenum">
+              <a:rPr lang="en-CA" smtClean="0"/>
+              <a:t>14</a:t>
+            </a:fld>
+            <a:endParaRPr lang="en-CA"/>
           </a:p>
         </p:txBody>
       </p:sp>
@@ -10818,7 +11203,11 @@
             </a:r>
             <a:r>
               <a:rPr lang="en-CA" dirty="0" smtClean="0"/>
-              <a:t>: evaluation</a:t>
+              <a:t>: </a:t>
+            </a:r>
+            <a:r>
+              <a:rPr lang="en-CA" dirty="0" smtClean="0"/>
+              <a:t>Evaluation</a:t>
             </a:r>
             <a:endParaRPr lang="en-CA" dirty="0"/>
           </a:p>
@@ -11570,6 +11959,52 @@
           <a:lstStyle/>
           <a:p>
             <a:pPr algn="ctr"/>
+            <a:endParaRPr lang="en-CA"/>
+          </a:p>
+        </p:txBody>
+      </p:sp>
+      <p:sp>
+        <p:nvSpPr>
+          <p:cNvPr id="3" name="Date Placeholder 2"/>
+          <p:cNvSpPr>
+            <a:spLocks noGrp="1"/>
+          </p:cNvSpPr>
+          <p:nvPr>
+            <p:ph type="dt" sz="half" idx="10"/>
+          </p:nvPr>
+        </p:nvSpPr>
+        <p:spPr/>
+        <p:txBody>
+          <a:bodyPr/>
+          <a:lstStyle/>
+          <a:p>
+            <a:fld id="{BC042625-1509-409A-BC22-8F22810715F5}" type="datetime1">
+              <a:rPr lang="en-CA" smtClean="0"/>
+              <a:t>25/05/2017</a:t>
+            </a:fld>
+            <a:endParaRPr lang="en-CA"/>
+          </a:p>
+        </p:txBody>
+      </p:sp>
+      <p:sp>
+        <p:nvSpPr>
+          <p:cNvPr id="21" name="Slide Number Placeholder 20"/>
+          <p:cNvSpPr>
+            <a:spLocks noGrp="1"/>
+          </p:cNvSpPr>
+          <p:nvPr>
+            <p:ph type="sldNum" sz="quarter" idx="12"/>
+          </p:nvPr>
+        </p:nvSpPr>
+        <p:spPr/>
+        <p:txBody>
+          <a:bodyPr/>
+          <a:lstStyle/>
+          <a:p>
+            <a:fld id="{1238C4B7-3C1E-4FA0-9C76-FE5833939200}" type="slidenum">
+              <a:rPr lang="en-CA" smtClean="0"/>
+              <a:t>15</a:t>
+            </a:fld>
             <a:endParaRPr lang="en-CA"/>
           </a:p>
         </p:txBody>
@@ -12332,14 +12767,35 @@
         </p:nvSpPr>
         <p:spPr/>
         <p:txBody>
-          <a:bodyPr/>
+          <a:bodyPr>
+            <a:normAutofit fontScale="90000"/>
+          </a:bodyPr>
           <a:lstStyle/>
           <a:p>
             <a:r>
+              <a:rPr lang="en-CA" sz="2700" dirty="0"/>
+              <a:t>2) RETE Strategies for Resource-Constrained </a:t>
+            </a:r>
+            <a:r>
+              <a:rPr lang="en-CA" sz="2700" dirty="0" smtClean="0"/>
+              <a:t>Settings:</a:t>
+            </a:r>
+            <a:r>
               <a:rPr lang="en-CA" dirty="0" smtClean="0"/>
-              <a:t>Future work (in progress)</a:t>
-            </a:r>
-            <a:endParaRPr lang="en-CA" dirty="0"/>
+              <a:t/>
+            </a:r>
+            <a:br>
+              <a:rPr lang="en-CA" dirty="0" smtClean="0"/>
+            </a:br>
+            <a:r>
+              <a:rPr lang="en-CA" sz="3100" dirty="0" smtClean="0"/>
+              <a:t>Future </a:t>
+            </a:r>
+            <a:r>
+              <a:rPr lang="en-CA" sz="3100" dirty="0" smtClean="0"/>
+              <a:t>work (in progress)</a:t>
+            </a:r>
+            <a:endParaRPr lang="en-CA" sz="2700" dirty="0"/>
           </a:p>
         </p:txBody>
       </p:sp>
@@ -12353,7 +12809,12 @@
             <p:ph idx="1"/>
           </p:nvPr>
         </p:nvSpPr>
-        <p:spPr/>
+        <p:spPr>
+          <a:xfrm>
+            <a:off x="609600" y="1600201"/>
+            <a:ext cx="10972800" cy="4756150"/>
+          </a:xfrm>
+        </p:spPr>
         <p:txBody>
           <a:bodyPr>
             <a:normAutofit/>
@@ -12362,11 +12823,7 @@
           <a:p>
             <a:r>
               <a:rPr lang="en-US" sz="1800" dirty="0" smtClean="0"/>
-              <a:t>Currently: mostly based </a:t>
-            </a:r>
-            <a:r>
-              <a:rPr lang="en-US" sz="1800" dirty="0" smtClean="0"/>
-              <a:t>on OWL2 </a:t>
+              <a:t>Currently: mostly based on OWL2 </a:t>
             </a:r>
             <a:r>
               <a:rPr lang="en-US" sz="1800" dirty="0"/>
@@ -12515,17 +12972,61 @@
               <a:rPr lang="en-US" sz="1600" dirty="0" smtClean="0"/>
               <a:t>selectivities</a:t>
             </a:r>
-            <a:endParaRPr lang="en-CA" sz="1800" dirty="0" smtClean="0"/>
-          </a:p>
-          <a:p>
             <a:endParaRPr lang="en-CA" sz="2000" dirty="0" smtClean="0"/>
           </a:p>
           <a:p>
-            <a:r>
-              <a:rPr lang="en-CA" sz="2000" dirty="0" smtClean="0"/>
-              <a:t>.. virtual materialization of OWL2 semantics in join operations</a:t>
-            </a:r>
-            <a:endParaRPr lang="en-CA" sz="2000" dirty="0"/>
+            <a:pPr lvl="1"/>
+            <a:endParaRPr lang="en-CA" sz="1600" dirty="0" smtClean="0"/>
+          </a:p>
+          <a:p>
+            <a:pPr lvl="1"/>
+            <a:endParaRPr lang="en-CA" sz="1600" dirty="0" smtClean="0"/>
+          </a:p>
+        </p:txBody>
+      </p:sp>
+      <p:sp>
+        <p:nvSpPr>
+          <p:cNvPr id="4" name="Date Placeholder 3"/>
+          <p:cNvSpPr>
+            <a:spLocks noGrp="1"/>
+          </p:cNvSpPr>
+          <p:nvPr>
+            <p:ph type="dt" sz="half" idx="10"/>
+          </p:nvPr>
+        </p:nvSpPr>
+        <p:spPr/>
+        <p:txBody>
+          <a:bodyPr/>
+          <a:lstStyle/>
+          <a:p>
+            <a:fld id="{503A7B79-DB2D-4A3A-90EB-C7136F37409A}" type="datetime1">
+              <a:rPr lang="en-CA" smtClean="0"/>
+              <a:t>25/05/2017</a:t>
+            </a:fld>
+            <a:endParaRPr lang="en-CA"/>
+          </a:p>
+        </p:txBody>
+      </p:sp>
+      <p:sp>
+        <p:nvSpPr>
+          <p:cNvPr id="5" name="Slide Number Placeholder 4"/>
+          <p:cNvSpPr>
+            <a:spLocks noGrp="1"/>
+          </p:cNvSpPr>
+          <p:nvPr>
+            <p:ph type="sldNum" sz="quarter" idx="12"/>
+          </p:nvPr>
+        </p:nvSpPr>
+        <p:spPr/>
+        <p:txBody>
+          <a:bodyPr/>
+          <a:lstStyle/>
+          <a:p>
+            <a:fld id="{1238C4B7-3C1E-4FA0-9C76-FE5833939200}" type="slidenum">
+              <a:rPr lang="en-CA" smtClean="0"/>
+              <a:t>16</a:t>
+            </a:fld>
+            <a:endParaRPr lang="en-CA"/>
           </a:p>
         </p:txBody>
       </p:sp>
@@ -12566,6 +13067,36 @@
           <a:chExt cx="0" cy="0"/>
         </a:xfrm>
       </p:grpSpPr>
+      <p:pic>
+        <p:nvPicPr>
+          <p:cNvPr id="6" name="Picture 5"/>
+          <p:cNvPicPr>
+            <a:picLocks noChangeAspect="1"/>
+          </p:cNvPicPr>
+          <p:nvPr/>
+        </p:nvPicPr>
+        <p:blipFill>
+          <a:blip r:embed="rId2">
+            <a:extLst>
+              <a:ext uri="{28A0092B-C50C-407E-A947-70E740481C1C}">
+                <a14:useLocalDpi xmlns:a14="http://schemas.microsoft.com/office/drawing/2010/main" val="0"/>
+              </a:ext>
+            </a:extLst>
+          </a:blip>
+          <a:stretch>
+            <a:fillRect/>
+          </a:stretch>
+        </p:blipFill>
+        <p:spPr>
+          <a:xfrm>
+            <a:off x="1085851" y="3054947"/>
+            <a:ext cx="10058397" cy="3458566"/>
+          </a:xfrm>
+          <a:prstGeom prst="rect">
+            <a:avLst/>
+          </a:prstGeom>
+        </p:spPr>
+      </p:pic>
       <p:sp>
         <p:nvSpPr>
           <p:cNvPr id="2" name="Title 1"/>
@@ -12578,12 +13109,33 @@
         </p:nvSpPr>
         <p:spPr/>
         <p:txBody>
-          <a:bodyPr/>
+          <a:bodyPr>
+            <a:normAutofit fontScale="90000"/>
+          </a:bodyPr>
           <a:lstStyle/>
           <a:p>
             <a:r>
-              <a:rPr lang="en-CA" dirty="0" smtClean="0"/>
-              <a:t>References</a:t>
+              <a:rPr lang="en-CA" sz="2700" dirty="0"/>
+              <a:t>2) RETE Strategies for Resource-Constrained Settings:</a:t>
+            </a:r>
+            <a:r>
+              <a:rPr lang="en-CA" dirty="0"/>
+              <a:t/>
+            </a:r>
+            <a:br>
+              <a:rPr lang="en-CA" dirty="0"/>
+            </a:br>
+            <a:r>
+              <a:rPr lang="en-CA" sz="3100" dirty="0" smtClean="0"/>
+              <a:t>Future </a:t>
+            </a:r>
+            <a:r>
+              <a:rPr lang="en-CA" sz="3100" dirty="0"/>
+              <a:t>work (in progress</a:t>
+            </a:r>
+            <a:r>
+              <a:rPr lang="en-CA" sz="3100" dirty="0" smtClean="0"/>
+              <a:t>) (2)</a:t>
             </a:r>
             <a:endParaRPr lang="en-CA" dirty="0"/>
           </a:p>
@@ -12599,565 +13151,179 @@
             <p:ph idx="1"/>
           </p:nvPr>
         </p:nvSpPr>
+        <p:spPr/>
+        <p:txBody>
+          <a:bodyPr/>
+          <a:lstStyle/>
+          <a:p>
+            <a:r>
+              <a:rPr lang="en-CA" dirty="0"/>
+              <a:t>Virtual materialization of OWL2 semantics in match &amp; join operations</a:t>
+            </a:r>
+          </a:p>
+          <a:p>
+            <a:pPr lvl="1"/>
+            <a:r>
+              <a:rPr lang="en-CA" dirty="0"/>
+              <a:t>Consider OWL2 semantics when matching &amp; joining </a:t>
+            </a:r>
+            <a:r>
+              <a:rPr lang="en-CA" dirty="0" smtClean="0"/>
+              <a:t>tokens</a:t>
+            </a:r>
+            <a:endParaRPr lang="en-CA" dirty="0"/>
+          </a:p>
+          <a:p>
+            <a:pPr lvl="1"/>
+            <a:r>
+              <a:rPr lang="en-CA" dirty="0"/>
+              <a:t>Avoid explicit materialization, which takes up </a:t>
+            </a:r>
+            <a:r>
+              <a:rPr lang="en-CA" dirty="0" smtClean="0"/>
+              <a:t>memory</a:t>
+            </a:r>
+            <a:endParaRPr lang="en-CA" dirty="0"/>
+          </a:p>
+        </p:txBody>
+      </p:sp>
+      <p:sp>
+        <p:nvSpPr>
+          <p:cNvPr id="4" name="Date Placeholder 3"/>
+          <p:cNvSpPr>
+            <a:spLocks noGrp="1"/>
+          </p:cNvSpPr>
+          <p:nvPr>
+            <p:ph type="dt" sz="half" idx="10"/>
+          </p:nvPr>
+        </p:nvSpPr>
+        <p:spPr/>
+        <p:txBody>
+          <a:bodyPr/>
+          <a:lstStyle/>
+          <a:p>
+            <a:fld id="{64CB2766-0896-4834-9051-F9B21CBB5EE0}" type="datetime1">
+              <a:rPr lang="en-CA" smtClean="0"/>
+              <a:t>25/05/2017</a:t>
+            </a:fld>
+            <a:endParaRPr lang="en-CA"/>
+          </a:p>
+        </p:txBody>
+      </p:sp>
+      <p:sp>
+        <p:nvSpPr>
+          <p:cNvPr id="5" name="Slide Number Placeholder 4"/>
+          <p:cNvSpPr>
+            <a:spLocks noGrp="1"/>
+          </p:cNvSpPr>
+          <p:nvPr>
+            <p:ph type="sldNum" sz="quarter" idx="12"/>
+          </p:nvPr>
+        </p:nvSpPr>
+        <p:spPr/>
+        <p:txBody>
+          <a:bodyPr/>
+          <a:lstStyle/>
+          <a:p>
+            <a:fld id="{1238C4B7-3C1E-4FA0-9C76-FE5833939200}" type="slidenum">
+              <a:rPr lang="en-CA" smtClean="0"/>
+              <a:t>17</a:t>
+            </a:fld>
+            <a:endParaRPr lang="en-CA"/>
+          </a:p>
+        </p:txBody>
+      </p:sp>
+      <p:sp>
+        <p:nvSpPr>
+          <p:cNvPr id="9" name="Oval 8"/>
+          <p:cNvSpPr/>
+          <p:nvPr/>
+        </p:nvSpPr>
         <p:spPr>
           <a:xfrm>
-            <a:off x="609600" y="1600201"/>
-            <a:ext cx="10972800" cy="5131339"/>
+            <a:off x="2960098" y="3054947"/>
+            <a:ext cx="1184366" cy="450253"/>
           </a:xfrm>
+          <a:prstGeom prst="ellipse">
+            <a:avLst/>
+          </a:prstGeom>
+          <a:noFill/>
         </p:spPr>
-        <p:txBody>
-          <a:bodyPr>
-            <a:noAutofit/>
-          </a:bodyPr>
+        <p:style>
+          <a:lnRef idx="2">
+            <a:schemeClr val="accent1">
+              <a:shade val="50000"/>
+            </a:schemeClr>
+          </a:lnRef>
+          <a:fillRef idx="1">
+            <a:schemeClr val="accent1"/>
+          </a:fillRef>
+          <a:effectRef idx="0">
+            <a:schemeClr val="accent1"/>
+          </a:effectRef>
+          <a:fontRef idx="minor">
+            <a:schemeClr val="lt1"/>
+          </a:fontRef>
+        </p:style>
+        <p:txBody>
+          <a:bodyPr rtlCol="0" anchor="ctr"/>
           <a:lstStyle/>
           <a:p>
-            <a:pPr marL="0" indent="0">
-              <a:buNone/>
-            </a:pPr>
-            <a:r>
-              <a:rPr lang="en-CA" sz="1600" dirty="0" smtClean="0"/>
-              <a:t>[1] </a:t>
-            </a:r>
-            <a:r>
-              <a:rPr lang="en-CA" sz="1600" i="1" dirty="0" smtClean="0"/>
-              <a:t>S. Abidi</a:t>
-            </a:r>
-            <a:r>
-              <a:rPr lang="en-CA" sz="1600" dirty="0" smtClean="0"/>
-              <a:t>. PhD Thesis, 2010.</a:t>
-            </a:r>
-          </a:p>
-          <a:p>
-            <a:pPr marL="0" indent="0">
-              <a:buNone/>
-            </a:pPr>
-            <a:r>
-              <a:rPr lang="en-CA" sz="1600" dirty="0" smtClean="0"/>
-              <a:t>[2] </a:t>
-            </a:r>
-            <a:r>
-              <a:rPr lang="en-CA" sz="1600" i="1" dirty="0" smtClean="0"/>
-              <a:t>B. Jafarpour</a:t>
-            </a:r>
-            <a:r>
-              <a:rPr lang="en-CA" sz="1600" dirty="0" smtClean="0"/>
-              <a:t>. PhD Thesis, 2010.</a:t>
-            </a:r>
-          </a:p>
-          <a:p>
-            <a:pPr marL="0" indent="0">
-              <a:buNone/>
-            </a:pPr>
-            <a:r>
-              <a:rPr lang="en-CA" sz="1600" dirty="0" smtClean="0"/>
-              <a:t>[3]</a:t>
-            </a:r>
-            <a:r>
-              <a:rPr lang="en-CA" sz="1600" b="1" dirty="0" smtClean="0"/>
-              <a:t> </a:t>
-            </a:r>
-            <a:r>
-              <a:rPr lang="en-CA" sz="1600" i="1" dirty="0" smtClean="0"/>
-              <a:t>C. </a:t>
-            </a:r>
-            <a:r>
-              <a:rPr lang="en-CA" sz="1600" i="1" dirty="0"/>
-              <a:t>Bobed, </a:t>
-            </a:r>
-            <a:r>
-              <a:rPr lang="en-CA" sz="1600" i="1" dirty="0" smtClean="0"/>
-              <a:t>R. </a:t>
-            </a:r>
-            <a:r>
-              <a:rPr lang="en-CA" sz="1600" i="1" dirty="0"/>
-              <a:t>Yus, </a:t>
-            </a:r>
-            <a:r>
-              <a:rPr lang="en-CA" sz="1600" i="1" dirty="0" smtClean="0"/>
-              <a:t>F. </a:t>
-            </a:r>
-            <a:r>
-              <a:rPr lang="en-CA" sz="1600" i="1" dirty="0"/>
-              <a:t>Bobillo, </a:t>
-            </a:r>
-            <a:r>
-              <a:rPr lang="en-CA" sz="1600" i="1" dirty="0" smtClean="0"/>
-              <a:t>E. </a:t>
-            </a:r>
-            <a:r>
-              <a:rPr lang="en-CA" sz="1600" i="1" dirty="0"/>
-              <a:t>Mena</a:t>
-            </a:r>
-            <a:r>
-              <a:rPr lang="en-CA" sz="1600" dirty="0"/>
-              <a:t>.  </a:t>
-            </a:r>
-            <a:r>
-              <a:rPr lang="en-CA" sz="1600" b="1" dirty="0"/>
-              <a:t>Semantic reasoning on mobile devices: Do androids dream of efficient reasoners?</a:t>
-            </a:r>
-            <a:r>
-              <a:rPr lang="en-CA" sz="1600" dirty="0"/>
-              <a:t> Web Semantics: Science, Services and Agents on the World </a:t>
-            </a:r>
-            <a:r>
-              <a:rPr lang="en-CA" sz="1600" dirty="0" smtClean="0"/>
-              <a:t>Wide </a:t>
-            </a:r>
-            <a:r>
-              <a:rPr lang="en-CA" sz="1600" dirty="0"/>
-              <a:t>Web, 35:167–183, December 2015</a:t>
-            </a:r>
-            <a:r>
-              <a:rPr lang="en-CA" sz="1600" dirty="0" smtClean="0"/>
-              <a:t>.</a:t>
-            </a:r>
-          </a:p>
-          <a:p>
-            <a:pPr marL="0" indent="0">
-              <a:buNone/>
-            </a:pPr>
-            <a:r>
-              <a:rPr lang="en-US" sz="1600" dirty="0" smtClean="0"/>
-              <a:t>[4] </a:t>
-            </a:r>
-            <a:r>
-              <a:rPr lang="en-US" sz="1600" i="1" dirty="0" smtClean="0"/>
-              <a:t>S</a:t>
-            </a:r>
-            <a:r>
-              <a:rPr lang="en-US" sz="1600" i="1" dirty="0"/>
-              <a:t>. Ali and S. </a:t>
-            </a:r>
-            <a:r>
-              <a:rPr lang="en-US" sz="1600" i="1" dirty="0" smtClean="0"/>
-              <a:t>Kiefer</a:t>
-            </a:r>
-            <a:r>
-              <a:rPr lang="en-US" sz="1600" dirty="0"/>
-              <a:t>.</a:t>
-            </a:r>
-            <a:r>
-              <a:rPr lang="en-US" sz="1600" dirty="0" smtClean="0"/>
-              <a:t> </a:t>
-            </a:r>
-            <a:r>
-              <a:rPr lang="en-US" sz="1600" b="1" dirty="0"/>
-              <a:t>“</a:t>
-            </a:r>
-            <a:r>
-              <a:rPr lang="en-US" sz="1600" b="1" dirty="0" err="1"/>
-              <a:t>microOR</a:t>
-            </a:r>
-            <a:r>
-              <a:rPr lang="en-US" sz="1600" b="1" dirty="0"/>
-              <a:t> --- A Micro OWL DL Reasoner for Ambient Intelligent </a:t>
-            </a:r>
-            <a:r>
-              <a:rPr lang="en-US" sz="1600" b="1" dirty="0" smtClean="0"/>
-              <a:t>Devices.</a:t>
-            </a:r>
-            <a:r>
-              <a:rPr lang="en-US" sz="1600" dirty="0" smtClean="0"/>
-              <a:t> </a:t>
-            </a:r>
-            <a:r>
-              <a:rPr lang="en-US" sz="1600" dirty="0"/>
-              <a:t>I</a:t>
-            </a:r>
-            <a:r>
-              <a:rPr lang="en-US" sz="1600" dirty="0" smtClean="0"/>
-              <a:t>n </a:t>
-            </a:r>
-            <a:r>
-              <a:rPr lang="en-US" sz="1600" i="1" dirty="0"/>
-              <a:t>Proceedings of the 4th International Conference on Advances in Grid and Pervasive Computing</a:t>
-            </a:r>
-            <a:r>
-              <a:rPr lang="en-US" sz="1600" dirty="0"/>
-              <a:t>, 2009, pp. 305–316</a:t>
-            </a:r>
-            <a:r>
-              <a:rPr lang="en-US" sz="1600" dirty="0" smtClean="0"/>
-              <a:t>.</a:t>
-            </a:r>
-          </a:p>
-          <a:p>
-            <a:pPr marL="0" indent="0">
-              <a:buNone/>
-            </a:pPr>
-            <a:r>
-              <a:rPr lang="en-US" sz="1600" dirty="0" smtClean="0"/>
-              <a:t>[5] </a:t>
-            </a:r>
-            <a:r>
-              <a:rPr lang="en-US" sz="1600" i="1" dirty="0" smtClean="0"/>
-              <a:t>T</a:t>
-            </a:r>
-            <a:r>
-              <a:rPr lang="en-US" sz="1600" i="1" dirty="0"/>
-              <a:t>. Kim, I. Park, S. J. Hyun, </a:t>
-            </a:r>
-            <a:r>
-              <a:rPr lang="en-US" sz="1600" i="1" dirty="0" smtClean="0"/>
-              <a:t>D</a:t>
-            </a:r>
-            <a:r>
-              <a:rPr lang="en-US" sz="1600" i="1" dirty="0"/>
-              <a:t>. </a:t>
-            </a:r>
-            <a:r>
-              <a:rPr lang="en-US" sz="1600" i="1" dirty="0" smtClean="0"/>
-              <a:t>Lee.</a:t>
-            </a:r>
-            <a:r>
-              <a:rPr lang="en-US" sz="1600" dirty="0" smtClean="0"/>
-              <a:t> </a:t>
-            </a:r>
-            <a:r>
-              <a:rPr lang="en-US" sz="1600" b="1" dirty="0" smtClean="0"/>
-              <a:t>MiRE4OWL</a:t>
-            </a:r>
-            <a:r>
-              <a:rPr lang="en-US" sz="1600" b="1" dirty="0"/>
-              <a:t>: Mobile Rule Engine for </a:t>
-            </a:r>
-            <a:r>
-              <a:rPr lang="en-US" sz="1600" b="1" dirty="0" smtClean="0"/>
-              <a:t>OWL.</a:t>
-            </a:r>
-            <a:r>
-              <a:rPr lang="en-US" sz="1600" dirty="0" smtClean="0"/>
-              <a:t> In </a:t>
-            </a:r>
-            <a:r>
-              <a:rPr lang="en-US" sz="1600" i="1" dirty="0"/>
-              <a:t>Proceedings of the 2010 IEEE 34th Annual Computer Software and Applications Conference Workshops</a:t>
-            </a:r>
-            <a:r>
-              <a:rPr lang="en-US" sz="1600" dirty="0"/>
-              <a:t>, 2010, pp. 317–322</a:t>
-            </a:r>
-            <a:r>
-              <a:rPr lang="en-US" sz="1600" dirty="0" smtClean="0"/>
-              <a:t>.</a:t>
-            </a:r>
-          </a:p>
-          <a:p>
-            <a:pPr marL="0" indent="0">
-              <a:buNone/>
-            </a:pPr>
-            <a:r>
-              <a:rPr lang="en-US" sz="1600" dirty="0" smtClean="0"/>
-              <a:t>[6] </a:t>
-            </a:r>
-            <a:r>
-              <a:rPr lang="en-US" sz="1600" i="1" dirty="0" smtClean="0"/>
-              <a:t>B</a:t>
-            </a:r>
-            <a:r>
-              <a:rPr lang="en-US" sz="1600" i="1" dirty="0"/>
-              <a:t>. Motik, I. Horrocks, </a:t>
-            </a:r>
-            <a:r>
-              <a:rPr lang="en-US" sz="1600" i="1" dirty="0" smtClean="0"/>
-              <a:t>S</a:t>
-            </a:r>
-            <a:r>
-              <a:rPr lang="en-US" sz="1600" i="1" dirty="0"/>
-              <a:t>. M. </a:t>
-            </a:r>
-            <a:r>
-              <a:rPr lang="en-US" sz="1600" i="1" dirty="0" smtClean="0"/>
-              <a:t>Kim.</a:t>
-            </a:r>
-            <a:r>
-              <a:rPr lang="en-US" sz="1600" dirty="0" smtClean="0"/>
-              <a:t> </a:t>
-            </a:r>
-            <a:r>
-              <a:rPr lang="en-US" sz="1600" b="1" dirty="0" smtClean="0"/>
-              <a:t>Delta-reasoner</a:t>
-            </a:r>
-            <a:r>
-              <a:rPr lang="en-US" sz="1600" b="1" dirty="0"/>
-              <a:t>: A Semantic Web Reasoner for an Intelligent Mobile </a:t>
-            </a:r>
-            <a:r>
-              <a:rPr lang="en-US" sz="1600" b="1" dirty="0" smtClean="0"/>
-              <a:t>Platform.</a:t>
-            </a:r>
-            <a:r>
-              <a:rPr lang="en-US" sz="1600" dirty="0" smtClean="0"/>
-              <a:t> In </a:t>
-            </a:r>
-            <a:r>
-              <a:rPr lang="en-US" sz="1600" i="1" dirty="0"/>
-              <a:t>Proceedings of the 21st International Conference Companion on World Wide Web</a:t>
-            </a:r>
-            <a:r>
-              <a:rPr lang="en-US" sz="1600" dirty="0"/>
-              <a:t>, 2012, pp. 63–72</a:t>
-            </a:r>
-            <a:r>
-              <a:rPr lang="en-US" sz="1600" dirty="0" smtClean="0"/>
-              <a:t>.</a:t>
-            </a:r>
-          </a:p>
-          <a:p>
-            <a:pPr marL="0" indent="0">
-              <a:buNone/>
-            </a:pPr>
-            <a:r>
-              <a:rPr lang="en-US" sz="1600" dirty="0" smtClean="0"/>
-              <a:t>[7] </a:t>
-            </a:r>
-            <a:r>
-              <a:rPr lang="en-US" sz="1600" i="1" dirty="0"/>
-              <a:t>W. Tai, J. Keeney, </a:t>
-            </a:r>
-            <a:r>
-              <a:rPr lang="en-US" sz="1600" i="1" dirty="0" smtClean="0"/>
-              <a:t>D</a:t>
-            </a:r>
-            <a:r>
-              <a:rPr lang="en-US" sz="1600" i="1" dirty="0"/>
-              <a:t>. </a:t>
-            </a:r>
-            <a:r>
-              <a:rPr lang="en-US" sz="1600" i="1" dirty="0" smtClean="0"/>
-              <a:t>O’Sullivan</a:t>
-            </a:r>
-            <a:r>
-              <a:rPr lang="en-US" sz="1600" dirty="0" smtClean="0"/>
-              <a:t>. </a:t>
-            </a:r>
-            <a:r>
-              <a:rPr lang="en-US" sz="1600" b="1" dirty="0" smtClean="0"/>
-              <a:t>Resource-constrained reasoning using a reasoner composition approach.</a:t>
-            </a:r>
-            <a:r>
-              <a:rPr lang="en-US" sz="1600" dirty="0" smtClean="0"/>
-              <a:t> </a:t>
-            </a:r>
-            <a:r>
-              <a:rPr lang="en-US" sz="1600" i="1" dirty="0"/>
-              <a:t>Semant. Web</a:t>
-            </a:r>
-            <a:r>
-              <a:rPr lang="en-US" sz="1600" dirty="0"/>
-              <a:t>, vol. 6, no. 1, pp. 35–59, 2015</a:t>
-            </a:r>
-            <a:r>
-              <a:rPr lang="en-US" sz="1600" dirty="0" smtClean="0"/>
-              <a:t>.</a:t>
-            </a:r>
-            <a:endParaRPr lang="en-CA" sz="1600" dirty="0" smtClean="0"/>
-          </a:p>
-          <a:p>
-            <a:pPr marL="0" indent="0">
-              <a:buNone/>
-            </a:pPr>
-            <a:r>
-              <a:rPr lang="en-CA" sz="1600" dirty="0" smtClean="0"/>
-              <a:t>[8] </a:t>
-            </a:r>
-            <a:r>
-              <a:rPr lang="en-US" sz="1600" i="1" dirty="0"/>
-              <a:t>J. </a:t>
-            </a:r>
-            <a:r>
-              <a:rPr lang="en-US" sz="1600" i="1" dirty="0" err="1"/>
-              <a:t>Bak</a:t>
-            </a:r>
-            <a:r>
-              <a:rPr lang="en-US" sz="1600" i="1" dirty="0"/>
-              <a:t>, M. Nowak, </a:t>
-            </a:r>
-            <a:r>
-              <a:rPr lang="en-US" sz="1600" i="1" dirty="0" smtClean="0"/>
-              <a:t>C</a:t>
-            </a:r>
-            <a:r>
-              <a:rPr lang="en-US" sz="1600" i="1" dirty="0"/>
-              <a:t>. </a:t>
-            </a:r>
-            <a:r>
-              <a:rPr lang="en-US" sz="1600" i="1" dirty="0" err="1" smtClean="0"/>
-              <a:t>Jedrzejek</a:t>
-            </a:r>
-            <a:r>
-              <a:rPr lang="en-US" sz="1600" dirty="0" smtClean="0"/>
-              <a:t>. </a:t>
-            </a:r>
-            <a:r>
-              <a:rPr lang="en-US" sz="1600" b="1" dirty="0" smtClean="0"/>
-              <a:t>RuQAR</a:t>
-            </a:r>
-            <a:r>
-              <a:rPr lang="en-US" sz="1600" b="1" dirty="0"/>
-              <a:t>: Reasoning Framework for OWL 2 RL </a:t>
-            </a:r>
-            <a:r>
-              <a:rPr lang="en-US" sz="1600" b="1" dirty="0" smtClean="0"/>
-              <a:t>Ontologies</a:t>
-            </a:r>
-            <a:r>
-              <a:rPr lang="en-US" sz="1600" dirty="0" smtClean="0"/>
-              <a:t>. </a:t>
-            </a:r>
-            <a:r>
-              <a:rPr lang="en-US" sz="1600" dirty="0"/>
-              <a:t>I</a:t>
-            </a:r>
-            <a:r>
-              <a:rPr lang="en-US" sz="1600" dirty="0" smtClean="0"/>
-              <a:t>n </a:t>
-            </a:r>
-            <a:r>
-              <a:rPr lang="en-US" sz="1600" i="1" dirty="0"/>
-              <a:t>The Semantic Web: ESWC 2014 Satellite Events, </a:t>
-            </a:r>
-            <a:r>
-              <a:rPr lang="en-US" sz="1600" i="1" dirty="0" err="1"/>
-              <a:t>Anissaras</a:t>
-            </a:r>
-            <a:r>
-              <a:rPr lang="en-US" sz="1600" i="1" dirty="0"/>
-              <a:t>, Crete, Greece, May 25-29, 2014, </a:t>
-            </a:r>
-            <a:r>
-              <a:rPr lang="en-US" sz="1600" dirty="0" smtClean="0"/>
-              <a:t>2014</a:t>
-            </a:r>
-            <a:r>
-              <a:rPr lang="en-US" sz="1600" dirty="0"/>
-              <a:t>, vol. 8798, pp. 195–198.</a:t>
-            </a:r>
-            <a:endParaRPr lang="en-CA" sz="1600" dirty="0" smtClean="0"/>
-          </a:p>
-          <a:p>
-            <a:pPr marL="0" indent="0">
-              <a:buNone/>
-            </a:pPr>
-            <a:r>
-              <a:rPr lang="en-CA" sz="1600" dirty="0" smtClean="0"/>
-              <a:t>[9] </a:t>
-            </a:r>
-            <a:r>
-              <a:rPr lang="en-US" sz="1600" i="1" dirty="0"/>
-              <a:t>G. </a:t>
-            </a:r>
-            <a:r>
-              <a:rPr lang="en-US" sz="1600" i="1" dirty="0" err="1"/>
-              <a:t>Meditskos</a:t>
-            </a:r>
-            <a:r>
-              <a:rPr lang="en-US" sz="1600" i="1" dirty="0"/>
-              <a:t> </a:t>
-            </a:r>
-            <a:r>
-              <a:rPr lang="en-US" sz="1600" i="1" dirty="0" smtClean="0"/>
-              <a:t>N</a:t>
-            </a:r>
-            <a:r>
-              <a:rPr lang="en-US" sz="1600" i="1" dirty="0"/>
-              <a:t>. </a:t>
-            </a:r>
-            <a:r>
-              <a:rPr lang="en-US" sz="1600" i="1" dirty="0" smtClean="0"/>
-              <a:t>Bassiliades</a:t>
-            </a:r>
-            <a:r>
-              <a:rPr lang="en-US" sz="1600" dirty="0"/>
-              <a:t>.</a:t>
-            </a:r>
-            <a:r>
-              <a:rPr lang="en-US" sz="1600" dirty="0" smtClean="0"/>
-              <a:t> </a:t>
-            </a:r>
-            <a:r>
-              <a:rPr lang="en-US" sz="1600" b="1" dirty="0" smtClean="0"/>
-              <a:t>DLEJena</a:t>
-            </a:r>
-            <a:r>
-              <a:rPr lang="en-US" sz="1600" b="1" dirty="0"/>
-              <a:t>: A Practical Forward-chaining OWL 2 RL Reasoner Combining Jena and </a:t>
-            </a:r>
-            <a:r>
-              <a:rPr lang="en-US" sz="1600" b="1" dirty="0" smtClean="0"/>
-              <a:t>Pellet</a:t>
-            </a:r>
-            <a:r>
-              <a:rPr lang="en-US" sz="1600" dirty="0"/>
-              <a:t>.</a:t>
-            </a:r>
-            <a:r>
-              <a:rPr lang="en-US" sz="1600" dirty="0" smtClean="0"/>
-              <a:t> </a:t>
-            </a:r>
-            <a:r>
-              <a:rPr lang="en-US" sz="1600" i="1" dirty="0"/>
-              <a:t>Web Semant.</a:t>
-            </a:r>
-            <a:r>
-              <a:rPr lang="en-US" sz="1600" dirty="0"/>
-              <a:t>, vol. 8, no. 1, pp. 89–94, Mar. 2010.</a:t>
-            </a:r>
-            <a:endParaRPr lang="en-CA" sz="1600" dirty="0" smtClean="0"/>
-          </a:p>
-          <a:p>
-            <a:pPr marL="0" indent="0">
-              <a:buNone/>
-            </a:pPr>
-            <a:r>
-              <a:rPr lang="en-CA" sz="1400" dirty="0" smtClean="0"/>
-              <a:t>[10] </a:t>
-            </a:r>
-            <a:r>
-              <a:rPr lang="en-US" sz="1600" i="1" dirty="0"/>
-              <a:t>R.B</a:t>
-            </a:r>
-            <a:r>
-              <a:rPr lang="en-US" sz="1600" i="1" dirty="0" smtClean="0"/>
-              <a:t>. Doorenbos.</a:t>
-            </a:r>
-            <a:r>
-              <a:rPr lang="en-US" sz="1600" dirty="0" smtClean="0"/>
-              <a:t> </a:t>
-            </a:r>
-            <a:r>
-              <a:rPr lang="en-US" sz="1600" b="1" dirty="0"/>
-              <a:t>Combining Left and Right Unlinking for Matching a Large Number of Learned Rules</a:t>
-            </a:r>
-            <a:r>
-              <a:rPr lang="en-US" sz="1600" dirty="0"/>
-              <a:t>. </a:t>
-            </a:r>
-            <a:r>
-              <a:rPr lang="en-US" sz="1600" dirty="0" smtClean="0"/>
-              <a:t>In </a:t>
-            </a:r>
-            <a:r>
-              <a:rPr lang="en-US" sz="1600" dirty="0"/>
-              <a:t>Hayes-Roth, B. and </a:t>
-            </a:r>
-            <a:r>
-              <a:rPr lang="en-US" sz="1600" dirty="0" err="1"/>
-              <a:t>Korf</a:t>
-            </a:r>
-            <a:r>
-              <a:rPr lang="en-US" sz="1600" dirty="0"/>
-              <a:t>, R.E. (eds.) Proceedings of the 12th National Conference on Artificial Intelligence, Seattle, WA, USA, July 31 - August 4, 1994, Volume 1. pp. 451–458. {AAAI} Press / The {MIT} Press (1994).</a:t>
-            </a:r>
-            <a:endParaRPr lang="en-CA" sz="1600" dirty="0"/>
+            <a:pPr algn="ctr"/>
+            <a:endParaRPr lang="en-CA"/>
+          </a:p>
+        </p:txBody>
+      </p:sp>
+      <p:sp>
+        <p:nvSpPr>
+          <p:cNvPr id="11" name="Oval 10"/>
+          <p:cNvSpPr/>
+          <p:nvPr/>
+        </p:nvSpPr>
+        <p:spPr>
+          <a:xfrm>
+            <a:off x="5351417" y="5675911"/>
+            <a:ext cx="1184366" cy="450253"/>
+          </a:xfrm>
+          <a:prstGeom prst="ellipse">
+            <a:avLst/>
+          </a:prstGeom>
+          <a:noFill/>
+          <a:ln>
+            <a:solidFill>
+              <a:srgbClr val="00B050"/>
+            </a:solidFill>
+          </a:ln>
+        </p:spPr>
+        <p:style>
+          <a:lnRef idx="2">
+            <a:schemeClr val="accent1">
+              <a:shade val="50000"/>
+            </a:schemeClr>
+          </a:lnRef>
+          <a:fillRef idx="1">
+            <a:schemeClr val="accent1"/>
+          </a:fillRef>
+          <a:effectRef idx="0">
+            <a:schemeClr val="accent1"/>
+          </a:effectRef>
+          <a:fontRef idx="minor">
+            <a:schemeClr val="lt1"/>
+          </a:fontRef>
+        </p:style>
+        <p:txBody>
+          <a:bodyPr rtlCol="0" anchor="ctr"/>
+          <a:lstStyle/>
+          <a:p>
+            <a:pPr algn="ctr"/>
+            <a:endParaRPr lang="en-CA"/>
           </a:p>
         </p:txBody>
       </p:sp>
     </p:spTree>
     <p:extLst>
       <p:ext uri="{BB962C8B-B14F-4D97-AF65-F5344CB8AC3E}">
-        <p14:creationId xmlns:p14="http://schemas.microsoft.com/office/powerpoint/2010/main" val="475330161"/>
+        <p14:creationId xmlns:p14="http://schemas.microsoft.com/office/powerpoint/2010/main" val="3471354163"/>
       </p:ext>
     </p:extLst>
   </p:cSld>
@@ -13167,9 +13333,1298 @@
   <p:timing>
     <p:tnLst>
       <p:par>
-        <p:cTn id="1" dur="indefinite" restart="never" nodeType="tmRoot"/>
+        <p:cTn id="1" dur="indefinite" restart="never" nodeType="tmRoot">
+          <p:childTnLst>
+            <p:seq concurrent="1" nextAc="seek">
+              <p:cTn id="2" dur="indefinite" nodeType="mainSeq">
+                <p:childTnLst>
+                  <p:par>
+                    <p:cTn id="3" fill="hold">
+                      <p:stCondLst>
+                        <p:cond delay="indefinite"/>
+                      </p:stCondLst>
+                      <p:childTnLst>
+                        <p:par>
+                          <p:cTn id="4" fill="hold">
+                            <p:stCondLst>
+                              <p:cond delay="0"/>
+                            </p:stCondLst>
+                            <p:childTnLst>
+                              <p:par>
+                                <p:cTn id="5" presetID="10" presetClass="entr" presetSubtype="0" fill="hold" grpId="0" nodeType="clickEffect">
+                                  <p:stCondLst>
+                                    <p:cond delay="0"/>
+                                  </p:stCondLst>
+                                  <p:childTnLst>
+                                    <p:set>
+                                      <p:cBhvr>
+                                        <p:cTn id="6" dur="1" fill="hold">
+                                          <p:stCondLst>
+                                            <p:cond delay="0"/>
+                                          </p:stCondLst>
+                                        </p:cTn>
+                                        <p:tgtEl>
+                                          <p:spTgt spid="9"/>
+                                        </p:tgtEl>
+                                        <p:attrNameLst>
+                                          <p:attrName>style.visibility</p:attrName>
+                                        </p:attrNameLst>
+                                      </p:cBhvr>
+                                      <p:to>
+                                        <p:strVal val="visible"/>
+                                      </p:to>
+                                    </p:set>
+                                    <p:animEffect transition="in" filter="fade">
+                                      <p:cBhvr>
+                                        <p:cTn id="7" dur="500"/>
+                                        <p:tgtEl>
+                                          <p:spTgt spid="9"/>
+                                        </p:tgtEl>
+                                      </p:cBhvr>
+                                    </p:animEffect>
+                                  </p:childTnLst>
+                                </p:cTn>
+                              </p:par>
+                            </p:childTnLst>
+                          </p:cTn>
+                        </p:par>
+                      </p:childTnLst>
+                    </p:cTn>
+                  </p:par>
+                  <p:par>
+                    <p:cTn id="8" fill="hold">
+                      <p:stCondLst>
+                        <p:cond delay="indefinite"/>
+                      </p:stCondLst>
+                      <p:childTnLst>
+                        <p:par>
+                          <p:cTn id="9" fill="hold">
+                            <p:stCondLst>
+                              <p:cond delay="0"/>
+                            </p:stCondLst>
+                            <p:childTnLst>
+                              <p:par>
+                                <p:cTn id="10" presetID="10" presetClass="entr" presetSubtype="0" fill="hold" grpId="0" nodeType="clickEffect">
+                                  <p:stCondLst>
+                                    <p:cond delay="0"/>
+                                  </p:stCondLst>
+                                  <p:childTnLst>
+                                    <p:set>
+                                      <p:cBhvr>
+                                        <p:cTn id="11" dur="1" fill="hold">
+                                          <p:stCondLst>
+                                            <p:cond delay="0"/>
+                                          </p:stCondLst>
+                                        </p:cTn>
+                                        <p:tgtEl>
+                                          <p:spTgt spid="11"/>
+                                        </p:tgtEl>
+                                        <p:attrNameLst>
+                                          <p:attrName>style.visibility</p:attrName>
+                                        </p:attrNameLst>
+                                      </p:cBhvr>
+                                      <p:to>
+                                        <p:strVal val="visible"/>
+                                      </p:to>
+                                    </p:set>
+                                    <p:animEffect transition="in" filter="fade">
+                                      <p:cBhvr>
+                                        <p:cTn id="12" dur="500"/>
+                                        <p:tgtEl>
+                                          <p:spTgt spid="11"/>
+                                        </p:tgtEl>
+                                      </p:cBhvr>
+                                    </p:animEffect>
+                                  </p:childTnLst>
+                                </p:cTn>
+                              </p:par>
+                            </p:childTnLst>
+                          </p:cTn>
+                        </p:par>
+                      </p:childTnLst>
+                    </p:cTn>
+                  </p:par>
+                </p:childTnLst>
+              </p:cTn>
+              <p:prevCondLst>
+                <p:cond evt="onPrev" delay="0">
+                  <p:tgtEl>
+                    <p:sldTgt/>
+                  </p:tgtEl>
+                </p:cond>
+              </p:prevCondLst>
+              <p:nextCondLst>
+                <p:cond evt="onNext" delay="0">
+                  <p:tgtEl>
+                    <p:sldTgt/>
+                  </p:tgtEl>
+                </p:cond>
+              </p:nextCondLst>
+            </p:seq>
+          </p:childTnLst>
+        </p:cTn>
       </p:par>
     </p:tnLst>
+    <p:bldLst>
+      <p:bldP spid="9" grpId="0" animBg="1"/>
+      <p:bldP spid="11" grpId="0" animBg="1"/>
+    </p:bldLst>
+  </p:timing>
+</p:sld>
+</file>
+
+<file path=ppt/slides/slide18.xml><?xml version="1.0" encoding="utf-8"?>
+<p:sld xmlns:a="http://schemas.openxmlformats.org/drawingml/2006/main" xmlns:r="http://schemas.openxmlformats.org/officeDocument/2006/relationships" xmlns:p="http://schemas.openxmlformats.org/presentationml/2006/main">
+  <p:cSld>
+    <p:spTree>
+      <p:nvGrpSpPr>
+        <p:cNvPr id="1" name=""/>
+        <p:cNvGrpSpPr/>
+        <p:nvPr/>
+      </p:nvGrpSpPr>
+      <p:grpSpPr>
+        <a:xfrm>
+          <a:off x="0" y="0"/>
+          <a:ext cx="0" cy="0"/>
+          <a:chOff x="0" y="0"/>
+          <a:chExt cx="0" cy="0"/>
+        </a:xfrm>
+      </p:grpSpPr>
+      <p:pic>
+        <p:nvPicPr>
+          <p:cNvPr id="11" name="Picture 10"/>
+          <p:cNvPicPr>
+            <a:picLocks noChangeAspect="1"/>
+          </p:cNvPicPr>
+          <p:nvPr/>
+        </p:nvPicPr>
+        <p:blipFill>
+          <a:blip r:embed="rId2">
+            <a:extLst>
+              <a:ext uri="{28A0092B-C50C-407E-A947-70E740481C1C}">
+                <a14:useLocalDpi xmlns:a14="http://schemas.microsoft.com/office/drawing/2010/main" val="0"/>
+              </a:ext>
+            </a:extLst>
+          </a:blip>
+          <a:stretch>
+            <a:fillRect/>
+          </a:stretch>
+        </p:blipFill>
+        <p:spPr>
+          <a:xfrm>
+            <a:off x="1083423" y="2713901"/>
+            <a:ext cx="10058398" cy="3863112"/>
+          </a:xfrm>
+          <a:prstGeom prst="rect">
+            <a:avLst/>
+          </a:prstGeom>
+        </p:spPr>
+      </p:pic>
+      <p:sp>
+        <p:nvSpPr>
+          <p:cNvPr id="2" name="Title 1"/>
+          <p:cNvSpPr>
+            <a:spLocks noGrp="1"/>
+          </p:cNvSpPr>
+          <p:nvPr>
+            <p:ph type="title"/>
+          </p:nvPr>
+        </p:nvSpPr>
+        <p:spPr/>
+        <p:txBody>
+          <a:bodyPr>
+            <a:normAutofit fontScale="90000"/>
+          </a:bodyPr>
+          <a:lstStyle/>
+          <a:p>
+            <a:r>
+              <a:rPr lang="en-CA" sz="2700" dirty="0"/>
+              <a:t>2) RETE Strategies for Resource-Constrained Settings:</a:t>
+            </a:r>
+            <a:r>
+              <a:rPr lang="en-CA" dirty="0"/>
+              <a:t/>
+            </a:r>
+            <a:br>
+              <a:rPr lang="en-CA" dirty="0"/>
+            </a:br>
+            <a:r>
+              <a:rPr lang="en-CA" sz="3100" dirty="0"/>
+              <a:t>Future work (in progress) (2)</a:t>
+            </a:r>
+            <a:endParaRPr lang="en-CA" dirty="0"/>
+          </a:p>
+        </p:txBody>
+      </p:sp>
+      <p:sp>
+        <p:nvSpPr>
+          <p:cNvPr id="3" name="Content Placeholder 2"/>
+          <p:cNvSpPr>
+            <a:spLocks noGrp="1"/>
+          </p:cNvSpPr>
+          <p:nvPr>
+            <p:ph idx="1"/>
+          </p:nvPr>
+        </p:nvSpPr>
+        <p:spPr/>
+        <p:txBody>
+          <a:bodyPr/>
+          <a:lstStyle/>
+          <a:p>
+            <a:r>
+              <a:rPr lang="en-CA" dirty="0"/>
+              <a:t>Virtual materialization of OWL2 semantics in match &amp; join operations</a:t>
+            </a:r>
+          </a:p>
+          <a:p>
+            <a:pPr lvl="1"/>
+            <a:r>
+              <a:rPr lang="en-CA" dirty="0"/>
+              <a:t>Consider OWL2 semantics when matching &amp; joining </a:t>
+            </a:r>
+            <a:r>
+              <a:rPr lang="en-CA" dirty="0" smtClean="0"/>
+              <a:t>tokens</a:t>
+            </a:r>
+            <a:endParaRPr lang="en-CA" dirty="0"/>
+          </a:p>
+          <a:p>
+            <a:pPr lvl="1"/>
+            <a:r>
+              <a:rPr lang="en-CA" dirty="0"/>
+              <a:t>Avoid explicit materialization, which takes up </a:t>
+            </a:r>
+            <a:r>
+              <a:rPr lang="en-CA" dirty="0" smtClean="0"/>
+              <a:t>memory</a:t>
+            </a:r>
+            <a:endParaRPr lang="en-CA" dirty="0"/>
+          </a:p>
+        </p:txBody>
+      </p:sp>
+      <p:sp>
+        <p:nvSpPr>
+          <p:cNvPr id="4" name="Date Placeholder 3"/>
+          <p:cNvSpPr>
+            <a:spLocks noGrp="1"/>
+          </p:cNvSpPr>
+          <p:nvPr>
+            <p:ph type="dt" sz="half" idx="10"/>
+          </p:nvPr>
+        </p:nvSpPr>
+        <p:spPr/>
+        <p:txBody>
+          <a:bodyPr/>
+          <a:lstStyle/>
+          <a:p>
+            <a:fld id="{64CB2766-0896-4834-9051-F9B21CBB5EE0}" type="datetime1">
+              <a:rPr lang="en-CA" smtClean="0"/>
+              <a:t>25/05/2017</a:t>
+            </a:fld>
+            <a:endParaRPr lang="en-CA"/>
+          </a:p>
+        </p:txBody>
+      </p:sp>
+      <p:sp>
+        <p:nvSpPr>
+          <p:cNvPr id="5" name="Slide Number Placeholder 4"/>
+          <p:cNvSpPr>
+            <a:spLocks noGrp="1"/>
+          </p:cNvSpPr>
+          <p:nvPr>
+            <p:ph type="sldNum" sz="quarter" idx="12"/>
+          </p:nvPr>
+        </p:nvSpPr>
+        <p:spPr/>
+        <p:txBody>
+          <a:bodyPr/>
+          <a:lstStyle/>
+          <a:p>
+            <a:fld id="{1238C4B7-3C1E-4FA0-9C76-FE5833939200}" type="slidenum">
+              <a:rPr lang="en-CA" smtClean="0"/>
+              <a:t>18</a:t>
+            </a:fld>
+            <a:endParaRPr lang="en-CA"/>
+          </a:p>
+        </p:txBody>
+      </p:sp>
+      <p:sp>
+        <p:nvSpPr>
+          <p:cNvPr id="12" name="Oval 11"/>
+          <p:cNvSpPr/>
+          <p:nvPr/>
+        </p:nvSpPr>
+        <p:spPr>
+          <a:xfrm>
+            <a:off x="2579098" y="3007322"/>
+            <a:ext cx="468902" cy="450253"/>
+          </a:xfrm>
+          <a:prstGeom prst="ellipse">
+            <a:avLst/>
+          </a:prstGeom>
+          <a:noFill/>
+        </p:spPr>
+        <p:style>
+          <a:lnRef idx="2">
+            <a:schemeClr val="accent1">
+              <a:shade val="50000"/>
+            </a:schemeClr>
+          </a:lnRef>
+          <a:fillRef idx="1">
+            <a:schemeClr val="accent1"/>
+          </a:fillRef>
+          <a:effectRef idx="0">
+            <a:schemeClr val="accent1"/>
+          </a:effectRef>
+          <a:fontRef idx="minor">
+            <a:schemeClr val="lt1"/>
+          </a:fontRef>
+        </p:style>
+        <p:txBody>
+          <a:bodyPr rtlCol="0" anchor="ctr"/>
+          <a:lstStyle/>
+          <a:p>
+            <a:pPr algn="ctr"/>
+            <a:endParaRPr lang="en-CA"/>
+          </a:p>
+        </p:txBody>
+      </p:sp>
+      <p:sp>
+        <p:nvSpPr>
+          <p:cNvPr id="13" name="Oval 12"/>
+          <p:cNvSpPr/>
+          <p:nvPr/>
+        </p:nvSpPr>
+        <p:spPr>
+          <a:xfrm>
+            <a:off x="4373472" y="3007321"/>
+            <a:ext cx="468902" cy="450253"/>
+          </a:xfrm>
+          <a:prstGeom prst="ellipse">
+            <a:avLst/>
+          </a:prstGeom>
+          <a:noFill/>
+          <a:ln>
+            <a:solidFill>
+              <a:srgbClr val="00B050"/>
+            </a:solidFill>
+          </a:ln>
+        </p:spPr>
+        <p:style>
+          <a:lnRef idx="2">
+            <a:schemeClr val="accent1">
+              <a:shade val="50000"/>
+            </a:schemeClr>
+          </a:lnRef>
+          <a:fillRef idx="1">
+            <a:schemeClr val="accent1"/>
+          </a:fillRef>
+          <a:effectRef idx="0">
+            <a:schemeClr val="accent1"/>
+          </a:effectRef>
+          <a:fontRef idx="minor">
+            <a:schemeClr val="lt1"/>
+          </a:fontRef>
+        </p:style>
+        <p:txBody>
+          <a:bodyPr rtlCol="0" anchor="ctr"/>
+          <a:lstStyle/>
+          <a:p>
+            <a:pPr algn="ctr"/>
+            <a:endParaRPr lang="en-CA"/>
+          </a:p>
+        </p:txBody>
+      </p:sp>
+      <p:sp>
+        <p:nvSpPr>
+          <p:cNvPr id="14" name="Oval 13"/>
+          <p:cNvSpPr/>
+          <p:nvPr/>
+        </p:nvSpPr>
+        <p:spPr>
+          <a:xfrm>
+            <a:off x="1864223" y="4826596"/>
+            <a:ext cx="781549" cy="450253"/>
+          </a:xfrm>
+          <a:prstGeom prst="ellipse">
+            <a:avLst/>
+          </a:prstGeom>
+          <a:noFill/>
+        </p:spPr>
+        <p:style>
+          <a:lnRef idx="2">
+            <a:schemeClr val="accent1">
+              <a:shade val="50000"/>
+            </a:schemeClr>
+          </a:lnRef>
+          <a:fillRef idx="1">
+            <a:schemeClr val="accent1"/>
+          </a:fillRef>
+          <a:effectRef idx="0">
+            <a:schemeClr val="accent1"/>
+          </a:effectRef>
+          <a:fontRef idx="minor">
+            <a:schemeClr val="lt1"/>
+          </a:fontRef>
+        </p:style>
+        <p:txBody>
+          <a:bodyPr rtlCol="0" anchor="ctr"/>
+          <a:lstStyle/>
+          <a:p>
+            <a:pPr algn="ctr"/>
+            <a:endParaRPr lang="en-CA"/>
+          </a:p>
+        </p:txBody>
+      </p:sp>
+      <p:sp>
+        <p:nvSpPr>
+          <p:cNvPr id="15" name="Oval 14"/>
+          <p:cNvSpPr/>
+          <p:nvPr/>
+        </p:nvSpPr>
+        <p:spPr>
+          <a:xfrm>
+            <a:off x="5807573" y="5312370"/>
+            <a:ext cx="781549" cy="450253"/>
+          </a:xfrm>
+          <a:prstGeom prst="ellipse">
+            <a:avLst/>
+          </a:prstGeom>
+          <a:noFill/>
+          <a:ln>
+            <a:solidFill>
+              <a:srgbClr val="00B050"/>
+            </a:solidFill>
+          </a:ln>
+        </p:spPr>
+        <p:style>
+          <a:lnRef idx="2">
+            <a:schemeClr val="accent1">
+              <a:shade val="50000"/>
+            </a:schemeClr>
+          </a:lnRef>
+          <a:fillRef idx="1">
+            <a:schemeClr val="accent1"/>
+          </a:fillRef>
+          <a:effectRef idx="0">
+            <a:schemeClr val="accent1"/>
+          </a:effectRef>
+          <a:fontRef idx="minor">
+            <a:schemeClr val="lt1"/>
+          </a:fontRef>
+        </p:style>
+        <p:txBody>
+          <a:bodyPr rtlCol="0" anchor="ctr"/>
+          <a:lstStyle/>
+          <a:p>
+            <a:pPr algn="ctr"/>
+            <a:endParaRPr lang="en-CA"/>
+          </a:p>
+        </p:txBody>
+      </p:sp>
+    </p:spTree>
+    <p:extLst>
+      <p:ext uri="{BB962C8B-B14F-4D97-AF65-F5344CB8AC3E}">
+        <p14:creationId xmlns:p14="http://schemas.microsoft.com/office/powerpoint/2010/main" val="1267310736"/>
+      </p:ext>
+    </p:extLst>
+  </p:cSld>
+  <p:clrMapOvr>
+    <a:masterClrMapping/>
+  </p:clrMapOvr>
+  <p:timing>
+    <p:tnLst>
+      <p:par>
+        <p:cTn id="1" dur="indefinite" restart="never" nodeType="tmRoot">
+          <p:childTnLst>
+            <p:seq concurrent="1" nextAc="seek">
+              <p:cTn id="2" dur="indefinite" nodeType="mainSeq">
+                <p:childTnLst>
+                  <p:par>
+                    <p:cTn id="3" fill="hold">
+                      <p:stCondLst>
+                        <p:cond delay="indefinite"/>
+                      </p:stCondLst>
+                      <p:childTnLst>
+                        <p:par>
+                          <p:cTn id="4" fill="hold">
+                            <p:stCondLst>
+                              <p:cond delay="0"/>
+                            </p:stCondLst>
+                            <p:childTnLst>
+                              <p:par>
+                                <p:cTn id="5" presetID="10" presetClass="entr" presetSubtype="0" fill="hold" grpId="0" nodeType="clickEffect">
+                                  <p:stCondLst>
+                                    <p:cond delay="0"/>
+                                  </p:stCondLst>
+                                  <p:childTnLst>
+                                    <p:set>
+                                      <p:cBhvr>
+                                        <p:cTn id="6" dur="1" fill="hold">
+                                          <p:stCondLst>
+                                            <p:cond delay="0"/>
+                                          </p:stCondLst>
+                                        </p:cTn>
+                                        <p:tgtEl>
+                                          <p:spTgt spid="12"/>
+                                        </p:tgtEl>
+                                        <p:attrNameLst>
+                                          <p:attrName>style.visibility</p:attrName>
+                                        </p:attrNameLst>
+                                      </p:cBhvr>
+                                      <p:to>
+                                        <p:strVal val="visible"/>
+                                      </p:to>
+                                    </p:set>
+                                    <p:animEffect transition="in" filter="fade">
+                                      <p:cBhvr>
+                                        <p:cTn id="7" dur="500"/>
+                                        <p:tgtEl>
+                                          <p:spTgt spid="12"/>
+                                        </p:tgtEl>
+                                      </p:cBhvr>
+                                    </p:animEffect>
+                                  </p:childTnLst>
+                                </p:cTn>
+                              </p:par>
+                              <p:par>
+                                <p:cTn id="8" presetID="10" presetClass="entr" presetSubtype="0" fill="hold" grpId="0" nodeType="withEffect">
+                                  <p:stCondLst>
+                                    <p:cond delay="0"/>
+                                  </p:stCondLst>
+                                  <p:childTnLst>
+                                    <p:set>
+                                      <p:cBhvr>
+                                        <p:cTn id="9" dur="1" fill="hold">
+                                          <p:stCondLst>
+                                            <p:cond delay="0"/>
+                                          </p:stCondLst>
+                                        </p:cTn>
+                                        <p:tgtEl>
+                                          <p:spTgt spid="13"/>
+                                        </p:tgtEl>
+                                        <p:attrNameLst>
+                                          <p:attrName>style.visibility</p:attrName>
+                                        </p:attrNameLst>
+                                      </p:cBhvr>
+                                      <p:to>
+                                        <p:strVal val="visible"/>
+                                      </p:to>
+                                    </p:set>
+                                    <p:animEffect transition="in" filter="fade">
+                                      <p:cBhvr>
+                                        <p:cTn id="10" dur="500"/>
+                                        <p:tgtEl>
+                                          <p:spTgt spid="13"/>
+                                        </p:tgtEl>
+                                      </p:cBhvr>
+                                    </p:animEffect>
+                                  </p:childTnLst>
+                                </p:cTn>
+                              </p:par>
+                            </p:childTnLst>
+                          </p:cTn>
+                        </p:par>
+                      </p:childTnLst>
+                    </p:cTn>
+                  </p:par>
+                  <p:par>
+                    <p:cTn id="11" fill="hold">
+                      <p:stCondLst>
+                        <p:cond delay="indefinite"/>
+                      </p:stCondLst>
+                      <p:childTnLst>
+                        <p:par>
+                          <p:cTn id="12" fill="hold">
+                            <p:stCondLst>
+                              <p:cond delay="0"/>
+                            </p:stCondLst>
+                            <p:childTnLst>
+                              <p:par>
+                                <p:cTn id="13" presetID="10" presetClass="entr" presetSubtype="0" fill="hold" grpId="0" nodeType="clickEffect">
+                                  <p:stCondLst>
+                                    <p:cond delay="0"/>
+                                  </p:stCondLst>
+                                  <p:childTnLst>
+                                    <p:set>
+                                      <p:cBhvr>
+                                        <p:cTn id="14" dur="1" fill="hold">
+                                          <p:stCondLst>
+                                            <p:cond delay="0"/>
+                                          </p:stCondLst>
+                                        </p:cTn>
+                                        <p:tgtEl>
+                                          <p:spTgt spid="14"/>
+                                        </p:tgtEl>
+                                        <p:attrNameLst>
+                                          <p:attrName>style.visibility</p:attrName>
+                                        </p:attrNameLst>
+                                      </p:cBhvr>
+                                      <p:to>
+                                        <p:strVal val="visible"/>
+                                      </p:to>
+                                    </p:set>
+                                    <p:animEffect transition="in" filter="fade">
+                                      <p:cBhvr>
+                                        <p:cTn id="15" dur="500"/>
+                                        <p:tgtEl>
+                                          <p:spTgt spid="14"/>
+                                        </p:tgtEl>
+                                      </p:cBhvr>
+                                    </p:animEffect>
+                                  </p:childTnLst>
+                                </p:cTn>
+                              </p:par>
+                              <p:par>
+                                <p:cTn id="16" presetID="10" presetClass="entr" presetSubtype="0" fill="hold" grpId="0" nodeType="withEffect">
+                                  <p:stCondLst>
+                                    <p:cond delay="0"/>
+                                  </p:stCondLst>
+                                  <p:childTnLst>
+                                    <p:set>
+                                      <p:cBhvr>
+                                        <p:cTn id="17" dur="1" fill="hold">
+                                          <p:stCondLst>
+                                            <p:cond delay="0"/>
+                                          </p:stCondLst>
+                                        </p:cTn>
+                                        <p:tgtEl>
+                                          <p:spTgt spid="15"/>
+                                        </p:tgtEl>
+                                        <p:attrNameLst>
+                                          <p:attrName>style.visibility</p:attrName>
+                                        </p:attrNameLst>
+                                      </p:cBhvr>
+                                      <p:to>
+                                        <p:strVal val="visible"/>
+                                      </p:to>
+                                    </p:set>
+                                    <p:animEffect transition="in" filter="fade">
+                                      <p:cBhvr>
+                                        <p:cTn id="18" dur="500"/>
+                                        <p:tgtEl>
+                                          <p:spTgt spid="15"/>
+                                        </p:tgtEl>
+                                      </p:cBhvr>
+                                    </p:animEffect>
+                                  </p:childTnLst>
+                                </p:cTn>
+                              </p:par>
+                            </p:childTnLst>
+                          </p:cTn>
+                        </p:par>
+                      </p:childTnLst>
+                    </p:cTn>
+                  </p:par>
+                </p:childTnLst>
+              </p:cTn>
+              <p:prevCondLst>
+                <p:cond evt="onPrev" delay="0">
+                  <p:tgtEl>
+                    <p:sldTgt/>
+                  </p:tgtEl>
+                </p:cond>
+              </p:prevCondLst>
+              <p:nextCondLst>
+                <p:cond evt="onNext" delay="0">
+                  <p:tgtEl>
+                    <p:sldTgt/>
+                  </p:tgtEl>
+                </p:cond>
+              </p:nextCondLst>
+            </p:seq>
+          </p:childTnLst>
+        </p:cTn>
+      </p:par>
+    </p:tnLst>
+    <p:bldLst>
+      <p:bldP spid="12" grpId="0" animBg="1"/>
+      <p:bldP spid="13" grpId="0" animBg="1"/>
+      <p:bldP spid="14" grpId="0" animBg="1"/>
+      <p:bldP spid="15" grpId="0" animBg="1"/>
+    </p:bldLst>
+  </p:timing>
+</p:sld>
+</file>
+
+<file path=ppt/slides/slide19.xml><?xml version="1.0" encoding="utf-8"?>
+<p:sld xmlns:a="http://schemas.openxmlformats.org/drawingml/2006/main" xmlns:r="http://schemas.openxmlformats.org/officeDocument/2006/relationships" xmlns:p="http://schemas.openxmlformats.org/presentationml/2006/main">
+  <p:cSld>
+    <p:spTree>
+      <p:nvGrpSpPr>
+        <p:cNvPr id="1" name=""/>
+        <p:cNvGrpSpPr/>
+        <p:nvPr/>
+      </p:nvGrpSpPr>
+      <p:grpSpPr>
+        <a:xfrm>
+          <a:off x="0" y="0"/>
+          <a:ext cx="0" cy="0"/>
+          <a:chOff x="0" y="0"/>
+          <a:chExt cx="0" cy="0"/>
+        </a:xfrm>
+      </p:grpSpPr>
+      <p:sp>
+        <p:nvSpPr>
+          <p:cNvPr id="2" name="Title 1"/>
+          <p:cNvSpPr>
+            <a:spLocks noGrp="1"/>
+          </p:cNvSpPr>
+          <p:nvPr>
+            <p:ph type="title"/>
+          </p:nvPr>
+        </p:nvSpPr>
+        <p:spPr/>
+        <p:txBody>
+          <a:bodyPr>
+            <a:noAutofit/>
+          </a:bodyPr>
+          <a:lstStyle/>
+          <a:p>
+            <a:r>
+              <a:rPr lang="en-CA" sz="2400" dirty="0">
+                <a:latin typeface="Calibri" panose="020F0502020204030204" pitchFamily="34" charset="0"/>
+              </a:rPr>
+              <a:t>2) RETE Strategies for Resource-Constrained Settings:</a:t>
+            </a:r>
+            <a:r>
+              <a:rPr lang="en-CA" sz="3600" dirty="0">
+                <a:latin typeface="Calibri" panose="020F0502020204030204" pitchFamily="34" charset="0"/>
+              </a:rPr>
+              <a:t/>
+            </a:r>
+            <a:br>
+              <a:rPr lang="en-CA" sz="3600" dirty="0">
+                <a:latin typeface="Calibri" panose="020F0502020204030204" pitchFamily="34" charset="0"/>
+              </a:rPr>
+            </a:br>
+            <a:r>
+              <a:rPr lang="en-CA" sz="2800" dirty="0">
+                <a:latin typeface="Calibri" panose="020F0502020204030204" pitchFamily="34" charset="0"/>
+              </a:rPr>
+              <a:t>Future work (in progress) (2)</a:t>
+            </a:r>
+            <a:endParaRPr lang="en-CA" sz="2800" dirty="0"/>
+          </a:p>
+        </p:txBody>
+      </p:sp>
+      <p:sp>
+        <p:nvSpPr>
+          <p:cNvPr id="3" name="Content Placeholder 2"/>
+          <p:cNvSpPr>
+            <a:spLocks noGrp="1"/>
+          </p:cNvSpPr>
+          <p:nvPr>
+            <p:ph idx="1"/>
+          </p:nvPr>
+        </p:nvSpPr>
+        <p:spPr/>
+        <p:txBody>
+          <a:bodyPr/>
+          <a:lstStyle/>
+          <a:p>
+            <a:r>
+              <a:rPr lang="en-CA" dirty="0"/>
+              <a:t>Virtual materialization of OWL2 semantics in match &amp; join operations</a:t>
+            </a:r>
+          </a:p>
+          <a:p>
+            <a:pPr lvl="1"/>
+            <a:r>
+              <a:rPr lang="en-CA" dirty="0"/>
+              <a:t>Consider OWL2 semantics when matching &amp; joining </a:t>
+            </a:r>
+            <a:r>
+              <a:rPr lang="en-CA" dirty="0" smtClean="0"/>
+              <a:t>tokens</a:t>
+            </a:r>
+            <a:endParaRPr lang="en-CA" dirty="0"/>
+          </a:p>
+          <a:p>
+            <a:pPr lvl="1"/>
+            <a:r>
+              <a:rPr lang="en-CA" dirty="0"/>
+              <a:t>Avoid explicit materialization, which takes up </a:t>
+            </a:r>
+            <a:r>
+              <a:rPr lang="en-CA" dirty="0" smtClean="0"/>
+              <a:t>memory</a:t>
+            </a:r>
+            <a:endParaRPr lang="en-CA" dirty="0"/>
+          </a:p>
+        </p:txBody>
+      </p:sp>
+      <p:sp>
+        <p:nvSpPr>
+          <p:cNvPr id="4" name="Date Placeholder 3"/>
+          <p:cNvSpPr>
+            <a:spLocks noGrp="1"/>
+          </p:cNvSpPr>
+          <p:nvPr>
+            <p:ph type="dt" sz="half" idx="10"/>
+          </p:nvPr>
+        </p:nvSpPr>
+        <p:spPr/>
+        <p:txBody>
+          <a:bodyPr/>
+          <a:lstStyle/>
+          <a:p>
+            <a:fld id="{64CB2766-0896-4834-9051-F9B21CBB5EE0}" type="datetime1">
+              <a:rPr lang="en-CA" smtClean="0"/>
+              <a:t>25/05/2017</a:t>
+            </a:fld>
+            <a:endParaRPr lang="en-CA"/>
+          </a:p>
+        </p:txBody>
+      </p:sp>
+      <p:sp>
+        <p:nvSpPr>
+          <p:cNvPr id="5" name="Slide Number Placeholder 4"/>
+          <p:cNvSpPr>
+            <a:spLocks noGrp="1"/>
+          </p:cNvSpPr>
+          <p:nvPr>
+            <p:ph type="sldNum" sz="quarter" idx="12"/>
+          </p:nvPr>
+        </p:nvSpPr>
+        <p:spPr/>
+        <p:txBody>
+          <a:bodyPr/>
+          <a:lstStyle/>
+          <a:p>
+            <a:fld id="{1238C4B7-3C1E-4FA0-9C76-FE5833939200}" type="slidenum">
+              <a:rPr lang="en-CA" smtClean="0"/>
+              <a:t>19</a:t>
+            </a:fld>
+            <a:endParaRPr lang="en-CA"/>
+          </a:p>
+        </p:txBody>
+      </p:sp>
+      <p:pic>
+        <p:nvPicPr>
+          <p:cNvPr id="7" name="Picture 6"/>
+          <p:cNvPicPr>
+            <a:picLocks noChangeAspect="1"/>
+          </p:cNvPicPr>
+          <p:nvPr/>
+        </p:nvPicPr>
+        <p:blipFill>
+          <a:blip r:embed="rId2">
+            <a:extLst>
+              <a:ext uri="{28A0092B-C50C-407E-A947-70E740481C1C}">
+                <a14:useLocalDpi xmlns:a14="http://schemas.microsoft.com/office/drawing/2010/main" val="0"/>
+              </a:ext>
+            </a:extLst>
+          </a:blip>
+          <a:stretch>
+            <a:fillRect/>
+          </a:stretch>
+        </p:blipFill>
+        <p:spPr>
+          <a:xfrm>
+            <a:off x="1397978" y="2802521"/>
+            <a:ext cx="9379109" cy="3553830"/>
+          </a:xfrm>
+          <a:prstGeom prst="rect">
+            <a:avLst/>
+          </a:prstGeom>
+        </p:spPr>
+      </p:pic>
+      <p:sp>
+        <p:nvSpPr>
+          <p:cNvPr id="8" name="Oval 7"/>
+          <p:cNvSpPr/>
+          <p:nvPr/>
+        </p:nvSpPr>
+        <p:spPr>
+          <a:xfrm>
+            <a:off x="1761445" y="2831096"/>
+            <a:ext cx="468902" cy="450253"/>
+          </a:xfrm>
+          <a:prstGeom prst="ellipse">
+            <a:avLst/>
+          </a:prstGeom>
+          <a:noFill/>
+        </p:spPr>
+        <p:style>
+          <a:lnRef idx="2">
+            <a:schemeClr val="accent1">
+              <a:shade val="50000"/>
+            </a:schemeClr>
+          </a:lnRef>
+          <a:fillRef idx="1">
+            <a:schemeClr val="accent1"/>
+          </a:fillRef>
+          <a:effectRef idx="0">
+            <a:schemeClr val="accent1"/>
+          </a:effectRef>
+          <a:fontRef idx="minor">
+            <a:schemeClr val="lt1"/>
+          </a:fontRef>
+        </p:style>
+        <p:txBody>
+          <a:bodyPr rtlCol="0" anchor="ctr"/>
+          <a:lstStyle/>
+          <a:p>
+            <a:pPr algn="ctr"/>
+            <a:endParaRPr lang="en-CA"/>
+          </a:p>
+        </p:txBody>
+      </p:sp>
+      <p:sp>
+        <p:nvSpPr>
+          <p:cNvPr id="9" name="Oval 8"/>
+          <p:cNvSpPr/>
+          <p:nvPr/>
+        </p:nvSpPr>
+        <p:spPr>
+          <a:xfrm>
+            <a:off x="4676095" y="5042638"/>
+            <a:ext cx="468902" cy="450253"/>
+          </a:xfrm>
+          <a:prstGeom prst="ellipse">
+            <a:avLst/>
+          </a:prstGeom>
+          <a:noFill/>
+          <a:ln>
+            <a:solidFill>
+              <a:srgbClr val="00B050"/>
+            </a:solidFill>
+          </a:ln>
+        </p:spPr>
+        <p:style>
+          <a:lnRef idx="2">
+            <a:schemeClr val="accent1">
+              <a:shade val="50000"/>
+            </a:schemeClr>
+          </a:lnRef>
+          <a:fillRef idx="1">
+            <a:schemeClr val="accent1"/>
+          </a:fillRef>
+          <a:effectRef idx="0">
+            <a:schemeClr val="accent1"/>
+          </a:effectRef>
+          <a:fontRef idx="minor">
+            <a:schemeClr val="lt1"/>
+          </a:fontRef>
+        </p:style>
+        <p:txBody>
+          <a:bodyPr rtlCol="0" anchor="ctr"/>
+          <a:lstStyle/>
+          <a:p>
+            <a:pPr algn="ctr"/>
+            <a:endParaRPr lang="en-CA"/>
+          </a:p>
+        </p:txBody>
+      </p:sp>
+      <p:sp>
+        <p:nvSpPr>
+          <p:cNvPr id="10" name="Oval 9"/>
+          <p:cNvSpPr/>
+          <p:nvPr/>
+        </p:nvSpPr>
+        <p:spPr>
+          <a:xfrm>
+            <a:off x="1498419" y="4531811"/>
+            <a:ext cx="468902" cy="450253"/>
+          </a:xfrm>
+          <a:prstGeom prst="ellipse">
+            <a:avLst/>
+          </a:prstGeom>
+          <a:noFill/>
+        </p:spPr>
+        <p:style>
+          <a:lnRef idx="2">
+            <a:schemeClr val="accent1">
+              <a:shade val="50000"/>
+            </a:schemeClr>
+          </a:lnRef>
+          <a:fillRef idx="1">
+            <a:schemeClr val="accent1"/>
+          </a:fillRef>
+          <a:effectRef idx="0">
+            <a:schemeClr val="accent1"/>
+          </a:effectRef>
+          <a:fontRef idx="minor">
+            <a:schemeClr val="lt1"/>
+          </a:fontRef>
+        </p:style>
+        <p:txBody>
+          <a:bodyPr rtlCol="0" anchor="ctr"/>
+          <a:lstStyle/>
+          <a:p>
+            <a:pPr algn="ctr"/>
+            <a:endParaRPr lang="en-CA"/>
+          </a:p>
+        </p:txBody>
+      </p:sp>
+      <p:sp>
+        <p:nvSpPr>
+          <p:cNvPr id="12" name="Oval 11"/>
+          <p:cNvSpPr/>
+          <p:nvPr/>
+        </p:nvSpPr>
+        <p:spPr>
+          <a:xfrm>
+            <a:off x="3603444" y="2831096"/>
+            <a:ext cx="468902" cy="450253"/>
+          </a:xfrm>
+          <a:prstGeom prst="ellipse">
+            <a:avLst/>
+          </a:prstGeom>
+          <a:noFill/>
+          <a:ln>
+            <a:solidFill>
+              <a:srgbClr val="00B050"/>
+            </a:solidFill>
+          </a:ln>
+        </p:spPr>
+        <p:style>
+          <a:lnRef idx="2">
+            <a:schemeClr val="accent1">
+              <a:shade val="50000"/>
+            </a:schemeClr>
+          </a:lnRef>
+          <a:fillRef idx="1">
+            <a:schemeClr val="accent1"/>
+          </a:fillRef>
+          <a:effectRef idx="0">
+            <a:schemeClr val="accent1"/>
+          </a:effectRef>
+          <a:fontRef idx="minor">
+            <a:schemeClr val="lt1"/>
+          </a:fontRef>
+        </p:style>
+        <p:txBody>
+          <a:bodyPr rtlCol="0" anchor="ctr"/>
+          <a:lstStyle/>
+          <a:p>
+            <a:pPr algn="ctr"/>
+            <a:endParaRPr lang="en-CA"/>
+          </a:p>
+        </p:txBody>
+      </p:sp>
+    </p:spTree>
+    <p:extLst>
+      <p:ext uri="{BB962C8B-B14F-4D97-AF65-F5344CB8AC3E}">
+        <p14:creationId xmlns:p14="http://schemas.microsoft.com/office/powerpoint/2010/main" val="2769101565"/>
+      </p:ext>
+    </p:extLst>
+  </p:cSld>
+  <p:clrMapOvr>
+    <a:masterClrMapping/>
+  </p:clrMapOvr>
+  <p:timing>
+    <p:tnLst>
+      <p:par>
+        <p:cTn id="1" dur="indefinite" restart="never" nodeType="tmRoot">
+          <p:childTnLst>
+            <p:seq concurrent="1" nextAc="seek">
+              <p:cTn id="2" dur="indefinite" nodeType="mainSeq">
+                <p:childTnLst>
+                  <p:par>
+                    <p:cTn id="3" fill="hold">
+                      <p:stCondLst>
+                        <p:cond delay="indefinite"/>
+                      </p:stCondLst>
+                      <p:childTnLst>
+                        <p:par>
+                          <p:cTn id="4" fill="hold">
+                            <p:stCondLst>
+                              <p:cond delay="0"/>
+                            </p:stCondLst>
+                            <p:childTnLst>
+                              <p:par>
+                                <p:cTn id="5" presetID="10" presetClass="entr" presetSubtype="0" fill="hold" grpId="0" nodeType="clickEffect">
+                                  <p:stCondLst>
+                                    <p:cond delay="0"/>
+                                  </p:stCondLst>
+                                  <p:childTnLst>
+                                    <p:set>
+                                      <p:cBhvr>
+                                        <p:cTn id="6" dur="1" fill="hold">
+                                          <p:stCondLst>
+                                            <p:cond delay="0"/>
+                                          </p:stCondLst>
+                                        </p:cTn>
+                                        <p:tgtEl>
+                                          <p:spTgt spid="8"/>
+                                        </p:tgtEl>
+                                        <p:attrNameLst>
+                                          <p:attrName>style.visibility</p:attrName>
+                                        </p:attrNameLst>
+                                      </p:cBhvr>
+                                      <p:to>
+                                        <p:strVal val="visible"/>
+                                      </p:to>
+                                    </p:set>
+                                    <p:animEffect transition="in" filter="fade">
+                                      <p:cBhvr>
+                                        <p:cTn id="7" dur="500"/>
+                                        <p:tgtEl>
+                                          <p:spTgt spid="8"/>
+                                        </p:tgtEl>
+                                      </p:cBhvr>
+                                    </p:animEffect>
+                                  </p:childTnLst>
+                                </p:cTn>
+                              </p:par>
+                              <p:par>
+                                <p:cTn id="8" presetID="10" presetClass="entr" presetSubtype="0" fill="hold" grpId="0" nodeType="withEffect">
+                                  <p:stCondLst>
+                                    <p:cond delay="0"/>
+                                  </p:stCondLst>
+                                  <p:childTnLst>
+                                    <p:set>
+                                      <p:cBhvr>
+                                        <p:cTn id="9" dur="1" fill="hold">
+                                          <p:stCondLst>
+                                            <p:cond delay="0"/>
+                                          </p:stCondLst>
+                                        </p:cTn>
+                                        <p:tgtEl>
+                                          <p:spTgt spid="12"/>
+                                        </p:tgtEl>
+                                        <p:attrNameLst>
+                                          <p:attrName>style.visibility</p:attrName>
+                                        </p:attrNameLst>
+                                      </p:cBhvr>
+                                      <p:to>
+                                        <p:strVal val="visible"/>
+                                      </p:to>
+                                    </p:set>
+                                    <p:animEffect transition="in" filter="fade">
+                                      <p:cBhvr>
+                                        <p:cTn id="10" dur="500"/>
+                                        <p:tgtEl>
+                                          <p:spTgt spid="12"/>
+                                        </p:tgtEl>
+                                      </p:cBhvr>
+                                    </p:animEffect>
+                                  </p:childTnLst>
+                                </p:cTn>
+                              </p:par>
+                            </p:childTnLst>
+                          </p:cTn>
+                        </p:par>
+                      </p:childTnLst>
+                    </p:cTn>
+                  </p:par>
+                  <p:par>
+                    <p:cTn id="11" fill="hold">
+                      <p:stCondLst>
+                        <p:cond delay="indefinite"/>
+                      </p:stCondLst>
+                      <p:childTnLst>
+                        <p:par>
+                          <p:cTn id="12" fill="hold">
+                            <p:stCondLst>
+                              <p:cond delay="0"/>
+                            </p:stCondLst>
+                            <p:childTnLst>
+                              <p:par>
+                                <p:cTn id="13" presetID="10" presetClass="entr" presetSubtype="0" fill="hold" grpId="0" nodeType="clickEffect">
+                                  <p:stCondLst>
+                                    <p:cond delay="0"/>
+                                  </p:stCondLst>
+                                  <p:childTnLst>
+                                    <p:set>
+                                      <p:cBhvr>
+                                        <p:cTn id="14" dur="1" fill="hold">
+                                          <p:stCondLst>
+                                            <p:cond delay="0"/>
+                                          </p:stCondLst>
+                                        </p:cTn>
+                                        <p:tgtEl>
+                                          <p:spTgt spid="9"/>
+                                        </p:tgtEl>
+                                        <p:attrNameLst>
+                                          <p:attrName>style.visibility</p:attrName>
+                                        </p:attrNameLst>
+                                      </p:cBhvr>
+                                      <p:to>
+                                        <p:strVal val="visible"/>
+                                      </p:to>
+                                    </p:set>
+                                    <p:animEffect transition="in" filter="fade">
+                                      <p:cBhvr>
+                                        <p:cTn id="15" dur="500"/>
+                                        <p:tgtEl>
+                                          <p:spTgt spid="9"/>
+                                        </p:tgtEl>
+                                      </p:cBhvr>
+                                    </p:animEffect>
+                                  </p:childTnLst>
+                                </p:cTn>
+                              </p:par>
+                              <p:par>
+                                <p:cTn id="16" presetID="10" presetClass="entr" presetSubtype="0" fill="hold" grpId="0" nodeType="withEffect">
+                                  <p:stCondLst>
+                                    <p:cond delay="0"/>
+                                  </p:stCondLst>
+                                  <p:childTnLst>
+                                    <p:set>
+                                      <p:cBhvr>
+                                        <p:cTn id="17" dur="1" fill="hold">
+                                          <p:stCondLst>
+                                            <p:cond delay="0"/>
+                                          </p:stCondLst>
+                                        </p:cTn>
+                                        <p:tgtEl>
+                                          <p:spTgt spid="10"/>
+                                        </p:tgtEl>
+                                        <p:attrNameLst>
+                                          <p:attrName>style.visibility</p:attrName>
+                                        </p:attrNameLst>
+                                      </p:cBhvr>
+                                      <p:to>
+                                        <p:strVal val="visible"/>
+                                      </p:to>
+                                    </p:set>
+                                    <p:animEffect transition="in" filter="fade">
+                                      <p:cBhvr>
+                                        <p:cTn id="18" dur="500"/>
+                                        <p:tgtEl>
+                                          <p:spTgt spid="10"/>
+                                        </p:tgtEl>
+                                      </p:cBhvr>
+                                    </p:animEffect>
+                                  </p:childTnLst>
+                                </p:cTn>
+                              </p:par>
+                            </p:childTnLst>
+                          </p:cTn>
+                        </p:par>
+                      </p:childTnLst>
+                    </p:cTn>
+                  </p:par>
+                </p:childTnLst>
+              </p:cTn>
+              <p:prevCondLst>
+                <p:cond evt="onPrev" delay="0">
+                  <p:tgtEl>
+                    <p:sldTgt/>
+                  </p:tgtEl>
+                </p:cond>
+              </p:prevCondLst>
+              <p:nextCondLst>
+                <p:cond evt="onNext" delay="0">
+                  <p:tgtEl>
+                    <p:sldTgt/>
+                  </p:tgtEl>
+                </p:cond>
+              </p:nextCondLst>
+            </p:seq>
+          </p:childTnLst>
+        </p:cTn>
+      </p:par>
+    </p:tnLst>
+    <p:bldLst>
+      <p:bldP spid="8" grpId="0" animBg="1"/>
+      <p:bldP spid="9" grpId="0" animBg="1"/>
+      <p:bldP spid="10" grpId="0" animBg="1"/>
+      <p:bldP spid="12" grpId="0" animBg="1"/>
+    </p:bldLst>
   </p:timing>
 </p:sld>
 </file>
@@ -13441,7 +14896,15 @@
                   <a:srgbClr val="52514F"/>
                 </a:solidFill>
               </a:rPr>
-              <a:t>correction of electrolytes [2]</a:t>
+              <a:t>correction of electrolytes </a:t>
+            </a:r>
+            <a:r>
+              <a:rPr lang="en-CA" sz="1200" b="1" dirty="0" smtClean="0">
+                <a:solidFill>
+                  <a:srgbClr val="52514F"/>
+                </a:solidFill>
+              </a:rPr>
+              <a:t>[1]</a:t>
             </a:r>
             <a:endParaRPr lang="en-CA" sz="1200" b="1" dirty="0">
               <a:solidFill>
@@ -13479,7 +14942,15 @@
                   <a:srgbClr val="52514F"/>
                 </a:solidFill>
               </a:rPr>
-              <a:t>ACEI upitration [3]</a:t>
+              <a:t>ACEI upitration </a:t>
+            </a:r>
+            <a:r>
+              <a:rPr lang="en-CA" sz="1200" b="1" dirty="0" smtClean="0">
+                <a:solidFill>
+                  <a:srgbClr val="52514F"/>
+                </a:solidFill>
+              </a:rPr>
+              <a:t>[1]</a:t>
             </a:r>
             <a:endParaRPr lang="en-CA" sz="1200" b="1" dirty="0">
               <a:solidFill>
@@ -13489,10 +14960,964 @@
           </a:p>
         </p:txBody>
       </p:sp>
+      <p:sp>
+        <p:nvSpPr>
+          <p:cNvPr id="6" name="Date Placeholder 5"/>
+          <p:cNvSpPr>
+            <a:spLocks noGrp="1"/>
+          </p:cNvSpPr>
+          <p:nvPr>
+            <p:ph type="dt" sz="half" idx="10"/>
+          </p:nvPr>
+        </p:nvSpPr>
+        <p:spPr/>
+        <p:txBody>
+          <a:bodyPr/>
+          <a:lstStyle/>
+          <a:p>
+            <a:fld id="{F487DFF7-E5D7-4009-8739-C31B6600638A}" type="datetime1">
+              <a:rPr lang="en-CA" smtClean="0"/>
+              <a:t>25/05/2017</a:t>
+            </a:fld>
+            <a:endParaRPr lang="en-CA"/>
+          </a:p>
+        </p:txBody>
+      </p:sp>
+      <p:sp>
+        <p:nvSpPr>
+          <p:cNvPr id="11" name="Slide Number Placeholder 10"/>
+          <p:cNvSpPr>
+            <a:spLocks noGrp="1"/>
+          </p:cNvSpPr>
+          <p:nvPr>
+            <p:ph type="sldNum" sz="quarter" idx="12"/>
+          </p:nvPr>
+        </p:nvSpPr>
+        <p:spPr/>
+        <p:txBody>
+          <a:bodyPr/>
+          <a:lstStyle/>
+          <a:p>
+            <a:fld id="{1238C4B7-3C1E-4FA0-9C76-FE5833939200}" type="slidenum">
+              <a:rPr lang="en-CA" smtClean="0"/>
+              <a:t>2</a:t>
+            </a:fld>
+            <a:endParaRPr lang="en-CA"/>
+          </a:p>
+        </p:txBody>
+      </p:sp>
     </p:spTree>
     <p:extLst>
       <p:ext uri="{BB962C8B-B14F-4D97-AF65-F5344CB8AC3E}">
         <p14:creationId xmlns:p14="http://schemas.microsoft.com/office/powerpoint/2010/main" val="3050492076"/>
+      </p:ext>
+    </p:extLst>
+  </p:cSld>
+  <p:clrMapOvr>
+    <a:masterClrMapping/>
+  </p:clrMapOvr>
+  <p:timing>
+    <p:tnLst>
+      <p:par>
+        <p:cTn id="1" dur="indefinite" restart="never" nodeType="tmRoot"/>
+      </p:par>
+    </p:tnLst>
+  </p:timing>
+</p:sld>
+</file>
+
+<file path=ppt/slides/slide20.xml><?xml version="1.0" encoding="utf-8"?>
+<p:sld xmlns:a="http://schemas.openxmlformats.org/drawingml/2006/main" xmlns:r="http://schemas.openxmlformats.org/officeDocument/2006/relationships" xmlns:p="http://schemas.openxmlformats.org/presentationml/2006/main">
+  <p:cSld>
+    <p:spTree>
+      <p:nvGrpSpPr>
+        <p:cNvPr id="1" name=""/>
+        <p:cNvGrpSpPr/>
+        <p:nvPr/>
+      </p:nvGrpSpPr>
+      <p:grpSpPr>
+        <a:xfrm>
+          <a:off x="0" y="0"/>
+          <a:ext cx="0" cy="0"/>
+          <a:chOff x="0" y="0"/>
+          <a:chExt cx="0" cy="0"/>
+        </a:xfrm>
+      </p:grpSpPr>
+      <p:sp>
+        <p:nvSpPr>
+          <p:cNvPr id="2" name="Title 1"/>
+          <p:cNvSpPr>
+            <a:spLocks noGrp="1"/>
+          </p:cNvSpPr>
+          <p:nvPr>
+            <p:ph type="title"/>
+          </p:nvPr>
+        </p:nvSpPr>
+        <p:spPr/>
+        <p:txBody>
+          <a:bodyPr/>
+          <a:lstStyle/>
+          <a:p>
+            <a:r>
+              <a:rPr lang="en-CA" dirty="0" smtClean="0"/>
+              <a:t>Questions?</a:t>
+            </a:r>
+            <a:endParaRPr lang="en-CA" dirty="0"/>
+          </a:p>
+        </p:txBody>
+      </p:sp>
+      <p:sp>
+        <p:nvSpPr>
+          <p:cNvPr id="3" name="Content Placeholder 2"/>
+          <p:cNvSpPr>
+            <a:spLocks noGrp="1"/>
+          </p:cNvSpPr>
+          <p:nvPr>
+            <p:ph idx="1"/>
+          </p:nvPr>
+        </p:nvSpPr>
+        <p:spPr/>
+        <p:txBody>
+          <a:bodyPr/>
+          <a:lstStyle/>
+          <a:p>
+            <a:r>
+              <a:rPr lang="en-CA" b="1" dirty="0" smtClean="0"/>
+              <a:t>E-mail</a:t>
+            </a:r>
+            <a:r>
+              <a:rPr lang="en-CA" dirty="0" smtClean="0"/>
+              <a:t>: </a:t>
+            </a:r>
+            <a:r>
+              <a:rPr lang="en-CA" dirty="0" smtClean="0">
+                <a:hlinkClick r:id="rId2"/>
+              </a:rPr>
+              <a:t>william.van.woensel@gmail.com</a:t>
+            </a:r>
+            <a:r>
+              <a:rPr lang="en-CA" dirty="0" smtClean="0"/>
+              <a:t> </a:t>
+            </a:r>
+            <a:endParaRPr lang="en-CA" dirty="0"/>
+          </a:p>
+        </p:txBody>
+      </p:sp>
+      <p:sp>
+        <p:nvSpPr>
+          <p:cNvPr id="4" name="Date Placeholder 3"/>
+          <p:cNvSpPr>
+            <a:spLocks noGrp="1"/>
+          </p:cNvSpPr>
+          <p:nvPr>
+            <p:ph type="dt" sz="half" idx="10"/>
+          </p:nvPr>
+        </p:nvSpPr>
+        <p:spPr/>
+        <p:txBody>
+          <a:bodyPr/>
+          <a:lstStyle/>
+          <a:p>
+            <a:fld id="{64CB2766-0896-4834-9051-F9B21CBB5EE0}" type="datetime1">
+              <a:rPr lang="en-CA" smtClean="0"/>
+              <a:t>25/05/2017</a:t>
+            </a:fld>
+            <a:endParaRPr lang="en-CA"/>
+          </a:p>
+        </p:txBody>
+      </p:sp>
+      <p:sp>
+        <p:nvSpPr>
+          <p:cNvPr id="5" name="Slide Number Placeholder 4"/>
+          <p:cNvSpPr>
+            <a:spLocks noGrp="1"/>
+          </p:cNvSpPr>
+          <p:nvPr>
+            <p:ph type="sldNum" sz="quarter" idx="12"/>
+          </p:nvPr>
+        </p:nvSpPr>
+        <p:spPr/>
+        <p:txBody>
+          <a:bodyPr/>
+          <a:lstStyle/>
+          <a:p>
+            <a:fld id="{1238C4B7-3C1E-4FA0-9C76-FE5833939200}" type="slidenum">
+              <a:rPr lang="en-CA" smtClean="0"/>
+              <a:t>20</a:t>
+            </a:fld>
+            <a:endParaRPr lang="en-CA"/>
+          </a:p>
+        </p:txBody>
+      </p:sp>
+    </p:spTree>
+    <p:extLst>
+      <p:ext uri="{BB962C8B-B14F-4D97-AF65-F5344CB8AC3E}">
+        <p14:creationId xmlns:p14="http://schemas.microsoft.com/office/powerpoint/2010/main" val="1325193602"/>
+      </p:ext>
+    </p:extLst>
+  </p:cSld>
+  <p:clrMapOvr>
+    <a:masterClrMapping/>
+  </p:clrMapOvr>
+  <p:timing>
+    <p:tnLst>
+      <p:par>
+        <p:cTn id="1" dur="indefinite" restart="never" nodeType="tmRoot"/>
+      </p:par>
+    </p:tnLst>
+  </p:timing>
+</p:sld>
+</file>
+
+<file path=ppt/slides/slide21.xml><?xml version="1.0" encoding="utf-8"?>
+<p:sld xmlns:a="http://schemas.openxmlformats.org/drawingml/2006/main" xmlns:r="http://schemas.openxmlformats.org/officeDocument/2006/relationships" xmlns:p="http://schemas.openxmlformats.org/presentationml/2006/main">
+  <p:cSld>
+    <p:spTree>
+      <p:nvGrpSpPr>
+        <p:cNvPr id="1" name=""/>
+        <p:cNvGrpSpPr/>
+        <p:nvPr/>
+      </p:nvGrpSpPr>
+      <p:grpSpPr>
+        <a:xfrm>
+          <a:off x="0" y="0"/>
+          <a:ext cx="0" cy="0"/>
+          <a:chOff x="0" y="0"/>
+          <a:chExt cx="0" cy="0"/>
+        </a:xfrm>
+      </p:grpSpPr>
+      <p:sp>
+        <p:nvSpPr>
+          <p:cNvPr id="2" name="Title 1"/>
+          <p:cNvSpPr>
+            <a:spLocks noGrp="1"/>
+          </p:cNvSpPr>
+          <p:nvPr>
+            <p:ph type="title"/>
+          </p:nvPr>
+        </p:nvSpPr>
+        <p:spPr/>
+        <p:txBody>
+          <a:bodyPr/>
+          <a:lstStyle/>
+          <a:p>
+            <a:r>
+              <a:rPr lang="en-CA" dirty="0" smtClean="0"/>
+              <a:t>References</a:t>
+            </a:r>
+            <a:endParaRPr lang="en-CA" dirty="0"/>
+          </a:p>
+        </p:txBody>
+      </p:sp>
+      <p:sp>
+        <p:nvSpPr>
+          <p:cNvPr id="3" name="Content Placeholder 2"/>
+          <p:cNvSpPr>
+            <a:spLocks noGrp="1"/>
+          </p:cNvSpPr>
+          <p:nvPr>
+            <p:ph idx="1"/>
+          </p:nvPr>
+        </p:nvSpPr>
+        <p:spPr>
+          <a:xfrm>
+            <a:off x="609600" y="1600201"/>
+            <a:ext cx="10972800" cy="5131339"/>
+          </a:xfrm>
+        </p:spPr>
+        <p:txBody>
+          <a:bodyPr>
+            <a:noAutofit/>
+          </a:bodyPr>
+          <a:lstStyle/>
+          <a:p>
+            <a:pPr marL="0" indent="0">
+              <a:buNone/>
+            </a:pPr>
+            <a:r>
+              <a:rPr lang="en-CA" sz="1400" dirty="0" smtClean="0"/>
+              <a:t>[1] </a:t>
+            </a:r>
+            <a:r>
+              <a:rPr lang="en-CA" sz="1400" i="1" dirty="0" smtClean="0"/>
+              <a:t>S. Abidi</a:t>
+            </a:r>
+            <a:r>
+              <a:rPr lang="en-CA" sz="1400" dirty="0" smtClean="0"/>
+              <a:t>. PhD Thesis, 2010.</a:t>
+            </a:r>
+          </a:p>
+          <a:p>
+            <a:pPr marL="0" indent="0">
+              <a:buNone/>
+            </a:pPr>
+            <a:r>
+              <a:rPr lang="en-CA" sz="1400" dirty="0" smtClean="0"/>
+              <a:t>[2] </a:t>
+            </a:r>
+            <a:r>
+              <a:rPr lang="en-CA" sz="1400" i="1" dirty="0" smtClean="0"/>
+              <a:t>B. Jafarpour</a:t>
+            </a:r>
+            <a:r>
+              <a:rPr lang="en-CA" sz="1400" dirty="0" smtClean="0"/>
+              <a:t>. PhD Thesis, 2010</a:t>
+            </a:r>
+            <a:r>
+              <a:rPr lang="en-CA" sz="1400" dirty="0" smtClean="0"/>
+              <a:t>.</a:t>
+            </a:r>
+          </a:p>
+          <a:p>
+            <a:pPr marL="0" indent="0">
+              <a:buNone/>
+            </a:pPr>
+            <a:r>
+              <a:rPr lang="en-CA" sz="1400" dirty="0" smtClean="0"/>
+              <a:t>[3] </a:t>
+            </a:r>
+            <a:r>
+              <a:rPr lang="en-CA" sz="1400" i="1" dirty="0" smtClean="0"/>
+              <a:t>B</a:t>
+            </a:r>
+            <a:r>
+              <a:rPr lang="en-CA" sz="1400" i="1" dirty="0"/>
+              <a:t>. Jafarpour, S. S. R. Abidi, </a:t>
+            </a:r>
+            <a:r>
+              <a:rPr lang="en-CA" sz="1400" i="1" dirty="0" smtClean="0"/>
+              <a:t>S</a:t>
+            </a:r>
+            <a:r>
+              <a:rPr lang="en-CA" sz="1400" i="1" dirty="0"/>
+              <a:t>. R. </a:t>
+            </a:r>
+            <a:r>
+              <a:rPr lang="en-CA" sz="1400" i="1" dirty="0" smtClean="0"/>
+              <a:t>Abidi</a:t>
+            </a:r>
+            <a:r>
+              <a:rPr lang="en-CA" sz="1400" dirty="0"/>
+              <a:t>.</a:t>
+            </a:r>
+            <a:r>
+              <a:rPr lang="en-CA" sz="1400" dirty="0" smtClean="0"/>
+              <a:t> </a:t>
+            </a:r>
+            <a:r>
+              <a:rPr lang="en-CA" sz="1400" b="1" dirty="0" smtClean="0"/>
+              <a:t>Exploiting </a:t>
+            </a:r>
+            <a:r>
+              <a:rPr lang="en-CA" sz="1400" b="1" dirty="0"/>
+              <a:t>Semantic Web Technologies to Develop OWL-Based Clinical Practice Guideline Execution </a:t>
+            </a:r>
+            <a:r>
+              <a:rPr lang="en-CA" sz="1400" b="1" dirty="0" smtClean="0"/>
+              <a:t>Engines</a:t>
+            </a:r>
+            <a:r>
+              <a:rPr lang="en-CA" sz="1400" dirty="0"/>
+              <a:t>.</a:t>
+            </a:r>
+            <a:r>
+              <a:rPr lang="en-CA" sz="1400" dirty="0" smtClean="0"/>
+              <a:t> </a:t>
+            </a:r>
+            <a:r>
+              <a:rPr lang="en-CA" sz="1400" i="1" dirty="0"/>
+              <a:t>IEEE J. Biomed. Heal. Informatics</a:t>
+            </a:r>
+            <a:r>
+              <a:rPr lang="en-CA" sz="1400" dirty="0"/>
+              <a:t>, </a:t>
+            </a:r>
+            <a:r>
+              <a:rPr lang="en-CA" sz="1400" dirty="0" smtClean="0"/>
+              <a:t>2014.</a:t>
+            </a:r>
+            <a:endParaRPr lang="en-CA" sz="1400" dirty="0" smtClean="0"/>
+          </a:p>
+          <a:p>
+            <a:pPr marL="0" indent="0">
+              <a:buNone/>
+            </a:pPr>
+            <a:r>
+              <a:rPr lang="en-CA" sz="1400" dirty="0" smtClean="0"/>
+              <a:t>[4]</a:t>
+            </a:r>
+            <a:r>
+              <a:rPr lang="en-CA" sz="1400" b="1" dirty="0" smtClean="0"/>
+              <a:t> </a:t>
+            </a:r>
+            <a:r>
+              <a:rPr lang="en-CA" sz="1400" i="1" dirty="0" smtClean="0"/>
+              <a:t>C. </a:t>
+            </a:r>
+            <a:r>
+              <a:rPr lang="en-CA" sz="1400" i="1" dirty="0"/>
+              <a:t>Bobed, </a:t>
+            </a:r>
+            <a:r>
+              <a:rPr lang="en-CA" sz="1400" i="1" dirty="0" smtClean="0"/>
+              <a:t>R. </a:t>
+            </a:r>
+            <a:r>
+              <a:rPr lang="en-CA" sz="1400" i="1" dirty="0"/>
+              <a:t>Yus, </a:t>
+            </a:r>
+            <a:r>
+              <a:rPr lang="en-CA" sz="1400" i="1" dirty="0" smtClean="0"/>
+              <a:t>F. </a:t>
+            </a:r>
+            <a:r>
+              <a:rPr lang="en-CA" sz="1400" i="1" dirty="0"/>
+              <a:t>Bobillo, </a:t>
+            </a:r>
+            <a:r>
+              <a:rPr lang="en-CA" sz="1400" i="1" dirty="0" smtClean="0"/>
+              <a:t>E. </a:t>
+            </a:r>
+            <a:r>
+              <a:rPr lang="en-CA" sz="1400" i="1" dirty="0"/>
+              <a:t>Mena</a:t>
+            </a:r>
+            <a:r>
+              <a:rPr lang="en-CA" sz="1400" dirty="0"/>
+              <a:t>.  </a:t>
+            </a:r>
+            <a:r>
+              <a:rPr lang="en-CA" sz="1400" b="1" dirty="0"/>
+              <a:t>Semantic reasoning on mobile devices: Do androids dream of efficient reasoners?</a:t>
+            </a:r>
+            <a:r>
+              <a:rPr lang="en-CA" sz="1400" dirty="0"/>
+              <a:t> Web Semantics: Science, Services and Agents on the World </a:t>
+            </a:r>
+            <a:r>
+              <a:rPr lang="en-CA" sz="1400" dirty="0" smtClean="0"/>
+              <a:t>Wide </a:t>
+            </a:r>
+            <a:r>
+              <a:rPr lang="en-CA" sz="1400" dirty="0"/>
+              <a:t>Web, 35:167–183, December 2015</a:t>
+            </a:r>
+            <a:r>
+              <a:rPr lang="en-CA" sz="1400" dirty="0" smtClean="0"/>
+              <a:t>.</a:t>
+            </a:r>
+          </a:p>
+          <a:p>
+            <a:pPr marL="0" indent="0">
+              <a:buNone/>
+            </a:pPr>
+            <a:r>
+              <a:rPr lang="en-US" sz="1400" dirty="0" smtClean="0"/>
+              <a:t>[5] </a:t>
+            </a:r>
+            <a:r>
+              <a:rPr lang="en-US" sz="1400" i="1" dirty="0" smtClean="0"/>
+              <a:t>S</a:t>
+            </a:r>
+            <a:r>
+              <a:rPr lang="en-US" sz="1400" i="1" dirty="0"/>
+              <a:t>. Ali and S. </a:t>
+            </a:r>
+            <a:r>
+              <a:rPr lang="en-US" sz="1400" i="1" dirty="0" smtClean="0"/>
+              <a:t>Kiefer</a:t>
+            </a:r>
+            <a:r>
+              <a:rPr lang="en-US" sz="1400" dirty="0"/>
+              <a:t>.</a:t>
+            </a:r>
+            <a:r>
+              <a:rPr lang="en-US" sz="1400" dirty="0" smtClean="0"/>
+              <a:t> </a:t>
+            </a:r>
+            <a:r>
+              <a:rPr lang="en-US" sz="1400" b="1" dirty="0"/>
+              <a:t>“</a:t>
+            </a:r>
+            <a:r>
+              <a:rPr lang="en-US" sz="1400" b="1" dirty="0" err="1"/>
+              <a:t>microOR</a:t>
+            </a:r>
+            <a:r>
+              <a:rPr lang="en-US" sz="1400" b="1" dirty="0"/>
+              <a:t> --- A Micro OWL DL Reasoner for Ambient Intelligent </a:t>
+            </a:r>
+            <a:r>
+              <a:rPr lang="en-US" sz="1400" b="1" dirty="0" smtClean="0"/>
+              <a:t>Devices.</a:t>
+            </a:r>
+            <a:r>
+              <a:rPr lang="en-US" sz="1400" dirty="0" smtClean="0"/>
+              <a:t> </a:t>
+            </a:r>
+            <a:r>
+              <a:rPr lang="en-US" sz="1400" dirty="0"/>
+              <a:t>I</a:t>
+            </a:r>
+            <a:r>
+              <a:rPr lang="en-US" sz="1400" dirty="0" smtClean="0"/>
+              <a:t>n </a:t>
+            </a:r>
+            <a:r>
+              <a:rPr lang="en-US" sz="1400" i="1" dirty="0"/>
+              <a:t>Proceedings of the 4th International Conference on Advances in Grid and Pervasive Computing</a:t>
+            </a:r>
+            <a:r>
+              <a:rPr lang="en-US" sz="1400" dirty="0"/>
+              <a:t>, 2009, pp. 305–316</a:t>
+            </a:r>
+            <a:r>
+              <a:rPr lang="en-US" sz="1400" dirty="0" smtClean="0"/>
+              <a:t>.</a:t>
+            </a:r>
+          </a:p>
+          <a:p>
+            <a:pPr marL="0" indent="0">
+              <a:buNone/>
+            </a:pPr>
+            <a:r>
+              <a:rPr lang="en-US" sz="1400" dirty="0" smtClean="0"/>
+              <a:t>[6] </a:t>
+            </a:r>
+            <a:r>
+              <a:rPr lang="en-US" sz="1400" i="1" dirty="0" smtClean="0"/>
+              <a:t>T</a:t>
+            </a:r>
+            <a:r>
+              <a:rPr lang="en-US" sz="1400" i="1" dirty="0"/>
+              <a:t>. Kim, I. Park, S. J. Hyun, </a:t>
+            </a:r>
+            <a:r>
+              <a:rPr lang="en-US" sz="1400" i="1" dirty="0" smtClean="0"/>
+              <a:t>D</a:t>
+            </a:r>
+            <a:r>
+              <a:rPr lang="en-US" sz="1400" i="1" dirty="0"/>
+              <a:t>. </a:t>
+            </a:r>
+            <a:r>
+              <a:rPr lang="en-US" sz="1400" i="1" dirty="0" smtClean="0"/>
+              <a:t>Lee.</a:t>
+            </a:r>
+            <a:r>
+              <a:rPr lang="en-US" sz="1400" dirty="0" smtClean="0"/>
+              <a:t> </a:t>
+            </a:r>
+            <a:r>
+              <a:rPr lang="en-US" sz="1400" b="1" dirty="0" smtClean="0"/>
+              <a:t>MiRE4OWL</a:t>
+            </a:r>
+            <a:r>
+              <a:rPr lang="en-US" sz="1400" b="1" dirty="0"/>
+              <a:t>: Mobile Rule Engine for </a:t>
+            </a:r>
+            <a:r>
+              <a:rPr lang="en-US" sz="1400" b="1" dirty="0" smtClean="0"/>
+              <a:t>OWL.</a:t>
+            </a:r>
+            <a:r>
+              <a:rPr lang="en-US" sz="1400" dirty="0" smtClean="0"/>
+              <a:t> In </a:t>
+            </a:r>
+            <a:r>
+              <a:rPr lang="en-US" sz="1400" i="1" dirty="0"/>
+              <a:t>Proceedings of the 2010 IEEE 34th Annual Computer Software and </a:t>
+            </a:r>
+            <a:r>
+              <a:rPr lang="en-US" sz="1400" i="1" dirty="0" smtClean="0"/>
+              <a:t>Applications </a:t>
+            </a:r>
+            <a:r>
+              <a:rPr lang="en-US" sz="1400" i="1" dirty="0"/>
+              <a:t>Conference Workshops</a:t>
+            </a:r>
+            <a:r>
+              <a:rPr lang="en-US" sz="1400" dirty="0"/>
+              <a:t>, 2010, pp. 317–322</a:t>
+            </a:r>
+            <a:r>
+              <a:rPr lang="en-US" sz="1400" dirty="0" smtClean="0"/>
+              <a:t>.</a:t>
+            </a:r>
+          </a:p>
+          <a:p>
+            <a:pPr marL="0" indent="0">
+              <a:buNone/>
+            </a:pPr>
+            <a:r>
+              <a:rPr lang="en-US" sz="1400" dirty="0" smtClean="0"/>
+              <a:t>[7] </a:t>
+            </a:r>
+            <a:r>
+              <a:rPr lang="en-US" sz="1400" i="1" dirty="0" smtClean="0"/>
+              <a:t>B</a:t>
+            </a:r>
+            <a:r>
+              <a:rPr lang="en-US" sz="1400" i="1" dirty="0"/>
+              <a:t>. Motik, I. Horrocks, </a:t>
+            </a:r>
+            <a:r>
+              <a:rPr lang="en-US" sz="1400" i="1" dirty="0" smtClean="0"/>
+              <a:t>S</a:t>
+            </a:r>
+            <a:r>
+              <a:rPr lang="en-US" sz="1400" i="1" dirty="0"/>
+              <a:t>. M. </a:t>
+            </a:r>
+            <a:r>
+              <a:rPr lang="en-US" sz="1400" i="1" dirty="0" smtClean="0"/>
+              <a:t>Kim.</a:t>
+            </a:r>
+            <a:r>
+              <a:rPr lang="en-US" sz="1400" dirty="0" smtClean="0"/>
+              <a:t> </a:t>
+            </a:r>
+            <a:r>
+              <a:rPr lang="en-US" sz="1400" b="1" dirty="0" smtClean="0"/>
+              <a:t>Delta-reasoner</a:t>
+            </a:r>
+            <a:r>
+              <a:rPr lang="en-US" sz="1400" b="1" dirty="0"/>
+              <a:t>: A Semantic Web Reasoner for an Intelligent Mobile </a:t>
+            </a:r>
+            <a:r>
+              <a:rPr lang="en-US" sz="1400" b="1" dirty="0" smtClean="0"/>
+              <a:t>Platform.</a:t>
+            </a:r>
+            <a:r>
+              <a:rPr lang="en-US" sz="1400" dirty="0" smtClean="0"/>
+              <a:t> In </a:t>
+            </a:r>
+            <a:r>
+              <a:rPr lang="en-US" sz="1400" i="1" dirty="0"/>
+              <a:t>Proceedings of the 21st International Conference Companion on World Wide Web</a:t>
+            </a:r>
+            <a:r>
+              <a:rPr lang="en-US" sz="1400" dirty="0"/>
+              <a:t>, 2012, pp. 63–72</a:t>
+            </a:r>
+            <a:r>
+              <a:rPr lang="en-US" sz="1400" dirty="0" smtClean="0"/>
+              <a:t>.</a:t>
+            </a:r>
+          </a:p>
+          <a:p>
+            <a:pPr marL="0" indent="0">
+              <a:buNone/>
+            </a:pPr>
+            <a:r>
+              <a:rPr lang="en-US" sz="1400" dirty="0" smtClean="0"/>
+              <a:t>[8] </a:t>
+            </a:r>
+            <a:r>
+              <a:rPr lang="en-US" sz="1400" i="1" dirty="0"/>
+              <a:t>W. Tai, J. Keeney, </a:t>
+            </a:r>
+            <a:r>
+              <a:rPr lang="en-US" sz="1400" i="1" dirty="0" smtClean="0"/>
+              <a:t>D</a:t>
+            </a:r>
+            <a:r>
+              <a:rPr lang="en-US" sz="1400" i="1" dirty="0"/>
+              <a:t>. </a:t>
+            </a:r>
+            <a:r>
+              <a:rPr lang="en-US" sz="1400" i="1" dirty="0" smtClean="0"/>
+              <a:t>O’Sullivan</a:t>
+            </a:r>
+            <a:r>
+              <a:rPr lang="en-US" sz="1400" dirty="0" smtClean="0"/>
+              <a:t>. </a:t>
+            </a:r>
+            <a:r>
+              <a:rPr lang="en-US" sz="1400" b="1" dirty="0" smtClean="0"/>
+              <a:t>Resource-constrained reasoning using a reasoner composition approach.</a:t>
+            </a:r>
+            <a:r>
+              <a:rPr lang="en-US" sz="1400" dirty="0" smtClean="0"/>
+              <a:t> </a:t>
+            </a:r>
+            <a:r>
+              <a:rPr lang="en-US" sz="1400" i="1" dirty="0"/>
+              <a:t>Semant. Web</a:t>
+            </a:r>
+            <a:r>
+              <a:rPr lang="en-US" sz="1400" dirty="0"/>
+              <a:t>, vol. </a:t>
+            </a:r>
+            <a:r>
+              <a:rPr lang="en-US" sz="1400" dirty="0" smtClean="0"/>
+              <a:t>6 (1), </a:t>
+            </a:r>
+            <a:r>
+              <a:rPr lang="en-US" sz="1400" dirty="0"/>
+              <a:t>pp. 35–59, </a:t>
+            </a:r>
+            <a:r>
+              <a:rPr lang="en-US" sz="1400" dirty="0" smtClean="0"/>
+              <a:t>2015</a:t>
+            </a:r>
+            <a:endParaRPr lang="en-CA" sz="1400" dirty="0" smtClean="0"/>
+          </a:p>
+          <a:p>
+            <a:pPr marL="0" indent="0">
+              <a:buNone/>
+            </a:pPr>
+            <a:r>
+              <a:rPr lang="en-CA" sz="1400" dirty="0" smtClean="0"/>
+              <a:t>[9] </a:t>
+            </a:r>
+            <a:r>
+              <a:rPr lang="en-US" sz="1400" i="1" dirty="0"/>
+              <a:t>J. </a:t>
+            </a:r>
+            <a:r>
+              <a:rPr lang="en-US" sz="1400" i="1" dirty="0" err="1"/>
+              <a:t>Bak</a:t>
+            </a:r>
+            <a:r>
+              <a:rPr lang="en-US" sz="1400" i="1" dirty="0"/>
+              <a:t>, M. Nowak, </a:t>
+            </a:r>
+            <a:r>
+              <a:rPr lang="en-US" sz="1400" i="1" dirty="0" smtClean="0"/>
+              <a:t>C</a:t>
+            </a:r>
+            <a:r>
+              <a:rPr lang="en-US" sz="1400" i="1" dirty="0"/>
+              <a:t>. </a:t>
+            </a:r>
+            <a:r>
+              <a:rPr lang="en-US" sz="1400" i="1" dirty="0" err="1" smtClean="0"/>
+              <a:t>Jedrzejek</a:t>
+            </a:r>
+            <a:r>
+              <a:rPr lang="en-US" sz="1400" dirty="0" smtClean="0"/>
+              <a:t>. </a:t>
+            </a:r>
+            <a:r>
+              <a:rPr lang="en-US" sz="1400" b="1" dirty="0" smtClean="0"/>
+              <a:t>RuQAR</a:t>
+            </a:r>
+            <a:r>
+              <a:rPr lang="en-US" sz="1400" b="1" dirty="0"/>
+              <a:t>: Reasoning Framework for OWL 2 RL </a:t>
+            </a:r>
+            <a:r>
+              <a:rPr lang="en-US" sz="1400" b="1" dirty="0" smtClean="0"/>
+              <a:t>Ontologies</a:t>
+            </a:r>
+            <a:r>
+              <a:rPr lang="en-US" sz="1400" dirty="0" smtClean="0"/>
+              <a:t>. </a:t>
+            </a:r>
+            <a:r>
+              <a:rPr lang="en-US" sz="1400" dirty="0"/>
+              <a:t>I</a:t>
+            </a:r>
+            <a:r>
+              <a:rPr lang="en-US" sz="1400" dirty="0" smtClean="0"/>
+              <a:t>n </a:t>
+            </a:r>
+            <a:r>
+              <a:rPr lang="en-US" sz="1400" i="1" dirty="0"/>
+              <a:t>The Semantic Web: ESWC 2014 Satellite Events, </a:t>
+            </a:r>
+            <a:r>
+              <a:rPr lang="en-US" sz="1400" i="1" dirty="0" err="1"/>
+              <a:t>Anissaras</a:t>
+            </a:r>
+            <a:r>
+              <a:rPr lang="en-US" sz="1400" i="1" dirty="0"/>
+              <a:t>, Crete, Greece, May 25-29, 2014, </a:t>
+            </a:r>
+            <a:r>
+              <a:rPr lang="en-US" sz="1400" dirty="0" smtClean="0"/>
+              <a:t>2014</a:t>
+            </a:r>
+            <a:r>
+              <a:rPr lang="en-US" sz="1400" dirty="0"/>
+              <a:t>, vol. 8798, pp. 195–198.</a:t>
+            </a:r>
+            <a:endParaRPr lang="en-CA" sz="1400" dirty="0" smtClean="0"/>
+          </a:p>
+          <a:p>
+            <a:pPr marL="0" indent="0">
+              <a:buNone/>
+            </a:pPr>
+            <a:r>
+              <a:rPr lang="en-CA" sz="1400" dirty="0" smtClean="0"/>
+              <a:t>[10] </a:t>
+            </a:r>
+            <a:r>
+              <a:rPr lang="en-US" sz="1400" i="1" dirty="0"/>
+              <a:t>G. </a:t>
+            </a:r>
+            <a:r>
+              <a:rPr lang="en-US" sz="1400" i="1" dirty="0" err="1"/>
+              <a:t>Meditskos</a:t>
+            </a:r>
+            <a:r>
+              <a:rPr lang="en-US" sz="1400" i="1" dirty="0"/>
+              <a:t> </a:t>
+            </a:r>
+            <a:r>
+              <a:rPr lang="en-US" sz="1400" i="1" dirty="0" smtClean="0"/>
+              <a:t>N</a:t>
+            </a:r>
+            <a:r>
+              <a:rPr lang="en-US" sz="1400" i="1" dirty="0"/>
+              <a:t>. </a:t>
+            </a:r>
+            <a:r>
+              <a:rPr lang="en-US" sz="1400" i="1" dirty="0" smtClean="0"/>
+              <a:t>Bassiliades</a:t>
+            </a:r>
+            <a:r>
+              <a:rPr lang="en-US" sz="1400" dirty="0"/>
+              <a:t>.</a:t>
+            </a:r>
+            <a:r>
+              <a:rPr lang="en-US" sz="1400" dirty="0" smtClean="0"/>
+              <a:t> </a:t>
+            </a:r>
+            <a:r>
+              <a:rPr lang="en-US" sz="1400" b="1" dirty="0" smtClean="0"/>
+              <a:t>DLEJena</a:t>
+            </a:r>
+            <a:r>
+              <a:rPr lang="en-US" sz="1400" b="1" dirty="0"/>
+              <a:t>: A Practical Forward-chaining OWL 2 RL Reasoner Combining Jena and </a:t>
+            </a:r>
+            <a:r>
+              <a:rPr lang="en-US" sz="1400" b="1" dirty="0" smtClean="0"/>
+              <a:t>Pellet</a:t>
+            </a:r>
+            <a:r>
+              <a:rPr lang="en-US" sz="1400" dirty="0"/>
+              <a:t>.</a:t>
+            </a:r>
+            <a:r>
+              <a:rPr lang="en-US" sz="1400" dirty="0" smtClean="0"/>
+              <a:t> </a:t>
+            </a:r>
+            <a:r>
+              <a:rPr lang="en-US" sz="1400" i="1" dirty="0"/>
+              <a:t>Web Semant.</a:t>
+            </a:r>
+            <a:r>
+              <a:rPr lang="en-US" sz="1400" dirty="0"/>
+              <a:t>, vol. 8, no. 1, pp. 89–94, Mar. 2010.</a:t>
+            </a:r>
+            <a:endParaRPr lang="en-CA" sz="1400" dirty="0" smtClean="0"/>
+          </a:p>
+          <a:p>
+            <a:pPr marL="0" indent="0">
+              <a:buNone/>
+            </a:pPr>
+            <a:r>
+              <a:rPr lang="en-CA" sz="1400" dirty="0" smtClean="0"/>
+              <a:t>[</a:t>
+            </a:r>
+            <a:r>
+              <a:rPr lang="en-CA" sz="1400" dirty="0" smtClean="0"/>
+              <a:t>11] </a:t>
+            </a:r>
+            <a:r>
+              <a:rPr lang="en-US" sz="1400" i="1" dirty="0"/>
+              <a:t>R.B</a:t>
+            </a:r>
+            <a:r>
+              <a:rPr lang="en-US" sz="1400" i="1" dirty="0" smtClean="0"/>
+              <a:t>. Doorenbos.</a:t>
+            </a:r>
+            <a:r>
+              <a:rPr lang="en-US" sz="1400" dirty="0" smtClean="0"/>
+              <a:t> </a:t>
+            </a:r>
+            <a:r>
+              <a:rPr lang="en-US" sz="1400" b="1" dirty="0"/>
+              <a:t>Combining Left and Right Unlinking for Matching a Large Number of Learned Rules</a:t>
+            </a:r>
+            <a:r>
+              <a:rPr lang="en-US" sz="1400" dirty="0"/>
+              <a:t>. </a:t>
+            </a:r>
+            <a:r>
+              <a:rPr lang="en-US" sz="1400" dirty="0" smtClean="0"/>
+              <a:t>In </a:t>
+            </a:r>
+            <a:r>
+              <a:rPr lang="en-US" sz="1400" dirty="0"/>
+              <a:t>Hayes-Roth, B. and </a:t>
+            </a:r>
+            <a:r>
+              <a:rPr lang="en-US" sz="1400" dirty="0" err="1"/>
+              <a:t>Korf</a:t>
+            </a:r>
+            <a:r>
+              <a:rPr lang="en-US" sz="1400" dirty="0"/>
+              <a:t>, R.E. (eds.) Proceedings of the 12th National Conference on Artificial Intelligence, Seattle, WA, USA, July 31 - August 4, 1994, Volume 1. pp. 451–458. </a:t>
+            </a:r>
+            <a:endParaRPr lang="en-CA" sz="1400" dirty="0"/>
+          </a:p>
+        </p:txBody>
+      </p:sp>
+      <p:sp>
+        <p:nvSpPr>
+          <p:cNvPr id="4" name="Date Placeholder 3"/>
+          <p:cNvSpPr>
+            <a:spLocks noGrp="1"/>
+          </p:cNvSpPr>
+          <p:nvPr>
+            <p:ph type="dt" sz="half" idx="10"/>
+          </p:nvPr>
+        </p:nvSpPr>
+        <p:spPr/>
+        <p:txBody>
+          <a:bodyPr/>
+          <a:lstStyle/>
+          <a:p>
+            <a:fld id="{B62F45E3-A9E9-4754-AA28-DF852443B547}" type="datetime1">
+              <a:rPr lang="en-CA" smtClean="0"/>
+              <a:t>25/05/2017</a:t>
+            </a:fld>
+            <a:endParaRPr lang="en-CA" dirty="0"/>
+          </a:p>
+        </p:txBody>
+      </p:sp>
+      <p:sp>
+        <p:nvSpPr>
+          <p:cNvPr id="5" name="Slide Number Placeholder 4"/>
+          <p:cNvSpPr>
+            <a:spLocks noGrp="1"/>
+          </p:cNvSpPr>
+          <p:nvPr>
+            <p:ph type="sldNum" sz="quarter" idx="12"/>
+          </p:nvPr>
+        </p:nvSpPr>
+        <p:spPr/>
+        <p:txBody>
+          <a:bodyPr/>
+          <a:lstStyle/>
+          <a:p>
+            <a:fld id="{1238C4B7-3C1E-4FA0-9C76-FE5833939200}" type="slidenum">
+              <a:rPr lang="en-CA" smtClean="0"/>
+              <a:t>21</a:t>
+            </a:fld>
+            <a:endParaRPr lang="en-CA"/>
+          </a:p>
+        </p:txBody>
+      </p:sp>
+    </p:spTree>
+    <p:extLst>
+      <p:ext uri="{BB962C8B-B14F-4D97-AF65-F5344CB8AC3E}">
+        <p14:creationId xmlns:p14="http://schemas.microsoft.com/office/powerpoint/2010/main" val="475330161"/>
       </p:ext>
     </p:extLst>
   </p:cSld>
@@ -13948,8 +16373,8 @@
         </p:nvSpPr>
         <p:spPr>
           <a:xfrm>
-            <a:off x="7247948" y="5404488"/>
-            <a:ext cx="2212080" cy="276999"/>
+            <a:off x="7159423" y="5404488"/>
+            <a:ext cx="2300605" cy="276999"/>
           </a:xfrm>
           <a:prstGeom prst="rect">
             <a:avLst/>
@@ -13976,7 +16401,15 @@
                   <a:srgbClr val="52514F"/>
                 </a:solidFill>
               </a:rPr>
-              <a:t>CPG-DKO [2] </a:t>
+              <a:t>CPG-DKO [</a:t>
+            </a:r>
+            <a:r>
+              <a:rPr lang="en-CA" sz="1200" b="1" dirty="0" smtClean="0">
+                <a:solidFill>
+                  <a:srgbClr val="52514F"/>
+                </a:solidFill>
+              </a:rPr>
+              <a:t>2, 3] </a:t>
             </a:r>
             <a:endParaRPr lang="en-CA" sz="1200" b="1" dirty="0">
               <a:solidFill>
@@ -14524,13 +16957,67 @@
                   <a:srgbClr val="52514F"/>
                 </a:solidFill>
               </a:rPr>
-              <a:t>Switch [2]:</a:t>
+              <a:t>Switch [</a:t>
+            </a:r>
+            <a:r>
+              <a:rPr lang="en-CA" sz="1600" b="1" dirty="0" smtClean="0">
+                <a:solidFill>
+                  <a:srgbClr val="52514F"/>
+                </a:solidFill>
+              </a:rPr>
+              <a:t>2, 3]:</a:t>
             </a:r>
             <a:endParaRPr lang="en-CA" sz="1600" b="1" dirty="0">
               <a:solidFill>
                 <a:srgbClr val="52514F"/>
               </a:solidFill>
             </a:endParaRPr>
+          </a:p>
+        </p:txBody>
+      </p:sp>
+      <p:sp>
+        <p:nvSpPr>
+          <p:cNvPr id="11" name="Date Placeholder 10"/>
+          <p:cNvSpPr>
+            <a:spLocks noGrp="1"/>
+          </p:cNvSpPr>
+          <p:nvPr>
+            <p:ph type="dt" sz="half" idx="10"/>
+          </p:nvPr>
+        </p:nvSpPr>
+        <p:spPr/>
+        <p:txBody>
+          <a:bodyPr/>
+          <a:lstStyle/>
+          <a:p>
+            <a:fld id="{6F758649-0809-4034-A79D-92C26461EF17}" type="datetime1">
+              <a:rPr lang="en-CA" smtClean="0"/>
+              <a:t>25/05/2017</a:t>
+            </a:fld>
+            <a:endParaRPr lang="en-CA"/>
+          </a:p>
+        </p:txBody>
+      </p:sp>
+      <p:sp>
+        <p:nvSpPr>
+          <p:cNvPr id="12" name="Slide Number Placeholder 11"/>
+          <p:cNvSpPr>
+            <a:spLocks noGrp="1"/>
+          </p:cNvSpPr>
+          <p:nvPr>
+            <p:ph type="sldNum" sz="quarter" idx="12"/>
+          </p:nvPr>
+        </p:nvSpPr>
+        <p:spPr/>
+        <p:txBody>
+          <a:bodyPr/>
+          <a:lstStyle/>
+          <a:p>
+            <a:fld id="{1238C4B7-3C1E-4FA0-9C76-FE5833939200}" type="slidenum">
+              <a:rPr lang="en-CA" smtClean="0"/>
+              <a:t>3</a:t>
+            </a:fld>
+            <a:endParaRPr lang="en-CA"/>
           </a:p>
         </p:txBody>
       </p:sp>
@@ -14753,11 +17240,7 @@
             </a:pPr>
             <a:r>
               <a:rPr lang="en-US" sz="1800" dirty="0" smtClean="0"/>
-              <a:t>Mobile patient </a:t>
-            </a:r>
-            <a:r>
-              <a:rPr lang="en-US" sz="1800" dirty="0" smtClean="0"/>
-              <a:t>diaries</a:t>
+              <a:t>Mobile patient diaries</a:t>
             </a:r>
           </a:p>
           <a:p>
@@ -14771,7 +17254,6 @@
               <a:rPr lang="en-US" sz="1600" dirty="0" smtClean="0"/>
               <a:t>IMPACT-AF project</a:t>
             </a:r>
-            <a:endParaRPr lang="en-US" sz="1600" dirty="0" smtClean="0"/>
           </a:p>
           <a:p>
             <a:pPr lvl="1">
@@ -14968,6 +17450,52 @@
           </a:prstGeom>
         </p:spPr>
       </p:pic>
+      <p:sp>
+        <p:nvSpPr>
+          <p:cNvPr id="8" name="Date Placeholder 7"/>
+          <p:cNvSpPr>
+            <a:spLocks noGrp="1"/>
+          </p:cNvSpPr>
+          <p:nvPr>
+            <p:ph type="dt" sz="half" idx="10"/>
+          </p:nvPr>
+        </p:nvSpPr>
+        <p:spPr/>
+        <p:txBody>
+          <a:bodyPr/>
+          <a:lstStyle/>
+          <a:p>
+            <a:fld id="{0DBA6FF8-643D-49F2-9893-D627A8B70AAA}" type="datetime1">
+              <a:rPr lang="en-CA" smtClean="0"/>
+              <a:t>25/05/2017</a:t>
+            </a:fld>
+            <a:endParaRPr lang="en-CA"/>
+          </a:p>
+        </p:txBody>
+      </p:sp>
+      <p:sp>
+        <p:nvSpPr>
+          <p:cNvPr id="9" name="Slide Number Placeholder 8"/>
+          <p:cNvSpPr>
+            <a:spLocks noGrp="1"/>
+          </p:cNvSpPr>
+          <p:nvPr>
+            <p:ph type="sldNum" sz="quarter" idx="12"/>
+          </p:nvPr>
+        </p:nvSpPr>
+        <p:spPr/>
+        <p:txBody>
+          <a:bodyPr/>
+          <a:lstStyle/>
+          <a:p>
+            <a:fld id="{1238C4B7-3C1E-4FA0-9C76-FE5833939200}" type="slidenum">
+              <a:rPr lang="en-CA" smtClean="0"/>
+              <a:t>4</a:t>
+            </a:fld>
+            <a:endParaRPr lang="en-CA"/>
+          </a:p>
+        </p:txBody>
+      </p:sp>
     </p:spTree>
     <p:extLst>
       <p:ext uri="{BB962C8B-B14F-4D97-AF65-F5344CB8AC3E}">
@@ -15398,6 +17926,52 @@
           <a:lstStyle/>
           <a:p>
             <a:pPr algn="ctr"/>
+            <a:endParaRPr lang="en-CA"/>
+          </a:p>
+        </p:txBody>
+      </p:sp>
+      <p:sp>
+        <p:nvSpPr>
+          <p:cNvPr id="4" name="Date Placeholder 3"/>
+          <p:cNvSpPr>
+            <a:spLocks noGrp="1"/>
+          </p:cNvSpPr>
+          <p:nvPr>
+            <p:ph type="dt" sz="half" idx="10"/>
+          </p:nvPr>
+        </p:nvSpPr>
+        <p:spPr/>
+        <p:txBody>
+          <a:bodyPr/>
+          <a:lstStyle/>
+          <a:p>
+            <a:fld id="{69BFCA8C-93E9-403B-AE87-4F4C180C7035}" type="datetime1">
+              <a:rPr lang="en-CA" smtClean="0"/>
+              <a:t>25/05/2017</a:t>
+            </a:fld>
+            <a:endParaRPr lang="en-CA"/>
+          </a:p>
+        </p:txBody>
+      </p:sp>
+      <p:sp>
+        <p:nvSpPr>
+          <p:cNvPr id="5" name="Slide Number Placeholder 4"/>
+          <p:cNvSpPr>
+            <a:spLocks noGrp="1"/>
+          </p:cNvSpPr>
+          <p:nvPr>
+            <p:ph type="sldNum" sz="quarter" idx="12"/>
+          </p:nvPr>
+        </p:nvSpPr>
+        <p:spPr/>
+        <p:txBody>
+          <a:bodyPr/>
+          <a:lstStyle/>
+          <a:p>
+            <a:fld id="{1238C4B7-3C1E-4FA0-9C76-FE5833939200}" type="slidenum">
+              <a:rPr lang="en-CA" smtClean="0"/>
+              <a:t>5</a:t>
+            </a:fld>
             <a:endParaRPr lang="en-CA"/>
           </a:p>
         </p:txBody>
@@ -15691,7 +18265,11 @@
             <a:pPr lvl="1"/>
             <a:r>
               <a:rPr lang="en-CA" sz="1600" dirty="0" smtClean="0"/>
-              <a:t>Recent empirical work by Bobed et al. [3]:</a:t>
+              <a:t>Recent empirical work by Bobed et al. </a:t>
+            </a:r>
+            <a:r>
+              <a:rPr lang="en-CA" sz="1600" dirty="0" smtClean="0"/>
+              <a:t>[4]:</a:t>
             </a:r>
             <a:endParaRPr lang="en-CA" sz="1600" dirty="0"/>
           </a:p>
@@ -15818,24 +18396,70 @@
             </a:r>
           </a:p>
           <a:p>
-            <a:pPr lvl="1">
+            <a:pPr lvl="2">
               <a:spcBef>
                 <a:spcPts val="384"/>
               </a:spcBef>
             </a:pPr>
             <a:r>
-              <a:rPr lang="en-CA" sz="1600" dirty="0" smtClean="0"/>
+              <a:rPr lang="en-CA" sz="1400" dirty="0" smtClean="0"/>
               <a:t>Such as </a:t>
             </a:r>
             <a:r>
-              <a:rPr lang="en-CA" sz="1600" b="1" dirty="0" smtClean="0"/>
+              <a:rPr lang="en-CA" sz="1400" b="1" dirty="0" smtClean="0"/>
               <a:t>computerized, rule-based CPG</a:t>
             </a:r>
             <a:r>
-              <a:rPr lang="en-CA" sz="1600" dirty="0" smtClean="0"/>
+              <a:rPr lang="en-CA" sz="1400" dirty="0" smtClean="0"/>
               <a:t> in CDSS </a:t>
             </a:r>
             <a:endParaRPr lang="en-CA" dirty="0" smtClean="0"/>
+          </a:p>
+        </p:txBody>
+      </p:sp>
+      <p:sp>
+        <p:nvSpPr>
+          <p:cNvPr id="4" name="Date Placeholder 3"/>
+          <p:cNvSpPr>
+            <a:spLocks noGrp="1"/>
+          </p:cNvSpPr>
+          <p:nvPr>
+            <p:ph type="dt" sz="half" idx="10"/>
+          </p:nvPr>
+        </p:nvSpPr>
+        <p:spPr/>
+        <p:txBody>
+          <a:bodyPr/>
+          <a:lstStyle/>
+          <a:p>
+            <a:fld id="{E3939E62-13E2-4738-AA1F-F18C0294C843}" type="datetime1">
+              <a:rPr lang="en-CA" smtClean="0"/>
+              <a:t>25/05/2017</a:t>
+            </a:fld>
+            <a:endParaRPr lang="en-CA"/>
+          </a:p>
+        </p:txBody>
+      </p:sp>
+      <p:sp>
+        <p:nvSpPr>
+          <p:cNvPr id="5" name="Slide Number Placeholder 4"/>
+          <p:cNvSpPr>
+            <a:spLocks noGrp="1"/>
+          </p:cNvSpPr>
+          <p:nvPr>
+            <p:ph type="sldNum" sz="quarter" idx="12"/>
+          </p:nvPr>
+        </p:nvSpPr>
+        <p:spPr/>
+        <p:txBody>
+          <a:bodyPr/>
+          <a:lstStyle/>
+          <a:p>
+            <a:fld id="{1238C4B7-3C1E-4FA0-9C76-FE5833939200}" type="slidenum">
+              <a:rPr lang="en-CA" smtClean="0"/>
+              <a:t>6</a:t>
+            </a:fld>
+            <a:endParaRPr lang="en-CA"/>
           </a:p>
         </p:txBody>
       </p:sp>
@@ -15961,7 +18585,6 @@
               <a:rPr lang="en-CA" sz="1800" dirty="0" smtClean="0"/>
               <a:t>Conformant</a:t>
             </a:r>
-            <a:endParaRPr lang="en-CA" sz="1800" dirty="0" smtClean="0"/>
           </a:p>
           <a:p>
             <a:pPr>
@@ -16150,11 +18773,7 @@
             </a:r>
             <a:r>
               <a:rPr lang="en-CA" sz="1600" dirty="0" smtClean="0"/>
-              <a:t>algorithm (</a:t>
-            </a:r>
-            <a:r>
-              <a:rPr lang="en-CA" sz="1600" dirty="0" smtClean="0"/>
-              <a:t>Tai </a:t>
+              <a:t>algorithm (Tai </a:t>
             </a:r>
             <a:r>
               <a:rPr lang="en-CA" sz="1600" dirty="0"/>
@@ -16162,11 +18781,7 @@
             </a:r>
             <a:r>
               <a:rPr lang="en-CA" sz="1600" dirty="0" smtClean="0"/>
-              <a:t>[7</a:t>
-            </a:r>
-            <a:r>
-              <a:rPr lang="en-CA" sz="1600" dirty="0" smtClean="0"/>
-              <a:t>])</a:t>
+              <a:t>[8])</a:t>
             </a:r>
             <a:endParaRPr lang="en-CA" sz="1600" dirty="0" smtClean="0"/>
           </a:p>
@@ -16467,6 +19082,52 @@
           </a:fontRef>
         </p:style>
       </p:cxnSp>
+      <p:sp>
+        <p:nvSpPr>
+          <p:cNvPr id="6" name="Date Placeholder 5"/>
+          <p:cNvSpPr>
+            <a:spLocks noGrp="1"/>
+          </p:cNvSpPr>
+          <p:nvPr>
+            <p:ph type="dt" sz="half" idx="10"/>
+          </p:nvPr>
+        </p:nvSpPr>
+        <p:spPr/>
+        <p:txBody>
+          <a:bodyPr/>
+          <a:lstStyle/>
+          <a:p>
+            <a:fld id="{50DE8B16-EE75-4C58-AD88-7B30203DB413}" type="datetime1">
+              <a:rPr lang="en-CA" smtClean="0"/>
+              <a:t>25/05/2017</a:t>
+            </a:fld>
+            <a:endParaRPr lang="en-CA"/>
+          </a:p>
+        </p:txBody>
+      </p:sp>
+      <p:sp>
+        <p:nvSpPr>
+          <p:cNvPr id="8" name="Slide Number Placeholder 7"/>
+          <p:cNvSpPr>
+            <a:spLocks noGrp="1"/>
+          </p:cNvSpPr>
+          <p:nvPr>
+            <p:ph type="sldNum" sz="quarter" idx="12"/>
+          </p:nvPr>
+        </p:nvSpPr>
+        <p:spPr/>
+        <p:txBody>
+          <a:bodyPr/>
+          <a:lstStyle/>
+          <a:p>
+            <a:fld id="{1238C4B7-3C1E-4FA0-9C76-FE5833939200}" type="slidenum">
+              <a:rPr lang="en-CA" smtClean="0"/>
+              <a:t>7</a:t>
+            </a:fld>
+            <a:endParaRPr lang="en-CA"/>
+          </a:p>
+        </p:txBody>
+      </p:sp>
     </p:spTree>
     <p:extLst>
       <p:ext uri="{BB962C8B-B14F-4D97-AF65-F5344CB8AC3E}">
@@ -17534,7 +20195,11 @@
             </a:r>
             <a:r>
               <a:rPr lang="en-CA" dirty="0" smtClean="0"/>
-              <a:t>ruleset: evaluation</a:t>
+              <a:t>ruleset: </a:t>
+            </a:r>
+            <a:r>
+              <a:rPr lang="en-CA" dirty="0" smtClean="0"/>
+              <a:t>Evaluation</a:t>
             </a:r>
             <a:endParaRPr lang="en-CA" dirty="0"/>
           </a:p>
@@ -17968,6 +20633,52 @@
           </a:prstGeom>
         </p:spPr>
       </p:pic>
+      <p:sp>
+        <p:nvSpPr>
+          <p:cNvPr id="3" name="Date Placeholder 2"/>
+          <p:cNvSpPr>
+            <a:spLocks noGrp="1"/>
+          </p:cNvSpPr>
+          <p:nvPr>
+            <p:ph type="dt" sz="half" idx="10"/>
+          </p:nvPr>
+        </p:nvSpPr>
+        <p:spPr/>
+        <p:txBody>
+          <a:bodyPr/>
+          <a:lstStyle/>
+          <a:p>
+            <a:fld id="{2DF2B9C1-EC20-46D6-AEDD-18BB40E4A75C}" type="datetime1">
+              <a:rPr lang="en-CA" smtClean="0"/>
+              <a:t>25/05/2017</a:t>
+            </a:fld>
+            <a:endParaRPr lang="en-CA"/>
+          </a:p>
+        </p:txBody>
+      </p:sp>
+      <p:sp>
+        <p:nvSpPr>
+          <p:cNvPr id="4" name="Slide Number Placeholder 3"/>
+          <p:cNvSpPr>
+            <a:spLocks noGrp="1"/>
+          </p:cNvSpPr>
+          <p:nvPr>
+            <p:ph type="sldNum" sz="quarter" idx="12"/>
+          </p:nvPr>
+        </p:nvSpPr>
+        <p:spPr/>
+        <p:txBody>
+          <a:bodyPr/>
+          <a:lstStyle/>
+          <a:p>
+            <a:fld id="{1238C4B7-3C1E-4FA0-9C76-FE5833939200}" type="slidenum">
+              <a:rPr lang="en-CA" smtClean="0"/>
+              <a:t>8</a:t>
+            </a:fld>
+            <a:endParaRPr lang="en-CA"/>
+          </a:p>
+        </p:txBody>
+      </p:sp>
     </p:spTree>
     <p:extLst>
       <p:ext uri="{BB962C8B-B14F-4D97-AF65-F5344CB8AC3E}">
@@ -18438,26 +21149,28 @@
         </p:nvSpPr>
         <p:spPr/>
         <p:txBody>
-          <a:bodyPr/>
+          <a:bodyPr>
+            <a:normAutofit/>
+          </a:bodyPr>
           <a:lstStyle/>
           <a:p>
             <a:r>
-              <a:rPr lang="en-CA" dirty="0"/>
+              <a:rPr lang="en-CA" sz="3100" dirty="0"/>
               <a:t>1) Optimizing the OWL2 </a:t>
             </a:r>
             <a:r>
-              <a:rPr lang="en-CA" dirty="0" smtClean="0"/>
-              <a:t>RL ruleset: </a:t>
-            </a:r>
-            <a:r>
-              <a:rPr lang="en-CA" dirty="0"/>
-              <a:t>f</a:t>
-            </a:r>
-            <a:r>
-              <a:rPr lang="en-CA" dirty="0" smtClean="0"/>
-              <a:t>uture work</a:t>
-            </a:r>
-            <a:endParaRPr lang="en-CA" dirty="0"/>
+              <a:rPr lang="en-CA" sz="3100" dirty="0" smtClean="0"/>
+              <a:t>RL ruleset</a:t>
+            </a:r>
+            <a:r>
+              <a:rPr lang="en-CA" sz="3100" dirty="0" smtClean="0"/>
+              <a:t>: Future </a:t>
+            </a:r>
+            <a:r>
+              <a:rPr lang="en-CA" sz="3100" dirty="0" smtClean="0"/>
+              <a:t>work</a:t>
+            </a:r>
+            <a:endParaRPr lang="en-CA" sz="3100" dirty="0"/>
           </a:p>
         </p:txBody>
       </p:sp>
@@ -18485,8 +21198,21 @@
             </a:pPr>
             <a:r>
               <a:rPr lang="en-CA" sz="2000" dirty="0"/>
-              <a:t>Rule instantiation [6, 8, 9]</a:t>
-            </a:r>
+              <a:t>Rule instantiation </a:t>
+            </a:r>
+            <a:r>
+              <a:rPr lang="en-CA" sz="2000" dirty="0" smtClean="0"/>
+              <a:t>[</a:t>
+            </a:r>
+            <a:r>
+              <a:rPr lang="en-CA" sz="2000" dirty="0"/>
+              <a:t>7</a:t>
+            </a:r>
+            <a:r>
+              <a:rPr lang="en-CA" sz="2000" dirty="0" smtClean="0"/>
+              <a:t>, 9, 10]</a:t>
+            </a:r>
+            <a:endParaRPr lang="en-CA" sz="2000" dirty="0"/>
           </a:p>
           <a:p>
             <a:pPr marL="914400" lvl="1" indent="-457200">
@@ -18569,18 +21295,25 @@
             <a:pPr lvl="1"/>
             <a:r>
               <a:rPr lang="en-CA" sz="1800" dirty="0" smtClean="0"/>
-              <a:t>Currently, does not support “volatile” ontologies</a:t>
+              <a:t>Large impact on performance</a:t>
+            </a:r>
+          </a:p>
+          <a:p>
+            <a:pPr lvl="1"/>
+            <a:r>
+              <a:rPr lang="en-CA" sz="1800" dirty="0" smtClean="0"/>
+              <a:t>Currently</a:t>
+            </a:r>
+            <a:r>
+              <a:rPr lang="en-CA" sz="1800" dirty="0" smtClean="0"/>
+              <a:t>, does not support “volatile” ontologies</a:t>
             </a:r>
           </a:p>
           <a:p>
             <a:pPr lvl="2"/>
             <a:r>
               <a:rPr lang="en-CA" sz="1600" dirty="0" smtClean="0"/>
-              <a:t>Ruleset needs to be re-calculated on ontology </a:t>
-            </a:r>
-            <a:r>
-              <a:rPr lang="en-CA" sz="1600" dirty="0" smtClean="0"/>
-              <a:t>changes</a:t>
+              <a:t>Ruleset needs to be re-calculated on ontology changes</a:t>
             </a:r>
           </a:p>
           <a:p>
@@ -18589,15 +21322,64 @@
               <a:rPr lang="en-CA" sz="1600" dirty="0" smtClean="0"/>
               <a:t>Avg. ca. 291ms (PC), 4183ms (mobile)</a:t>
             </a:r>
-            <a:endParaRPr lang="en-CA" sz="1600" dirty="0" smtClean="0"/>
           </a:p>
           <a:p>
             <a:pPr lvl="1"/>
             <a:r>
               <a:rPr lang="en-CA" sz="1800" dirty="0" smtClean="0"/>
-              <a:t> Deploy on mobile device, integrate with reasoner</a:t>
+              <a:t> Deploy on mobile device, integrate with </a:t>
+            </a:r>
+            <a:r>
+              <a:rPr lang="en-CA" sz="1800" dirty="0" smtClean="0"/>
+              <a:t>reasoner?</a:t>
             </a:r>
             <a:endParaRPr lang="en-CA" sz="1800" dirty="0"/>
+          </a:p>
+        </p:txBody>
+      </p:sp>
+      <p:sp>
+        <p:nvSpPr>
+          <p:cNvPr id="4" name="Date Placeholder 3"/>
+          <p:cNvSpPr>
+            <a:spLocks noGrp="1"/>
+          </p:cNvSpPr>
+          <p:nvPr>
+            <p:ph type="dt" sz="half" idx="10"/>
+          </p:nvPr>
+        </p:nvSpPr>
+        <p:spPr/>
+        <p:txBody>
+          <a:bodyPr/>
+          <a:lstStyle/>
+          <a:p>
+            <a:fld id="{B6D74659-C90F-4A04-A6FC-CE3E5CF47C08}" type="datetime1">
+              <a:rPr lang="en-CA" smtClean="0"/>
+              <a:t>25/05/2017</a:t>
+            </a:fld>
+            <a:endParaRPr lang="en-CA"/>
+          </a:p>
+        </p:txBody>
+      </p:sp>
+      <p:sp>
+        <p:nvSpPr>
+          <p:cNvPr id="5" name="Slide Number Placeholder 4"/>
+          <p:cNvSpPr>
+            <a:spLocks noGrp="1"/>
+          </p:cNvSpPr>
+          <p:nvPr>
+            <p:ph type="sldNum" sz="quarter" idx="12"/>
+          </p:nvPr>
+        </p:nvSpPr>
+        <p:spPr/>
+        <p:txBody>
+          <a:bodyPr/>
+          <a:lstStyle/>
+          <a:p>
+            <a:fld id="{1238C4B7-3C1E-4FA0-9C76-FE5833939200}" type="slidenum">
+              <a:rPr lang="en-CA" smtClean="0"/>
+              <a:t>9</a:t>
+            </a:fld>
+            <a:endParaRPr lang="en-CA"/>
           </a:p>
         </p:txBody>
       </p:sp>

--- a/talks/WilliamVanWoensel-BottomUpOWL2RL-RuleMLWebinar-2017-05-26.pptx
+++ b/talks/WilliamVanWoensel-BottomUpOWL2RL-RuleMLWebinar-2017-05-26.pptx
@@ -5,7 +5,7 @@
     <p:sldMasterId id="2147483660" r:id="rId1"/>
   </p:sldMasterIdLst>
   <p:notesMasterIdLst>
-    <p:notesMasterId r:id="rId23"/>
+    <p:notesMasterId r:id="rId22"/>
   </p:notesMasterIdLst>
   <p:sldIdLst>
     <p:sldId id="256" r:id="rId2"/>
@@ -19,16 +19,15 @@
     <p:sldId id="265" r:id="rId10"/>
     <p:sldId id="267" r:id="rId11"/>
     <p:sldId id="268" r:id="rId12"/>
-    <p:sldId id="269" r:id="rId13"/>
-    <p:sldId id="270" r:id="rId14"/>
-    <p:sldId id="271" r:id="rId15"/>
-    <p:sldId id="272" r:id="rId16"/>
-    <p:sldId id="273" r:id="rId17"/>
-    <p:sldId id="274" r:id="rId18"/>
-    <p:sldId id="275" r:id="rId19"/>
-    <p:sldId id="276" r:id="rId20"/>
-    <p:sldId id="277" r:id="rId21"/>
-    <p:sldId id="263" r:id="rId22"/>
+    <p:sldId id="270" r:id="rId13"/>
+    <p:sldId id="271" r:id="rId14"/>
+    <p:sldId id="272" r:id="rId15"/>
+    <p:sldId id="273" r:id="rId16"/>
+    <p:sldId id="274" r:id="rId17"/>
+    <p:sldId id="275" r:id="rId18"/>
+    <p:sldId id="276" r:id="rId19"/>
+    <p:sldId id="277" r:id="rId20"/>
+    <p:sldId id="263" r:id="rId21"/>
   </p:sldIdLst>
   <p:sldSz cx="12192000" cy="6858000"/>
   <p:notesSz cx="6858000" cy="9144000"/>
@@ -217,7 +216,7 @@
           <a:p>
             <a:fld id="{F61AB19B-0B12-41BB-B2E6-8A3614868EAE}" type="datetimeFigureOut">
               <a:rPr lang="en-CA" smtClean="0"/>
-              <a:t>25/05/2017</a:t>
+              <a:t>26/05/2017</a:t>
             </a:fld>
             <a:endParaRPr lang="en-CA"/>
           </a:p>
@@ -529,7 +528,7 @@
           <a:bodyPr/>
           <a:lstStyle/>
           <a:p>
-            <a:endParaRPr lang="en-CA"/>
+            <a:endParaRPr lang="en-CA" dirty="0"/>
           </a:p>
         </p:txBody>
       </p:sp>
@@ -560,6 +559,905 @@
     <p:extLst>
       <p:ext uri="{BB962C8B-B14F-4D97-AF65-F5344CB8AC3E}">
         <p14:creationId xmlns:p14="http://schemas.microsoft.com/office/powerpoint/2010/main" val="69862235"/>
+      </p:ext>
+    </p:extLst>
+  </p:cSld>
+  <p:clrMapOvr>
+    <a:masterClrMapping/>
+  </p:clrMapOvr>
+</p:notes>
+</file>
+
+<file path=ppt/notesSlides/notesSlide10.xml><?xml version="1.0" encoding="utf-8"?>
+<p:notes xmlns:a="http://schemas.openxmlformats.org/drawingml/2006/main" xmlns:r="http://schemas.openxmlformats.org/officeDocument/2006/relationships" xmlns:p="http://schemas.openxmlformats.org/presentationml/2006/main">
+  <p:cSld>
+    <p:spTree>
+      <p:nvGrpSpPr>
+        <p:cNvPr id="1" name=""/>
+        <p:cNvGrpSpPr/>
+        <p:nvPr/>
+      </p:nvGrpSpPr>
+      <p:grpSpPr>
+        <a:xfrm>
+          <a:off x="0" y="0"/>
+          <a:ext cx="0" cy="0"/>
+          <a:chOff x="0" y="0"/>
+          <a:chExt cx="0" cy="0"/>
+        </a:xfrm>
+      </p:grpSpPr>
+      <p:sp>
+        <p:nvSpPr>
+          <p:cNvPr id="2" name="Slide Image Placeholder 1"/>
+          <p:cNvSpPr>
+            <a:spLocks noGrp="1" noRot="1" noChangeAspect="1"/>
+          </p:cNvSpPr>
+          <p:nvPr>
+            <p:ph type="sldImg"/>
+          </p:nvPr>
+        </p:nvSpPr>
+        <p:spPr/>
+      </p:sp>
+      <p:sp>
+        <p:nvSpPr>
+          <p:cNvPr id="3" name="Notes Placeholder 2"/>
+          <p:cNvSpPr>
+            <a:spLocks noGrp="1"/>
+          </p:cNvSpPr>
+          <p:nvPr>
+            <p:ph type="body" idx="1"/>
+          </p:nvPr>
+        </p:nvSpPr>
+        <p:spPr/>
+        <p:txBody>
+          <a:bodyPr/>
+          <a:lstStyle/>
+          <a:p>
+            <a:endParaRPr lang="en-CA" baseline="0" dirty="0" smtClean="0"/>
+          </a:p>
+        </p:txBody>
+      </p:sp>
+      <p:sp>
+        <p:nvSpPr>
+          <p:cNvPr id="4" name="Slide Number Placeholder 3"/>
+          <p:cNvSpPr>
+            <a:spLocks noGrp="1"/>
+          </p:cNvSpPr>
+          <p:nvPr>
+            <p:ph type="sldNum" sz="quarter" idx="10"/>
+          </p:nvPr>
+        </p:nvSpPr>
+        <p:spPr/>
+        <p:txBody>
+          <a:bodyPr/>
+          <a:lstStyle/>
+          <a:p>
+            <a:fld id="{E8FF3829-06E9-4FAD-8533-8366B6FD6FBE}" type="slidenum">
+              <a:rPr lang="en-CA" smtClean="0"/>
+              <a:t>10</a:t>
+            </a:fld>
+            <a:endParaRPr lang="en-CA"/>
+          </a:p>
+        </p:txBody>
+      </p:sp>
+    </p:spTree>
+    <p:extLst>
+      <p:ext uri="{BB962C8B-B14F-4D97-AF65-F5344CB8AC3E}">
+        <p14:creationId xmlns:p14="http://schemas.microsoft.com/office/powerpoint/2010/main" val="466568977"/>
+      </p:ext>
+    </p:extLst>
+  </p:cSld>
+  <p:clrMapOvr>
+    <a:masterClrMapping/>
+  </p:clrMapOvr>
+</p:notes>
+</file>
+
+<file path=ppt/notesSlides/notesSlide11.xml><?xml version="1.0" encoding="utf-8"?>
+<p:notes xmlns:a="http://schemas.openxmlformats.org/drawingml/2006/main" xmlns:r="http://schemas.openxmlformats.org/officeDocument/2006/relationships" xmlns:p="http://schemas.openxmlformats.org/presentationml/2006/main">
+  <p:cSld>
+    <p:spTree>
+      <p:nvGrpSpPr>
+        <p:cNvPr id="1" name=""/>
+        <p:cNvGrpSpPr/>
+        <p:nvPr/>
+      </p:nvGrpSpPr>
+      <p:grpSpPr>
+        <a:xfrm>
+          <a:off x="0" y="0"/>
+          <a:ext cx="0" cy="0"/>
+          <a:chOff x="0" y="0"/>
+          <a:chExt cx="0" cy="0"/>
+        </a:xfrm>
+      </p:grpSpPr>
+      <p:sp>
+        <p:nvSpPr>
+          <p:cNvPr id="2" name="Slide Image Placeholder 1"/>
+          <p:cNvSpPr>
+            <a:spLocks noGrp="1" noRot="1" noChangeAspect="1"/>
+          </p:cNvSpPr>
+          <p:nvPr>
+            <p:ph type="sldImg"/>
+          </p:nvPr>
+        </p:nvSpPr>
+        <p:spPr/>
+      </p:sp>
+      <p:sp>
+        <p:nvSpPr>
+          <p:cNvPr id="3" name="Notes Placeholder 2"/>
+          <p:cNvSpPr>
+            <a:spLocks noGrp="1"/>
+          </p:cNvSpPr>
+          <p:nvPr>
+            <p:ph type="body" idx="1"/>
+          </p:nvPr>
+        </p:nvSpPr>
+        <p:spPr/>
+        <p:txBody>
+          <a:bodyPr/>
+          <a:lstStyle/>
+          <a:p>
+            <a:endParaRPr lang="en-CA" baseline="0" dirty="0" smtClean="0"/>
+          </a:p>
+        </p:txBody>
+      </p:sp>
+      <p:sp>
+        <p:nvSpPr>
+          <p:cNvPr id="4" name="Slide Number Placeholder 3"/>
+          <p:cNvSpPr>
+            <a:spLocks noGrp="1"/>
+          </p:cNvSpPr>
+          <p:nvPr>
+            <p:ph type="sldNum" sz="quarter" idx="10"/>
+          </p:nvPr>
+        </p:nvSpPr>
+        <p:spPr/>
+        <p:txBody>
+          <a:bodyPr/>
+          <a:lstStyle/>
+          <a:p>
+            <a:fld id="{E8FF3829-06E9-4FAD-8533-8366B6FD6FBE}" type="slidenum">
+              <a:rPr lang="en-CA" smtClean="0"/>
+              <a:t>11</a:t>
+            </a:fld>
+            <a:endParaRPr lang="en-CA"/>
+          </a:p>
+        </p:txBody>
+      </p:sp>
+    </p:spTree>
+    <p:extLst>
+      <p:ext uri="{BB962C8B-B14F-4D97-AF65-F5344CB8AC3E}">
+        <p14:creationId xmlns:p14="http://schemas.microsoft.com/office/powerpoint/2010/main" val="3075134099"/>
+      </p:ext>
+    </p:extLst>
+  </p:cSld>
+  <p:clrMapOvr>
+    <a:masterClrMapping/>
+  </p:clrMapOvr>
+</p:notes>
+</file>
+
+<file path=ppt/notesSlides/notesSlide12.xml><?xml version="1.0" encoding="utf-8"?>
+<p:notes xmlns:a="http://schemas.openxmlformats.org/drawingml/2006/main" xmlns:r="http://schemas.openxmlformats.org/officeDocument/2006/relationships" xmlns:p="http://schemas.openxmlformats.org/presentationml/2006/main">
+  <p:cSld>
+    <p:spTree>
+      <p:nvGrpSpPr>
+        <p:cNvPr id="1" name=""/>
+        <p:cNvGrpSpPr/>
+        <p:nvPr/>
+      </p:nvGrpSpPr>
+      <p:grpSpPr>
+        <a:xfrm>
+          <a:off x="0" y="0"/>
+          <a:ext cx="0" cy="0"/>
+          <a:chOff x="0" y="0"/>
+          <a:chExt cx="0" cy="0"/>
+        </a:xfrm>
+      </p:grpSpPr>
+      <p:sp>
+        <p:nvSpPr>
+          <p:cNvPr id="2" name="Slide Image Placeholder 1"/>
+          <p:cNvSpPr>
+            <a:spLocks noGrp="1" noRot="1" noChangeAspect="1"/>
+          </p:cNvSpPr>
+          <p:nvPr>
+            <p:ph type="sldImg"/>
+          </p:nvPr>
+        </p:nvSpPr>
+        <p:spPr/>
+      </p:sp>
+      <p:sp>
+        <p:nvSpPr>
+          <p:cNvPr id="3" name="Notes Placeholder 2"/>
+          <p:cNvSpPr>
+            <a:spLocks noGrp="1"/>
+          </p:cNvSpPr>
+          <p:nvPr>
+            <p:ph type="body" idx="1"/>
+          </p:nvPr>
+        </p:nvSpPr>
+        <p:spPr/>
+        <p:txBody>
+          <a:bodyPr/>
+          <a:lstStyle/>
+          <a:p>
+            <a:endParaRPr lang="en-CA" dirty="0"/>
+          </a:p>
+        </p:txBody>
+      </p:sp>
+      <p:sp>
+        <p:nvSpPr>
+          <p:cNvPr id="4" name="Slide Number Placeholder 3"/>
+          <p:cNvSpPr>
+            <a:spLocks noGrp="1"/>
+          </p:cNvSpPr>
+          <p:nvPr>
+            <p:ph type="sldNum" sz="quarter" idx="10"/>
+          </p:nvPr>
+        </p:nvSpPr>
+        <p:spPr/>
+        <p:txBody>
+          <a:bodyPr/>
+          <a:lstStyle/>
+          <a:p>
+            <a:fld id="{E8FF3829-06E9-4FAD-8533-8366B6FD6FBE}" type="slidenum">
+              <a:rPr lang="en-CA" smtClean="0"/>
+              <a:t>12</a:t>
+            </a:fld>
+            <a:endParaRPr lang="en-CA"/>
+          </a:p>
+        </p:txBody>
+      </p:sp>
+    </p:spTree>
+    <p:extLst>
+      <p:ext uri="{BB962C8B-B14F-4D97-AF65-F5344CB8AC3E}">
+        <p14:creationId xmlns:p14="http://schemas.microsoft.com/office/powerpoint/2010/main" val="181712430"/>
+      </p:ext>
+    </p:extLst>
+  </p:cSld>
+  <p:clrMapOvr>
+    <a:masterClrMapping/>
+  </p:clrMapOvr>
+</p:notes>
+</file>
+
+<file path=ppt/notesSlides/notesSlide13.xml><?xml version="1.0" encoding="utf-8"?>
+<p:notes xmlns:a="http://schemas.openxmlformats.org/drawingml/2006/main" xmlns:r="http://schemas.openxmlformats.org/officeDocument/2006/relationships" xmlns:p="http://schemas.openxmlformats.org/presentationml/2006/main">
+  <p:cSld>
+    <p:spTree>
+      <p:nvGrpSpPr>
+        <p:cNvPr id="1" name=""/>
+        <p:cNvGrpSpPr/>
+        <p:nvPr/>
+      </p:nvGrpSpPr>
+      <p:grpSpPr>
+        <a:xfrm>
+          <a:off x="0" y="0"/>
+          <a:ext cx="0" cy="0"/>
+          <a:chOff x="0" y="0"/>
+          <a:chExt cx="0" cy="0"/>
+        </a:xfrm>
+      </p:grpSpPr>
+      <p:sp>
+        <p:nvSpPr>
+          <p:cNvPr id="2" name="Slide Image Placeholder 1"/>
+          <p:cNvSpPr>
+            <a:spLocks noGrp="1" noRot="1" noChangeAspect="1"/>
+          </p:cNvSpPr>
+          <p:nvPr>
+            <p:ph type="sldImg"/>
+          </p:nvPr>
+        </p:nvSpPr>
+        <p:spPr/>
+      </p:sp>
+      <p:sp>
+        <p:nvSpPr>
+          <p:cNvPr id="3" name="Notes Placeholder 2"/>
+          <p:cNvSpPr>
+            <a:spLocks noGrp="1"/>
+          </p:cNvSpPr>
+          <p:nvPr>
+            <p:ph type="body" idx="1"/>
+          </p:nvPr>
+        </p:nvSpPr>
+        <p:spPr/>
+        <p:txBody>
+          <a:bodyPr/>
+          <a:lstStyle/>
+          <a:p>
+            <a:pPr marL="0" marR="0" lvl="0" indent="0" algn="l" defTabSz="914400" rtl="0" eaLnBrk="1" fontAlgn="auto" latinLnBrk="0" hangingPunct="1">
+              <a:lnSpc>
+                <a:spcPct val="100000"/>
+              </a:lnSpc>
+              <a:spcBef>
+                <a:spcPts val="0"/>
+              </a:spcBef>
+              <a:spcAft>
+                <a:spcPts val="0"/>
+              </a:spcAft>
+              <a:buClrTx/>
+              <a:buSzTx/>
+              <a:buFontTx/>
+              <a:buNone/>
+              <a:tabLst/>
+              <a:defRPr/>
+            </a:pPr>
+            <a:endParaRPr lang="en-CA" b="0" dirty="0" smtClean="0"/>
+          </a:p>
+        </p:txBody>
+      </p:sp>
+      <p:sp>
+        <p:nvSpPr>
+          <p:cNvPr id="4" name="Slide Number Placeholder 3"/>
+          <p:cNvSpPr>
+            <a:spLocks noGrp="1"/>
+          </p:cNvSpPr>
+          <p:nvPr>
+            <p:ph type="sldNum" sz="quarter" idx="10"/>
+          </p:nvPr>
+        </p:nvSpPr>
+        <p:spPr/>
+        <p:txBody>
+          <a:bodyPr/>
+          <a:lstStyle/>
+          <a:p>
+            <a:fld id="{E8FF3829-06E9-4FAD-8533-8366B6FD6FBE}" type="slidenum">
+              <a:rPr lang="en-CA" smtClean="0"/>
+              <a:t>13</a:t>
+            </a:fld>
+            <a:endParaRPr lang="en-CA"/>
+          </a:p>
+        </p:txBody>
+      </p:sp>
+    </p:spTree>
+    <p:extLst>
+      <p:ext uri="{BB962C8B-B14F-4D97-AF65-F5344CB8AC3E}">
+        <p14:creationId xmlns:p14="http://schemas.microsoft.com/office/powerpoint/2010/main" val="1727587075"/>
+      </p:ext>
+    </p:extLst>
+  </p:cSld>
+  <p:clrMapOvr>
+    <a:masterClrMapping/>
+  </p:clrMapOvr>
+</p:notes>
+</file>
+
+<file path=ppt/notesSlides/notesSlide14.xml><?xml version="1.0" encoding="utf-8"?>
+<p:notes xmlns:a="http://schemas.openxmlformats.org/drawingml/2006/main" xmlns:r="http://schemas.openxmlformats.org/officeDocument/2006/relationships" xmlns:p="http://schemas.openxmlformats.org/presentationml/2006/main">
+  <p:cSld>
+    <p:spTree>
+      <p:nvGrpSpPr>
+        <p:cNvPr id="1" name=""/>
+        <p:cNvGrpSpPr/>
+        <p:nvPr/>
+      </p:nvGrpSpPr>
+      <p:grpSpPr>
+        <a:xfrm>
+          <a:off x="0" y="0"/>
+          <a:ext cx="0" cy="0"/>
+          <a:chOff x="0" y="0"/>
+          <a:chExt cx="0" cy="0"/>
+        </a:xfrm>
+      </p:grpSpPr>
+      <p:sp>
+        <p:nvSpPr>
+          <p:cNvPr id="2" name="Slide Image Placeholder 1"/>
+          <p:cNvSpPr>
+            <a:spLocks noGrp="1" noRot="1" noChangeAspect="1"/>
+          </p:cNvSpPr>
+          <p:nvPr>
+            <p:ph type="sldImg"/>
+          </p:nvPr>
+        </p:nvSpPr>
+        <p:spPr/>
+      </p:sp>
+      <p:sp>
+        <p:nvSpPr>
+          <p:cNvPr id="3" name="Notes Placeholder 2"/>
+          <p:cNvSpPr>
+            <a:spLocks noGrp="1"/>
+          </p:cNvSpPr>
+          <p:nvPr>
+            <p:ph type="body" idx="1"/>
+          </p:nvPr>
+        </p:nvSpPr>
+        <p:spPr/>
+        <p:txBody>
+          <a:bodyPr/>
+          <a:lstStyle/>
+          <a:p>
+            <a:pPr marL="0" marR="0" lvl="0" indent="0" algn="l" defTabSz="914400" rtl="0" eaLnBrk="1" fontAlgn="auto" latinLnBrk="0" hangingPunct="1">
+              <a:lnSpc>
+                <a:spcPct val="100000"/>
+              </a:lnSpc>
+              <a:spcBef>
+                <a:spcPts val="0"/>
+              </a:spcBef>
+              <a:spcAft>
+                <a:spcPts val="0"/>
+              </a:spcAft>
+              <a:buClrTx/>
+              <a:buSzTx/>
+              <a:buFontTx/>
+              <a:buNone/>
+              <a:tabLst/>
+              <a:defRPr/>
+            </a:pPr>
+            <a:endParaRPr lang="en-US" sz="1200" kern="1200" dirty="0" smtClean="0">
+              <a:solidFill>
+                <a:schemeClr val="tx1"/>
+              </a:solidFill>
+              <a:effectLst/>
+              <a:latin typeface="+mn-lt"/>
+              <a:ea typeface="+mn-ea"/>
+              <a:cs typeface="+mn-cs"/>
+            </a:endParaRPr>
+          </a:p>
+        </p:txBody>
+      </p:sp>
+      <p:sp>
+        <p:nvSpPr>
+          <p:cNvPr id="4" name="Slide Number Placeholder 3"/>
+          <p:cNvSpPr>
+            <a:spLocks noGrp="1"/>
+          </p:cNvSpPr>
+          <p:nvPr>
+            <p:ph type="sldNum" sz="quarter" idx="10"/>
+          </p:nvPr>
+        </p:nvSpPr>
+        <p:spPr/>
+        <p:txBody>
+          <a:bodyPr/>
+          <a:lstStyle/>
+          <a:p>
+            <a:fld id="{E8FF3829-06E9-4FAD-8533-8366B6FD6FBE}" type="slidenum">
+              <a:rPr lang="en-CA" smtClean="0"/>
+              <a:t>14</a:t>
+            </a:fld>
+            <a:endParaRPr lang="en-CA"/>
+          </a:p>
+        </p:txBody>
+      </p:sp>
+    </p:spTree>
+    <p:extLst>
+      <p:ext uri="{BB962C8B-B14F-4D97-AF65-F5344CB8AC3E}">
+        <p14:creationId xmlns:p14="http://schemas.microsoft.com/office/powerpoint/2010/main" val="38060678"/>
+      </p:ext>
+    </p:extLst>
+  </p:cSld>
+  <p:clrMapOvr>
+    <a:masterClrMapping/>
+  </p:clrMapOvr>
+</p:notes>
+</file>
+
+<file path=ppt/notesSlides/notesSlide15.xml><?xml version="1.0" encoding="utf-8"?>
+<p:notes xmlns:a="http://schemas.openxmlformats.org/drawingml/2006/main" xmlns:r="http://schemas.openxmlformats.org/officeDocument/2006/relationships" xmlns:p="http://schemas.openxmlformats.org/presentationml/2006/main">
+  <p:cSld>
+    <p:spTree>
+      <p:nvGrpSpPr>
+        <p:cNvPr id="1" name=""/>
+        <p:cNvGrpSpPr/>
+        <p:nvPr/>
+      </p:nvGrpSpPr>
+      <p:grpSpPr>
+        <a:xfrm>
+          <a:off x="0" y="0"/>
+          <a:ext cx="0" cy="0"/>
+          <a:chOff x="0" y="0"/>
+          <a:chExt cx="0" cy="0"/>
+        </a:xfrm>
+      </p:grpSpPr>
+      <p:sp>
+        <p:nvSpPr>
+          <p:cNvPr id="2" name="Slide Image Placeholder 1"/>
+          <p:cNvSpPr>
+            <a:spLocks noGrp="1" noRot="1" noChangeAspect="1"/>
+          </p:cNvSpPr>
+          <p:nvPr>
+            <p:ph type="sldImg"/>
+          </p:nvPr>
+        </p:nvSpPr>
+        <p:spPr/>
+      </p:sp>
+      <p:sp>
+        <p:nvSpPr>
+          <p:cNvPr id="3" name="Notes Placeholder 2"/>
+          <p:cNvSpPr>
+            <a:spLocks noGrp="1"/>
+          </p:cNvSpPr>
+          <p:nvPr>
+            <p:ph type="body" idx="1"/>
+          </p:nvPr>
+        </p:nvSpPr>
+        <p:spPr/>
+        <p:txBody>
+          <a:bodyPr/>
+          <a:lstStyle/>
+          <a:p>
+            <a:endParaRPr lang="en-CA" dirty="0"/>
+          </a:p>
+        </p:txBody>
+      </p:sp>
+      <p:sp>
+        <p:nvSpPr>
+          <p:cNvPr id="4" name="Slide Number Placeholder 3"/>
+          <p:cNvSpPr>
+            <a:spLocks noGrp="1"/>
+          </p:cNvSpPr>
+          <p:nvPr>
+            <p:ph type="sldNum" sz="quarter" idx="10"/>
+          </p:nvPr>
+        </p:nvSpPr>
+        <p:spPr/>
+        <p:txBody>
+          <a:bodyPr/>
+          <a:lstStyle/>
+          <a:p>
+            <a:fld id="{E8FF3829-06E9-4FAD-8533-8366B6FD6FBE}" type="slidenum">
+              <a:rPr lang="en-CA" smtClean="0"/>
+              <a:t>15</a:t>
+            </a:fld>
+            <a:endParaRPr lang="en-CA"/>
+          </a:p>
+        </p:txBody>
+      </p:sp>
+    </p:spTree>
+    <p:extLst>
+      <p:ext uri="{BB962C8B-B14F-4D97-AF65-F5344CB8AC3E}">
+        <p14:creationId xmlns:p14="http://schemas.microsoft.com/office/powerpoint/2010/main" val="718951154"/>
+      </p:ext>
+    </p:extLst>
+  </p:cSld>
+  <p:clrMapOvr>
+    <a:masterClrMapping/>
+  </p:clrMapOvr>
+</p:notes>
+</file>
+
+<file path=ppt/notesSlides/notesSlide16.xml><?xml version="1.0" encoding="utf-8"?>
+<p:notes xmlns:a="http://schemas.openxmlformats.org/drawingml/2006/main" xmlns:r="http://schemas.openxmlformats.org/officeDocument/2006/relationships" xmlns:p="http://schemas.openxmlformats.org/presentationml/2006/main">
+  <p:cSld>
+    <p:spTree>
+      <p:nvGrpSpPr>
+        <p:cNvPr id="1" name=""/>
+        <p:cNvGrpSpPr/>
+        <p:nvPr/>
+      </p:nvGrpSpPr>
+      <p:grpSpPr>
+        <a:xfrm>
+          <a:off x="0" y="0"/>
+          <a:ext cx="0" cy="0"/>
+          <a:chOff x="0" y="0"/>
+          <a:chExt cx="0" cy="0"/>
+        </a:xfrm>
+      </p:grpSpPr>
+      <p:sp>
+        <p:nvSpPr>
+          <p:cNvPr id="2" name="Slide Image Placeholder 1"/>
+          <p:cNvSpPr>
+            <a:spLocks noGrp="1" noRot="1" noChangeAspect="1"/>
+          </p:cNvSpPr>
+          <p:nvPr>
+            <p:ph type="sldImg"/>
+          </p:nvPr>
+        </p:nvSpPr>
+        <p:spPr/>
+      </p:sp>
+      <p:sp>
+        <p:nvSpPr>
+          <p:cNvPr id="3" name="Notes Placeholder 2"/>
+          <p:cNvSpPr>
+            <a:spLocks noGrp="1"/>
+          </p:cNvSpPr>
+          <p:nvPr>
+            <p:ph type="body" idx="1"/>
+          </p:nvPr>
+        </p:nvSpPr>
+        <p:spPr/>
+        <p:txBody>
+          <a:bodyPr/>
+          <a:lstStyle/>
+          <a:p>
+            <a:pPr marL="0" marR="0" lvl="0" indent="0" algn="l" defTabSz="914400" rtl="0" eaLnBrk="1" fontAlgn="auto" latinLnBrk="0" hangingPunct="1">
+              <a:lnSpc>
+                <a:spcPct val="100000"/>
+              </a:lnSpc>
+              <a:spcBef>
+                <a:spcPts val="0"/>
+              </a:spcBef>
+              <a:spcAft>
+                <a:spcPts val="0"/>
+              </a:spcAft>
+              <a:buClrTx/>
+              <a:buSzTx/>
+              <a:buFontTx/>
+              <a:buNone/>
+              <a:tabLst/>
+              <a:defRPr/>
+            </a:pPr>
+            <a:endParaRPr lang="en-CA" dirty="0"/>
+          </a:p>
+        </p:txBody>
+      </p:sp>
+      <p:sp>
+        <p:nvSpPr>
+          <p:cNvPr id="4" name="Slide Number Placeholder 3"/>
+          <p:cNvSpPr>
+            <a:spLocks noGrp="1"/>
+          </p:cNvSpPr>
+          <p:nvPr>
+            <p:ph type="sldNum" sz="quarter" idx="10"/>
+          </p:nvPr>
+        </p:nvSpPr>
+        <p:spPr/>
+        <p:txBody>
+          <a:bodyPr/>
+          <a:lstStyle/>
+          <a:p>
+            <a:fld id="{E8FF3829-06E9-4FAD-8533-8366B6FD6FBE}" type="slidenum">
+              <a:rPr lang="en-CA" smtClean="0"/>
+              <a:t>16</a:t>
+            </a:fld>
+            <a:endParaRPr lang="en-CA"/>
+          </a:p>
+        </p:txBody>
+      </p:sp>
+    </p:spTree>
+    <p:extLst>
+      <p:ext uri="{BB962C8B-B14F-4D97-AF65-F5344CB8AC3E}">
+        <p14:creationId xmlns:p14="http://schemas.microsoft.com/office/powerpoint/2010/main" val="2414230822"/>
+      </p:ext>
+    </p:extLst>
+  </p:cSld>
+  <p:clrMapOvr>
+    <a:masterClrMapping/>
+  </p:clrMapOvr>
+</p:notes>
+</file>
+
+<file path=ppt/notesSlides/notesSlide17.xml><?xml version="1.0" encoding="utf-8"?>
+<p:notes xmlns:a="http://schemas.openxmlformats.org/drawingml/2006/main" xmlns:r="http://schemas.openxmlformats.org/officeDocument/2006/relationships" xmlns:p="http://schemas.openxmlformats.org/presentationml/2006/main">
+  <p:cSld>
+    <p:spTree>
+      <p:nvGrpSpPr>
+        <p:cNvPr id="1" name=""/>
+        <p:cNvGrpSpPr/>
+        <p:nvPr/>
+      </p:nvGrpSpPr>
+      <p:grpSpPr>
+        <a:xfrm>
+          <a:off x="0" y="0"/>
+          <a:ext cx="0" cy="0"/>
+          <a:chOff x="0" y="0"/>
+          <a:chExt cx="0" cy="0"/>
+        </a:xfrm>
+      </p:grpSpPr>
+      <p:sp>
+        <p:nvSpPr>
+          <p:cNvPr id="2" name="Slide Image Placeholder 1"/>
+          <p:cNvSpPr>
+            <a:spLocks noGrp="1" noRot="1" noChangeAspect="1"/>
+          </p:cNvSpPr>
+          <p:nvPr>
+            <p:ph type="sldImg"/>
+          </p:nvPr>
+        </p:nvSpPr>
+        <p:spPr/>
+      </p:sp>
+      <p:sp>
+        <p:nvSpPr>
+          <p:cNvPr id="3" name="Notes Placeholder 2"/>
+          <p:cNvSpPr>
+            <a:spLocks noGrp="1"/>
+          </p:cNvSpPr>
+          <p:nvPr>
+            <p:ph type="body" idx="1"/>
+          </p:nvPr>
+        </p:nvSpPr>
+        <p:spPr/>
+        <p:txBody>
+          <a:bodyPr/>
+          <a:lstStyle/>
+          <a:p>
+            <a:endParaRPr lang="en-CA" dirty="0"/>
+          </a:p>
+        </p:txBody>
+      </p:sp>
+      <p:sp>
+        <p:nvSpPr>
+          <p:cNvPr id="4" name="Slide Number Placeholder 3"/>
+          <p:cNvSpPr>
+            <a:spLocks noGrp="1"/>
+          </p:cNvSpPr>
+          <p:nvPr>
+            <p:ph type="sldNum" sz="quarter" idx="10"/>
+          </p:nvPr>
+        </p:nvSpPr>
+        <p:spPr/>
+        <p:txBody>
+          <a:bodyPr/>
+          <a:lstStyle/>
+          <a:p>
+            <a:fld id="{E8FF3829-06E9-4FAD-8533-8366B6FD6FBE}" type="slidenum">
+              <a:rPr lang="en-CA" smtClean="0"/>
+              <a:t>17</a:t>
+            </a:fld>
+            <a:endParaRPr lang="en-CA"/>
+          </a:p>
+        </p:txBody>
+      </p:sp>
+    </p:spTree>
+    <p:extLst>
+      <p:ext uri="{BB962C8B-B14F-4D97-AF65-F5344CB8AC3E}">
+        <p14:creationId xmlns:p14="http://schemas.microsoft.com/office/powerpoint/2010/main" val="501658227"/>
+      </p:ext>
+    </p:extLst>
+  </p:cSld>
+  <p:clrMapOvr>
+    <a:masterClrMapping/>
+  </p:clrMapOvr>
+</p:notes>
+</file>
+
+<file path=ppt/notesSlides/notesSlide18.xml><?xml version="1.0" encoding="utf-8"?>
+<p:notes xmlns:a="http://schemas.openxmlformats.org/drawingml/2006/main" xmlns:r="http://schemas.openxmlformats.org/officeDocument/2006/relationships" xmlns:p="http://schemas.openxmlformats.org/presentationml/2006/main">
+  <p:cSld>
+    <p:spTree>
+      <p:nvGrpSpPr>
+        <p:cNvPr id="1" name=""/>
+        <p:cNvGrpSpPr/>
+        <p:nvPr/>
+      </p:nvGrpSpPr>
+      <p:grpSpPr>
+        <a:xfrm>
+          <a:off x="0" y="0"/>
+          <a:ext cx="0" cy="0"/>
+          <a:chOff x="0" y="0"/>
+          <a:chExt cx="0" cy="0"/>
+        </a:xfrm>
+      </p:grpSpPr>
+      <p:sp>
+        <p:nvSpPr>
+          <p:cNvPr id="2" name="Slide Image Placeholder 1"/>
+          <p:cNvSpPr>
+            <a:spLocks noGrp="1" noRot="1" noChangeAspect="1"/>
+          </p:cNvSpPr>
+          <p:nvPr>
+            <p:ph type="sldImg"/>
+          </p:nvPr>
+        </p:nvSpPr>
+        <p:spPr/>
+      </p:sp>
+      <p:sp>
+        <p:nvSpPr>
+          <p:cNvPr id="3" name="Notes Placeholder 2"/>
+          <p:cNvSpPr>
+            <a:spLocks noGrp="1"/>
+          </p:cNvSpPr>
+          <p:nvPr>
+            <p:ph type="body" idx="1"/>
+          </p:nvPr>
+        </p:nvSpPr>
+        <p:spPr/>
+        <p:txBody>
+          <a:bodyPr/>
+          <a:lstStyle/>
+          <a:p>
+            <a:endParaRPr lang="en-CA" dirty="0"/>
+          </a:p>
+        </p:txBody>
+      </p:sp>
+      <p:sp>
+        <p:nvSpPr>
+          <p:cNvPr id="4" name="Slide Number Placeholder 3"/>
+          <p:cNvSpPr>
+            <a:spLocks noGrp="1"/>
+          </p:cNvSpPr>
+          <p:nvPr>
+            <p:ph type="sldNum" sz="quarter" idx="10"/>
+          </p:nvPr>
+        </p:nvSpPr>
+        <p:spPr/>
+        <p:txBody>
+          <a:bodyPr/>
+          <a:lstStyle/>
+          <a:p>
+            <a:fld id="{E8FF3829-06E9-4FAD-8533-8366B6FD6FBE}" type="slidenum">
+              <a:rPr lang="en-CA" smtClean="0"/>
+              <a:t>18</a:t>
+            </a:fld>
+            <a:endParaRPr lang="en-CA"/>
+          </a:p>
+        </p:txBody>
+      </p:sp>
+    </p:spTree>
+    <p:extLst>
+      <p:ext uri="{BB962C8B-B14F-4D97-AF65-F5344CB8AC3E}">
+        <p14:creationId xmlns:p14="http://schemas.microsoft.com/office/powerpoint/2010/main" val="3213866494"/>
+      </p:ext>
+    </p:extLst>
+  </p:cSld>
+  <p:clrMapOvr>
+    <a:masterClrMapping/>
+  </p:clrMapOvr>
+</p:notes>
+</file>
+
+<file path=ppt/notesSlides/notesSlide19.xml><?xml version="1.0" encoding="utf-8"?>
+<p:notes xmlns:a="http://schemas.openxmlformats.org/drawingml/2006/main" xmlns:r="http://schemas.openxmlformats.org/officeDocument/2006/relationships" xmlns:p="http://schemas.openxmlformats.org/presentationml/2006/main">
+  <p:cSld>
+    <p:spTree>
+      <p:nvGrpSpPr>
+        <p:cNvPr id="1" name=""/>
+        <p:cNvGrpSpPr/>
+        <p:nvPr/>
+      </p:nvGrpSpPr>
+      <p:grpSpPr>
+        <a:xfrm>
+          <a:off x="0" y="0"/>
+          <a:ext cx="0" cy="0"/>
+          <a:chOff x="0" y="0"/>
+          <a:chExt cx="0" cy="0"/>
+        </a:xfrm>
+      </p:grpSpPr>
+      <p:sp>
+        <p:nvSpPr>
+          <p:cNvPr id="2" name="Slide Image Placeholder 1"/>
+          <p:cNvSpPr>
+            <a:spLocks noGrp="1" noRot="1" noChangeAspect="1"/>
+          </p:cNvSpPr>
+          <p:nvPr>
+            <p:ph type="sldImg"/>
+          </p:nvPr>
+        </p:nvSpPr>
+        <p:spPr/>
+      </p:sp>
+      <p:sp>
+        <p:nvSpPr>
+          <p:cNvPr id="3" name="Notes Placeholder 2"/>
+          <p:cNvSpPr>
+            <a:spLocks noGrp="1"/>
+          </p:cNvSpPr>
+          <p:nvPr>
+            <p:ph type="body" idx="1"/>
+          </p:nvPr>
+        </p:nvSpPr>
+        <p:spPr/>
+        <p:txBody>
+          <a:bodyPr/>
+          <a:lstStyle/>
+          <a:p>
+            <a:endParaRPr lang="en-CA" dirty="0"/>
+          </a:p>
+        </p:txBody>
+      </p:sp>
+      <p:sp>
+        <p:nvSpPr>
+          <p:cNvPr id="4" name="Slide Number Placeholder 3"/>
+          <p:cNvSpPr>
+            <a:spLocks noGrp="1"/>
+          </p:cNvSpPr>
+          <p:nvPr>
+            <p:ph type="sldNum" sz="quarter" idx="10"/>
+          </p:nvPr>
+        </p:nvSpPr>
+        <p:spPr/>
+        <p:txBody>
+          <a:bodyPr/>
+          <a:lstStyle/>
+          <a:p>
+            <a:fld id="{E8FF3829-06E9-4FAD-8533-8366B6FD6FBE}" type="slidenum">
+              <a:rPr lang="en-CA" smtClean="0"/>
+              <a:t>19</a:t>
+            </a:fld>
+            <a:endParaRPr lang="en-CA"/>
+          </a:p>
+        </p:txBody>
+      </p:sp>
+    </p:spTree>
+    <p:extLst>
+      <p:ext uri="{BB962C8B-B14F-4D97-AF65-F5344CB8AC3E}">
+        <p14:creationId xmlns:p14="http://schemas.microsoft.com/office/powerpoint/2010/main" val="996489234"/>
       </p:ext>
     </p:extLst>
   </p:cSld>
@@ -613,74 +1511,6 @@
           <a:bodyPr/>
           <a:lstStyle/>
           <a:p>
-            <a:r>
-              <a:rPr lang="fr-FR" sz="1200" b="0" i="0" u="none" strike="noStrike" kern="1200" baseline="0" dirty="0" err="1" smtClean="0">
-                <a:solidFill>
-                  <a:schemeClr val="tx1"/>
-                </a:solidFill>
-                <a:latin typeface="+mn-lt"/>
-                <a:ea typeface="+mn-ea"/>
-                <a:cs typeface="+mn-cs"/>
-              </a:rPr>
-              <a:t>Galaxy</a:t>
-            </a:r>
-            <a:r>
-              <a:rPr lang="fr-FR" sz="1200" b="0" i="0" u="none" strike="noStrike" kern="1200" baseline="0" dirty="0" smtClean="0">
-                <a:solidFill>
-                  <a:schemeClr val="tx1"/>
-                </a:solidFill>
-                <a:latin typeface="+mn-lt"/>
-                <a:ea typeface="+mn-ea"/>
-                <a:cs typeface="+mn-cs"/>
-              </a:rPr>
-              <a:t> Nexus (Android 4.2.1, 1.2 GHz </a:t>
-            </a:r>
-            <a:r>
-              <a:rPr lang="fr-FR" sz="1200" b="0" i="0" u="none" strike="noStrike" kern="1200" baseline="0" dirty="0" err="1" smtClean="0">
-                <a:solidFill>
-                  <a:schemeClr val="tx1"/>
-                </a:solidFill>
-                <a:latin typeface="+mn-lt"/>
-                <a:ea typeface="+mn-ea"/>
-                <a:cs typeface="+mn-cs"/>
-              </a:rPr>
-              <a:t>dualcore</a:t>
-            </a:r>
-            <a:r>
-              <a:rPr lang="fr-FR" sz="1200" b="0" i="0" u="none" strike="noStrike" kern="1200" baseline="0" dirty="0" smtClean="0">
-                <a:solidFill>
-                  <a:schemeClr val="tx1"/>
-                </a:solidFill>
-                <a:latin typeface="+mn-lt"/>
-                <a:ea typeface="+mn-ea"/>
-                <a:cs typeface="+mn-cs"/>
-              </a:rPr>
-              <a:t>, </a:t>
-            </a:r>
-            <a:r>
-              <a:rPr lang="en-CA" sz="1200" b="0" i="0" u="none" strike="noStrike" kern="1200" baseline="0" dirty="0" smtClean="0">
-                <a:solidFill>
-                  <a:schemeClr val="tx1"/>
-                </a:solidFill>
-                <a:latin typeface="+mn-lt"/>
-                <a:ea typeface="+mn-ea"/>
-                <a:cs typeface="+mn-cs"/>
-              </a:rPr>
-              <a:t>1 GB RAM, released in 2011, in the following denoted as A1)</a:t>
-            </a:r>
-          </a:p>
-          <a:p>
-            <a:r>
-              <a:rPr lang="en-CA" sz="1200" b="0" i="0" u="none" strike="noStrike" kern="1200" baseline="0" dirty="0" smtClean="0">
-                <a:solidFill>
-                  <a:schemeClr val="tx1"/>
-                </a:solidFill>
-                <a:latin typeface="+mn-lt"/>
-                <a:ea typeface="+mn-ea"/>
-                <a:cs typeface="+mn-cs"/>
-              </a:rPr>
-              <a:t>Galaxy 655 Tab 2 7.0 (Android 4.1.2, 1 GHz dual-core, 1 GB RAM, released in 2012, denoted A2)</a:t>
-            </a:r>
             <a:endParaRPr lang="en-CA" dirty="0"/>
           </a:p>
         </p:txBody>
@@ -702,7 +1532,7 @@
           <a:p>
             <a:fld id="{E8FF3829-06E9-4FAD-8533-8366B6FD6FBE}" type="slidenum">
               <a:rPr lang="en-CA" smtClean="0"/>
-              <a:t>6</a:t>
+              <a:t>2</a:t>
             </a:fld>
             <a:endParaRPr lang="en-CA"/>
           </a:p>
@@ -711,7 +1541,7 @@
     </p:spTree>
     <p:extLst>
       <p:ext uri="{BB962C8B-B14F-4D97-AF65-F5344CB8AC3E}">
-        <p14:creationId xmlns:p14="http://schemas.microsoft.com/office/powerpoint/2010/main" val="1300660172"/>
+        <p14:creationId xmlns:p14="http://schemas.microsoft.com/office/powerpoint/2010/main" val="2090812824"/>
       </p:ext>
     </p:extLst>
   </p:cSld>
@@ -765,74 +1595,7 @@
           <a:bodyPr/>
           <a:lstStyle/>
           <a:p>
-            <a:pPr rtl="0"/>
-            <a:r>
-              <a:rPr lang="en-CA" sz="1200" dirty="0" smtClean="0"/>
-              <a:t>Removing logically equivalent rules:</a:t>
-            </a:r>
-            <a:r>
-              <a:rPr lang="en-CA" sz="1200" baseline="0" dirty="0" smtClean="0"/>
-              <a:t> i</a:t>
-            </a:r>
-            <a:r>
-              <a:rPr lang="en-CA" sz="1200" b="0" i="0" u="none" strike="noStrike" kern="1200" baseline="0" dirty="0" smtClean="0">
-                <a:solidFill>
-                  <a:schemeClr val="tx1"/>
-                </a:solidFill>
-                <a:latin typeface="+mn-lt"/>
-                <a:ea typeface="+mn-ea"/>
-                <a:cs typeface="+mn-cs"/>
-              </a:rPr>
-              <a:t>.e., rules of which the results are covered by other rule(s)</a:t>
-            </a:r>
-          </a:p>
-          <a:p>
-            <a:pPr marL="0" marR="0" lvl="0" indent="0" algn="l" defTabSz="914400" rtl="0" eaLnBrk="1" fontAlgn="auto" latinLnBrk="0" hangingPunct="1">
-              <a:lnSpc>
-                <a:spcPct val="100000"/>
-              </a:lnSpc>
-              <a:spcBef>
-                <a:spcPts val="0"/>
-              </a:spcBef>
-              <a:spcAft>
-                <a:spcPts val="0"/>
-              </a:spcAft>
-              <a:buClrTx/>
-              <a:buSzTx/>
-              <a:buFontTx/>
-              <a:buNone/>
-              <a:tabLst/>
-              <a:defRPr/>
-            </a:pPr>
-            <a:endParaRPr lang="en-CA" sz="1200" dirty="0" smtClean="0"/>
-          </a:p>
-          <a:p>
-            <a:pPr marL="0" marR="0" lvl="0" indent="0" algn="l" defTabSz="914400" rtl="0" eaLnBrk="1" fontAlgn="auto" latinLnBrk="0" hangingPunct="1">
-              <a:lnSpc>
-                <a:spcPct val="100000"/>
-              </a:lnSpc>
-              <a:spcBef>
-                <a:spcPts val="0"/>
-              </a:spcBef>
-              <a:spcAft>
-                <a:spcPts val="0"/>
-              </a:spcAft>
-              <a:buClrTx/>
-              <a:buSzTx/>
-              <a:buFontTx/>
-              <a:buNone/>
-              <a:tabLst/>
-              <a:defRPr/>
-            </a:pPr>
-            <a:r>
-              <a:rPr lang="en-CA" sz="1200" dirty="0" smtClean="0"/>
-              <a:t>Some of these break conformance with OWL2 RL axiomatization:</a:t>
-            </a:r>
-            <a:r>
-              <a:rPr lang="en-CA" sz="1200" baseline="0" dirty="0" smtClean="0"/>
-              <a:t> </a:t>
-            </a:r>
-            <a:endParaRPr lang="en-CA" sz="1200" dirty="0" smtClean="0"/>
+            <a:endParaRPr lang="en-CA" dirty="0"/>
           </a:p>
         </p:txBody>
       </p:sp>
@@ -853,7 +1616,7 @@
           <a:p>
             <a:fld id="{E8FF3829-06E9-4FAD-8533-8366B6FD6FBE}" type="slidenum">
               <a:rPr lang="en-CA" smtClean="0"/>
-              <a:t>7</a:t>
+              <a:t>3</a:t>
             </a:fld>
             <a:endParaRPr lang="en-CA"/>
           </a:p>
@@ -862,7 +1625,7 @@
     </p:spTree>
     <p:extLst>
       <p:ext uri="{BB962C8B-B14F-4D97-AF65-F5344CB8AC3E}">
-        <p14:creationId xmlns:p14="http://schemas.microsoft.com/office/powerpoint/2010/main" val="3341281739"/>
+        <p14:creationId xmlns:p14="http://schemas.microsoft.com/office/powerpoint/2010/main" val="3678150779"/>
       </p:ext>
     </p:extLst>
   </p:cSld>
@@ -916,41 +1679,7 @@
           <a:bodyPr/>
           <a:lstStyle/>
           <a:p>
-            <a:r>
-              <a:rPr lang="en-CA" dirty="0" smtClean="0"/>
-              <a:t>Conformant </a:t>
-            </a:r>
-            <a:r>
-              <a:rPr lang="en-CA" baseline="0" dirty="0" smtClean="0"/>
-              <a:t>–</a:t>
-            </a:r>
-            <a:r>
-              <a:rPr lang="en-CA" dirty="0" smtClean="0"/>
-              <a:t> Volatile</a:t>
-            </a:r>
-            <a:r>
-              <a:rPr lang="en-CA" baseline="0" dirty="0" smtClean="0"/>
-              <a:t> : ca. 94% (-6%)</a:t>
-            </a:r>
-          </a:p>
-          <a:p>
-            <a:r>
-              <a:rPr lang="en-CA" baseline="0" dirty="0" smtClean="0"/>
-              <a:t>Conformant – Stable (inf-inst): ca. 44% (-56%)</a:t>
-            </a:r>
-          </a:p>
-          <a:p>
-            <a:r>
-              <a:rPr lang="en-CA" baseline="0" dirty="0" smtClean="0"/>
-              <a:t>Non-conformant – Volatile: ca. 55% (-45%)</a:t>
-            </a:r>
-          </a:p>
-          <a:p>
-            <a:r>
-              <a:rPr lang="en-CA" baseline="0" dirty="0" smtClean="0"/>
-              <a:t>Non-conformant – Stable (inf-inst): ca. 10% (-90%)</a:t>
-            </a:r>
-            <a:endParaRPr lang="en-CA" dirty="0"/>
+            <a:endParaRPr lang="en-CA" baseline="0" dirty="0" smtClean="0"/>
           </a:p>
         </p:txBody>
       </p:sp>
@@ -971,7 +1700,7 @@
           <a:p>
             <a:fld id="{E8FF3829-06E9-4FAD-8533-8366B6FD6FBE}" type="slidenum">
               <a:rPr lang="en-CA" smtClean="0"/>
-              <a:t>8</a:t>
+              <a:t>4</a:t>
             </a:fld>
             <a:endParaRPr lang="en-CA"/>
           </a:p>
@@ -980,7 +1709,7 @@
     </p:spTree>
     <p:extLst>
       <p:ext uri="{BB962C8B-B14F-4D97-AF65-F5344CB8AC3E}">
-        <p14:creationId xmlns:p14="http://schemas.microsoft.com/office/powerpoint/2010/main" val="3646769070"/>
+        <p14:creationId xmlns:p14="http://schemas.microsoft.com/office/powerpoint/2010/main" val="1223270127"/>
       </p:ext>
     </p:extLst>
   </p:cSld>
@@ -1034,31 +1763,7 @@
           <a:bodyPr/>
           <a:lstStyle/>
           <a:p>
-            <a:r>
-              <a:rPr lang="en-CA" dirty="0" smtClean="0"/>
-              <a:t>Pause alpha nodes: assumes that standard-practice</a:t>
-            </a:r>
-            <a:r>
-              <a:rPr lang="en-CA" baseline="0" dirty="0" smtClean="0"/>
-              <a:t> optimizations, such as re-using alpha nodes, are applied</a:t>
-            </a:r>
-            <a:endParaRPr lang="en-CA" dirty="0" smtClean="0"/>
-          </a:p>
-          <a:p>
-            <a:endParaRPr lang="en-CA" dirty="0" smtClean="0"/>
-          </a:p>
-          <a:p>
-            <a:r>
-              <a:rPr lang="en-CA" dirty="0" smtClean="0"/>
-              <a:t>(Heuristics: avoid false negatives (i.e., join attempts were</a:t>
-            </a:r>
-            <a:r>
-              <a:rPr lang="en-CA" baseline="0" dirty="0" smtClean="0"/>
-              <a:t> indeed useful))</a:t>
-            </a:r>
-          </a:p>
-          <a:p>
-            <a:endParaRPr lang="en-CA" dirty="0"/>
+            <a:endParaRPr lang="en-CA" baseline="0" dirty="0" smtClean="0"/>
           </a:p>
         </p:txBody>
       </p:sp>
@@ -1079,7 +1784,7 @@
           <a:p>
             <a:fld id="{E8FF3829-06E9-4FAD-8533-8366B6FD6FBE}" type="slidenum">
               <a:rPr lang="en-CA" smtClean="0"/>
-              <a:t>11</a:t>
+              <a:t>5</a:t>
             </a:fld>
             <a:endParaRPr lang="en-CA"/>
           </a:p>
@@ -1088,7 +1793,7 @@
     </p:spTree>
     <p:extLst>
       <p:ext uri="{BB962C8B-B14F-4D97-AF65-F5344CB8AC3E}">
-        <p14:creationId xmlns:p14="http://schemas.microsoft.com/office/powerpoint/2010/main" val="3075134099"/>
+        <p14:creationId xmlns:p14="http://schemas.microsoft.com/office/powerpoint/2010/main" val="2195680411"/>
       </p:ext>
     </p:extLst>
   </p:cSld>
@@ -1127,2561 +1832,25 @@
         </p:nvSpPr>
         <p:spPr/>
       </p:sp>
-      <mc:AlternateContent xmlns:mc="http://schemas.openxmlformats.org/markup-compatibility/2006" xmlns:a14="http://schemas.microsoft.com/office/drawing/2010/main">
-        <mc:Choice Requires="a14">
-          <p:sp>
-            <p:nvSpPr>
-              <p:cNvPr id="3" name="Notes Placeholder 2"/>
-              <p:cNvSpPr>
-                <a:spLocks noGrp="1"/>
-              </p:cNvSpPr>
-              <p:nvPr>
-                <p:ph type="body" idx="1"/>
-              </p:nvPr>
-            </p:nvSpPr>
-            <p:spPr/>
-            <p:txBody>
-              <a:bodyPr/>
-              <a:lstStyle/>
-              <a:p>
-                <a:endParaRPr lang="en-US" sz="1200" kern="1200" dirty="0" smtClean="0">
-                  <a:solidFill>
-                    <a:schemeClr val="tx1"/>
-                  </a:solidFill>
-                  <a:effectLst/>
-                  <a:latin typeface="+mn-lt"/>
-                  <a:ea typeface="+mn-ea"/>
-                  <a:cs typeface="+mn-cs"/>
-                </a:endParaRPr>
-              </a:p>
-              <a:p>
-                <a:r>
-                  <a:rPr lang="en-US" sz="1200" kern="1200" dirty="0" smtClean="0">
-                    <a:solidFill>
-                      <a:schemeClr val="tx1"/>
-                    </a:solidFill>
-                    <a:effectLst/>
-                    <a:latin typeface="+mn-lt"/>
-                    <a:ea typeface="+mn-ea"/>
-                    <a:cs typeface="+mn-cs"/>
-                  </a:rPr>
-                  <a:t>The rule failed at time </a:t>
-                </a:r>
-                <a:r>
-                  <a:rPr lang="en-US" sz="1200" i="1" kern="1200" dirty="0">
-                    <a:solidFill>
-                      <a:schemeClr val="tx1"/>
-                    </a:solidFill>
-                    <a:effectLst/>
-                    <a:latin typeface="+mn-lt"/>
-                    <a:ea typeface="+mn-ea"/>
-                    <a:cs typeface="+mn-cs"/>
-                  </a:rPr>
-                  <a:t>t</a:t>
-                </a:r>
-                <a:r>
-                  <a:rPr lang="en-US" sz="1200" i="1" kern="1200" baseline="-25000" dirty="0">
-                    <a:solidFill>
-                      <a:schemeClr val="tx1"/>
-                    </a:solidFill>
-                    <a:effectLst/>
-                    <a:latin typeface="+mn-lt"/>
-                    <a:ea typeface="+mn-ea"/>
-                    <a:cs typeface="+mn-cs"/>
-                  </a:rPr>
-                  <a:t>0</a:t>
-                </a:r>
-                <a:r>
-                  <a:rPr lang="en-US" sz="1200" kern="1200" dirty="0">
-                    <a:solidFill>
-                      <a:schemeClr val="tx1"/>
-                    </a:solidFill>
-                    <a:effectLst/>
-                    <a:latin typeface="+mn-lt"/>
-                    <a:ea typeface="+mn-ea"/>
-                    <a:cs typeface="+mn-cs"/>
-                  </a:rPr>
-                  <a:t> </a:t>
-                </a:r>
-                <a:endParaRPr lang="en-US" sz="1200" kern="1200" dirty="0" smtClean="0">
-                  <a:solidFill>
-                    <a:schemeClr val="tx1"/>
-                  </a:solidFill>
-                  <a:effectLst/>
-                  <a:latin typeface="+mn-lt"/>
-                  <a:ea typeface="+mn-ea"/>
-                  <a:cs typeface="+mn-cs"/>
-                </a:endParaRPr>
-              </a:p>
-              <a:p>
-                <a:r>
-                  <a:rPr lang="en-US" sz="1200" kern="1200" dirty="0" smtClean="0">
-                    <a:solidFill>
-                      <a:schemeClr val="tx1"/>
-                    </a:solidFill>
-                    <a:effectLst/>
-                    <a:latin typeface="+mn-lt"/>
-                    <a:ea typeface="+mn-ea"/>
-                    <a:cs typeface="+mn-cs"/>
-                  </a:rPr>
-                  <a:t>Both join-utility heuristics hold for non-failed alpha nodes </a:t>
-                </a:r>
-                <a:r>
-                  <a:rPr lang="en-US" sz="1200" i="1" kern="1200" dirty="0" smtClean="0">
-                    <a:solidFill>
-                      <a:schemeClr val="tx1"/>
-                    </a:solidFill>
-                    <a:effectLst/>
-                    <a:latin typeface="+mn-lt"/>
-                    <a:ea typeface="+mn-ea"/>
-                    <a:cs typeface="+mn-cs"/>
-                  </a:rPr>
-                  <a:t>α</a:t>
-                </a:r>
-                <a:r>
-                  <a:rPr lang="en-US" sz="1200" i="1" kern="1200" baseline="-25000" dirty="0" smtClean="0">
-                    <a:solidFill>
-                      <a:schemeClr val="tx1"/>
-                    </a:solidFill>
-                    <a:effectLst/>
-                    <a:latin typeface="+mn-lt"/>
-                    <a:ea typeface="+mn-ea"/>
-                    <a:cs typeface="+mn-cs"/>
-                  </a:rPr>
-                  <a:t>1</a:t>
-                </a:r>
-                <a:r>
-                  <a:rPr lang="en-US" sz="1200" kern="1200" dirty="0" smtClean="0">
-                    <a:solidFill>
-                      <a:schemeClr val="tx1"/>
-                    </a:solidFill>
-                    <a:effectLst/>
-                    <a:latin typeface="+mn-lt"/>
-                    <a:ea typeface="+mn-ea"/>
-                    <a:cs typeface="+mn-cs"/>
-                  </a:rPr>
-                  <a:t> and </a:t>
-                </a:r>
-                <a:r>
-                  <a:rPr lang="en-US" sz="1200" i="1" kern="1200" dirty="0" smtClean="0">
-                    <a:solidFill>
-                      <a:schemeClr val="tx1"/>
-                    </a:solidFill>
-                    <a:effectLst/>
-                    <a:latin typeface="+mn-lt"/>
-                    <a:ea typeface="+mn-ea"/>
-                    <a:cs typeface="+mn-cs"/>
-                  </a:rPr>
-                  <a:t>α</a:t>
-                </a:r>
-                <a:r>
-                  <a:rPr lang="en-US" sz="1200" i="1" kern="1200" baseline="-25000" dirty="0" smtClean="0">
-                    <a:solidFill>
-                      <a:schemeClr val="tx1"/>
-                    </a:solidFill>
-                    <a:effectLst/>
-                    <a:latin typeface="+mn-lt"/>
-                    <a:ea typeface="+mn-ea"/>
-                    <a:cs typeface="+mn-cs"/>
-                  </a:rPr>
-                  <a:t>3</a:t>
-                </a:r>
-                <a:r>
-                  <a:rPr lang="en-US" sz="1200" kern="1200" dirty="0" smtClean="0">
-                    <a:solidFill>
-                      <a:schemeClr val="tx1"/>
-                    </a:solidFill>
-                    <a:effectLst/>
-                    <a:latin typeface="+mn-lt"/>
-                    <a:ea typeface="+mn-ea"/>
-                    <a:cs typeface="+mn-cs"/>
-                  </a:rPr>
-                  <a:t>: i.e., their sibling memories are empty, and a lower-down alpha node (node </a:t>
-                </a:r>
-                <a:r>
-                  <a:rPr lang="en-US" sz="1200" i="1" kern="1200" dirty="0" smtClean="0">
-                    <a:solidFill>
-                      <a:schemeClr val="tx1"/>
-                    </a:solidFill>
-                    <a:effectLst/>
-                    <a:latin typeface="+mn-lt"/>
-                    <a:ea typeface="+mn-ea"/>
-                    <a:cs typeface="+mn-cs"/>
-                  </a:rPr>
-                  <a:t>α</a:t>
-                </a:r>
-                <a:r>
-                  <a:rPr lang="en-US" sz="1200" i="1" kern="1200" baseline="-25000" dirty="0" smtClean="0">
-                    <a:solidFill>
-                      <a:schemeClr val="tx1"/>
-                    </a:solidFill>
-                    <a:effectLst/>
-                    <a:latin typeface="+mn-lt"/>
-                    <a:ea typeface="+mn-ea"/>
-                    <a:cs typeface="+mn-cs"/>
-                  </a:rPr>
-                  <a:t>4</a:t>
-                </a:r>
-                <a:r>
-                  <a:rPr lang="en-US" sz="1200" kern="1200" dirty="0" smtClean="0">
-                    <a:solidFill>
-                      <a:schemeClr val="tx1"/>
-                    </a:solidFill>
-                    <a:effectLst/>
-                    <a:latin typeface="+mn-lt"/>
-                    <a:ea typeface="+mn-ea"/>
-                    <a:cs typeface="+mn-cs"/>
-                  </a:rPr>
-                  <a:t>) has failed</a:t>
-                </a:r>
-              </a:p>
-              <a:p>
-                <a:r>
-                  <a:rPr lang="en-US" sz="1200" kern="1200" dirty="0" smtClean="0">
-                    <a:solidFill>
-                      <a:schemeClr val="tx1"/>
-                    </a:solidFill>
-                    <a:effectLst/>
-                    <a:latin typeface="+mn-lt"/>
-                    <a:ea typeface="+mn-ea"/>
-                    <a:cs typeface="+mn-cs"/>
-                  </a:rPr>
-                  <a:t>As </a:t>
-                </a:r>
-                <a:r>
-                  <a:rPr lang="en-US" sz="1200" kern="1200" dirty="0">
-                    <a:solidFill>
-                      <a:schemeClr val="tx1"/>
-                    </a:solidFill>
-                    <a:effectLst/>
-                    <a:latin typeface="+mn-lt"/>
-                    <a:ea typeface="+mn-ea"/>
-                    <a:cs typeface="+mn-cs"/>
-                  </a:rPr>
-                  <a:t>a result, their memories were unlinked from the related beta nodes. Further, </a:t>
-                </a:r>
-                <a:r>
-                  <a:rPr lang="en-US" sz="1200" kern="1200" dirty="0" smtClean="0">
-                    <a:solidFill>
-                      <a:schemeClr val="tx1"/>
-                    </a:solidFill>
-                    <a:effectLst/>
-                    <a:latin typeface="+mn-lt"/>
-                    <a:ea typeface="+mn-ea"/>
-                    <a:cs typeface="+mn-cs"/>
-                  </a:rPr>
-                  <a:t>the </a:t>
-                </a:r>
-                <a:r>
-                  <a:rPr lang="en-US" sz="1200" i="1" kern="1200" dirty="0">
-                    <a:solidFill>
-                      <a:schemeClr val="tx1"/>
-                    </a:solidFill>
-                    <a:effectLst/>
-                    <a:latin typeface="+mn-lt"/>
-                    <a:ea typeface="+mn-ea"/>
-                    <a:cs typeface="+mn-cs"/>
-                  </a:rPr>
-                  <a:t>α</a:t>
-                </a:r>
-                <a:r>
-                  <a:rPr lang="en-US" sz="1200" i="1" kern="1200" baseline="-25000" dirty="0">
-                    <a:solidFill>
-                      <a:schemeClr val="tx1"/>
-                    </a:solidFill>
-                    <a:effectLst/>
-                    <a:latin typeface="+mn-lt"/>
-                    <a:ea typeface="+mn-ea"/>
-                    <a:cs typeface="+mn-cs"/>
-                  </a:rPr>
-                  <a:t>3</a:t>
-                </a:r>
-                <a:r>
-                  <a:rPr lang="en-US" sz="1200" kern="1200" dirty="0">
-                    <a:solidFill>
-                      <a:schemeClr val="tx1"/>
-                    </a:solidFill>
-                    <a:effectLst/>
-                    <a:latin typeface="+mn-lt"/>
-                    <a:ea typeface="+mn-ea"/>
-                    <a:cs typeface="+mn-cs"/>
-                  </a:rPr>
-                  <a:t> node memory is </a:t>
-                </a:r>
-                <a:r>
-                  <a:rPr lang="en-US" sz="1200" kern="1200" dirty="0" smtClean="0">
-                    <a:solidFill>
-                      <a:schemeClr val="tx1"/>
-                    </a:solidFill>
-                    <a:effectLst/>
-                    <a:latin typeface="+mn-lt"/>
-                    <a:ea typeface="+mn-ea"/>
-                    <a:cs typeface="+mn-cs"/>
-                  </a:rPr>
-                  <a:t>paused, since it is unlinked </a:t>
-                </a:r>
-                <a:r>
-                  <a:rPr lang="en-US" sz="1200" kern="1200" dirty="0">
-                    <a:solidFill>
-                      <a:schemeClr val="tx1"/>
-                    </a:solidFill>
-                    <a:effectLst/>
-                    <a:latin typeface="+mn-lt"/>
-                    <a:ea typeface="+mn-ea"/>
-                    <a:cs typeface="+mn-cs"/>
-                  </a:rPr>
-                  <a:t>from each related </a:t>
-                </a:r>
-                <a:r>
-                  <a:rPr lang="en-US" sz="1200" kern="1200" dirty="0" smtClean="0">
-                    <a:solidFill>
-                      <a:schemeClr val="tx1"/>
-                    </a:solidFill>
-                    <a:effectLst/>
-                    <a:latin typeface="+mn-lt"/>
-                    <a:ea typeface="+mn-ea"/>
-                    <a:cs typeface="+mn-cs"/>
-                  </a:rPr>
-                  <a:t>rule. </a:t>
-                </a:r>
-              </a:p>
-              <a:p>
-                <a:r>
-                  <a:rPr lang="en-US" sz="1200" kern="1200" dirty="0" smtClean="0">
-                    <a:solidFill>
-                      <a:schemeClr val="tx1"/>
-                    </a:solidFill>
-                    <a:effectLst/>
-                    <a:latin typeface="+mn-lt"/>
-                    <a:ea typeface="+mn-ea"/>
-                    <a:cs typeface="+mn-cs"/>
-                  </a:rPr>
-                  <a:t>Triggers </a:t>
-                </a:r>
-                <a:r>
-                  <a:rPr lang="en-US" sz="1200" kern="1200" dirty="0">
-                    <a:solidFill>
-                      <a:schemeClr val="tx1"/>
-                    </a:solidFill>
-                    <a:effectLst/>
-                    <a:latin typeface="+mn-lt"/>
-                    <a:ea typeface="+mn-ea"/>
-                    <a:cs typeface="+mn-cs"/>
-                  </a:rPr>
-                  <a:t>(</a:t>
-                </a:r>
-                <a:r>
-                  <a:rPr lang="en-US" sz="1200" i="1" kern="1200" dirty="0">
-                    <a:solidFill>
-                      <a:schemeClr val="tx1"/>
-                    </a:solidFill>
-                    <a:effectLst/>
-                    <a:latin typeface="+mn-lt"/>
-                    <a:ea typeface="+mn-ea"/>
-                    <a:cs typeface="+mn-cs"/>
-                  </a:rPr>
-                  <a:t>?</a:t>
-                </a:r>
-                <a:r>
-                  <a:rPr lang="en-US" sz="1200" i="1" kern="1200" baseline="-25000" dirty="0">
-                    <a:solidFill>
-                      <a:schemeClr val="tx1"/>
-                    </a:solidFill>
-                    <a:effectLst/>
-                    <a:latin typeface="+mn-lt"/>
-                    <a:ea typeface="+mn-ea"/>
-                    <a:cs typeface="+mn-cs"/>
-                  </a:rPr>
-                  <a:t>i</a:t>
-                </a:r>
-                <a:r>
-                  <a:rPr lang="en-US" sz="1200" kern="1200" dirty="0">
-                    <a:solidFill>
-                      <a:schemeClr val="tx1"/>
-                    </a:solidFill>
-                    <a:effectLst/>
-                    <a:latin typeface="+mn-lt"/>
-                    <a:ea typeface="+mn-ea"/>
-                    <a:cs typeface="+mn-cs"/>
-                  </a:rPr>
-                  <a:t>) are installed that listen for when the applicable heuristics no longer hold. </a:t>
-                </a:r>
-                <a:endParaRPr lang="en-US" sz="1200" kern="1200" dirty="0" smtClean="0">
-                  <a:solidFill>
-                    <a:schemeClr val="tx1"/>
-                  </a:solidFill>
-                  <a:effectLst/>
-                  <a:latin typeface="+mn-lt"/>
-                  <a:ea typeface="+mn-ea"/>
-                  <a:cs typeface="+mn-cs"/>
-                </a:endParaRPr>
-              </a:p>
-              <a:p>
-                <a:endParaRPr lang="en-US" sz="1200" kern="1200" dirty="0" smtClean="0">
-                  <a:solidFill>
-                    <a:schemeClr val="tx1"/>
-                  </a:solidFill>
-                  <a:effectLst/>
-                  <a:latin typeface="+mn-lt"/>
-                  <a:ea typeface="+mn-ea"/>
-                  <a:cs typeface="+mn-cs"/>
-                </a:endParaRPr>
-              </a:p>
-              <a:p>
-                <a:r>
-                  <a:rPr lang="en-US" sz="1200" kern="1200" dirty="0" smtClean="0">
-                    <a:solidFill>
-                      <a:schemeClr val="tx1"/>
-                    </a:solidFill>
-                    <a:effectLst/>
-                    <a:latin typeface="+mn-lt"/>
-                    <a:ea typeface="+mn-ea"/>
-                    <a:cs typeface="+mn-cs"/>
-                  </a:rPr>
-                  <a:t>At </a:t>
-                </a:r>
-                <a:r>
-                  <a:rPr lang="en-US" sz="1200" kern="1200" dirty="0">
-                    <a:solidFill>
-                      <a:schemeClr val="tx1"/>
-                    </a:solidFill>
-                    <a:effectLst/>
-                    <a:latin typeface="+mn-lt"/>
-                    <a:ea typeface="+mn-ea"/>
-                    <a:cs typeface="+mn-cs"/>
-                  </a:rPr>
-                  <a:t>time </a:t>
-                </a:r>
-                <a14:m>
-                  <m:oMath xmlns:m="http://schemas.openxmlformats.org/officeDocument/2006/math">
-                    <m:sSub>
-                      <m:sSubPr>
-                        <m:ctrlPr>
-                          <a:rPr lang="en-CA" sz="1200" i="1" kern="1200">
-                            <a:solidFill>
-                              <a:schemeClr val="tx1"/>
-                            </a:solidFill>
-                            <a:effectLst/>
-                            <a:latin typeface="Cambria Math" panose="02040503050406030204" pitchFamily="18" charset="0"/>
-                            <a:ea typeface="+mn-ea"/>
-                            <a:cs typeface="+mn-cs"/>
-                          </a:rPr>
-                        </m:ctrlPr>
-                      </m:sSubPr>
-                      <m:e>
-                        <m:r>
-                          <a:rPr lang="en-US" sz="1200" i="1" kern="1200">
-                            <a:solidFill>
-                              <a:schemeClr val="tx1"/>
-                            </a:solidFill>
-                            <a:effectLst/>
-                            <a:latin typeface="Cambria Math" panose="02040503050406030204" pitchFamily="18" charset="0"/>
-                            <a:ea typeface="+mn-ea"/>
-                            <a:cs typeface="+mn-cs"/>
-                          </a:rPr>
-                          <m:t>𝑡</m:t>
-                        </m:r>
-                      </m:e>
-                      <m:sub>
-                        <m:r>
-                          <a:rPr lang="en-US" sz="1200" i="1" kern="1200">
-                            <a:solidFill>
-                              <a:schemeClr val="tx1"/>
-                            </a:solidFill>
-                            <a:effectLst/>
-                            <a:latin typeface="Cambria Math" panose="02040503050406030204" pitchFamily="18" charset="0"/>
-                            <a:ea typeface="+mn-ea"/>
-                            <a:cs typeface="+mn-cs"/>
-                          </a:rPr>
-                          <m:t>𝑥</m:t>
-                        </m:r>
-                      </m:sub>
-                    </m:sSub>
-                  </m:oMath>
-                </a14:m>
-                <a:r>
-                  <a:rPr lang="en-US" sz="1200" kern="1200" dirty="0">
-                    <a:solidFill>
-                      <a:schemeClr val="tx1"/>
-                    </a:solidFill>
-                    <a:effectLst/>
-                    <a:latin typeface="+mn-lt"/>
-                    <a:ea typeface="+mn-ea"/>
-                    <a:cs typeface="+mn-cs"/>
-                  </a:rPr>
-                  <a:t>, a new token </a:t>
-                </a:r>
-                <a:r>
-                  <a:rPr lang="en-US" sz="1200" i="1" kern="1200" dirty="0">
-                    <a:solidFill>
-                      <a:schemeClr val="tx1"/>
-                    </a:solidFill>
-                    <a:effectLst/>
-                    <a:latin typeface="+mn-lt"/>
-                    <a:ea typeface="+mn-ea"/>
-                    <a:cs typeface="+mn-cs"/>
-                  </a:rPr>
-                  <a:t>A</a:t>
-                </a:r>
-                <a:r>
-                  <a:rPr lang="en-US" sz="1200" i="1" kern="1200" baseline="-25000" dirty="0">
-                    <a:solidFill>
-                      <a:schemeClr val="tx1"/>
-                    </a:solidFill>
-                    <a:effectLst/>
-                    <a:latin typeface="+mn-lt"/>
-                    <a:ea typeface="+mn-ea"/>
-                    <a:cs typeface="+mn-cs"/>
-                  </a:rPr>
-                  <a:t>4</a:t>
-                </a:r>
-                <a:r>
-                  <a:rPr lang="en-US" sz="1200" kern="1200" dirty="0">
-                    <a:solidFill>
-                      <a:schemeClr val="tx1"/>
-                    </a:solidFill>
-                    <a:effectLst/>
-                    <a:latin typeface="+mn-lt"/>
-                    <a:ea typeface="+mn-ea"/>
-                    <a:cs typeface="+mn-cs"/>
-                  </a:rPr>
-                  <a:t> matches node </a:t>
-                </a:r>
-                <a:r>
-                  <a:rPr lang="en-US" sz="1200" i="1" kern="1200" dirty="0">
-                    <a:solidFill>
-                      <a:schemeClr val="tx1"/>
-                    </a:solidFill>
-                    <a:effectLst/>
-                    <a:latin typeface="+mn-lt"/>
-                    <a:ea typeface="+mn-ea"/>
-                    <a:cs typeface="+mn-cs"/>
-                  </a:rPr>
-                  <a:t>α</a:t>
-                </a:r>
-                <a:r>
-                  <a:rPr lang="en-US" sz="1200" i="1" kern="1200" baseline="-25000" dirty="0">
-                    <a:solidFill>
-                      <a:schemeClr val="tx1"/>
-                    </a:solidFill>
-                    <a:effectLst/>
-                    <a:latin typeface="+mn-lt"/>
-                    <a:ea typeface="+mn-ea"/>
-                    <a:cs typeface="+mn-cs"/>
-                  </a:rPr>
-                  <a:t>4</a:t>
-                </a:r>
-                <a:r>
-                  <a:rPr lang="en-US" sz="1200" i="1" kern="1200" dirty="0">
-                    <a:solidFill>
-                      <a:schemeClr val="tx1"/>
-                    </a:solidFill>
-                    <a:effectLst/>
-                    <a:latin typeface="+mn-lt"/>
-                    <a:ea typeface="+mn-ea"/>
-                    <a:cs typeface="+mn-cs"/>
-                  </a:rPr>
-                  <a:t> </a:t>
-                </a:r>
-                <a:r>
-                  <a:rPr lang="en-US" sz="1200" kern="1200" dirty="0" smtClean="0">
-                    <a:solidFill>
-                      <a:schemeClr val="tx1"/>
-                    </a:solidFill>
-                    <a:effectLst/>
-                    <a:latin typeface="+mn-lt"/>
-                    <a:ea typeface="+mn-ea"/>
-                    <a:cs typeface="+mn-cs"/>
-                  </a:rPr>
-                  <a:t>(satisfying</a:t>
-                </a:r>
-                <a:r>
-                  <a:rPr lang="en-US" sz="1200" kern="1200" baseline="0" dirty="0" smtClean="0">
-                    <a:solidFill>
-                      <a:schemeClr val="tx1"/>
-                    </a:solidFill>
-                    <a:effectLst/>
-                    <a:latin typeface="+mn-lt"/>
-                    <a:ea typeface="+mn-ea"/>
-                    <a:cs typeface="+mn-cs"/>
-                  </a:rPr>
-                  <a:t> </a:t>
-                </a:r>
-                <a:r>
-                  <a:rPr lang="en-US" sz="1200" kern="1200" dirty="0" smtClean="0">
-                    <a:solidFill>
-                      <a:schemeClr val="tx1"/>
-                    </a:solidFill>
-                    <a:effectLst/>
-                    <a:latin typeface="+mn-lt"/>
-                    <a:ea typeface="+mn-ea"/>
-                    <a:cs typeface="+mn-cs"/>
-                  </a:rPr>
-                  <a:t>heuristic </a:t>
-                </a:r>
-                <a:r>
-                  <a:rPr lang="en-US" sz="1200" kern="1200" dirty="0">
-                    <a:solidFill>
-                      <a:schemeClr val="tx1"/>
-                    </a:solidFill>
-                    <a:effectLst/>
-                    <a:latin typeface="+mn-lt"/>
-                    <a:ea typeface="+mn-ea"/>
-                    <a:cs typeface="+mn-cs"/>
-                  </a:rPr>
-                  <a:t>(2</a:t>
-                </a:r>
-                <a:r>
-                  <a:rPr lang="en-US" sz="1200" kern="1200" dirty="0" smtClean="0">
-                    <a:solidFill>
-                      <a:schemeClr val="tx1"/>
-                    </a:solidFill>
-                    <a:effectLst/>
-                    <a:latin typeface="+mn-lt"/>
-                    <a:ea typeface="+mn-ea"/>
-                    <a:cs typeface="+mn-cs"/>
-                  </a:rPr>
-                  <a:t>))</a:t>
-                </a:r>
-              </a:p>
-              <a:p>
-                <a:r>
-                  <a:rPr lang="en-US" sz="1200" kern="1200" dirty="0" smtClean="0">
-                    <a:solidFill>
-                      <a:schemeClr val="tx1"/>
-                    </a:solidFill>
-                    <a:effectLst/>
-                    <a:latin typeface="+mn-lt"/>
-                    <a:ea typeface="+mn-ea"/>
-                    <a:cs typeface="+mn-cs"/>
-                  </a:rPr>
-                  <a:t>At </a:t>
-                </a:r>
-                <a:r>
-                  <a:rPr lang="en-US" sz="1200" kern="1200" dirty="0">
-                    <a:solidFill>
-                      <a:schemeClr val="tx1"/>
-                    </a:solidFill>
-                    <a:effectLst/>
-                    <a:latin typeface="+mn-lt"/>
-                    <a:ea typeface="+mn-ea"/>
-                    <a:cs typeface="+mn-cs"/>
-                  </a:rPr>
-                  <a:t>time </a:t>
-                </a:r>
-                <a14:m>
-                  <m:oMath xmlns:m="http://schemas.openxmlformats.org/officeDocument/2006/math">
-                    <m:sSub>
-                      <m:sSubPr>
-                        <m:ctrlPr>
-                          <a:rPr lang="en-CA" sz="1200" i="1" kern="1200">
-                            <a:solidFill>
-                              <a:schemeClr val="tx1"/>
-                            </a:solidFill>
-                            <a:effectLst/>
-                            <a:latin typeface="Cambria Math" panose="02040503050406030204" pitchFamily="18" charset="0"/>
-                            <a:ea typeface="+mn-ea"/>
-                            <a:cs typeface="+mn-cs"/>
-                          </a:rPr>
-                        </m:ctrlPr>
-                      </m:sSubPr>
-                      <m:e>
-                        <m:r>
-                          <a:rPr lang="en-US" sz="1200" i="1" kern="1200">
-                            <a:solidFill>
-                              <a:schemeClr val="tx1"/>
-                            </a:solidFill>
-                            <a:effectLst/>
-                            <a:latin typeface="Cambria Math" panose="02040503050406030204" pitchFamily="18" charset="0"/>
-                            <a:ea typeface="+mn-ea"/>
-                            <a:cs typeface="+mn-cs"/>
-                          </a:rPr>
-                          <m:t>𝑡</m:t>
-                        </m:r>
-                      </m:e>
-                      <m:sub>
-                        <m:r>
-                          <a:rPr lang="en-US" sz="1200" i="1" kern="1200">
-                            <a:solidFill>
-                              <a:schemeClr val="tx1"/>
-                            </a:solidFill>
-                            <a:effectLst/>
-                            <a:latin typeface="Cambria Math" panose="02040503050406030204" pitchFamily="18" charset="0"/>
-                            <a:ea typeface="+mn-ea"/>
-                            <a:cs typeface="+mn-cs"/>
-                          </a:rPr>
-                          <m:t>𝑦</m:t>
-                        </m:r>
-                      </m:sub>
-                    </m:sSub>
-                  </m:oMath>
-                </a14:m>
-                <a:r>
-                  <a:rPr lang="en-US" sz="1200" kern="1200" dirty="0">
-                    <a:solidFill>
-                      <a:schemeClr val="tx1"/>
-                    </a:solidFill>
-                    <a:effectLst/>
-                    <a:latin typeface="+mn-lt"/>
-                    <a:ea typeface="+mn-ea"/>
-                    <a:cs typeface="+mn-cs"/>
-                  </a:rPr>
-                  <a:t>, an incoming token </a:t>
-                </a:r>
-                <a:r>
-                  <a:rPr lang="en-US" sz="1200" i="1" kern="1200" dirty="0">
-                    <a:solidFill>
-                      <a:schemeClr val="tx1"/>
-                    </a:solidFill>
-                    <a:effectLst/>
-                    <a:latin typeface="+mn-lt"/>
-                    <a:ea typeface="+mn-ea"/>
-                    <a:cs typeface="+mn-cs"/>
-                  </a:rPr>
-                  <a:t>A</a:t>
-                </a:r>
-                <a:r>
-                  <a:rPr lang="en-US" sz="1200" i="1" kern="1200" baseline="-25000" dirty="0">
-                    <a:solidFill>
-                      <a:schemeClr val="tx1"/>
-                    </a:solidFill>
-                    <a:effectLst/>
-                    <a:latin typeface="+mn-lt"/>
-                    <a:ea typeface="+mn-ea"/>
-                    <a:cs typeface="+mn-cs"/>
-                  </a:rPr>
-                  <a:t>2</a:t>
-                </a:r>
-                <a:r>
-                  <a:rPr lang="en-US" sz="1200" kern="1200" dirty="0">
-                    <a:solidFill>
-                      <a:schemeClr val="tx1"/>
-                    </a:solidFill>
-                    <a:effectLst/>
-                    <a:latin typeface="+mn-lt"/>
-                    <a:ea typeface="+mn-ea"/>
-                    <a:cs typeface="+mn-cs"/>
-                  </a:rPr>
-                  <a:t> is matched to the previously </a:t>
-                </a:r>
-                <a:r>
-                  <a:rPr lang="en-US" sz="1200" kern="1200" dirty="0" smtClean="0">
-                    <a:solidFill>
-                      <a:schemeClr val="tx1"/>
-                    </a:solidFill>
-                    <a:effectLst/>
-                    <a:latin typeface="+mn-lt"/>
-                    <a:ea typeface="+mn-ea"/>
-                    <a:cs typeface="+mn-cs"/>
-                  </a:rPr>
-                  <a:t>failed </a:t>
-                </a:r>
-                <a:r>
-                  <a:rPr lang="en-US" sz="1200" kern="1200" dirty="0">
-                    <a:solidFill>
-                      <a:schemeClr val="tx1"/>
-                    </a:solidFill>
-                    <a:effectLst/>
-                    <a:latin typeface="+mn-lt"/>
-                    <a:ea typeface="+mn-ea"/>
-                    <a:cs typeface="+mn-cs"/>
-                  </a:rPr>
-                  <a:t>node </a:t>
-                </a:r>
-                <a:r>
-                  <a:rPr lang="en-US" sz="1200" i="1" kern="1200" dirty="0">
-                    <a:solidFill>
-                      <a:schemeClr val="tx1"/>
-                    </a:solidFill>
-                    <a:effectLst/>
-                    <a:latin typeface="+mn-lt"/>
-                    <a:ea typeface="+mn-ea"/>
-                    <a:cs typeface="+mn-cs"/>
-                  </a:rPr>
-                  <a:t>α</a:t>
-                </a:r>
-                <a:r>
-                  <a:rPr lang="en-US" sz="1200" i="1" kern="1200" baseline="-25000" dirty="0">
-                    <a:solidFill>
-                      <a:schemeClr val="tx1"/>
-                    </a:solidFill>
-                    <a:effectLst/>
-                    <a:latin typeface="+mn-lt"/>
-                    <a:ea typeface="+mn-ea"/>
-                    <a:cs typeface="+mn-cs"/>
-                  </a:rPr>
-                  <a:t>2</a:t>
-                </a:r>
-                <a:r>
-                  <a:rPr lang="en-US" sz="1200" kern="1200" dirty="0">
-                    <a:solidFill>
-                      <a:schemeClr val="tx1"/>
-                    </a:solidFill>
-                    <a:effectLst/>
-                    <a:latin typeface="+mn-lt"/>
-                    <a:ea typeface="+mn-ea"/>
-                    <a:cs typeface="+mn-cs"/>
-                  </a:rPr>
-                  <a:t> </a:t>
-                </a:r>
-                <a:r>
-                  <a:rPr lang="en-US" sz="1200" kern="1200" dirty="0" smtClean="0">
-                    <a:solidFill>
-                      <a:schemeClr val="tx1"/>
-                    </a:solidFill>
-                    <a:effectLst/>
-                    <a:latin typeface="+mn-lt"/>
-                    <a:ea typeface="+mn-ea"/>
-                    <a:cs typeface="+mn-cs"/>
-                  </a:rPr>
-                  <a:t>(satisfying heuristic </a:t>
-                </a:r>
-                <a:r>
-                  <a:rPr lang="en-US" sz="1200" kern="1200" dirty="0">
-                    <a:solidFill>
-                      <a:schemeClr val="tx1"/>
-                    </a:solidFill>
-                    <a:effectLst/>
-                    <a:latin typeface="+mn-lt"/>
-                    <a:ea typeface="+mn-ea"/>
-                    <a:cs typeface="+mn-cs"/>
-                  </a:rPr>
-                  <a:t>(1)). </a:t>
-                </a:r>
-                <a:endParaRPr lang="en-US" sz="1200" kern="1200" dirty="0" smtClean="0">
-                  <a:solidFill>
-                    <a:schemeClr val="tx1"/>
-                  </a:solidFill>
-                  <a:effectLst/>
-                  <a:latin typeface="+mn-lt"/>
-                  <a:ea typeface="+mn-ea"/>
-                  <a:cs typeface="+mn-cs"/>
-                </a:endParaRPr>
-              </a:p>
-              <a:p>
-                <a:r>
-                  <a:rPr lang="en-US" sz="1200" kern="1200" dirty="0" smtClean="0">
-                    <a:solidFill>
-                      <a:schemeClr val="tx1"/>
-                    </a:solidFill>
-                    <a:effectLst/>
-                    <a:latin typeface="+mn-lt"/>
-                    <a:ea typeface="+mn-ea"/>
-                    <a:cs typeface="+mn-cs"/>
-                  </a:rPr>
-                  <a:t>So, trigger </a:t>
-                </a:r>
-                <a:r>
-                  <a:rPr lang="en-US" sz="1200" i="1" kern="1200" dirty="0">
-                    <a:solidFill>
-                      <a:schemeClr val="tx1"/>
-                    </a:solidFill>
-                    <a:effectLst/>
-                    <a:latin typeface="+mn-lt"/>
-                    <a:ea typeface="+mn-ea"/>
-                    <a:cs typeface="+mn-cs"/>
-                  </a:rPr>
-                  <a:t>?</a:t>
-                </a:r>
-                <a:r>
-                  <a:rPr lang="en-US" sz="1200" i="1" kern="1200" baseline="-25000" dirty="0">
-                    <a:solidFill>
-                      <a:schemeClr val="tx1"/>
-                    </a:solidFill>
-                    <a:effectLst/>
-                    <a:latin typeface="+mn-lt"/>
-                    <a:ea typeface="+mn-ea"/>
-                    <a:cs typeface="+mn-cs"/>
-                  </a:rPr>
-                  <a:t>1 </a:t>
-                </a:r>
-                <a:r>
-                  <a:rPr lang="en-US" sz="1200" kern="1200" dirty="0">
-                    <a:solidFill>
-                      <a:schemeClr val="tx1"/>
-                    </a:solidFill>
-                    <a:effectLst/>
-                    <a:latin typeface="+mn-lt"/>
-                    <a:ea typeface="+mn-ea"/>
-                    <a:cs typeface="+mn-cs"/>
-                  </a:rPr>
-                  <a:t>will be activated at time </a:t>
-                </a:r>
-                <a14:m>
-                  <m:oMath xmlns:m="http://schemas.openxmlformats.org/officeDocument/2006/math">
-                    <m:sSub>
-                      <m:sSubPr>
-                        <m:ctrlPr>
-                          <a:rPr lang="en-CA" sz="1200" i="1" kern="1200">
-                            <a:solidFill>
-                              <a:schemeClr val="tx1"/>
-                            </a:solidFill>
-                            <a:effectLst/>
-                            <a:latin typeface="Cambria Math" panose="02040503050406030204" pitchFamily="18" charset="0"/>
-                            <a:ea typeface="+mn-ea"/>
-                            <a:cs typeface="+mn-cs"/>
-                          </a:rPr>
-                        </m:ctrlPr>
-                      </m:sSubPr>
-                      <m:e>
-                        <m:r>
-                          <a:rPr lang="en-US" sz="1200" i="1" kern="1200">
-                            <a:solidFill>
-                              <a:schemeClr val="tx1"/>
-                            </a:solidFill>
-                            <a:effectLst/>
-                            <a:latin typeface="Cambria Math" panose="02040503050406030204" pitchFamily="18" charset="0"/>
-                            <a:ea typeface="+mn-ea"/>
-                            <a:cs typeface="+mn-cs"/>
-                          </a:rPr>
-                          <m:t>𝑡</m:t>
-                        </m:r>
-                      </m:e>
-                      <m:sub>
-                        <m:r>
-                          <a:rPr lang="en-US" sz="1200" i="1" kern="1200">
-                            <a:solidFill>
-                              <a:schemeClr val="tx1"/>
-                            </a:solidFill>
-                            <a:effectLst/>
-                            <a:latin typeface="Cambria Math" panose="02040503050406030204" pitchFamily="18" charset="0"/>
-                            <a:ea typeface="+mn-ea"/>
-                            <a:cs typeface="+mn-cs"/>
-                          </a:rPr>
-                          <m:t>𝑦</m:t>
-                        </m:r>
-                      </m:sub>
-                    </m:sSub>
-                  </m:oMath>
-                </a14:m>
-                <a:r>
-                  <a:rPr lang="en-US" sz="1200" kern="1200" dirty="0">
-                    <a:solidFill>
-                      <a:schemeClr val="tx1"/>
-                    </a:solidFill>
-                    <a:effectLst/>
-                    <a:latin typeface="+mn-lt"/>
-                    <a:ea typeface="+mn-ea"/>
-                    <a:cs typeface="+mn-cs"/>
-                  </a:rPr>
-                  <a:t>, re-linking the </a:t>
-                </a:r>
-                <a:r>
-                  <a:rPr lang="en-US" sz="1200" i="1" kern="1200" dirty="0">
-                    <a:solidFill>
-                      <a:schemeClr val="tx1"/>
-                    </a:solidFill>
-                    <a:effectLst/>
-                    <a:latin typeface="+mn-lt"/>
-                    <a:ea typeface="+mn-ea"/>
-                    <a:cs typeface="+mn-cs"/>
-                  </a:rPr>
-                  <a:t>α</a:t>
-                </a:r>
-                <a:r>
-                  <a:rPr lang="en-US" sz="1200" i="1" kern="1200" baseline="-25000" dirty="0">
-                    <a:solidFill>
-                      <a:schemeClr val="tx1"/>
-                    </a:solidFill>
-                    <a:effectLst/>
-                    <a:latin typeface="+mn-lt"/>
-                    <a:ea typeface="+mn-ea"/>
-                    <a:cs typeface="+mn-cs"/>
-                  </a:rPr>
-                  <a:t>1</a:t>
-                </a:r>
-                <a:r>
-                  <a:rPr lang="en-US" sz="1200" kern="1200" dirty="0">
-                    <a:solidFill>
-                      <a:schemeClr val="tx1"/>
-                    </a:solidFill>
-                    <a:effectLst/>
-                    <a:latin typeface="+mn-lt"/>
-                    <a:ea typeface="+mn-ea"/>
-                    <a:cs typeface="+mn-cs"/>
-                  </a:rPr>
-                  <a:t> memory to beta node</a:t>
-                </a:r>
-                <a:r>
-                  <a:rPr lang="en-US" sz="1200" i="1" kern="1200" dirty="0">
-                    <a:solidFill>
-                      <a:schemeClr val="tx1"/>
-                    </a:solidFill>
-                    <a:effectLst/>
-                    <a:latin typeface="+mn-lt"/>
-                    <a:ea typeface="+mn-ea"/>
-                    <a:cs typeface="+mn-cs"/>
-                  </a:rPr>
-                  <a:t> β</a:t>
-                </a:r>
-                <a:r>
-                  <a:rPr lang="en-US" sz="1200" i="1" kern="1200" baseline="-25000" dirty="0">
-                    <a:solidFill>
-                      <a:schemeClr val="tx1"/>
-                    </a:solidFill>
-                    <a:effectLst/>
-                    <a:latin typeface="+mn-lt"/>
-                    <a:ea typeface="+mn-ea"/>
-                    <a:cs typeface="+mn-cs"/>
-                  </a:rPr>
-                  <a:t>1</a:t>
-                </a:r>
-                <a:r>
-                  <a:rPr lang="en-US" sz="1200" kern="1200" dirty="0">
-                    <a:solidFill>
-                      <a:schemeClr val="tx1"/>
-                    </a:solidFill>
-                    <a:effectLst/>
-                    <a:latin typeface="+mn-lt"/>
-                    <a:ea typeface="+mn-ea"/>
-                    <a:cs typeface="+mn-cs"/>
-                  </a:rPr>
-                  <a:t>. </a:t>
-                </a:r>
-                <a:r>
-                  <a:rPr lang="en-US" sz="1200" kern="1200" dirty="0" smtClean="0">
-                    <a:solidFill>
-                      <a:schemeClr val="tx1"/>
-                    </a:solidFill>
-                    <a:effectLst/>
-                    <a:latin typeface="+mn-lt"/>
-                    <a:ea typeface="+mn-ea"/>
-                    <a:cs typeface="+mn-cs"/>
-                  </a:rPr>
-                  <a:t>This results in the joined token </a:t>
-                </a:r>
-                <a:r>
-                  <a:rPr lang="en-US" sz="1200" i="1" kern="1200" dirty="0" smtClean="0">
-                    <a:solidFill>
-                      <a:schemeClr val="tx1"/>
-                    </a:solidFill>
-                    <a:effectLst/>
-                    <a:latin typeface="+mn-lt"/>
-                    <a:ea typeface="+mn-ea"/>
-                    <a:cs typeface="+mn-cs"/>
-                  </a:rPr>
-                  <a:t>A</a:t>
-                </a:r>
-                <a:r>
-                  <a:rPr lang="en-US" sz="1200" i="1" kern="1200" baseline="-25000" dirty="0" smtClean="0">
-                    <a:solidFill>
-                      <a:schemeClr val="tx1"/>
-                    </a:solidFill>
-                    <a:effectLst/>
-                    <a:latin typeface="+mn-lt"/>
-                    <a:ea typeface="+mn-ea"/>
-                    <a:cs typeface="+mn-cs"/>
-                  </a:rPr>
-                  <a:t>12</a:t>
-                </a:r>
-                <a:r>
-                  <a:rPr lang="en-US" sz="1200" kern="1200" dirty="0" smtClean="0">
-                    <a:solidFill>
-                      <a:schemeClr val="tx1"/>
-                    </a:solidFill>
-                    <a:effectLst/>
-                    <a:latin typeface="+mn-lt"/>
-                    <a:ea typeface="+mn-ea"/>
-                    <a:cs typeface="+mn-cs"/>
-                  </a:rPr>
-                  <a:t> activating</a:t>
-                </a:r>
-                <a:r>
-                  <a:rPr lang="en-US" sz="1200" kern="1200" baseline="0" dirty="0" smtClean="0">
-                    <a:solidFill>
-                      <a:schemeClr val="tx1"/>
-                    </a:solidFill>
-                    <a:effectLst/>
-                    <a:latin typeface="+mn-lt"/>
-                    <a:ea typeface="+mn-ea"/>
-                    <a:cs typeface="+mn-cs"/>
-                  </a:rPr>
-                  <a:t> the </a:t>
-                </a:r>
-                <a:r>
-                  <a:rPr lang="en-US" sz="1200" i="1" kern="1200" dirty="0" smtClean="0">
-                    <a:solidFill>
-                      <a:schemeClr val="tx1"/>
-                    </a:solidFill>
-                    <a:effectLst/>
-                    <a:latin typeface="+mn-lt"/>
-                    <a:ea typeface="+mn-ea"/>
-                    <a:cs typeface="+mn-cs"/>
-                  </a:rPr>
-                  <a:t>?</a:t>
-                </a:r>
-                <a:r>
-                  <a:rPr lang="en-US" sz="1200" i="1" kern="1200" baseline="-25000" dirty="0" smtClean="0">
-                    <a:solidFill>
-                      <a:schemeClr val="tx1"/>
-                    </a:solidFill>
-                    <a:effectLst/>
-                    <a:latin typeface="+mn-lt"/>
-                    <a:ea typeface="+mn-ea"/>
-                    <a:cs typeface="+mn-cs"/>
-                  </a:rPr>
-                  <a:t>2</a:t>
-                </a:r>
-                <a:r>
-                  <a:rPr lang="en-US" sz="1200" kern="1200" dirty="0" smtClean="0">
-                    <a:solidFill>
-                      <a:schemeClr val="tx1"/>
-                    </a:solidFill>
-                    <a:effectLst/>
-                    <a:latin typeface="+mn-lt"/>
-                    <a:ea typeface="+mn-ea"/>
-                    <a:cs typeface="+mn-cs"/>
-                  </a:rPr>
-                  <a:t> trigger,</a:t>
-                </a:r>
-                <a:r>
-                  <a:rPr lang="en-US" sz="1200" kern="1200" baseline="0" dirty="0" smtClean="0">
-                    <a:solidFill>
-                      <a:schemeClr val="tx1"/>
-                    </a:solidFill>
-                    <a:effectLst/>
-                    <a:latin typeface="+mn-lt"/>
-                    <a:ea typeface="+mn-ea"/>
-                    <a:cs typeface="+mn-cs"/>
-                  </a:rPr>
-                  <a:t> since t</a:t>
-                </a:r>
-                <a:r>
-                  <a:rPr lang="en-US" sz="1200" kern="1200" dirty="0" smtClean="0">
-                    <a:solidFill>
-                      <a:schemeClr val="tx1"/>
-                    </a:solidFill>
-                    <a:effectLst/>
-                    <a:latin typeface="+mn-lt"/>
-                    <a:ea typeface="+mn-ea"/>
-                    <a:cs typeface="+mn-cs"/>
-                  </a:rPr>
-                  <a:t>he sibling memory of </a:t>
-                </a:r>
-                <a:r>
-                  <a:rPr lang="en-US" sz="1200" i="1" kern="1200" dirty="0" smtClean="0">
-                    <a:solidFill>
-                      <a:schemeClr val="tx1"/>
-                    </a:solidFill>
-                    <a:effectLst/>
-                    <a:latin typeface="+mn-lt"/>
-                    <a:ea typeface="+mn-ea"/>
-                    <a:cs typeface="+mn-cs"/>
-                  </a:rPr>
-                  <a:t>α</a:t>
-                </a:r>
-                <a:r>
-                  <a:rPr lang="en-US" sz="1200" i="1" kern="1200" baseline="-25000" dirty="0" smtClean="0">
-                    <a:solidFill>
-                      <a:schemeClr val="tx1"/>
-                    </a:solidFill>
-                    <a:effectLst/>
-                    <a:latin typeface="+mn-lt"/>
-                    <a:ea typeface="+mn-ea"/>
-                    <a:cs typeface="+mn-cs"/>
-                  </a:rPr>
-                  <a:t>3</a:t>
-                </a:r>
-                <a:r>
-                  <a:rPr lang="en-US" sz="1200" kern="1200" dirty="0" smtClean="0">
-                    <a:solidFill>
-                      <a:schemeClr val="tx1"/>
-                    </a:solidFill>
-                    <a:effectLst/>
-                    <a:latin typeface="+mn-lt"/>
-                    <a:ea typeface="+mn-ea"/>
-                    <a:cs typeface="+mn-cs"/>
-                  </a:rPr>
-                  <a:t> is no longer empty, similarly re-linking the memory, and resuming node </a:t>
-                </a:r>
-                <a:r>
-                  <a:rPr lang="en-US" sz="1200" i="1" kern="1200" dirty="0" smtClean="0">
-                    <a:solidFill>
-                      <a:schemeClr val="tx1"/>
-                    </a:solidFill>
-                    <a:effectLst/>
-                    <a:latin typeface="+mn-lt"/>
-                    <a:ea typeface="+mn-ea"/>
-                    <a:cs typeface="+mn-cs"/>
-                  </a:rPr>
-                  <a:t>α</a:t>
-                </a:r>
-                <a:r>
-                  <a:rPr lang="en-US" sz="1200" i="1" kern="1200" baseline="-25000" dirty="0" smtClean="0">
-                    <a:solidFill>
-                      <a:schemeClr val="tx1"/>
-                    </a:solidFill>
-                    <a:effectLst/>
-                    <a:latin typeface="+mn-lt"/>
-                    <a:ea typeface="+mn-ea"/>
-                    <a:cs typeface="+mn-cs"/>
-                  </a:rPr>
-                  <a:t>3</a:t>
-                </a:r>
-                <a:r>
-                  <a:rPr lang="en-US" sz="1200" i="1" kern="1200" baseline="0" dirty="0" smtClean="0">
-                    <a:solidFill>
-                      <a:schemeClr val="tx1"/>
-                    </a:solidFill>
-                    <a:effectLst/>
-                    <a:latin typeface="+mn-lt"/>
-                    <a:ea typeface="+mn-ea"/>
-                    <a:cs typeface="+mn-cs"/>
-                  </a:rPr>
-                  <a:t> </a:t>
-                </a:r>
-                <a:r>
-                  <a:rPr lang="en-US" sz="1200" i="0" kern="1200" baseline="0" dirty="0" smtClean="0">
-                    <a:solidFill>
-                      <a:schemeClr val="tx1"/>
-                    </a:solidFill>
-                    <a:effectLst/>
-                    <a:latin typeface="+mn-lt"/>
-                    <a:ea typeface="+mn-ea"/>
-                    <a:cs typeface="+mn-cs"/>
-                  </a:rPr>
-                  <a:t>(since it is now become relevant again)</a:t>
-                </a:r>
-              </a:p>
-              <a:p>
-                <a:r>
-                  <a:rPr lang="en-US" sz="1200" i="0" kern="1200" baseline="0" dirty="0" smtClean="0">
-                    <a:solidFill>
-                      <a:schemeClr val="tx1"/>
-                    </a:solidFill>
-                    <a:effectLst/>
-                    <a:latin typeface="+mn-lt"/>
-                    <a:ea typeface="+mn-ea"/>
-                    <a:cs typeface="+mn-cs"/>
-                  </a:rPr>
-                  <a:t>Finally, this results in </a:t>
-                </a:r>
-                <a:r>
-                  <a:rPr lang="en-US" sz="1200" kern="1200" dirty="0" smtClean="0">
-                    <a:solidFill>
-                      <a:schemeClr val="tx1"/>
-                    </a:solidFill>
-                    <a:effectLst/>
-                    <a:latin typeface="+mn-lt"/>
-                    <a:ea typeface="+mn-ea"/>
-                    <a:cs typeface="+mn-cs"/>
-                  </a:rPr>
-                  <a:t>a </a:t>
-                </a:r>
-                <a:r>
-                  <a:rPr lang="en-US" sz="1200" kern="1200" dirty="0">
-                    <a:solidFill>
-                      <a:schemeClr val="tx1"/>
-                    </a:solidFill>
-                    <a:effectLst/>
-                    <a:latin typeface="+mn-lt"/>
-                    <a:ea typeface="+mn-ea"/>
-                    <a:cs typeface="+mn-cs"/>
-                  </a:rPr>
-                  <a:t>complete inference </a:t>
-                </a:r>
-                <a:r>
-                  <a:rPr lang="en-US" sz="1200" i="1" kern="1200" dirty="0">
-                    <a:solidFill>
-                      <a:schemeClr val="tx1"/>
-                    </a:solidFill>
-                    <a:effectLst/>
-                    <a:latin typeface="+mn-lt"/>
-                    <a:ea typeface="+mn-ea"/>
-                    <a:cs typeface="+mn-cs"/>
-                  </a:rPr>
-                  <a:t>A</a:t>
-                </a:r>
-                <a:r>
-                  <a:rPr lang="en-US" sz="1200" i="1" kern="1200" baseline="-25000" dirty="0">
-                    <a:solidFill>
-                      <a:schemeClr val="tx1"/>
-                    </a:solidFill>
-                    <a:effectLst/>
-                    <a:latin typeface="+mn-lt"/>
-                    <a:ea typeface="+mn-ea"/>
-                    <a:cs typeface="+mn-cs"/>
-                  </a:rPr>
-                  <a:t>1234</a:t>
-                </a:r>
-                <a:r>
-                  <a:rPr lang="en-US" sz="1200" kern="1200" dirty="0">
-                    <a:solidFill>
-                      <a:schemeClr val="tx1"/>
-                    </a:solidFill>
-                    <a:effectLst/>
-                    <a:latin typeface="+mn-lt"/>
-                    <a:ea typeface="+mn-ea"/>
-                    <a:cs typeface="+mn-cs"/>
-                  </a:rPr>
-                  <a:t> for the rule.</a:t>
-                </a:r>
-                <a:endParaRPr lang="en-CA" dirty="0"/>
-              </a:p>
-            </p:txBody>
-          </p:sp>
-        </mc:Choice>
-        <mc:Fallback xmlns="">
-          <p:sp>
-            <p:nvSpPr>
-              <p:cNvPr id="3" name="Notes Placeholder 2"/>
-              <p:cNvSpPr>
-                <a:spLocks noGrp="1"/>
-              </p:cNvSpPr>
-              <p:nvPr>
-                <p:ph type="body" idx="1"/>
-              </p:nvPr>
-            </p:nvSpPr>
-            <p:spPr/>
-            <p:txBody>
-              <a:bodyPr/>
-              <a:lstStyle/>
-              <a:p>
-                <a:endParaRPr lang="en-US" sz="1200" kern="1200" dirty="0" smtClean="0">
-                  <a:solidFill>
-                    <a:schemeClr val="tx1"/>
-                  </a:solidFill>
-                  <a:effectLst/>
-                  <a:latin typeface="+mn-lt"/>
-                  <a:ea typeface="+mn-ea"/>
-                  <a:cs typeface="+mn-cs"/>
-                </a:endParaRPr>
-              </a:p>
-              <a:p>
-                <a:r>
-                  <a:rPr lang="en-US" sz="1200" kern="1200" dirty="0" smtClean="0">
-                    <a:solidFill>
-                      <a:schemeClr val="tx1"/>
-                    </a:solidFill>
-                    <a:effectLst/>
-                    <a:latin typeface="+mn-lt"/>
-                    <a:ea typeface="+mn-ea"/>
-                    <a:cs typeface="+mn-cs"/>
-                  </a:rPr>
-                  <a:t>The rule failed at time </a:t>
-                </a:r>
-                <a:r>
-                  <a:rPr lang="en-US" sz="1200" i="1" kern="1200" dirty="0">
-                    <a:solidFill>
-                      <a:schemeClr val="tx1"/>
-                    </a:solidFill>
-                    <a:effectLst/>
-                    <a:latin typeface="+mn-lt"/>
-                    <a:ea typeface="+mn-ea"/>
-                    <a:cs typeface="+mn-cs"/>
-                  </a:rPr>
-                  <a:t>t</a:t>
-                </a:r>
-                <a:r>
-                  <a:rPr lang="en-US" sz="1200" i="1" kern="1200" baseline="-25000" dirty="0">
-                    <a:solidFill>
-                      <a:schemeClr val="tx1"/>
-                    </a:solidFill>
-                    <a:effectLst/>
-                    <a:latin typeface="+mn-lt"/>
-                    <a:ea typeface="+mn-ea"/>
-                    <a:cs typeface="+mn-cs"/>
-                  </a:rPr>
-                  <a:t>0</a:t>
-                </a:r>
-                <a:r>
-                  <a:rPr lang="en-US" sz="1200" kern="1200" dirty="0">
-                    <a:solidFill>
-                      <a:schemeClr val="tx1"/>
-                    </a:solidFill>
-                    <a:effectLst/>
-                    <a:latin typeface="+mn-lt"/>
-                    <a:ea typeface="+mn-ea"/>
-                    <a:cs typeface="+mn-cs"/>
-                  </a:rPr>
-                  <a:t> </a:t>
-                </a:r>
-                <a:endParaRPr lang="en-US" sz="1200" kern="1200" dirty="0" smtClean="0">
-                  <a:solidFill>
-                    <a:schemeClr val="tx1"/>
-                  </a:solidFill>
-                  <a:effectLst/>
-                  <a:latin typeface="+mn-lt"/>
-                  <a:ea typeface="+mn-ea"/>
-                  <a:cs typeface="+mn-cs"/>
-                </a:endParaRPr>
-              </a:p>
-              <a:p>
-                <a:r>
-                  <a:rPr lang="en-US" sz="1200" kern="1200" dirty="0" smtClean="0">
-                    <a:solidFill>
-                      <a:schemeClr val="tx1"/>
-                    </a:solidFill>
-                    <a:effectLst/>
-                    <a:latin typeface="+mn-lt"/>
-                    <a:ea typeface="+mn-ea"/>
-                    <a:cs typeface="+mn-cs"/>
-                  </a:rPr>
-                  <a:t>Both join-utility heuristics hold for non-failed alpha nodes </a:t>
-                </a:r>
-                <a:r>
-                  <a:rPr lang="en-US" sz="1200" i="1" kern="1200" dirty="0" smtClean="0">
-                    <a:solidFill>
-                      <a:schemeClr val="tx1"/>
-                    </a:solidFill>
-                    <a:effectLst/>
-                    <a:latin typeface="+mn-lt"/>
-                    <a:ea typeface="+mn-ea"/>
-                    <a:cs typeface="+mn-cs"/>
-                  </a:rPr>
-                  <a:t>α</a:t>
-                </a:r>
-                <a:r>
-                  <a:rPr lang="en-US" sz="1200" i="1" kern="1200" baseline="-25000" dirty="0" smtClean="0">
-                    <a:solidFill>
-                      <a:schemeClr val="tx1"/>
-                    </a:solidFill>
-                    <a:effectLst/>
-                    <a:latin typeface="+mn-lt"/>
-                    <a:ea typeface="+mn-ea"/>
-                    <a:cs typeface="+mn-cs"/>
-                  </a:rPr>
-                  <a:t>1</a:t>
-                </a:r>
-                <a:r>
-                  <a:rPr lang="en-US" sz="1200" kern="1200" dirty="0" smtClean="0">
-                    <a:solidFill>
-                      <a:schemeClr val="tx1"/>
-                    </a:solidFill>
-                    <a:effectLst/>
-                    <a:latin typeface="+mn-lt"/>
-                    <a:ea typeface="+mn-ea"/>
-                    <a:cs typeface="+mn-cs"/>
-                  </a:rPr>
-                  <a:t> and </a:t>
-                </a:r>
-                <a:r>
-                  <a:rPr lang="en-US" sz="1200" i="1" kern="1200" dirty="0" smtClean="0">
-                    <a:solidFill>
-                      <a:schemeClr val="tx1"/>
-                    </a:solidFill>
-                    <a:effectLst/>
-                    <a:latin typeface="+mn-lt"/>
-                    <a:ea typeface="+mn-ea"/>
-                    <a:cs typeface="+mn-cs"/>
-                  </a:rPr>
-                  <a:t>α</a:t>
-                </a:r>
-                <a:r>
-                  <a:rPr lang="en-US" sz="1200" i="1" kern="1200" baseline="-25000" dirty="0" smtClean="0">
-                    <a:solidFill>
-                      <a:schemeClr val="tx1"/>
-                    </a:solidFill>
-                    <a:effectLst/>
-                    <a:latin typeface="+mn-lt"/>
-                    <a:ea typeface="+mn-ea"/>
-                    <a:cs typeface="+mn-cs"/>
-                  </a:rPr>
-                  <a:t>3</a:t>
-                </a:r>
-                <a:r>
-                  <a:rPr lang="en-US" sz="1200" kern="1200" dirty="0" smtClean="0">
-                    <a:solidFill>
-                      <a:schemeClr val="tx1"/>
-                    </a:solidFill>
-                    <a:effectLst/>
-                    <a:latin typeface="+mn-lt"/>
-                    <a:ea typeface="+mn-ea"/>
-                    <a:cs typeface="+mn-cs"/>
-                  </a:rPr>
-                  <a:t>: i.e., their sibling memories are empty, and a lower-down alpha node (node </a:t>
-                </a:r>
-                <a:r>
-                  <a:rPr lang="en-US" sz="1200" i="1" kern="1200" dirty="0" smtClean="0">
-                    <a:solidFill>
-                      <a:schemeClr val="tx1"/>
-                    </a:solidFill>
-                    <a:effectLst/>
-                    <a:latin typeface="+mn-lt"/>
-                    <a:ea typeface="+mn-ea"/>
-                    <a:cs typeface="+mn-cs"/>
-                  </a:rPr>
-                  <a:t>α</a:t>
-                </a:r>
-                <a:r>
-                  <a:rPr lang="en-US" sz="1200" i="1" kern="1200" baseline="-25000" dirty="0" smtClean="0">
-                    <a:solidFill>
-                      <a:schemeClr val="tx1"/>
-                    </a:solidFill>
-                    <a:effectLst/>
-                    <a:latin typeface="+mn-lt"/>
-                    <a:ea typeface="+mn-ea"/>
-                    <a:cs typeface="+mn-cs"/>
-                  </a:rPr>
-                  <a:t>4</a:t>
-                </a:r>
-                <a:r>
-                  <a:rPr lang="en-US" sz="1200" kern="1200" dirty="0" smtClean="0">
-                    <a:solidFill>
-                      <a:schemeClr val="tx1"/>
-                    </a:solidFill>
-                    <a:effectLst/>
-                    <a:latin typeface="+mn-lt"/>
-                    <a:ea typeface="+mn-ea"/>
-                    <a:cs typeface="+mn-cs"/>
-                  </a:rPr>
-                  <a:t>) has failed</a:t>
-                </a:r>
-              </a:p>
-              <a:p>
-                <a:r>
-                  <a:rPr lang="en-US" sz="1200" kern="1200" dirty="0" smtClean="0">
-                    <a:solidFill>
-                      <a:schemeClr val="tx1"/>
-                    </a:solidFill>
-                    <a:effectLst/>
-                    <a:latin typeface="+mn-lt"/>
-                    <a:ea typeface="+mn-ea"/>
-                    <a:cs typeface="+mn-cs"/>
-                  </a:rPr>
-                  <a:t>As </a:t>
-                </a:r>
-                <a:r>
-                  <a:rPr lang="en-US" sz="1200" kern="1200" dirty="0">
-                    <a:solidFill>
-                      <a:schemeClr val="tx1"/>
-                    </a:solidFill>
-                    <a:effectLst/>
-                    <a:latin typeface="+mn-lt"/>
-                    <a:ea typeface="+mn-ea"/>
-                    <a:cs typeface="+mn-cs"/>
-                  </a:rPr>
-                  <a:t>a result, their memories were unlinked from the related beta nodes. Further, </a:t>
-                </a:r>
-                <a:r>
-                  <a:rPr lang="en-US" sz="1200" kern="1200" dirty="0" smtClean="0">
-                    <a:solidFill>
-                      <a:schemeClr val="tx1"/>
-                    </a:solidFill>
-                    <a:effectLst/>
-                    <a:latin typeface="+mn-lt"/>
-                    <a:ea typeface="+mn-ea"/>
-                    <a:cs typeface="+mn-cs"/>
-                  </a:rPr>
-                  <a:t>the </a:t>
-                </a:r>
-                <a:r>
-                  <a:rPr lang="en-US" sz="1200" i="1" kern="1200" dirty="0">
-                    <a:solidFill>
-                      <a:schemeClr val="tx1"/>
-                    </a:solidFill>
-                    <a:effectLst/>
-                    <a:latin typeface="+mn-lt"/>
-                    <a:ea typeface="+mn-ea"/>
-                    <a:cs typeface="+mn-cs"/>
-                  </a:rPr>
-                  <a:t>α</a:t>
-                </a:r>
-                <a:r>
-                  <a:rPr lang="en-US" sz="1200" i="1" kern="1200" baseline="-25000" dirty="0">
-                    <a:solidFill>
-                      <a:schemeClr val="tx1"/>
-                    </a:solidFill>
-                    <a:effectLst/>
-                    <a:latin typeface="+mn-lt"/>
-                    <a:ea typeface="+mn-ea"/>
-                    <a:cs typeface="+mn-cs"/>
-                  </a:rPr>
-                  <a:t>3</a:t>
-                </a:r>
-                <a:r>
-                  <a:rPr lang="en-US" sz="1200" kern="1200" dirty="0">
-                    <a:solidFill>
-                      <a:schemeClr val="tx1"/>
-                    </a:solidFill>
-                    <a:effectLst/>
-                    <a:latin typeface="+mn-lt"/>
-                    <a:ea typeface="+mn-ea"/>
-                    <a:cs typeface="+mn-cs"/>
-                  </a:rPr>
-                  <a:t> node memory is </a:t>
-                </a:r>
-                <a:r>
-                  <a:rPr lang="en-US" sz="1200" kern="1200" dirty="0" smtClean="0">
-                    <a:solidFill>
-                      <a:schemeClr val="tx1"/>
-                    </a:solidFill>
-                    <a:effectLst/>
-                    <a:latin typeface="+mn-lt"/>
-                    <a:ea typeface="+mn-ea"/>
-                    <a:cs typeface="+mn-cs"/>
-                  </a:rPr>
-                  <a:t>paused, since it is unlinked </a:t>
-                </a:r>
-                <a:r>
-                  <a:rPr lang="en-US" sz="1200" kern="1200" dirty="0">
-                    <a:solidFill>
-                      <a:schemeClr val="tx1"/>
-                    </a:solidFill>
-                    <a:effectLst/>
-                    <a:latin typeface="+mn-lt"/>
-                    <a:ea typeface="+mn-ea"/>
-                    <a:cs typeface="+mn-cs"/>
-                  </a:rPr>
-                  <a:t>from each related </a:t>
-                </a:r>
-                <a:r>
-                  <a:rPr lang="en-US" sz="1200" kern="1200" dirty="0" smtClean="0">
-                    <a:solidFill>
-                      <a:schemeClr val="tx1"/>
-                    </a:solidFill>
-                    <a:effectLst/>
-                    <a:latin typeface="+mn-lt"/>
-                    <a:ea typeface="+mn-ea"/>
-                    <a:cs typeface="+mn-cs"/>
-                  </a:rPr>
-                  <a:t>rule. </a:t>
-                </a:r>
-              </a:p>
-              <a:p>
-                <a:r>
-                  <a:rPr lang="en-US" sz="1200" kern="1200" dirty="0" smtClean="0">
-                    <a:solidFill>
-                      <a:schemeClr val="tx1"/>
-                    </a:solidFill>
-                    <a:effectLst/>
-                    <a:latin typeface="+mn-lt"/>
-                    <a:ea typeface="+mn-ea"/>
-                    <a:cs typeface="+mn-cs"/>
-                  </a:rPr>
-                  <a:t>Triggers </a:t>
-                </a:r>
-                <a:r>
-                  <a:rPr lang="en-US" sz="1200" kern="1200" dirty="0">
-                    <a:solidFill>
-                      <a:schemeClr val="tx1"/>
-                    </a:solidFill>
-                    <a:effectLst/>
-                    <a:latin typeface="+mn-lt"/>
-                    <a:ea typeface="+mn-ea"/>
-                    <a:cs typeface="+mn-cs"/>
-                  </a:rPr>
-                  <a:t>(</a:t>
-                </a:r>
-                <a:r>
-                  <a:rPr lang="en-US" sz="1200" i="1" kern="1200" dirty="0">
-                    <a:solidFill>
-                      <a:schemeClr val="tx1"/>
-                    </a:solidFill>
-                    <a:effectLst/>
-                    <a:latin typeface="+mn-lt"/>
-                    <a:ea typeface="+mn-ea"/>
-                    <a:cs typeface="+mn-cs"/>
-                  </a:rPr>
-                  <a:t>?</a:t>
-                </a:r>
-                <a:r>
-                  <a:rPr lang="en-US" sz="1200" i="1" kern="1200" baseline="-25000" dirty="0">
-                    <a:solidFill>
-                      <a:schemeClr val="tx1"/>
-                    </a:solidFill>
-                    <a:effectLst/>
-                    <a:latin typeface="+mn-lt"/>
-                    <a:ea typeface="+mn-ea"/>
-                    <a:cs typeface="+mn-cs"/>
-                  </a:rPr>
-                  <a:t>i</a:t>
-                </a:r>
-                <a:r>
-                  <a:rPr lang="en-US" sz="1200" kern="1200" dirty="0">
-                    <a:solidFill>
-                      <a:schemeClr val="tx1"/>
-                    </a:solidFill>
-                    <a:effectLst/>
-                    <a:latin typeface="+mn-lt"/>
-                    <a:ea typeface="+mn-ea"/>
-                    <a:cs typeface="+mn-cs"/>
-                  </a:rPr>
-                  <a:t>) are installed that listen for when the applicable heuristics no longer hold. </a:t>
-                </a:r>
-                <a:endParaRPr lang="en-US" sz="1200" kern="1200" dirty="0" smtClean="0">
-                  <a:solidFill>
-                    <a:schemeClr val="tx1"/>
-                  </a:solidFill>
-                  <a:effectLst/>
-                  <a:latin typeface="+mn-lt"/>
-                  <a:ea typeface="+mn-ea"/>
-                  <a:cs typeface="+mn-cs"/>
-                </a:endParaRPr>
-              </a:p>
-              <a:p>
-                <a:endParaRPr lang="en-US" sz="1200" kern="1200" dirty="0" smtClean="0">
-                  <a:solidFill>
-                    <a:schemeClr val="tx1"/>
-                  </a:solidFill>
-                  <a:effectLst/>
-                  <a:latin typeface="+mn-lt"/>
-                  <a:ea typeface="+mn-ea"/>
-                  <a:cs typeface="+mn-cs"/>
-                </a:endParaRPr>
-              </a:p>
-              <a:p>
-                <a:r>
-                  <a:rPr lang="en-US" sz="1200" kern="1200" dirty="0" smtClean="0">
-                    <a:solidFill>
-                      <a:schemeClr val="tx1"/>
-                    </a:solidFill>
-                    <a:effectLst/>
-                    <a:latin typeface="+mn-lt"/>
-                    <a:ea typeface="+mn-ea"/>
-                    <a:cs typeface="+mn-cs"/>
-                  </a:rPr>
-                  <a:t>At </a:t>
-                </a:r>
-                <a:r>
-                  <a:rPr lang="en-US" sz="1200" kern="1200" dirty="0">
-                    <a:solidFill>
-                      <a:schemeClr val="tx1"/>
-                    </a:solidFill>
-                    <a:effectLst/>
-                    <a:latin typeface="+mn-lt"/>
-                    <a:ea typeface="+mn-ea"/>
-                    <a:cs typeface="+mn-cs"/>
-                  </a:rPr>
-                  <a:t>time </a:t>
-                </a:r>
-                <a:r>
-                  <a:rPr lang="en-US" sz="1200" i="0" kern="1200">
-                    <a:solidFill>
-                      <a:schemeClr val="tx1"/>
-                    </a:solidFill>
-                    <a:effectLst/>
-                    <a:latin typeface="+mn-lt"/>
-                    <a:ea typeface="+mn-ea"/>
-                    <a:cs typeface="+mn-cs"/>
-                  </a:rPr>
-                  <a:t>𝑡</a:t>
-                </a:r>
-                <a:r>
-                  <a:rPr lang="en-CA" sz="1200" i="0" kern="1200">
-                    <a:solidFill>
-                      <a:schemeClr val="tx1"/>
-                    </a:solidFill>
-                    <a:effectLst/>
-                    <a:latin typeface="+mn-lt"/>
-                    <a:ea typeface="+mn-ea"/>
-                    <a:cs typeface="+mn-cs"/>
-                  </a:rPr>
-                  <a:t>_</a:t>
-                </a:r>
-                <a:r>
-                  <a:rPr lang="en-US" sz="1200" i="0" kern="1200">
-                    <a:solidFill>
-                      <a:schemeClr val="tx1"/>
-                    </a:solidFill>
-                    <a:effectLst/>
-                    <a:latin typeface="+mn-lt"/>
-                    <a:ea typeface="+mn-ea"/>
-                    <a:cs typeface="+mn-cs"/>
-                  </a:rPr>
-                  <a:t>𝑥</a:t>
-                </a:r>
-                <a:r>
-                  <a:rPr lang="en-US" sz="1200" kern="1200" dirty="0">
-                    <a:solidFill>
-                      <a:schemeClr val="tx1"/>
-                    </a:solidFill>
-                    <a:effectLst/>
-                    <a:latin typeface="+mn-lt"/>
-                    <a:ea typeface="+mn-ea"/>
-                    <a:cs typeface="+mn-cs"/>
-                  </a:rPr>
-                  <a:t>, a new token </a:t>
-                </a:r>
-                <a:r>
-                  <a:rPr lang="en-US" sz="1200" i="1" kern="1200" dirty="0">
-                    <a:solidFill>
-                      <a:schemeClr val="tx1"/>
-                    </a:solidFill>
-                    <a:effectLst/>
-                    <a:latin typeface="+mn-lt"/>
-                    <a:ea typeface="+mn-ea"/>
-                    <a:cs typeface="+mn-cs"/>
-                  </a:rPr>
-                  <a:t>A</a:t>
-                </a:r>
-                <a:r>
-                  <a:rPr lang="en-US" sz="1200" i="1" kern="1200" baseline="-25000" dirty="0">
-                    <a:solidFill>
-                      <a:schemeClr val="tx1"/>
-                    </a:solidFill>
-                    <a:effectLst/>
-                    <a:latin typeface="+mn-lt"/>
-                    <a:ea typeface="+mn-ea"/>
-                    <a:cs typeface="+mn-cs"/>
-                  </a:rPr>
-                  <a:t>4</a:t>
-                </a:r>
-                <a:r>
-                  <a:rPr lang="en-US" sz="1200" kern="1200" dirty="0">
-                    <a:solidFill>
-                      <a:schemeClr val="tx1"/>
-                    </a:solidFill>
-                    <a:effectLst/>
-                    <a:latin typeface="+mn-lt"/>
-                    <a:ea typeface="+mn-ea"/>
-                    <a:cs typeface="+mn-cs"/>
-                  </a:rPr>
-                  <a:t> matches node </a:t>
-                </a:r>
-                <a:r>
-                  <a:rPr lang="en-US" sz="1200" i="1" kern="1200" dirty="0">
-                    <a:solidFill>
-                      <a:schemeClr val="tx1"/>
-                    </a:solidFill>
-                    <a:effectLst/>
-                    <a:latin typeface="+mn-lt"/>
-                    <a:ea typeface="+mn-ea"/>
-                    <a:cs typeface="+mn-cs"/>
-                  </a:rPr>
-                  <a:t>α</a:t>
-                </a:r>
-                <a:r>
-                  <a:rPr lang="en-US" sz="1200" i="1" kern="1200" baseline="-25000" dirty="0">
-                    <a:solidFill>
-                      <a:schemeClr val="tx1"/>
-                    </a:solidFill>
-                    <a:effectLst/>
-                    <a:latin typeface="+mn-lt"/>
-                    <a:ea typeface="+mn-ea"/>
-                    <a:cs typeface="+mn-cs"/>
-                  </a:rPr>
-                  <a:t>4</a:t>
-                </a:r>
-                <a:r>
-                  <a:rPr lang="en-US" sz="1200" i="1" kern="1200" dirty="0">
-                    <a:solidFill>
-                      <a:schemeClr val="tx1"/>
-                    </a:solidFill>
-                    <a:effectLst/>
-                    <a:latin typeface="+mn-lt"/>
-                    <a:ea typeface="+mn-ea"/>
-                    <a:cs typeface="+mn-cs"/>
-                  </a:rPr>
-                  <a:t> </a:t>
-                </a:r>
-                <a:r>
-                  <a:rPr lang="en-US" sz="1200" kern="1200" dirty="0" smtClean="0">
-                    <a:solidFill>
-                      <a:schemeClr val="tx1"/>
-                    </a:solidFill>
-                    <a:effectLst/>
-                    <a:latin typeface="+mn-lt"/>
-                    <a:ea typeface="+mn-ea"/>
-                    <a:cs typeface="+mn-cs"/>
-                  </a:rPr>
-                  <a:t>(satisfying</a:t>
-                </a:r>
-                <a:r>
-                  <a:rPr lang="en-US" sz="1200" kern="1200" baseline="0" dirty="0" smtClean="0">
-                    <a:solidFill>
-                      <a:schemeClr val="tx1"/>
-                    </a:solidFill>
-                    <a:effectLst/>
-                    <a:latin typeface="+mn-lt"/>
-                    <a:ea typeface="+mn-ea"/>
-                    <a:cs typeface="+mn-cs"/>
-                  </a:rPr>
-                  <a:t> </a:t>
-                </a:r>
-                <a:r>
-                  <a:rPr lang="en-US" sz="1200" kern="1200" dirty="0" smtClean="0">
-                    <a:solidFill>
-                      <a:schemeClr val="tx1"/>
-                    </a:solidFill>
-                    <a:effectLst/>
-                    <a:latin typeface="+mn-lt"/>
-                    <a:ea typeface="+mn-ea"/>
-                    <a:cs typeface="+mn-cs"/>
-                  </a:rPr>
-                  <a:t>heuristic </a:t>
-                </a:r>
-                <a:r>
-                  <a:rPr lang="en-US" sz="1200" kern="1200" dirty="0">
-                    <a:solidFill>
-                      <a:schemeClr val="tx1"/>
-                    </a:solidFill>
-                    <a:effectLst/>
-                    <a:latin typeface="+mn-lt"/>
-                    <a:ea typeface="+mn-ea"/>
-                    <a:cs typeface="+mn-cs"/>
-                  </a:rPr>
-                  <a:t>(2</a:t>
-                </a:r>
-                <a:r>
-                  <a:rPr lang="en-US" sz="1200" kern="1200" dirty="0" smtClean="0">
-                    <a:solidFill>
-                      <a:schemeClr val="tx1"/>
-                    </a:solidFill>
-                    <a:effectLst/>
-                    <a:latin typeface="+mn-lt"/>
-                    <a:ea typeface="+mn-ea"/>
-                    <a:cs typeface="+mn-cs"/>
-                  </a:rPr>
-                  <a:t>))</a:t>
-                </a:r>
-              </a:p>
-              <a:p>
-                <a:r>
-                  <a:rPr lang="en-US" sz="1200" kern="1200" dirty="0" smtClean="0">
-                    <a:solidFill>
-                      <a:schemeClr val="tx1"/>
-                    </a:solidFill>
-                    <a:effectLst/>
-                    <a:latin typeface="+mn-lt"/>
-                    <a:ea typeface="+mn-ea"/>
-                    <a:cs typeface="+mn-cs"/>
-                  </a:rPr>
-                  <a:t>At </a:t>
-                </a:r>
-                <a:r>
-                  <a:rPr lang="en-US" sz="1200" kern="1200" dirty="0">
-                    <a:solidFill>
-                      <a:schemeClr val="tx1"/>
-                    </a:solidFill>
-                    <a:effectLst/>
-                    <a:latin typeface="+mn-lt"/>
-                    <a:ea typeface="+mn-ea"/>
-                    <a:cs typeface="+mn-cs"/>
-                  </a:rPr>
-                  <a:t>time </a:t>
-                </a:r>
-                <a:r>
-                  <a:rPr lang="en-US" sz="1200" i="0" kern="1200">
-                    <a:solidFill>
-                      <a:schemeClr val="tx1"/>
-                    </a:solidFill>
-                    <a:effectLst/>
-                    <a:latin typeface="+mn-lt"/>
-                    <a:ea typeface="+mn-ea"/>
-                    <a:cs typeface="+mn-cs"/>
-                  </a:rPr>
-                  <a:t>𝑡</a:t>
-                </a:r>
-                <a:r>
-                  <a:rPr lang="en-CA" sz="1200" i="0" kern="1200">
-                    <a:solidFill>
-                      <a:schemeClr val="tx1"/>
-                    </a:solidFill>
-                    <a:effectLst/>
-                    <a:latin typeface="+mn-lt"/>
-                    <a:ea typeface="+mn-ea"/>
-                    <a:cs typeface="+mn-cs"/>
-                  </a:rPr>
-                  <a:t>_</a:t>
-                </a:r>
-                <a:r>
-                  <a:rPr lang="en-US" sz="1200" i="0" kern="1200">
-                    <a:solidFill>
-                      <a:schemeClr val="tx1"/>
-                    </a:solidFill>
-                    <a:effectLst/>
-                    <a:latin typeface="+mn-lt"/>
-                    <a:ea typeface="+mn-ea"/>
-                    <a:cs typeface="+mn-cs"/>
-                  </a:rPr>
-                  <a:t>𝑦</a:t>
-                </a:r>
-                <a:r>
-                  <a:rPr lang="en-US" sz="1200" kern="1200" dirty="0">
-                    <a:solidFill>
-                      <a:schemeClr val="tx1"/>
-                    </a:solidFill>
-                    <a:effectLst/>
-                    <a:latin typeface="+mn-lt"/>
-                    <a:ea typeface="+mn-ea"/>
-                    <a:cs typeface="+mn-cs"/>
-                  </a:rPr>
-                  <a:t>, an incoming token </a:t>
-                </a:r>
-                <a:r>
-                  <a:rPr lang="en-US" sz="1200" i="1" kern="1200" dirty="0">
-                    <a:solidFill>
-                      <a:schemeClr val="tx1"/>
-                    </a:solidFill>
-                    <a:effectLst/>
-                    <a:latin typeface="+mn-lt"/>
-                    <a:ea typeface="+mn-ea"/>
-                    <a:cs typeface="+mn-cs"/>
-                  </a:rPr>
-                  <a:t>A</a:t>
-                </a:r>
-                <a:r>
-                  <a:rPr lang="en-US" sz="1200" i="1" kern="1200" baseline="-25000" dirty="0">
-                    <a:solidFill>
-                      <a:schemeClr val="tx1"/>
-                    </a:solidFill>
-                    <a:effectLst/>
-                    <a:latin typeface="+mn-lt"/>
-                    <a:ea typeface="+mn-ea"/>
-                    <a:cs typeface="+mn-cs"/>
-                  </a:rPr>
-                  <a:t>2</a:t>
-                </a:r>
-                <a:r>
-                  <a:rPr lang="en-US" sz="1200" kern="1200" dirty="0">
-                    <a:solidFill>
-                      <a:schemeClr val="tx1"/>
-                    </a:solidFill>
-                    <a:effectLst/>
-                    <a:latin typeface="+mn-lt"/>
-                    <a:ea typeface="+mn-ea"/>
-                    <a:cs typeface="+mn-cs"/>
-                  </a:rPr>
-                  <a:t> is matched to the previously </a:t>
-                </a:r>
-                <a:r>
-                  <a:rPr lang="en-US" sz="1200" kern="1200" dirty="0" smtClean="0">
-                    <a:solidFill>
-                      <a:schemeClr val="tx1"/>
-                    </a:solidFill>
-                    <a:effectLst/>
-                    <a:latin typeface="+mn-lt"/>
-                    <a:ea typeface="+mn-ea"/>
-                    <a:cs typeface="+mn-cs"/>
-                  </a:rPr>
-                  <a:t>failed </a:t>
-                </a:r>
-                <a:r>
-                  <a:rPr lang="en-US" sz="1200" kern="1200" dirty="0">
-                    <a:solidFill>
-                      <a:schemeClr val="tx1"/>
-                    </a:solidFill>
-                    <a:effectLst/>
-                    <a:latin typeface="+mn-lt"/>
-                    <a:ea typeface="+mn-ea"/>
-                    <a:cs typeface="+mn-cs"/>
-                  </a:rPr>
-                  <a:t>node </a:t>
-                </a:r>
-                <a:r>
-                  <a:rPr lang="en-US" sz="1200" i="1" kern="1200" dirty="0">
-                    <a:solidFill>
-                      <a:schemeClr val="tx1"/>
-                    </a:solidFill>
-                    <a:effectLst/>
-                    <a:latin typeface="+mn-lt"/>
-                    <a:ea typeface="+mn-ea"/>
-                    <a:cs typeface="+mn-cs"/>
-                  </a:rPr>
-                  <a:t>α</a:t>
-                </a:r>
-                <a:r>
-                  <a:rPr lang="en-US" sz="1200" i="1" kern="1200" baseline="-25000" dirty="0">
-                    <a:solidFill>
-                      <a:schemeClr val="tx1"/>
-                    </a:solidFill>
-                    <a:effectLst/>
-                    <a:latin typeface="+mn-lt"/>
-                    <a:ea typeface="+mn-ea"/>
-                    <a:cs typeface="+mn-cs"/>
-                  </a:rPr>
-                  <a:t>2</a:t>
-                </a:r>
-                <a:r>
-                  <a:rPr lang="en-US" sz="1200" kern="1200" dirty="0">
-                    <a:solidFill>
-                      <a:schemeClr val="tx1"/>
-                    </a:solidFill>
-                    <a:effectLst/>
-                    <a:latin typeface="+mn-lt"/>
-                    <a:ea typeface="+mn-ea"/>
-                    <a:cs typeface="+mn-cs"/>
-                  </a:rPr>
-                  <a:t> </a:t>
-                </a:r>
-                <a:r>
-                  <a:rPr lang="en-US" sz="1200" kern="1200" dirty="0" smtClean="0">
-                    <a:solidFill>
-                      <a:schemeClr val="tx1"/>
-                    </a:solidFill>
-                    <a:effectLst/>
-                    <a:latin typeface="+mn-lt"/>
-                    <a:ea typeface="+mn-ea"/>
-                    <a:cs typeface="+mn-cs"/>
-                  </a:rPr>
-                  <a:t>(satisfying heuristic </a:t>
-                </a:r>
-                <a:r>
-                  <a:rPr lang="en-US" sz="1200" kern="1200" dirty="0">
-                    <a:solidFill>
-                      <a:schemeClr val="tx1"/>
-                    </a:solidFill>
-                    <a:effectLst/>
-                    <a:latin typeface="+mn-lt"/>
-                    <a:ea typeface="+mn-ea"/>
-                    <a:cs typeface="+mn-cs"/>
-                  </a:rPr>
-                  <a:t>(1)). </a:t>
-                </a:r>
-                <a:endParaRPr lang="en-US" sz="1200" kern="1200" dirty="0" smtClean="0">
-                  <a:solidFill>
-                    <a:schemeClr val="tx1"/>
-                  </a:solidFill>
-                  <a:effectLst/>
-                  <a:latin typeface="+mn-lt"/>
-                  <a:ea typeface="+mn-ea"/>
-                  <a:cs typeface="+mn-cs"/>
-                </a:endParaRPr>
-              </a:p>
-              <a:p>
-                <a:r>
-                  <a:rPr lang="en-US" sz="1200" kern="1200" dirty="0" smtClean="0">
-                    <a:solidFill>
-                      <a:schemeClr val="tx1"/>
-                    </a:solidFill>
-                    <a:effectLst/>
-                    <a:latin typeface="+mn-lt"/>
-                    <a:ea typeface="+mn-ea"/>
-                    <a:cs typeface="+mn-cs"/>
-                  </a:rPr>
-                  <a:t>So, trigger </a:t>
-                </a:r>
-                <a:r>
-                  <a:rPr lang="en-US" sz="1200" i="1" kern="1200" dirty="0">
-                    <a:solidFill>
-                      <a:schemeClr val="tx1"/>
-                    </a:solidFill>
-                    <a:effectLst/>
-                    <a:latin typeface="+mn-lt"/>
-                    <a:ea typeface="+mn-ea"/>
-                    <a:cs typeface="+mn-cs"/>
-                  </a:rPr>
-                  <a:t>?</a:t>
-                </a:r>
-                <a:r>
-                  <a:rPr lang="en-US" sz="1200" i="1" kern="1200" baseline="-25000" dirty="0">
-                    <a:solidFill>
-                      <a:schemeClr val="tx1"/>
-                    </a:solidFill>
-                    <a:effectLst/>
-                    <a:latin typeface="+mn-lt"/>
-                    <a:ea typeface="+mn-ea"/>
-                    <a:cs typeface="+mn-cs"/>
-                  </a:rPr>
-                  <a:t>1 </a:t>
-                </a:r>
-                <a:r>
-                  <a:rPr lang="en-US" sz="1200" kern="1200" dirty="0">
-                    <a:solidFill>
-                      <a:schemeClr val="tx1"/>
-                    </a:solidFill>
-                    <a:effectLst/>
-                    <a:latin typeface="+mn-lt"/>
-                    <a:ea typeface="+mn-ea"/>
-                    <a:cs typeface="+mn-cs"/>
-                  </a:rPr>
-                  <a:t>will be activated at time </a:t>
-                </a:r>
-                <a:r>
-                  <a:rPr lang="en-US" sz="1200" i="0" kern="1200">
-                    <a:solidFill>
-                      <a:schemeClr val="tx1"/>
-                    </a:solidFill>
-                    <a:effectLst/>
-                    <a:latin typeface="+mn-lt"/>
-                    <a:ea typeface="+mn-ea"/>
-                    <a:cs typeface="+mn-cs"/>
-                  </a:rPr>
-                  <a:t>𝑡</a:t>
-                </a:r>
-                <a:r>
-                  <a:rPr lang="en-CA" sz="1200" i="0" kern="1200">
-                    <a:solidFill>
-                      <a:schemeClr val="tx1"/>
-                    </a:solidFill>
-                    <a:effectLst/>
-                    <a:latin typeface="+mn-lt"/>
-                    <a:ea typeface="+mn-ea"/>
-                    <a:cs typeface="+mn-cs"/>
-                  </a:rPr>
-                  <a:t>_</a:t>
-                </a:r>
-                <a:r>
-                  <a:rPr lang="en-US" sz="1200" i="0" kern="1200">
-                    <a:solidFill>
-                      <a:schemeClr val="tx1"/>
-                    </a:solidFill>
-                    <a:effectLst/>
-                    <a:latin typeface="+mn-lt"/>
-                    <a:ea typeface="+mn-ea"/>
-                    <a:cs typeface="+mn-cs"/>
-                  </a:rPr>
-                  <a:t>𝑦</a:t>
-                </a:r>
-                <a:r>
-                  <a:rPr lang="en-US" sz="1200" kern="1200" dirty="0">
-                    <a:solidFill>
-                      <a:schemeClr val="tx1"/>
-                    </a:solidFill>
-                    <a:effectLst/>
-                    <a:latin typeface="+mn-lt"/>
-                    <a:ea typeface="+mn-ea"/>
-                    <a:cs typeface="+mn-cs"/>
-                  </a:rPr>
-                  <a:t>, re-linking the </a:t>
-                </a:r>
-                <a:r>
-                  <a:rPr lang="en-US" sz="1200" i="1" kern="1200" dirty="0">
-                    <a:solidFill>
-                      <a:schemeClr val="tx1"/>
-                    </a:solidFill>
-                    <a:effectLst/>
-                    <a:latin typeface="+mn-lt"/>
-                    <a:ea typeface="+mn-ea"/>
-                    <a:cs typeface="+mn-cs"/>
-                  </a:rPr>
-                  <a:t>α</a:t>
-                </a:r>
-                <a:r>
-                  <a:rPr lang="en-US" sz="1200" i="1" kern="1200" baseline="-25000" dirty="0">
-                    <a:solidFill>
-                      <a:schemeClr val="tx1"/>
-                    </a:solidFill>
-                    <a:effectLst/>
-                    <a:latin typeface="+mn-lt"/>
-                    <a:ea typeface="+mn-ea"/>
-                    <a:cs typeface="+mn-cs"/>
-                  </a:rPr>
-                  <a:t>1</a:t>
-                </a:r>
-                <a:r>
-                  <a:rPr lang="en-US" sz="1200" kern="1200" dirty="0">
-                    <a:solidFill>
-                      <a:schemeClr val="tx1"/>
-                    </a:solidFill>
-                    <a:effectLst/>
-                    <a:latin typeface="+mn-lt"/>
-                    <a:ea typeface="+mn-ea"/>
-                    <a:cs typeface="+mn-cs"/>
-                  </a:rPr>
-                  <a:t> memory to beta node</a:t>
-                </a:r>
-                <a:r>
-                  <a:rPr lang="en-US" sz="1200" i="1" kern="1200" dirty="0">
-                    <a:solidFill>
-                      <a:schemeClr val="tx1"/>
-                    </a:solidFill>
-                    <a:effectLst/>
-                    <a:latin typeface="+mn-lt"/>
-                    <a:ea typeface="+mn-ea"/>
-                    <a:cs typeface="+mn-cs"/>
-                  </a:rPr>
-                  <a:t> β</a:t>
-                </a:r>
-                <a:r>
-                  <a:rPr lang="en-US" sz="1200" i="1" kern="1200" baseline="-25000" dirty="0">
-                    <a:solidFill>
-                      <a:schemeClr val="tx1"/>
-                    </a:solidFill>
-                    <a:effectLst/>
-                    <a:latin typeface="+mn-lt"/>
-                    <a:ea typeface="+mn-ea"/>
-                    <a:cs typeface="+mn-cs"/>
-                  </a:rPr>
-                  <a:t>1</a:t>
-                </a:r>
-                <a:r>
-                  <a:rPr lang="en-US" sz="1200" kern="1200" dirty="0">
-                    <a:solidFill>
-                      <a:schemeClr val="tx1"/>
-                    </a:solidFill>
-                    <a:effectLst/>
-                    <a:latin typeface="+mn-lt"/>
-                    <a:ea typeface="+mn-ea"/>
-                    <a:cs typeface="+mn-cs"/>
-                  </a:rPr>
-                  <a:t>. </a:t>
-                </a:r>
-                <a:r>
-                  <a:rPr lang="en-US" sz="1200" kern="1200" dirty="0" smtClean="0">
-                    <a:solidFill>
-                      <a:schemeClr val="tx1"/>
-                    </a:solidFill>
-                    <a:effectLst/>
-                    <a:latin typeface="+mn-lt"/>
-                    <a:ea typeface="+mn-ea"/>
-                    <a:cs typeface="+mn-cs"/>
-                  </a:rPr>
-                  <a:t>This results in the joined token </a:t>
-                </a:r>
-                <a:r>
-                  <a:rPr lang="en-US" sz="1200" i="1" kern="1200" dirty="0" smtClean="0">
-                    <a:solidFill>
-                      <a:schemeClr val="tx1"/>
-                    </a:solidFill>
-                    <a:effectLst/>
-                    <a:latin typeface="+mn-lt"/>
-                    <a:ea typeface="+mn-ea"/>
-                    <a:cs typeface="+mn-cs"/>
-                  </a:rPr>
-                  <a:t>A</a:t>
-                </a:r>
-                <a:r>
-                  <a:rPr lang="en-US" sz="1200" i="1" kern="1200" baseline="-25000" dirty="0" smtClean="0">
-                    <a:solidFill>
-                      <a:schemeClr val="tx1"/>
-                    </a:solidFill>
-                    <a:effectLst/>
-                    <a:latin typeface="+mn-lt"/>
-                    <a:ea typeface="+mn-ea"/>
-                    <a:cs typeface="+mn-cs"/>
-                  </a:rPr>
-                  <a:t>12</a:t>
-                </a:r>
-                <a:r>
-                  <a:rPr lang="en-US" sz="1200" kern="1200" dirty="0" smtClean="0">
-                    <a:solidFill>
-                      <a:schemeClr val="tx1"/>
-                    </a:solidFill>
-                    <a:effectLst/>
-                    <a:latin typeface="+mn-lt"/>
-                    <a:ea typeface="+mn-ea"/>
-                    <a:cs typeface="+mn-cs"/>
-                  </a:rPr>
-                  <a:t> activating</a:t>
-                </a:r>
-                <a:r>
-                  <a:rPr lang="en-US" sz="1200" kern="1200" baseline="0" dirty="0" smtClean="0">
-                    <a:solidFill>
-                      <a:schemeClr val="tx1"/>
-                    </a:solidFill>
-                    <a:effectLst/>
-                    <a:latin typeface="+mn-lt"/>
-                    <a:ea typeface="+mn-ea"/>
-                    <a:cs typeface="+mn-cs"/>
-                  </a:rPr>
-                  <a:t> the </a:t>
-                </a:r>
-                <a:r>
-                  <a:rPr lang="en-US" sz="1200" i="1" kern="1200" dirty="0" smtClean="0">
-                    <a:solidFill>
-                      <a:schemeClr val="tx1"/>
-                    </a:solidFill>
-                    <a:effectLst/>
-                    <a:latin typeface="+mn-lt"/>
-                    <a:ea typeface="+mn-ea"/>
-                    <a:cs typeface="+mn-cs"/>
-                  </a:rPr>
-                  <a:t>?</a:t>
-                </a:r>
-                <a:r>
-                  <a:rPr lang="en-US" sz="1200" i="1" kern="1200" baseline="-25000" dirty="0" smtClean="0">
-                    <a:solidFill>
-                      <a:schemeClr val="tx1"/>
-                    </a:solidFill>
-                    <a:effectLst/>
-                    <a:latin typeface="+mn-lt"/>
-                    <a:ea typeface="+mn-ea"/>
-                    <a:cs typeface="+mn-cs"/>
-                  </a:rPr>
-                  <a:t>2</a:t>
-                </a:r>
-                <a:r>
-                  <a:rPr lang="en-US" sz="1200" kern="1200" dirty="0" smtClean="0">
-                    <a:solidFill>
-                      <a:schemeClr val="tx1"/>
-                    </a:solidFill>
-                    <a:effectLst/>
-                    <a:latin typeface="+mn-lt"/>
-                    <a:ea typeface="+mn-ea"/>
-                    <a:cs typeface="+mn-cs"/>
-                  </a:rPr>
-                  <a:t> trigger,</a:t>
-                </a:r>
-                <a:r>
-                  <a:rPr lang="en-US" sz="1200" kern="1200" baseline="0" dirty="0" smtClean="0">
-                    <a:solidFill>
-                      <a:schemeClr val="tx1"/>
-                    </a:solidFill>
-                    <a:effectLst/>
-                    <a:latin typeface="+mn-lt"/>
-                    <a:ea typeface="+mn-ea"/>
-                    <a:cs typeface="+mn-cs"/>
-                  </a:rPr>
-                  <a:t> since t</a:t>
-                </a:r>
-                <a:r>
-                  <a:rPr lang="en-US" sz="1200" kern="1200" dirty="0" smtClean="0">
-                    <a:solidFill>
-                      <a:schemeClr val="tx1"/>
-                    </a:solidFill>
-                    <a:effectLst/>
-                    <a:latin typeface="+mn-lt"/>
-                    <a:ea typeface="+mn-ea"/>
-                    <a:cs typeface="+mn-cs"/>
-                  </a:rPr>
-                  <a:t>he sibling memory of </a:t>
-                </a:r>
-                <a:r>
-                  <a:rPr lang="en-US" sz="1200" i="1" kern="1200" dirty="0" smtClean="0">
-                    <a:solidFill>
-                      <a:schemeClr val="tx1"/>
-                    </a:solidFill>
-                    <a:effectLst/>
-                    <a:latin typeface="+mn-lt"/>
-                    <a:ea typeface="+mn-ea"/>
-                    <a:cs typeface="+mn-cs"/>
-                  </a:rPr>
-                  <a:t>α</a:t>
-                </a:r>
-                <a:r>
-                  <a:rPr lang="en-US" sz="1200" i="1" kern="1200" baseline="-25000" dirty="0" smtClean="0">
-                    <a:solidFill>
-                      <a:schemeClr val="tx1"/>
-                    </a:solidFill>
-                    <a:effectLst/>
-                    <a:latin typeface="+mn-lt"/>
-                    <a:ea typeface="+mn-ea"/>
-                    <a:cs typeface="+mn-cs"/>
-                  </a:rPr>
-                  <a:t>3</a:t>
-                </a:r>
-                <a:r>
-                  <a:rPr lang="en-US" sz="1200" kern="1200" dirty="0" smtClean="0">
-                    <a:solidFill>
-                      <a:schemeClr val="tx1"/>
-                    </a:solidFill>
-                    <a:effectLst/>
-                    <a:latin typeface="+mn-lt"/>
-                    <a:ea typeface="+mn-ea"/>
-                    <a:cs typeface="+mn-cs"/>
-                  </a:rPr>
-                  <a:t> is no longer empty, similarly re-linking the memory, and resuming node </a:t>
-                </a:r>
-                <a:r>
-                  <a:rPr lang="en-US" sz="1200" i="1" kern="1200" dirty="0" smtClean="0">
-                    <a:solidFill>
-                      <a:schemeClr val="tx1"/>
-                    </a:solidFill>
-                    <a:effectLst/>
-                    <a:latin typeface="+mn-lt"/>
-                    <a:ea typeface="+mn-ea"/>
-                    <a:cs typeface="+mn-cs"/>
-                  </a:rPr>
-                  <a:t>α</a:t>
-                </a:r>
-                <a:r>
-                  <a:rPr lang="en-US" sz="1200" i="1" kern="1200" baseline="-25000" dirty="0" smtClean="0">
-                    <a:solidFill>
-                      <a:schemeClr val="tx1"/>
-                    </a:solidFill>
-                    <a:effectLst/>
-                    <a:latin typeface="+mn-lt"/>
-                    <a:ea typeface="+mn-ea"/>
-                    <a:cs typeface="+mn-cs"/>
-                  </a:rPr>
-                  <a:t>3</a:t>
-                </a:r>
-                <a:r>
-                  <a:rPr lang="en-US" sz="1200" i="1" kern="1200" baseline="0" dirty="0" smtClean="0">
-                    <a:solidFill>
-                      <a:schemeClr val="tx1"/>
-                    </a:solidFill>
-                    <a:effectLst/>
-                    <a:latin typeface="+mn-lt"/>
-                    <a:ea typeface="+mn-ea"/>
-                    <a:cs typeface="+mn-cs"/>
-                  </a:rPr>
-                  <a:t> </a:t>
-                </a:r>
-                <a:r>
-                  <a:rPr lang="en-US" sz="1200" i="0" kern="1200" baseline="0" dirty="0" smtClean="0">
-                    <a:solidFill>
-                      <a:schemeClr val="tx1"/>
-                    </a:solidFill>
-                    <a:effectLst/>
-                    <a:latin typeface="+mn-lt"/>
-                    <a:ea typeface="+mn-ea"/>
-                    <a:cs typeface="+mn-cs"/>
-                  </a:rPr>
-                  <a:t>(since it is now become relevant again)</a:t>
-                </a:r>
-              </a:p>
-              <a:p>
-                <a:r>
-                  <a:rPr lang="en-US" sz="1200" i="0" kern="1200" baseline="0" dirty="0" smtClean="0">
-                    <a:solidFill>
-                      <a:schemeClr val="tx1"/>
-                    </a:solidFill>
-                    <a:effectLst/>
-                    <a:latin typeface="+mn-lt"/>
-                    <a:ea typeface="+mn-ea"/>
-                    <a:cs typeface="+mn-cs"/>
-                  </a:rPr>
-                  <a:t>Finally, this results in </a:t>
-                </a:r>
-                <a:r>
-                  <a:rPr lang="en-US" sz="1200" kern="1200" dirty="0" smtClean="0">
-                    <a:solidFill>
-                      <a:schemeClr val="tx1"/>
-                    </a:solidFill>
-                    <a:effectLst/>
-                    <a:latin typeface="+mn-lt"/>
-                    <a:ea typeface="+mn-ea"/>
-                    <a:cs typeface="+mn-cs"/>
-                  </a:rPr>
-                  <a:t>a </a:t>
-                </a:r>
-                <a:r>
-                  <a:rPr lang="en-US" sz="1200" kern="1200" dirty="0">
-                    <a:solidFill>
-                      <a:schemeClr val="tx1"/>
-                    </a:solidFill>
-                    <a:effectLst/>
-                    <a:latin typeface="+mn-lt"/>
-                    <a:ea typeface="+mn-ea"/>
-                    <a:cs typeface="+mn-cs"/>
-                  </a:rPr>
-                  <a:t>complete inference </a:t>
-                </a:r>
-                <a:r>
-                  <a:rPr lang="en-US" sz="1200" i="1" kern="1200" dirty="0">
-                    <a:solidFill>
-                      <a:schemeClr val="tx1"/>
-                    </a:solidFill>
-                    <a:effectLst/>
-                    <a:latin typeface="+mn-lt"/>
-                    <a:ea typeface="+mn-ea"/>
-                    <a:cs typeface="+mn-cs"/>
-                  </a:rPr>
-                  <a:t>A</a:t>
-                </a:r>
-                <a:r>
-                  <a:rPr lang="en-US" sz="1200" i="1" kern="1200" baseline="-25000" dirty="0">
-                    <a:solidFill>
-                      <a:schemeClr val="tx1"/>
-                    </a:solidFill>
-                    <a:effectLst/>
-                    <a:latin typeface="+mn-lt"/>
-                    <a:ea typeface="+mn-ea"/>
-                    <a:cs typeface="+mn-cs"/>
-                  </a:rPr>
-                  <a:t>1234</a:t>
-                </a:r>
-                <a:r>
-                  <a:rPr lang="en-US" sz="1200" kern="1200" dirty="0">
-                    <a:solidFill>
-                      <a:schemeClr val="tx1"/>
-                    </a:solidFill>
-                    <a:effectLst/>
-                    <a:latin typeface="+mn-lt"/>
-                    <a:ea typeface="+mn-ea"/>
-                    <a:cs typeface="+mn-cs"/>
-                  </a:rPr>
-                  <a:t> for the rule.</a:t>
-                </a:r>
-                <a:endParaRPr lang="en-CA" dirty="0"/>
-              </a:p>
-            </p:txBody>
-          </p:sp>
-        </mc:Fallback>
-      </mc:AlternateContent>
+      <p:sp>
+        <p:nvSpPr>
+          <p:cNvPr id="3" name="Notes Placeholder 2"/>
+          <p:cNvSpPr>
+            <a:spLocks noGrp="1"/>
+          </p:cNvSpPr>
+          <p:nvPr>
+            <p:ph type="body" idx="1"/>
+          </p:nvPr>
+        </p:nvSpPr>
+        <p:spPr/>
+        <p:txBody>
+          <a:bodyPr/>
+          <a:lstStyle/>
+          <a:p>
+            <a:endParaRPr lang="en-CA" dirty="0"/>
+          </a:p>
+        </p:txBody>
+      </p:sp>
       <p:sp>
         <p:nvSpPr>
           <p:cNvPr id="4" name="Slide Number Placeholder 3"/>
@@ -3699,7 +1868,7 @@
           <a:p>
             <a:fld id="{E8FF3829-06E9-4FAD-8533-8366B6FD6FBE}" type="slidenum">
               <a:rPr lang="en-CA" smtClean="0"/>
-              <a:t>12</a:t>
+              <a:t>6</a:t>
             </a:fld>
             <a:endParaRPr lang="en-CA"/>
           </a:p>
@@ -3708,7 +1877,7 @@
     </p:spTree>
     <p:extLst>
       <p:ext uri="{BB962C8B-B14F-4D97-AF65-F5344CB8AC3E}">
-        <p14:creationId xmlns:p14="http://schemas.microsoft.com/office/powerpoint/2010/main" val="2515192423"/>
+        <p14:creationId xmlns:p14="http://schemas.microsoft.com/office/powerpoint/2010/main" val="1300660172"/>
       </p:ext>
     </p:extLst>
   </p:cSld>
@@ -3762,120 +1931,145 @@
           <a:bodyPr/>
           <a:lstStyle/>
           <a:p>
-            <a:r>
-              <a:rPr lang="en-CA" dirty="0" smtClean="0"/>
-              <a:t>Memory savings for </a:t>
-            </a:r>
-            <a:r>
-              <a:rPr lang="en-CA" i="1" dirty="0" smtClean="0"/>
-              <a:t>dataset-mask</a:t>
-            </a:r>
-            <a:r>
-              <a:rPr lang="en-CA" i="0" dirty="0" smtClean="0"/>
-              <a:t> are tremendous: only 0,05% of tokens are needed</a:t>
-            </a:r>
-          </a:p>
-          <a:p>
-            <a:r>
-              <a:rPr lang="en-US" sz="1200" kern="1200" dirty="0" smtClean="0">
-                <a:solidFill>
-                  <a:schemeClr val="tx1"/>
-                </a:solidFill>
-                <a:effectLst/>
-                <a:latin typeface="+mn-lt"/>
-                <a:ea typeface="+mn-ea"/>
-                <a:cs typeface="+mn-cs"/>
-              </a:rPr>
-              <a:t>(each </a:t>
-            </a:r>
-            <a:r>
-              <a:rPr lang="en-US" sz="1200" i="1" kern="1200" dirty="0" smtClean="0">
-                <a:solidFill>
-                  <a:schemeClr val="tx1"/>
-                </a:solidFill>
-                <a:effectLst/>
-                <a:latin typeface="+mn-lt"/>
-                <a:ea typeface="+mn-ea"/>
-                <a:cs typeface="+mn-cs"/>
-              </a:rPr>
-              <a:t>dataset-mask</a:t>
-            </a:r>
-            <a:r>
-              <a:rPr lang="en-US" sz="1200" kern="1200" dirty="0" smtClean="0">
-                <a:solidFill>
-                  <a:schemeClr val="tx1"/>
-                </a:solidFill>
-                <a:effectLst/>
-                <a:latin typeface="+mn-lt"/>
-                <a:ea typeface="+mn-ea"/>
-                <a:cs typeface="+mn-cs"/>
-              </a:rPr>
-              <a:t> memory keeps a mask that counts as a token)</a:t>
-            </a:r>
-          </a:p>
-          <a:p>
-            <a:endParaRPr lang="en-US" sz="1200" kern="1200" dirty="0" smtClean="0">
-              <a:solidFill>
-                <a:schemeClr val="tx1"/>
-              </a:solidFill>
-              <a:effectLst/>
-              <a:latin typeface="+mn-lt"/>
-              <a:ea typeface="+mn-ea"/>
-              <a:cs typeface="+mn-cs"/>
-            </a:endParaRPr>
-          </a:p>
-          <a:p>
-            <a:r>
-              <a:rPr lang="en-US" sz="1200" kern="1200" dirty="0" smtClean="0">
-                <a:solidFill>
-                  <a:schemeClr val="tx1"/>
-                </a:solidFill>
-                <a:effectLst/>
-                <a:latin typeface="+mn-lt"/>
-                <a:ea typeface="+mn-ea"/>
-                <a:cs typeface="+mn-cs"/>
-              </a:rPr>
-              <a:t>But,</a:t>
-            </a:r>
-            <a:r>
-              <a:rPr lang="en-US" sz="1200" kern="1200" baseline="0" dirty="0" smtClean="0">
-                <a:solidFill>
-                  <a:schemeClr val="tx1"/>
-                </a:solidFill>
-                <a:effectLst/>
-                <a:latin typeface="+mn-lt"/>
-                <a:ea typeface="+mn-ea"/>
-                <a:cs typeface="+mn-cs"/>
-              </a:rPr>
-              <a:t> reasoning times are significantly increased, </a:t>
-            </a:r>
-            <a:r>
-              <a:rPr lang="en-US" sz="1200" kern="1200" dirty="0" smtClean="0">
-                <a:solidFill>
-                  <a:schemeClr val="tx1"/>
-                </a:solidFill>
-                <a:effectLst/>
-                <a:latin typeface="+mn-lt"/>
-                <a:ea typeface="+mn-ea"/>
-                <a:cs typeface="+mn-cs"/>
-              </a:rPr>
-              <a:t>by factors of avg. ca. 3,3 and 2,8 for PC and mobile</a:t>
-            </a:r>
-          </a:p>
-          <a:p>
-            <a:r>
-              <a:rPr lang="en-US" sz="1200" kern="1200" dirty="0" smtClean="0">
-                <a:solidFill>
-                  <a:schemeClr val="tx1"/>
-                </a:solidFill>
-                <a:effectLst/>
-                <a:latin typeface="+mn-lt"/>
-                <a:ea typeface="+mn-ea"/>
-                <a:cs typeface="+mn-cs"/>
-              </a:rPr>
-              <a:t>(note that performance times for PC and mobile are not directly comparable, since, as mobile benchmarks are executed on a subset of the PC ontologies)</a:t>
-            </a:r>
-            <a:endParaRPr lang="en-CA" dirty="0"/>
+            <a:pPr rtl="0"/>
+            <a:r>
+              <a:rPr lang="en-CA" sz="1200" smtClean="0"/>
+              <a:t>Our</a:t>
+            </a:r>
+            <a:r>
+              <a:rPr lang="en-CA" sz="1200" baseline="0" smtClean="0"/>
+              <a:t> first approach in this vein was to optimize the OWL2 RL ruleset itself</a:t>
+            </a:r>
+          </a:p>
+          <a:p>
+            <a:pPr rtl="0"/>
+            <a:r>
+              <a:rPr lang="en-CA" sz="1200" baseline="0" smtClean="0"/>
+              <a:t>By selecting rule subsets based on criteria such as ontology volatility and conformance</a:t>
+            </a:r>
+          </a:p>
+          <a:p>
+            <a:pPr rtl="0"/>
+            <a:endParaRPr lang="en-CA" sz="1200" smtClean="0"/>
+          </a:p>
+          <a:p>
+            <a:pPr rtl="0"/>
+            <a:r>
+              <a:rPr lang="en-CA" sz="1200" smtClean="0"/>
+              <a:t>(initially: 69</a:t>
+            </a:r>
+            <a:r>
+              <a:rPr lang="en-CA" sz="1200" baseline="0" smtClean="0"/>
+              <a:t> rules)</a:t>
+            </a:r>
+            <a:endParaRPr lang="en-CA" sz="1200" smtClean="0"/>
+          </a:p>
+          <a:p>
+            <a:pPr rtl="0"/>
+            <a:endParaRPr lang="en-CA" sz="1200" smtClean="0"/>
+          </a:p>
+          <a:p>
+            <a:pPr rtl="0"/>
+            <a:r>
+              <a:rPr lang="en-CA" sz="1200" smtClean="0"/>
+              <a:t>First step: apply selections that</a:t>
+            </a:r>
+            <a:r>
+              <a:rPr lang="en-CA" sz="1200" baseline="0" smtClean="0"/>
+              <a:t> still lead to an equivalent ruleset</a:t>
+            </a:r>
+          </a:p>
+          <a:p>
+            <a:pPr rtl="0"/>
+            <a:r>
+              <a:rPr lang="en-CA" sz="1200" baseline="0" smtClean="0"/>
+              <a:t>.. Standalone schema inference rules: rules that infer new schema constructs, but do not contribute to inferring new instances</a:t>
+            </a:r>
+          </a:p>
+          <a:p>
+            <a:pPr rtl="0"/>
+            <a:r>
+              <a:rPr lang="en-CA" sz="1200" smtClean="0"/>
+              <a:t>Second</a:t>
+            </a:r>
+            <a:r>
+              <a:rPr lang="en-CA" sz="1200" baseline="0" smtClean="0"/>
+              <a:t> step: differentiate subsets based on their purpose and reference</a:t>
+            </a:r>
+          </a:p>
+          <a:p>
+            <a:pPr rtl="0"/>
+            <a:r>
+              <a:rPr lang="en-CA" sz="1200" baseline="0" smtClean="0"/>
+              <a:t>Third step: remove inefficient rules ..</a:t>
+            </a:r>
+          </a:p>
+          <a:p>
+            <a:pPr rtl="0"/>
+            <a:r>
+              <a:rPr lang="en-CA" sz="1200" baseline="0" smtClean="0"/>
+              <a:t>Final step: automatically select a ruleset based on the ontology and dataset, leave out rules that are not needed</a:t>
+            </a:r>
+          </a:p>
+          <a:p>
+            <a:pPr rtl="0"/>
+            <a:endParaRPr lang="en-CA" sz="1200" baseline="0" smtClean="0"/>
+          </a:p>
+          <a:p>
+            <a:pPr rtl="0"/>
+            <a:r>
+              <a:rPr lang="en-CA" sz="1200" baseline="0" smtClean="0"/>
+              <a:t>Steps 2 and 4 are suitable for situations with a stable ontology, i.e., that doesn’t get updated often</a:t>
+            </a:r>
+          </a:p>
+          <a:p>
+            <a:pPr rtl="0"/>
+            <a:r>
+              <a:rPr lang="en-CA" sz="1200" baseline="0" smtClean="0"/>
+              <a:t>(2) Requires re-materializing schema inferences in the ontology</a:t>
+            </a:r>
+          </a:p>
+          <a:p>
+            <a:pPr rtl="0"/>
+            <a:r>
+              <a:rPr lang="en-CA" sz="1200" baseline="0" smtClean="0"/>
+              <a:t>(4) Requires re-calculating the domain-specific ruleset </a:t>
+            </a:r>
+          </a:p>
+          <a:p>
+            <a:pPr marL="0" marR="0" lvl="0" indent="0" algn="l" defTabSz="914400" rtl="0" eaLnBrk="1" fontAlgn="auto" latinLnBrk="0" hangingPunct="1">
+              <a:lnSpc>
+                <a:spcPct val="100000"/>
+              </a:lnSpc>
+              <a:spcBef>
+                <a:spcPts val="0"/>
+              </a:spcBef>
+              <a:spcAft>
+                <a:spcPts val="0"/>
+              </a:spcAft>
+              <a:buClrTx/>
+              <a:buSzTx/>
+              <a:buFontTx/>
+              <a:buNone/>
+              <a:tabLst/>
+              <a:defRPr/>
+            </a:pPr>
+            <a:r>
+              <a:rPr lang="en-CA" sz="1200" baseline="0" smtClean="0"/>
+              <a:t>In fact, this re-calculation should also occur in case new data patterns occur</a:t>
+            </a:r>
+          </a:p>
+          <a:p>
+            <a:pPr rtl="0"/>
+            <a:endParaRPr lang="en-CA" sz="1200" baseline="0" smtClean="0"/>
+          </a:p>
+          <a:p>
+            <a:pPr rtl="0"/>
+            <a:r>
+              <a:rPr lang="en-CA" sz="1200" baseline="0" smtClean="0"/>
+              <a:t>Whereas these steps clearly break conformance with the OWL2 RL axiomatization</a:t>
+            </a:r>
+            <a:endParaRPr lang="en-CA" sz="1200" dirty="0" smtClean="0"/>
           </a:p>
         </p:txBody>
       </p:sp>
@@ -3896,7 +2090,7 @@
           <a:p>
             <a:fld id="{E8FF3829-06E9-4FAD-8533-8366B6FD6FBE}" type="slidenum">
               <a:rPr lang="en-CA" smtClean="0"/>
-              <a:t>13</a:t>
+              <a:t>7</a:t>
             </a:fld>
             <a:endParaRPr lang="en-CA"/>
           </a:p>
@@ -3905,7 +2099,7 @@
     </p:spTree>
     <p:extLst>
       <p:ext uri="{BB962C8B-B14F-4D97-AF65-F5344CB8AC3E}">
-        <p14:creationId xmlns:p14="http://schemas.microsoft.com/office/powerpoint/2010/main" val="181712430"/>
+        <p14:creationId xmlns:p14="http://schemas.microsoft.com/office/powerpoint/2010/main" val="3341281739"/>
       </p:ext>
     </p:extLst>
   </p:cSld>
@@ -3959,912 +2153,7 @@
           <a:bodyPr/>
           <a:lstStyle/>
           <a:p>
-            <a:r>
-              <a:rPr lang="en-US" sz="1200" kern="1200" dirty="0" smtClean="0">
-                <a:solidFill>
-                  <a:schemeClr val="tx1"/>
-                </a:solidFill>
-                <a:effectLst/>
-                <a:latin typeface="+mn-lt"/>
-                <a:ea typeface="+mn-ea"/>
-                <a:cs typeface="+mn-cs"/>
-              </a:rPr>
-              <a:t>large majority of unlinking operations is due to heuristic (1), i.e., </a:t>
-            </a:r>
-            <a:r>
-              <a:rPr lang="en-US" sz="1200" i="1" kern="1200" dirty="0" smtClean="0">
-                <a:solidFill>
-                  <a:schemeClr val="tx1"/>
-                </a:solidFill>
-                <a:effectLst/>
-                <a:latin typeface="+mn-lt"/>
-                <a:ea typeface="+mn-ea"/>
-                <a:cs typeface="+mn-cs"/>
-              </a:rPr>
-              <a:t>empty sibling memory </a:t>
-            </a:r>
-            <a:endParaRPr lang="en-US" sz="1200" kern="1200" dirty="0" smtClean="0">
-              <a:solidFill>
-                <a:schemeClr val="tx1"/>
-              </a:solidFill>
-              <a:effectLst/>
-              <a:latin typeface="+mn-lt"/>
-              <a:ea typeface="+mn-ea"/>
-              <a:cs typeface="+mn-cs"/>
-            </a:endParaRPr>
-          </a:p>
-          <a:p>
-            <a:r>
-              <a:rPr lang="en-US" sz="1200" kern="1200" dirty="0" smtClean="0">
-                <a:solidFill>
-                  <a:schemeClr val="tx1"/>
-                </a:solidFill>
-                <a:effectLst/>
-                <a:latin typeface="+mn-lt"/>
-                <a:ea typeface="+mn-ea"/>
-                <a:cs typeface="+mn-cs"/>
-              </a:rPr>
-              <a:t>(upon closer inspection, the premise “</a:t>
-            </a:r>
-            <a:r>
-              <a:rPr lang="en-US" sz="1200" i="1" kern="1200" dirty="0" smtClean="0">
-                <a:solidFill>
-                  <a:schemeClr val="tx1"/>
-                </a:solidFill>
-                <a:effectLst/>
-                <a:latin typeface="+mn-lt"/>
-                <a:ea typeface="+mn-ea"/>
-                <a:cs typeface="+mn-cs"/>
-              </a:rPr>
-              <a:t>?x ?p ?x</a:t>
-            </a:r>
-            <a:r>
-              <a:rPr lang="en-US" sz="1200" kern="1200" dirty="0" smtClean="0">
-                <a:solidFill>
-                  <a:schemeClr val="tx1"/>
-                </a:solidFill>
-                <a:effectLst/>
-                <a:latin typeface="+mn-lt"/>
-                <a:ea typeface="+mn-ea"/>
-                <a:cs typeface="+mn-cs"/>
-              </a:rPr>
-              <a:t>” only occurs in unsuccessful OWL2 RL rules for each ontology</a:t>
-            </a:r>
-          </a:p>
-          <a:p>
-            <a:r>
-              <a:rPr lang="en-US" sz="1200" kern="1200" dirty="0" smtClean="0">
-                <a:solidFill>
-                  <a:schemeClr val="tx1"/>
-                </a:solidFill>
-                <a:effectLst/>
-                <a:latin typeface="+mn-lt"/>
-                <a:ea typeface="+mn-ea"/>
-                <a:cs typeface="+mn-cs"/>
-              </a:rPr>
-              <a:t>so, its related alpha node is unlinked from each rule and paused each time</a:t>
-            </a:r>
-          </a:p>
-          <a:p>
-            <a:r>
-              <a:rPr lang="en-US" sz="1200" kern="1200" dirty="0" smtClean="0">
-                <a:solidFill>
-                  <a:schemeClr val="tx1"/>
-                </a:solidFill>
-                <a:effectLst/>
-                <a:latin typeface="+mn-lt"/>
-                <a:ea typeface="+mn-ea"/>
-                <a:cs typeface="+mn-cs"/>
-              </a:rPr>
-              <a:t>a second node “</a:t>
-            </a:r>
-            <a:r>
-              <a:rPr lang="en-US" sz="1200" i="1" kern="1200" dirty="0" smtClean="0">
-                <a:solidFill>
-                  <a:schemeClr val="tx1"/>
-                </a:solidFill>
-                <a:effectLst/>
-                <a:latin typeface="+mn-lt"/>
-                <a:ea typeface="+mn-ea"/>
-                <a:cs typeface="+mn-cs"/>
-              </a:rPr>
-              <a:t>?y rdf:type ?ci</a:t>
-            </a:r>
-            <a:r>
-              <a:rPr lang="en-US" sz="1200" kern="1200" dirty="0" smtClean="0">
-                <a:solidFill>
-                  <a:schemeClr val="tx1"/>
-                </a:solidFill>
-                <a:effectLst/>
-                <a:latin typeface="+mn-lt"/>
-                <a:ea typeface="+mn-ea"/>
-                <a:cs typeface="+mn-cs"/>
-              </a:rPr>
-              <a:t>” was paused twice, and resumed twice.)</a:t>
-            </a:r>
-          </a:p>
-          <a:p>
-            <a:r>
-              <a:rPr lang="en-US" sz="1200" kern="1200" dirty="0" smtClean="0">
-                <a:solidFill>
-                  <a:schemeClr val="tx1"/>
-                </a:solidFill>
-                <a:effectLst/>
-                <a:latin typeface="+mn-lt"/>
-                <a:ea typeface="+mn-ea"/>
-                <a:cs typeface="+mn-cs"/>
-              </a:rPr>
-              <a:t>overhead of individual tailoring operations is negligible, with the collective overhead (i.e., total time) not exceeding 50ms on PC and 80ms on mobile</a:t>
-            </a:r>
-          </a:p>
-          <a:p>
-            <a:endParaRPr lang="en-US" sz="1200" kern="1200" dirty="0" smtClean="0">
-              <a:solidFill>
-                <a:schemeClr val="tx1"/>
-              </a:solidFill>
-              <a:effectLst/>
-              <a:latin typeface="+mn-lt"/>
-              <a:ea typeface="+mn-ea"/>
-              <a:cs typeface="+mn-cs"/>
-            </a:endParaRPr>
-          </a:p>
-          <a:p>
-            <a:r>
-              <a:rPr lang="en-US" sz="1200" i="1" kern="1200" dirty="0" smtClean="0">
-                <a:solidFill>
-                  <a:schemeClr val="tx1"/>
-                </a:solidFill>
-                <a:effectLst/>
-                <a:latin typeface="+mn-lt"/>
-                <a:ea typeface="+mn-ea"/>
-                <a:cs typeface="+mn-cs"/>
-              </a:rPr>
-              <a:t>RETE operation statistics</a:t>
-            </a:r>
-            <a:r>
-              <a:rPr lang="en-US" sz="1200" i="0" kern="1200" baseline="0" dirty="0" smtClean="0">
-                <a:solidFill>
-                  <a:schemeClr val="tx1"/>
-                </a:solidFill>
-                <a:effectLst/>
-                <a:latin typeface="+mn-lt"/>
-                <a:ea typeface="+mn-ea"/>
-                <a:cs typeface="+mn-cs"/>
-              </a:rPr>
-              <a:t> column</a:t>
-            </a:r>
-            <a:r>
-              <a:rPr lang="en-US" sz="1200" kern="1200" dirty="0" smtClean="0">
-                <a:solidFill>
-                  <a:schemeClr val="tx1"/>
-                </a:solidFill>
-                <a:effectLst/>
-                <a:latin typeface="+mn-lt"/>
-                <a:ea typeface="+mn-ea"/>
-                <a:cs typeface="+mn-cs"/>
-              </a:rPr>
-              <a:t> indicates the impact of dynamic tailoring on the number of RETE operations</a:t>
-            </a:r>
-          </a:p>
-          <a:p>
-            <a:r>
-              <a:rPr lang="en-US" sz="1200" kern="1200" dirty="0" smtClean="0">
-                <a:solidFill>
-                  <a:schemeClr val="tx1"/>
-                </a:solidFill>
-                <a:effectLst/>
-                <a:latin typeface="+mn-lt"/>
-                <a:ea typeface="+mn-ea"/>
-                <a:cs typeface="+mn-cs"/>
-              </a:rPr>
-              <a:t>(regarding the alpha node for premise “</a:t>
-            </a:r>
-            <a:r>
-              <a:rPr lang="en-US" sz="1200" i="1" kern="1200" dirty="0" smtClean="0">
-                <a:solidFill>
-                  <a:schemeClr val="tx1"/>
-                </a:solidFill>
-                <a:effectLst/>
-                <a:latin typeface="+mn-lt"/>
-                <a:ea typeface="+mn-ea"/>
-                <a:cs typeface="+mn-cs"/>
-              </a:rPr>
-              <a:t>?x ?p ?x</a:t>
-            </a:r>
-            <a:r>
-              <a:rPr lang="en-US" sz="1200" kern="1200" dirty="0" smtClean="0">
-                <a:solidFill>
-                  <a:schemeClr val="tx1"/>
-                </a:solidFill>
-                <a:effectLst/>
-                <a:latin typeface="+mn-lt"/>
-                <a:ea typeface="+mn-ea"/>
-                <a:cs typeface="+mn-cs"/>
-              </a:rPr>
-              <a:t>”, the system will attempt to match every single incoming token to it)</a:t>
-            </a:r>
-          </a:p>
-          <a:p>
-            <a:r>
-              <a:rPr lang="en-US" sz="1200" kern="1200" dirty="0" smtClean="0">
-                <a:solidFill>
-                  <a:schemeClr val="tx1"/>
-                </a:solidFill>
-                <a:effectLst/>
-                <a:latin typeface="+mn-lt"/>
-                <a:ea typeface="+mn-ea"/>
-                <a:cs typeface="+mn-cs"/>
-              </a:rPr>
-              <a:t>by pausing this node for each ontology (and twice another node) ..)</a:t>
-            </a:r>
-          </a:p>
-          <a:p>
-            <a:r>
-              <a:rPr lang="en-US" sz="1200" kern="1200" dirty="0" smtClean="0">
-                <a:solidFill>
-                  <a:schemeClr val="tx1"/>
-                </a:solidFill>
-                <a:effectLst/>
-                <a:latin typeface="+mn-lt"/>
-                <a:ea typeface="+mn-ea"/>
-                <a:cs typeface="+mn-cs"/>
-              </a:rPr>
-              <a:t>the number of attempted token matches is decreased by avg. ca. -17% (-36351 operations)</a:t>
-            </a:r>
-          </a:p>
-          <a:p>
-            <a:r>
-              <a:rPr lang="en-US" sz="1200" kern="1200" dirty="0" smtClean="0">
-                <a:solidFill>
-                  <a:schemeClr val="tx1"/>
-                </a:solidFill>
-                <a:effectLst/>
-                <a:latin typeface="+mn-lt"/>
-                <a:ea typeface="+mn-ea"/>
-                <a:cs typeface="+mn-cs"/>
-              </a:rPr>
-              <a:t>the number of join attempts is greatly decreased, by avg. ca. -68% (-1405345 operations)</a:t>
-            </a:r>
-          </a:p>
-          <a:p>
-            <a:endParaRPr lang="en-US" sz="1200" kern="1200" dirty="0" smtClean="0">
-              <a:solidFill>
-                <a:schemeClr val="tx1"/>
-              </a:solidFill>
-              <a:effectLst/>
-              <a:latin typeface="+mn-lt"/>
-              <a:ea typeface="+mn-ea"/>
-              <a:cs typeface="+mn-cs"/>
-            </a:endParaRPr>
-          </a:p>
-          <a:p>
-            <a:r>
-              <a:rPr lang="en-US" sz="1200" kern="1200" dirty="0" smtClean="0">
-                <a:solidFill>
-                  <a:schemeClr val="tx1"/>
-                </a:solidFill>
-                <a:effectLst/>
-                <a:latin typeface="+mn-lt"/>
-                <a:ea typeface="+mn-ea"/>
-                <a:cs typeface="+mn-cs"/>
-              </a:rPr>
-              <a:t>a priori network tailoring further decreases the number of RETE operations:</a:t>
-            </a:r>
-          </a:p>
-          <a:p>
-            <a:r>
-              <a:rPr lang="en-US" sz="1200" kern="1200" dirty="0" smtClean="0">
-                <a:solidFill>
-                  <a:schemeClr val="tx1"/>
-                </a:solidFill>
-                <a:effectLst/>
-                <a:latin typeface="+mn-lt"/>
-                <a:ea typeface="+mn-ea"/>
-                <a:cs typeface="+mn-cs"/>
-              </a:rPr>
-              <a:t>avg. ca. -39% (-85207 operations) for attempted token matches </a:t>
-            </a:r>
-          </a:p>
-          <a:p>
-            <a:r>
-              <a:rPr lang="en-US" sz="1200" kern="1200" dirty="0" smtClean="0">
-                <a:solidFill>
-                  <a:schemeClr val="tx1"/>
-                </a:solidFill>
-                <a:effectLst/>
-                <a:latin typeface="+mn-lt"/>
-                <a:ea typeface="+mn-ea"/>
-                <a:cs typeface="+mn-cs"/>
-              </a:rPr>
-              <a:t>avg. ca -86% (!) (-1782423 operations) for join attempts</a:t>
-            </a:r>
-          </a:p>
-          <a:p>
-            <a:r>
-              <a:rPr lang="en-US" sz="1200" kern="1200" dirty="0" smtClean="0">
-                <a:solidFill>
-                  <a:schemeClr val="tx1"/>
-                </a:solidFill>
-                <a:effectLst/>
-                <a:latin typeface="+mn-lt"/>
-                <a:ea typeface="+mn-ea"/>
-                <a:cs typeface="+mn-cs"/>
-              </a:rPr>
-              <a:t>however, this comes at the expense of losing reasoning completeness when faced with incremental scenarios</a:t>
-            </a:r>
-          </a:p>
-          <a:p>
-            <a:r>
-              <a:rPr lang="en-US" sz="1200" kern="1200" dirty="0" smtClean="0">
-                <a:solidFill>
-                  <a:schemeClr val="tx1"/>
-                </a:solidFill>
-                <a:effectLst/>
-                <a:latin typeface="+mn-lt"/>
-                <a:ea typeface="+mn-ea"/>
-                <a:cs typeface="+mn-cs"/>
-              </a:rPr>
-              <a:t>also, it requires a naïve reasoning algorithm to be performed beforehand, which also yields a non-trivial overhead (</a:t>
-            </a:r>
-            <a:r>
-              <a:rPr lang="en-US" sz="1200" i="1" kern="1200" dirty="0" smtClean="0">
-                <a:solidFill>
-                  <a:schemeClr val="tx1"/>
-                </a:solidFill>
-                <a:effectLst/>
-                <a:latin typeface="+mn-lt"/>
-                <a:ea typeface="+mn-ea"/>
-                <a:cs typeface="+mn-cs"/>
-              </a:rPr>
-              <a:t>preproc</a:t>
-            </a:r>
-            <a:r>
-              <a:rPr lang="en-US" sz="1200" kern="1200" dirty="0" smtClean="0">
-                <a:solidFill>
-                  <a:schemeClr val="tx1"/>
-                </a:solidFill>
-                <a:effectLst/>
-                <a:latin typeface="+mn-lt"/>
-                <a:ea typeface="+mn-ea"/>
-                <a:cs typeface="+mn-cs"/>
-              </a:rPr>
-              <a:t> column)</a:t>
-            </a:r>
-            <a:endParaRPr lang="en-CA" sz="1200" kern="1200" dirty="0" smtClean="0">
-              <a:solidFill>
-                <a:schemeClr val="tx1"/>
-              </a:solidFill>
-              <a:effectLst/>
-              <a:latin typeface="+mn-lt"/>
-              <a:ea typeface="+mn-ea"/>
-              <a:cs typeface="+mn-cs"/>
-            </a:endParaRPr>
-          </a:p>
-          <a:p>
-            <a:endParaRPr lang="en-CA" sz="1200" kern="1200" dirty="0" smtClean="0">
-              <a:solidFill>
-                <a:schemeClr val="tx1"/>
-              </a:solidFill>
-              <a:effectLst/>
-              <a:latin typeface="+mn-lt"/>
-              <a:ea typeface="+mn-ea"/>
-              <a:cs typeface="+mn-cs"/>
-            </a:endParaRPr>
-          </a:p>
-          <a:p>
-            <a:pPr marL="0" marR="0" lvl="0" indent="0" algn="l" defTabSz="914400" rtl="0" eaLnBrk="1" fontAlgn="auto" latinLnBrk="0" hangingPunct="1">
-              <a:lnSpc>
-                <a:spcPct val="100000"/>
-              </a:lnSpc>
-              <a:spcBef>
-                <a:spcPts val="0"/>
-              </a:spcBef>
-              <a:spcAft>
-                <a:spcPts val="0"/>
-              </a:spcAft>
-              <a:buClrTx/>
-              <a:buSzTx/>
-              <a:buFontTx/>
-              <a:buNone/>
-              <a:tabLst/>
-              <a:defRPr/>
-            </a:pPr>
-            <a:r>
-              <a:rPr lang="en-US" sz="1200" i="1" kern="1200" dirty="0" smtClean="0">
-                <a:solidFill>
-                  <a:schemeClr val="tx1"/>
-                </a:solidFill>
-                <a:effectLst/>
-                <a:latin typeface="+mn-lt"/>
-                <a:ea typeface="+mn-ea"/>
-                <a:cs typeface="+mn-cs"/>
-              </a:rPr>
-              <a:t>reasoning times</a:t>
-            </a:r>
-            <a:r>
-              <a:rPr lang="en-US" sz="1200" kern="1200" dirty="0" smtClean="0">
-                <a:solidFill>
-                  <a:schemeClr val="tx1"/>
-                </a:solidFill>
-                <a:effectLst/>
-                <a:latin typeface="+mn-lt"/>
-                <a:ea typeface="+mn-ea"/>
-                <a:cs typeface="+mn-cs"/>
-              </a:rPr>
-              <a:t> column shows the overall performance for initial (</a:t>
-            </a:r>
-            <a:r>
-              <a:rPr lang="en-US" sz="1200" i="1" kern="1200" dirty="0" smtClean="0">
-                <a:solidFill>
-                  <a:schemeClr val="tx1"/>
-                </a:solidFill>
-                <a:effectLst/>
-                <a:latin typeface="+mn-lt"/>
-                <a:ea typeface="+mn-ea"/>
-                <a:cs typeface="+mn-cs"/>
-              </a:rPr>
-              <a:t>initial dataset</a:t>
-            </a:r>
-            <a:r>
-              <a:rPr lang="en-US" sz="1200" kern="1200" dirty="0" smtClean="0">
-                <a:solidFill>
-                  <a:schemeClr val="tx1"/>
-                </a:solidFill>
-                <a:effectLst/>
-                <a:latin typeface="+mn-lt"/>
-                <a:ea typeface="+mn-ea"/>
-                <a:cs typeface="+mn-cs"/>
-              </a:rPr>
-              <a:t> column) and subsequent (</a:t>
-            </a:r>
-            <a:r>
-              <a:rPr lang="en-US" sz="1200" i="1" kern="1200" dirty="0" smtClean="0">
-                <a:solidFill>
-                  <a:schemeClr val="tx1"/>
-                </a:solidFill>
-                <a:effectLst/>
-                <a:latin typeface="+mn-lt"/>
-                <a:ea typeface="+mn-ea"/>
-                <a:cs typeface="+mn-cs"/>
-              </a:rPr>
-              <a:t>incremental</a:t>
-            </a:r>
-            <a:r>
-              <a:rPr lang="en-US" sz="1200" kern="1200" dirty="0" smtClean="0">
-                <a:solidFill>
-                  <a:schemeClr val="tx1"/>
-                </a:solidFill>
-                <a:effectLst/>
-                <a:latin typeface="+mn-lt"/>
-                <a:ea typeface="+mn-ea"/>
-                <a:cs typeface="+mn-cs"/>
-              </a:rPr>
-              <a:t> column) reasoning cycles</a:t>
-            </a:r>
-          </a:p>
-          <a:p>
-            <a:pPr marL="0" marR="0" lvl="0" indent="0" algn="l" defTabSz="914400" rtl="0" eaLnBrk="1" fontAlgn="auto" latinLnBrk="0" hangingPunct="1">
-              <a:lnSpc>
-                <a:spcPct val="100000"/>
-              </a:lnSpc>
-              <a:spcBef>
-                <a:spcPts val="0"/>
-              </a:spcBef>
-              <a:spcAft>
-                <a:spcPts val="0"/>
-              </a:spcAft>
-              <a:buClrTx/>
-              <a:buSzTx/>
-              <a:buFontTx/>
-              <a:buNone/>
-              <a:tabLst/>
-              <a:defRPr/>
-            </a:pPr>
-            <a:r>
-              <a:rPr lang="en-US" sz="1200" kern="1200" dirty="0" smtClean="0">
-                <a:solidFill>
-                  <a:schemeClr val="tx1"/>
-                </a:solidFill>
-                <a:effectLst/>
-                <a:latin typeface="+mn-lt"/>
-                <a:ea typeface="+mn-ea"/>
-                <a:cs typeface="+mn-cs"/>
-              </a:rPr>
-              <a:t>performance impact is much higher on the mobile platform than on PC, reflecting the reduced processing capabilities. </a:t>
-            </a:r>
-          </a:p>
-          <a:p>
-            <a:pPr marL="0" marR="0" lvl="0" indent="0" algn="l" defTabSz="914400" rtl="0" eaLnBrk="1" fontAlgn="auto" latinLnBrk="0" hangingPunct="1">
-              <a:lnSpc>
-                <a:spcPct val="100000"/>
-              </a:lnSpc>
-              <a:spcBef>
-                <a:spcPts val="0"/>
-              </a:spcBef>
-              <a:spcAft>
-                <a:spcPts val="0"/>
-              </a:spcAft>
-              <a:buClrTx/>
-              <a:buSzTx/>
-              <a:buFontTx/>
-              <a:buNone/>
-              <a:tabLst/>
-              <a:defRPr/>
-            </a:pPr>
-            <a:r>
-              <a:rPr lang="en-US" sz="1200" kern="1200" dirty="0" smtClean="0">
-                <a:solidFill>
-                  <a:schemeClr val="tx1"/>
-                </a:solidFill>
-                <a:effectLst/>
-                <a:latin typeface="+mn-lt"/>
-                <a:ea typeface="+mn-ea"/>
-                <a:cs typeface="+mn-cs"/>
-              </a:rPr>
-              <a:t>in fact, performance improvements on PC are virtually negligible</a:t>
-            </a:r>
-          </a:p>
-          <a:p>
-            <a:pPr marL="0" marR="0" lvl="0" indent="0" algn="l" defTabSz="914400" rtl="0" eaLnBrk="1" fontAlgn="auto" latinLnBrk="0" hangingPunct="1">
-              <a:lnSpc>
-                <a:spcPct val="100000"/>
-              </a:lnSpc>
-              <a:spcBef>
-                <a:spcPts val="0"/>
-              </a:spcBef>
-              <a:spcAft>
-                <a:spcPts val="0"/>
-              </a:spcAft>
-              <a:buClrTx/>
-              <a:buSzTx/>
-              <a:buFontTx/>
-              <a:buNone/>
-              <a:tabLst/>
-              <a:defRPr/>
-            </a:pPr>
-            <a:r>
-              <a:rPr lang="en-US" sz="1200" kern="1200" dirty="0" smtClean="0">
-                <a:solidFill>
-                  <a:schemeClr val="tx1"/>
-                </a:solidFill>
-                <a:effectLst/>
-                <a:latin typeface="+mn-lt"/>
-                <a:ea typeface="+mn-ea"/>
-                <a:cs typeface="+mn-cs"/>
-              </a:rPr>
-              <a:t>dynamic tailoring in incremental reasoning optimizes performance by avg. ca. -76ms (-0.5%) on PC and -2,9s (-12,3%) on mobile.</a:t>
-            </a:r>
-          </a:p>
-          <a:p>
-            <a:pPr marL="0" marR="0" lvl="0" indent="0" algn="l" defTabSz="914400" rtl="0" eaLnBrk="1" fontAlgn="auto" latinLnBrk="0" hangingPunct="1">
-              <a:lnSpc>
-                <a:spcPct val="100000"/>
-              </a:lnSpc>
-              <a:spcBef>
-                <a:spcPts val="0"/>
-              </a:spcBef>
-              <a:spcAft>
-                <a:spcPts val="0"/>
-              </a:spcAft>
-              <a:buClrTx/>
-              <a:buSzTx/>
-              <a:buFontTx/>
-              <a:buNone/>
-              <a:tabLst/>
-              <a:defRPr/>
-            </a:pPr>
-            <a:r>
-              <a:rPr lang="en-US" sz="1200" kern="1200" dirty="0" smtClean="0">
-                <a:solidFill>
-                  <a:schemeClr val="tx1"/>
-                </a:solidFill>
-                <a:effectLst/>
-                <a:latin typeface="+mn-lt"/>
-                <a:ea typeface="+mn-ea"/>
-                <a:cs typeface="+mn-cs"/>
-              </a:rPr>
-              <a:t>a priori tailoring in incremental reasoning reduces reasoning times by avg. ca. -172ms (1,2%) on PC and -4,2s (-17,9%) on mobile</a:t>
-            </a:r>
-          </a:p>
-          <a:p>
-            <a:pPr marL="0" marR="0" lvl="0" indent="0" algn="l" defTabSz="914400" rtl="0" eaLnBrk="1" fontAlgn="auto" latinLnBrk="0" hangingPunct="1">
-              <a:lnSpc>
-                <a:spcPct val="100000"/>
-              </a:lnSpc>
-              <a:spcBef>
-                <a:spcPts val="0"/>
-              </a:spcBef>
-              <a:spcAft>
-                <a:spcPts val="0"/>
-              </a:spcAft>
-              <a:buClrTx/>
-              <a:buSzTx/>
-              <a:buFontTx/>
-              <a:buNone/>
-              <a:tabLst/>
-              <a:defRPr/>
-            </a:pPr>
-            <a:r>
-              <a:rPr lang="en-US" sz="1200" kern="1200" dirty="0" smtClean="0">
-                <a:solidFill>
-                  <a:schemeClr val="tx1"/>
-                </a:solidFill>
-                <a:effectLst/>
-                <a:latin typeface="+mn-lt"/>
-                <a:ea typeface="+mn-ea"/>
-                <a:cs typeface="+mn-cs"/>
-              </a:rPr>
-              <a:t>but,</a:t>
-            </a:r>
-            <a:r>
-              <a:rPr lang="en-US" sz="1200" kern="1200" baseline="0" dirty="0" smtClean="0">
-                <a:solidFill>
-                  <a:schemeClr val="tx1"/>
-                </a:solidFill>
-                <a:effectLst/>
-                <a:latin typeface="+mn-lt"/>
-                <a:ea typeface="+mn-ea"/>
-                <a:cs typeface="+mn-cs"/>
-              </a:rPr>
-              <a:t> requires a non-trivial pre-processing step (especially on mobile)</a:t>
-            </a:r>
-            <a:endParaRPr lang="en-US" sz="1200" kern="1200" dirty="0" smtClean="0">
-              <a:solidFill>
-                <a:schemeClr val="tx1"/>
-              </a:solidFill>
-              <a:effectLst/>
-              <a:latin typeface="+mn-lt"/>
-              <a:ea typeface="+mn-ea"/>
-              <a:cs typeface="+mn-cs"/>
-            </a:endParaRPr>
-          </a:p>
-          <a:p>
-            <a:pPr marL="0" marR="0" lvl="0" indent="0" algn="l" defTabSz="914400" rtl="0" eaLnBrk="1" fontAlgn="auto" latinLnBrk="0" hangingPunct="1">
-              <a:lnSpc>
-                <a:spcPct val="100000"/>
-              </a:lnSpc>
-              <a:spcBef>
-                <a:spcPts val="0"/>
-              </a:spcBef>
-              <a:spcAft>
-                <a:spcPts val="0"/>
-              </a:spcAft>
-              <a:buClrTx/>
-              <a:buSzTx/>
-              <a:buFontTx/>
-              <a:buNone/>
-              <a:tabLst/>
-              <a:defRPr/>
-            </a:pPr>
-            <a:endParaRPr lang="en-US" sz="1200" kern="1200" dirty="0" smtClean="0">
-              <a:solidFill>
-                <a:schemeClr val="tx1"/>
-              </a:solidFill>
-              <a:effectLst/>
-              <a:latin typeface="+mn-lt"/>
-              <a:ea typeface="+mn-ea"/>
-              <a:cs typeface="+mn-cs"/>
-            </a:endParaRPr>
-          </a:p>
-          <a:p>
-            <a:pPr marL="0" marR="0" lvl="0" indent="0" algn="l" defTabSz="914400" rtl="0" eaLnBrk="1" fontAlgn="auto" latinLnBrk="0" hangingPunct="1">
-              <a:lnSpc>
-                <a:spcPct val="100000"/>
-              </a:lnSpc>
-              <a:spcBef>
-                <a:spcPts val="0"/>
-              </a:spcBef>
-              <a:spcAft>
-                <a:spcPts val="0"/>
-              </a:spcAft>
-              <a:buClrTx/>
-              <a:buSzTx/>
-              <a:buFontTx/>
-              <a:buNone/>
-              <a:tabLst/>
-              <a:defRPr/>
-            </a:pPr>
-            <a:r>
-              <a:rPr lang="en-US" sz="1200" kern="1200" dirty="0" smtClean="0">
-                <a:solidFill>
-                  <a:schemeClr val="tx1"/>
-                </a:solidFill>
-                <a:effectLst/>
-                <a:latin typeface="+mn-lt"/>
-                <a:ea typeface="+mn-ea"/>
-                <a:cs typeface="+mn-cs"/>
-              </a:rPr>
-              <a:t>if we don’t include the pre-processing step, </a:t>
-            </a:r>
-            <a:r>
-              <a:rPr lang="en-US" sz="1200" i="1" kern="1200" dirty="0" smtClean="0">
-                <a:solidFill>
-                  <a:schemeClr val="tx1"/>
-                </a:solidFill>
-                <a:effectLst/>
-                <a:latin typeface="+mn-lt"/>
-                <a:ea typeface="+mn-ea"/>
-                <a:cs typeface="+mn-cs"/>
-              </a:rPr>
-              <a:t>a priori tailoring</a:t>
-            </a:r>
-            <a:r>
-              <a:rPr lang="en-US" sz="1200" kern="1200" dirty="0" smtClean="0">
-                <a:solidFill>
-                  <a:schemeClr val="tx1"/>
-                </a:solidFill>
-                <a:effectLst/>
-                <a:latin typeface="+mn-lt"/>
-                <a:ea typeface="+mn-ea"/>
-                <a:cs typeface="+mn-cs"/>
-              </a:rPr>
-              <a:t> thus yields the highest increase in performance, but at the expense of reasoning completeness</a:t>
-            </a:r>
-          </a:p>
-          <a:p>
-            <a:pPr marL="0" marR="0" lvl="0" indent="0" algn="l" defTabSz="914400" rtl="0" eaLnBrk="1" fontAlgn="auto" latinLnBrk="0" hangingPunct="1">
-              <a:lnSpc>
-                <a:spcPct val="100000"/>
-              </a:lnSpc>
-              <a:spcBef>
-                <a:spcPts val="0"/>
-              </a:spcBef>
-              <a:spcAft>
-                <a:spcPts val="0"/>
-              </a:spcAft>
-              <a:buClrTx/>
-              <a:buSzTx/>
-              <a:buFontTx/>
-              <a:buNone/>
-              <a:tabLst/>
-              <a:defRPr/>
-            </a:pPr>
-            <a:r>
-              <a:rPr lang="en-US" sz="1200" kern="1200" dirty="0" smtClean="0">
-                <a:solidFill>
-                  <a:schemeClr val="tx1"/>
-                </a:solidFill>
-                <a:effectLst/>
-                <a:latin typeface="+mn-lt"/>
-                <a:ea typeface="+mn-ea"/>
-                <a:cs typeface="+mn-cs"/>
-              </a:rPr>
-              <a:t>we observed that this strategy resulted in loss of a total of 11448 inferences for 5 ontologies</a:t>
-            </a:r>
-          </a:p>
-          <a:p>
-            <a:pPr marL="0" marR="0" lvl="0" indent="0" algn="l" defTabSz="914400" rtl="0" eaLnBrk="1" fontAlgn="auto" latinLnBrk="0" hangingPunct="1">
-              <a:lnSpc>
-                <a:spcPct val="100000"/>
-              </a:lnSpc>
-              <a:spcBef>
-                <a:spcPts val="0"/>
-              </a:spcBef>
-              <a:spcAft>
-                <a:spcPts val="0"/>
-              </a:spcAft>
-              <a:buClrTx/>
-              <a:buSzTx/>
-              <a:buFontTx/>
-              <a:buNone/>
-              <a:tabLst/>
-              <a:defRPr/>
-            </a:pPr>
-            <a:r>
-              <a:rPr lang="en-US" sz="1200" kern="1200" dirty="0" smtClean="0">
-                <a:solidFill>
-                  <a:schemeClr val="tx1"/>
-                </a:solidFill>
-                <a:effectLst/>
-                <a:latin typeface="+mn-lt"/>
-                <a:ea typeface="+mn-ea"/>
-                <a:cs typeface="+mn-cs"/>
-              </a:rPr>
-              <a:t>further, its pre-processing step involves a one-time overhead that is non-trivial on PC (avg. ca. 291ms) and a quite large overhead on mobile (avg. ca. 4,2s)</a:t>
-            </a:r>
-          </a:p>
-          <a:p>
-            <a:pPr marL="0" marR="0" lvl="0" indent="0" algn="l" defTabSz="914400" rtl="0" eaLnBrk="1" fontAlgn="auto" latinLnBrk="0" hangingPunct="1">
-              <a:lnSpc>
-                <a:spcPct val="100000"/>
-              </a:lnSpc>
-              <a:spcBef>
-                <a:spcPts val="0"/>
-              </a:spcBef>
-              <a:spcAft>
-                <a:spcPts val="0"/>
-              </a:spcAft>
-              <a:buClrTx/>
-              <a:buSzTx/>
-              <a:buFontTx/>
-              <a:buNone/>
-              <a:tabLst/>
-              <a:defRPr/>
-            </a:pPr>
-            <a:endParaRPr lang="en-US" sz="1200" kern="1200" dirty="0" smtClean="0">
-              <a:solidFill>
-                <a:schemeClr val="tx1"/>
-              </a:solidFill>
-              <a:effectLst/>
-              <a:latin typeface="+mn-lt"/>
-              <a:ea typeface="+mn-ea"/>
-              <a:cs typeface="+mn-cs"/>
-            </a:endParaRPr>
-          </a:p>
-          <a:p>
-            <a:pPr marL="0" marR="0" lvl="0" indent="0" algn="l" defTabSz="914400" rtl="0" eaLnBrk="1" fontAlgn="auto" latinLnBrk="0" hangingPunct="1">
-              <a:lnSpc>
-                <a:spcPct val="100000"/>
-              </a:lnSpc>
-              <a:spcBef>
-                <a:spcPts val="0"/>
-              </a:spcBef>
-              <a:spcAft>
-                <a:spcPts val="0"/>
-              </a:spcAft>
-              <a:buClrTx/>
-              <a:buSzTx/>
-              <a:buFontTx/>
-              <a:buNone/>
-              <a:tabLst/>
-              <a:defRPr/>
-            </a:pPr>
-            <a:r>
-              <a:rPr lang="en-US" sz="1200" kern="1200" dirty="0" smtClean="0">
-                <a:solidFill>
-                  <a:schemeClr val="tx1"/>
-                </a:solidFill>
-                <a:effectLst/>
-                <a:latin typeface="+mn-lt"/>
-                <a:ea typeface="+mn-ea"/>
-                <a:cs typeface="+mn-cs"/>
-              </a:rPr>
-              <a:t>this strategy seems mostly useful for non-incremental reasoning on a series of similar datasets, each utilizing similar terms and data patterns</a:t>
-            </a:r>
-            <a:endParaRPr lang="en-CA" sz="1200" kern="1200" dirty="0" smtClean="0">
-              <a:solidFill>
-                <a:schemeClr val="tx1"/>
-              </a:solidFill>
-              <a:effectLst/>
-              <a:latin typeface="+mn-lt"/>
-              <a:ea typeface="+mn-ea"/>
-              <a:cs typeface="+mn-cs"/>
-            </a:endParaRPr>
-          </a:p>
-          <a:p>
-            <a:r>
-              <a:rPr lang="en-CA" sz="1200" kern="1200" dirty="0" smtClean="0">
-                <a:solidFill>
-                  <a:schemeClr val="tx1"/>
-                </a:solidFill>
-                <a:effectLst/>
-                <a:latin typeface="+mn-lt"/>
-                <a:ea typeface="+mn-ea"/>
-                <a:cs typeface="+mn-cs"/>
-              </a:rPr>
-              <a:t>whereas dynamic tailoring</a:t>
-            </a:r>
-            <a:r>
-              <a:rPr lang="en-CA" sz="1200" kern="1200" baseline="0" dirty="0" smtClean="0">
-                <a:solidFill>
-                  <a:schemeClr val="tx1"/>
-                </a:solidFill>
-                <a:effectLst/>
-                <a:latin typeface="+mn-lt"/>
-                <a:ea typeface="+mn-ea"/>
-                <a:cs typeface="+mn-cs"/>
-              </a:rPr>
-              <a:t> deals with arbitrary incremental scenarios, guaranteeing reasoning completeness</a:t>
-            </a:r>
-            <a:endParaRPr lang="en-CA" sz="1200" kern="1200" dirty="0" smtClean="0">
-              <a:solidFill>
-                <a:schemeClr val="tx1"/>
-              </a:solidFill>
-              <a:effectLst/>
-              <a:latin typeface="+mn-lt"/>
-              <a:ea typeface="+mn-ea"/>
-              <a:cs typeface="+mn-cs"/>
-            </a:endParaRPr>
+            <a:endParaRPr lang="en-CA" baseline="0" dirty="0" smtClean="0"/>
           </a:p>
         </p:txBody>
       </p:sp>
@@ -4885,7 +2174,7 @@
           <a:p>
             <a:fld id="{E8FF3829-06E9-4FAD-8533-8366B6FD6FBE}" type="slidenum">
               <a:rPr lang="en-CA" smtClean="0"/>
-              <a:t>15</a:t>
+              <a:t>8</a:t>
             </a:fld>
             <a:endParaRPr lang="en-CA"/>
           </a:p>
@@ -4894,7 +2183,7 @@
     </p:spTree>
     <p:extLst>
       <p:ext uri="{BB962C8B-B14F-4D97-AF65-F5344CB8AC3E}">
-        <p14:creationId xmlns:p14="http://schemas.microsoft.com/office/powerpoint/2010/main" val="38060678"/>
+        <p14:creationId xmlns:p14="http://schemas.microsoft.com/office/powerpoint/2010/main" val="3646769070"/>
       </p:ext>
     </p:extLst>
   </p:cSld>
@@ -4948,94 +2237,6 @@
           <a:bodyPr/>
           <a:lstStyle/>
           <a:p>
-            <a:r>
-              <a:rPr lang="en-US" sz="1200" kern="1200" dirty="0" smtClean="0">
-                <a:solidFill>
-                  <a:schemeClr val="tx1"/>
-                </a:solidFill>
-                <a:effectLst/>
-                <a:latin typeface="+mn-lt"/>
-                <a:ea typeface="+mn-ea"/>
-                <a:cs typeface="+mn-cs"/>
-              </a:rPr>
-              <a:t>OWL2 RL ruleset: some of its rules including overly general wildcard premises (i.e., “</a:t>
-            </a:r>
-            <a:r>
-              <a:rPr lang="en-US" sz="1200" i="1" kern="1200" dirty="0" smtClean="0">
-                <a:solidFill>
-                  <a:schemeClr val="tx1"/>
-                </a:solidFill>
-                <a:effectLst/>
-                <a:latin typeface="+mn-lt"/>
-                <a:ea typeface="+mn-ea"/>
-                <a:cs typeface="+mn-cs"/>
-              </a:rPr>
-              <a:t>?x ?p ?y</a:t>
-            </a:r>
-            <a:r>
-              <a:rPr lang="en-US" sz="1200" kern="1200" dirty="0" smtClean="0">
-                <a:solidFill>
-                  <a:schemeClr val="tx1"/>
-                </a:solidFill>
-                <a:effectLst/>
-                <a:latin typeface="+mn-lt"/>
-                <a:ea typeface="+mn-ea"/>
-                <a:cs typeface="+mn-cs"/>
-              </a:rPr>
-              <a:t>”)</a:t>
-            </a:r>
-          </a:p>
-          <a:p>
-            <a:r>
-              <a:rPr lang="en-US" sz="1200" kern="1200" dirty="0" smtClean="0">
-                <a:solidFill>
-                  <a:schemeClr val="tx1"/>
-                </a:solidFill>
-                <a:effectLst/>
-                <a:latin typeface="+mn-lt"/>
-                <a:ea typeface="+mn-ea"/>
-                <a:cs typeface="+mn-cs"/>
-              </a:rPr>
-              <a:t>for other rulesets with more concrete premises, utilizing </a:t>
-            </a:r>
-            <a:r>
-              <a:rPr lang="en-US" sz="1200" i="1" kern="1200" dirty="0" smtClean="0">
-                <a:solidFill>
-                  <a:schemeClr val="tx1"/>
-                </a:solidFill>
-                <a:effectLst/>
-                <a:latin typeface="+mn-lt"/>
-                <a:ea typeface="+mn-ea"/>
-                <a:cs typeface="+mn-cs"/>
-              </a:rPr>
-              <a:t>dataset-mask</a:t>
-            </a:r>
-            <a:r>
-              <a:rPr lang="en-US" sz="1200" kern="1200" dirty="0" smtClean="0">
-                <a:solidFill>
-                  <a:schemeClr val="tx1"/>
-                </a:solidFill>
-                <a:effectLst/>
-                <a:latin typeface="+mn-lt"/>
-                <a:ea typeface="+mn-ea"/>
-                <a:cs typeface="+mn-cs"/>
-              </a:rPr>
-              <a:t> memories will likely lead to smaller memory reductions</a:t>
-            </a:r>
-          </a:p>
-          <a:p>
-            <a:r>
-              <a:rPr lang="en-US" sz="1200" kern="1200" dirty="0" smtClean="0">
-                <a:solidFill>
-                  <a:schemeClr val="tx1"/>
-                </a:solidFill>
-                <a:effectLst/>
-                <a:latin typeface="+mn-lt"/>
-                <a:ea typeface="+mn-ea"/>
-                <a:cs typeface="+mn-cs"/>
-              </a:rPr>
-              <a:t>also, seeing how overly general rule premises match many more tokens, memory unlinking and node pausing will also have a smaller performance impact</a:t>
-            </a:r>
             <a:endParaRPr lang="en-CA" dirty="0"/>
           </a:p>
         </p:txBody>
@@ -5057,7 +2258,7 @@
           <a:p>
             <a:fld id="{E8FF3829-06E9-4FAD-8533-8366B6FD6FBE}" type="slidenum">
               <a:rPr lang="en-CA" smtClean="0"/>
-              <a:t>16</a:t>
+              <a:t>9</a:t>
             </a:fld>
             <a:endParaRPr lang="en-CA"/>
           </a:p>
@@ -5066,7 +2267,7 @@
     </p:spTree>
     <p:extLst>
       <p:ext uri="{BB962C8B-B14F-4D97-AF65-F5344CB8AC3E}">
-        <p14:creationId xmlns:p14="http://schemas.microsoft.com/office/powerpoint/2010/main" val="718951154"/>
+        <p14:creationId xmlns:p14="http://schemas.microsoft.com/office/powerpoint/2010/main" val="752419531"/>
       </p:ext>
     </p:extLst>
   </p:cSld>
@@ -5205,7 +2406,7 @@
           <a:p>
             <a:fld id="{9185BE60-0B19-4A2E-A512-2272E9B73DEB}" type="datetime1">
               <a:rPr lang="en-CA" smtClean="0"/>
-              <a:t>25/05/2017</a:t>
+              <a:t>26/05/2017</a:t>
             </a:fld>
             <a:endParaRPr lang="en-CA"/>
           </a:p>
@@ -5622,7 +2823,7 @@
           <a:p>
             <a:fld id="{6EB5CA60-75C4-47A2-8B1D-36F9F9D26615}" type="datetime1">
               <a:rPr lang="en-CA" smtClean="0"/>
-              <a:t>25/05/2017</a:t>
+              <a:t>26/05/2017</a:t>
             </a:fld>
             <a:endParaRPr lang="en-CA"/>
           </a:p>
@@ -5802,7 +3003,7 @@
           <a:p>
             <a:fld id="{BBB6C154-BAD4-45C4-9F0C-44D867EFFF3E}" type="datetime1">
               <a:rPr lang="en-CA" smtClean="0"/>
-              <a:t>25/05/2017</a:t>
+              <a:t>26/05/2017</a:t>
             </a:fld>
             <a:endParaRPr lang="en-CA"/>
           </a:p>
@@ -6007,7 +3208,7 @@
           <a:p>
             <a:fld id="{64CB2766-0896-4834-9051-F9B21CBB5EE0}" type="datetime1">
               <a:rPr lang="en-CA" smtClean="0"/>
-              <a:t>25/05/2017</a:t>
+              <a:t>26/05/2017</a:t>
             </a:fld>
             <a:endParaRPr lang="en-CA"/>
           </a:p>
@@ -6268,7 +3469,7 @@
           <a:p>
             <a:fld id="{0ADFF501-8D3A-445D-9E05-515F772F3778}" type="datetime1">
               <a:rPr lang="en-CA" smtClean="0"/>
-              <a:t>25/05/2017</a:t>
+              <a:t>26/05/2017</a:t>
             </a:fld>
             <a:endParaRPr lang="en-CA"/>
           </a:p>
@@ -6563,7 +3764,7 @@
           <a:p>
             <a:fld id="{5EE7FBA4-1A61-45E2-BE08-B184927059C0}" type="datetime1">
               <a:rPr lang="en-CA" smtClean="0"/>
-              <a:t>25/05/2017</a:t>
+              <a:t>26/05/2017</a:t>
             </a:fld>
             <a:endParaRPr lang="en-CA"/>
           </a:p>
@@ -6992,7 +4193,7 @@
           <a:p>
             <a:fld id="{84E7F4B8-D00E-4716-89D9-A368C45E489F}" type="datetime1">
               <a:rPr lang="en-CA" smtClean="0"/>
-              <a:t>25/05/2017</a:t>
+              <a:t>26/05/2017</a:t>
             </a:fld>
             <a:endParaRPr lang="en-CA"/>
           </a:p>
@@ -7110,7 +4311,7 @@
           <a:p>
             <a:fld id="{2F013FBC-6E0E-4369-A0AB-32FF458BC0E0}" type="datetime1">
               <a:rPr lang="en-CA" smtClean="0"/>
-              <a:t>25/05/2017</a:t>
+              <a:t>26/05/2017</a:t>
             </a:fld>
             <a:endParaRPr lang="en-CA"/>
           </a:p>
@@ -7205,7 +4406,7 @@
           <a:p>
             <a:fld id="{522DA37E-C27C-4055-98E2-DAFF9AE909DD}" type="datetime1">
               <a:rPr lang="en-CA" smtClean="0"/>
-              <a:t>25/05/2017</a:t>
+              <a:t>26/05/2017</a:t>
             </a:fld>
             <a:endParaRPr lang="en-CA"/>
           </a:p>
@@ -7482,7 +4683,7 @@
           <a:p>
             <a:fld id="{54C07254-8743-4922-83E0-01BD9B0616E2}" type="datetime1">
               <a:rPr lang="en-CA" smtClean="0"/>
-              <a:t>25/05/2017</a:t>
+              <a:t>26/05/2017</a:t>
             </a:fld>
             <a:endParaRPr lang="en-CA"/>
           </a:p>
@@ -7739,7 +4940,7 @@
           <a:p>
             <a:fld id="{45E7184B-5765-4306-B08F-4FEF9DF7655C}" type="datetime1">
               <a:rPr lang="en-CA" smtClean="0"/>
-              <a:t>25/05/2017</a:t>
+              <a:t>26/05/2017</a:t>
             </a:fld>
             <a:endParaRPr lang="en-CA"/>
           </a:p>
@@ -7950,7 +5151,7 @@
           <a:p>
             <a:fld id="{B14DAE8C-7338-4C6D-919D-0FA65621C767}" type="datetime1">
               <a:rPr lang="en-CA" smtClean="0"/>
-              <a:t>25/05/2017</a:t>
+              <a:t>26/05/2017</a:t>
             </a:fld>
             <a:endParaRPr lang="en-CA"/>
           </a:p>
@@ -8509,7 +5710,7 @@
           <a:p>
             <a:fld id="{43B07AE5-5EF2-4872-90CB-EB9B07BB7C50}" type="datetime1">
               <a:rPr lang="en-CA" smtClean="0"/>
-              <a:t>25/05/2017</a:t>
+              <a:t>26/05/2017</a:t>
             </a:fld>
             <a:endParaRPr lang="en-CA"/>
           </a:p>
@@ -8584,7 +5785,7 @@
           <p:nvPr/>
         </p:nvPicPr>
         <p:blipFill>
-          <a:blip r:embed="rId2">
+          <a:blip r:embed="rId3">
             <a:extLst>
               <a:ext uri="{28A0092B-C50C-407E-A947-70E740481C1C}">
                 <a14:useLocalDpi xmlns:a14="http://schemas.microsoft.com/office/drawing/2010/main" val="0"/>
@@ -8844,7 +6045,7 @@
           <a:p>
             <a:fld id="{3898490E-7F1B-404B-B979-5AD6C5802BCE}" type="datetime1">
               <a:rPr lang="en-CA" smtClean="0"/>
-              <a:t>25/05/2017</a:t>
+              <a:t>26/05/2017</a:t>
             </a:fld>
             <a:endParaRPr lang="en-CA"/>
           </a:p>
@@ -9072,7 +6273,6 @@
               <a:rPr lang="en-CA" sz="1600" dirty="0" smtClean="0"/>
               <a:t>11]</a:t>
             </a:r>
-            <a:endParaRPr lang="en-CA" sz="1600" dirty="0" smtClean="0"/>
           </a:p>
           <a:p>
             <a:pPr marL="1200150" lvl="2" indent="-342900"/>
@@ -9210,7 +6410,7 @@
           <a:p>
             <a:fld id="{6D242BE0-C77A-4230-862D-BF2B9D388E0E}" type="datetime1">
               <a:rPr lang="en-CA" smtClean="0"/>
-              <a:t>25/05/2017</a:t>
+              <a:t>26/05/2017</a:t>
             </a:fld>
             <a:endParaRPr lang="en-CA"/>
           </a:p>
@@ -9294,212 +6494,12 @@
           <a:lstStyle/>
           <a:p>
             <a:r>
-              <a:rPr lang="en-CA" dirty="0" smtClean="0"/>
-              <a:t>Dynamic </a:t>
-            </a:r>
-            <a:r>
-              <a:rPr lang="en-CA" dirty="0"/>
-              <a:t>tailoring of RETE </a:t>
-            </a:r>
-            <a:r>
-              <a:rPr lang="en-CA" dirty="0" smtClean="0"/>
-              <a:t>networks</a:t>
-            </a:r>
-            <a:endParaRPr lang="en-CA" dirty="0"/>
-          </a:p>
-        </p:txBody>
-      </p:sp>
-      <p:pic>
-        <p:nvPicPr>
-          <p:cNvPr id="5" name="Picture 4"/>
-          <p:cNvPicPr>
-            <a:picLocks noChangeAspect="1"/>
-          </p:cNvPicPr>
-          <p:nvPr/>
-        </p:nvPicPr>
-        <p:blipFill>
-          <a:blip r:embed="rId3">
-            <a:extLst>
-              <a:ext uri="{28A0092B-C50C-407E-A947-70E740481C1C}">
-                <a14:useLocalDpi xmlns:a14="http://schemas.microsoft.com/office/drawing/2010/main" val="0"/>
-              </a:ext>
-            </a:extLst>
-          </a:blip>
-          <a:stretch>
-            <a:fillRect/>
-          </a:stretch>
-        </p:blipFill>
-        <p:spPr>
-          <a:xfrm>
-            <a:off x="1466850" y="1997328"/>
-            <a:ext cx="8620125" cy="4783164"/>
-          </a:xfrm>
-          <a:prstGeom prst="rect">
-            <a:avLst/>
-          </a:prstGeom>
-        </p:spPr>
-      </p:pic>
-      <p:sp>
-        <p:nvSpPr>
-          <p:cNvPr id="6" name="TextBox 5"/>
-          <p:cNvSpPr txBox="1"/>
-          <p:nvPr/>
-        </p:nvSpPr>
-        <p:spPr>
-          <a:xfrm>
-            <a:off x="949123" y="1595628"/>
-            <a:ext cx="5231757" cy="369332"/>
-          </a:xfrm>
-          <a:prstGeom prst="rect">
-            <a:avLst/>
-          </a:prstGeom>
-          <a:noFill/>
-        </p:spPr>
-        <p:txBody>
-          <a:bodyPr wrap="square" rtlCol="0">
-            <a:spAutoFit/>
-          </a:bodyPr>
-          <a:lstStyle/>
-          <a:p>
-            <a:r>
-              <a:rPr lang="en-US" b="1" dirty="0">
-                <a:solidFill>
-                  <a:srgbClr val="52514F"/>
-                </a:solidFill>
-              </a:rPr>
-              <a:t>Responsiveness to Incremental Reasoning </a:t>
-            </a:r>
-            <a:r>
-              <a:rPr lang="en-US" b="1" dirty="0" smtClean="0">
-                <a:solidFill>
-                  <a:srgbClr val="52514F"/>
-                </a:solidFill>
-              </a:rPr>
-              <a:t>Scenarios</a:t>
-            </a:r>
-            <a:endParaRPr lang="en-CA" b="1" dirty="0">
-              <a:solidFill>
-                <a:srgbClr val="52514F"/>
-              </a:solidFill>
-            </a:endParaRPr>
-          </a:p>
-        </p:txBody>
-      </p:sp>
-      <p:sp>
-        <p:nvSpPr>
-          <p:cNvPr id="3" name="Date Placeholder 2"/>
-          <p:cNvSpPr>
-            <a:spLocks noGrp="1"/>
-          </p:cNvSpPr>
-          <p:nvPr>
-            <p:ph type="dt" sz="half" idx="10"/>
-          </p:nvPr>
-        </p:nvSpPr>
-        <p:spPr/>
-        <p:txBody>
-          <a:bodyPr/>
-          <a:lstStyle/>
-          <a:p>
-            <a:fld id="{3096AAE5-5DCE-4DBE-B8B9-CC0417094FD4}" type="datetime1">
-              <a:rPr lang="en-CA" smtClean="0"/>
-              <a:t>25/05/2017</a:t>
-            </a:fld>
-            <a:endParaRPr lang="en-CA"/>
-          </a:p>
-        </p:txBody>
-      </p:sp>
-      <p:sp>
-        <p:nvSpPr>
-          <p:cNvPr id="4" name="Slide Number Placeholder 3"/>
-          <p:cNvSpPr>
-            <a:spLocks noGrp="1"/>
-          </p:cNvSpPr>
-          <p:nvPr>
-            <p:ph type="sldNum" sz="quarter" idx="12"/>
-          </p:nvPr>
-        </p:nvSpPr>
-        <p:spPr/>
-        <p:txBody>
-          <a:bodyPr/>
-          <a:lstStyle/>
-          <a:p>
-            <a:fld id="{1238C4B7-3C1E-4FA0-9C76-FE5833939200}" type="slidenum">
-              <a:rPr lang="en-CA" smtClean="0"/>
-              <a:t>12</a:t>
-            </a:fld>
-            <a:endParaRPr lang="en-CA"/>
-          </a:p>
-        </p:txBody>
-      </p:sp>
-    </p:spTree>
-    <p:extLst>
-      <p:ext uri="{BB962C8B-B14F-4D97-AF65-F5344CB8AC3E}">
-        <p14:creationId xmlns:p14="http://schemas.microsoft.com/office/powerpoint/2010/main" val="1857295664"/>
-      </p:ext>
-    </p:extLst>
-  </p:cSld>
-  <p:clrMapOvr>
-    <a:masterClrMapping/>
-  </p:clrMapOvr>
-  <p:timing>
-    <p:tnLst>
-      <p:par>
-        <p:cTn id="1" dur="indefinite" restart="never" nodeType="tmRoot"/>
-      </p:par>
-    </p:tnLst>
-  </p:timing>
-</p:sld>
-</file>
-
-<file path=ppt/slides/slide13.xml><?xml version="1.0" encoding="utf-8"?>
-<p:sld xmlns:a="http://schemas.openxmlformats.org/drawingml/2006/main" xmlns:r="http://schemas.openxmlformats.org/officeDocument/2006/relationships" xmlns:p="http://schemas.openxmlformats.org/presentationml/2006/main">
-  <p:cSld>
-    <p:spTree>
-      <p:nvGrpSpPr>
-        <p:cNvPr id="1" name=""/>
-        <p:cNvGrpSpPr/>
-        <p:nvPr/>
-      </p:nvGrpSpPr>
-      <p:grpSpPr>
-        <a:xfrm>
-          <a:off x="0" y="0"/>
-          <a:ext cx="0" cy="0"/>
-          <a:chOff x="0" y="0"/>
-          <a:chExt cx="0" cy="0"/>
-        </a:xfrm>
-      </p:grpSpPr>
-      <p:sp>
-        <p:nvSpPr>
-          <p:cNvPr id="2" name="Title 1"/>
-          <p:cNvSpPr>
-            <a:spLocks noGrp="1"/>
-          </p:cNvSpPr>
-          <p:nvPr>
-            <p:ph type="title"/>
-          </p:nvPr>
-        </p:nvSpPr>
-        <p:spPr/>
-        <p:txBody>
-          <a:bodyPr>
-            <a:normAutofit/>
-          </a:bodyPr>
-          <a:lstStyle/>
-          <a:p>
-            <a:r>
               <a:rPr lang="en-CA" i="1" dirty="0" smtClean="0"/>
               <a:t>Dataset-mask</a:t>
             </a:r>
             <a:r>
               <a:rPr lang="en-CA" dirty="0" smtClean="0"/>
-              <a:t>: </a:t>
-            </a:r>
-            <a:r>
-              <a:rPr lang="en-CA" dirty="0" smtClean="0"/>
-              <a:t>Evaluation </a:t>
-            </a:r>
-            <a:r>
-              <a:rPr lang="en-CA" dirty="0" smtClean="0"/>
-              <a:t>(1)</a:t>
+              <a:t>: Evaluation (1)</a:t>
             </a:r>
             <a:endParaRPr lang="en-CA" dirty="0"/>
           </a:p>
@@ -10241,7 +7241,7 @@
           <a:p>
             <a:fld id="{5A114AFF-F195-44F3-9AFA-66A0F0280E9D}" type="datetime1">
               <a:rPr lang="en-CA" smtClean="0"/>
-              <a:t>25/05/2017</a:t>
+              <a:t>26/05/2017</a:t>
             </a:fld>
             <a:endParaRPr lang="en-CA"/>
           </a:p>
@@ -10264,7 +7264,7 @@
           <a:p>
             <a:fld id="{1238C4B7-3C1E-4FA0-9C76-FE5833939200}" type="slidenum">
               <a:rPr lang="en-CA" smtClean="0"/>
-              <a:t>13</a:t>
+              <a:t>12</a:t>
             </a:fld>
             <a:endParaRPr lang="en-CA"/>
           </a:p>
@@ -10918,7 +7918,7 @@
 </p:sld>
 </file>
 
-<file path=ppt/slides/slide14.xml><?xml version="1.0" encoding="utf-8"?>
+<file path=ppt/slides/slide13.xml><?xml version="1.0" encoding="utf-8"?>
 <p:sld xmlns:a="http://schemas.openxmlformats.org/drawingml/2006/main" xmlns:r="http://schemas.openxmlformats.org/officeDocument/2006/relationships" xmlns:p="http://schemas.openxmlformats.org/presentationml/2006/main">
   <p:cSld>
     <p:spTree>
@@ -10956,19 +7956,7 @@
             </a:r>
             <a:r>
               <a:rPr lang="en-CA" dirty="0" smtClean="0"/>
-              <a:t>: </a:t>
-            </a:r>
-            <a:r>
-              <a:rPr lang="en-CA" dirty="0" smtClean="0"/>
-              <a:t>Ev</a:t>
-            </a:r>
-            <a:r>
-              <a:rPr lang="en-CA" dirty="0" smtClean="0"/>
-              <a:t>aluation </a:t>
-            </a:r>
-            <a:r>
-              <a:rPr lang="en-CA" dirty="0" smtClean="0"/>
-              <a:t>(2)</a:t>
+              <a:t>: Evaluation (2)</a:t>
             </a:r>
             <a:endParaRPr lang="en-CA" i="1" dirty="0"/>
           </a:p>
@@ -11116,7 +8104,7 @@
           <a:p>
             <a:fld id="{EA2AC138-0074-40E9-9448-CA30F323B1CF}" type="datetime1">
               <a:rPr lang="en-CA" smtClean="0"/>
-              <a:t>25/05/2017</a:t>
+              <a:t>26/05/2017</a:t>
             </a:fld>
             <a:endParaRPr lang="en-CA"/>
           </a:p>
@@ -11139,7 +8127,7 @@
           <a:p>
             <a:fld id="{1238C4B7-3C1E-4FA0-9C76-FE5833939200}" type="slidenum">
               <a:rPr lang="en-CA" smtClean="0"/>
-              <a:t>14</a:t>
+              <a:t>13</a:t>
             </a:fld>
             <a:endParaRPr lang="en-CA"/>
           </a:p>
@@ -11165,7 +8153,7 @@
 </p:sld>
 </file>
 
-<file path=ppt/slides/slide15.xml><?xml version="1.0" encoding="utf-8"?>
+<file path=ppt/slides/slide14.xml><?xml version="1.0" encoding="utf-8"?>
 <p:sld xmlns:a="http://schemas.openxmlformats.org/drawingml/2006/main" xmlns:r="http://schemas.openxmlformats.org/officeDocument/2006/relationships" xmlns:p="http://schemas.openxmlformats.org/presentationml/2006/main">
   <p:cSld>
     <p:spTree>
@@ -11203,11 +8191,7 @@
             </a:r>
             <a:r>
               <a:rPr lang="en-CA" dirty="0" smtClean="0"/>
-              <a:t>: </a:t>
-            </a:r>
-            <a:r>
-              <a:rPr lang="en-CA" dirty="0" smtClean="0"/>
-              <a:t>Evaluation</a:t>
+              <a:t>: Evaluation</a:t>
             </a:r>
             <a:endParaRPr lang="en-CA" dirty="0"/>
           </a:p>
@@ -11235,8 +8219,8 @@
         </p:blipFill>
         <p:spPr>
           <a:xfrm>
-            <a:off x="2868130" y="1682260"/>
-            <a:ext cx="6192764" cy="1803128"/>
+            <a:off x="2876803" y="1682260"/>
+            <a:ext cx="6175418" cy="1803128"/>
           </a:xfrm>
           <a:prstGeom prst="rect">
             <a:avLst/>
@@ -11281,7 +8265,7 @@
         </p:nvSpPr>
         <p:spPr>
           <a:xfrm>
-            <a:off x="3228975" y="2581275"/>
+            <a:off x="3268303" y="2591107"/>
             <a:ext cx="1190625" cy="257175"/>
           </a:xfrm>
           <a:prstGeom prst="rect">
@@ -11980,7 +8964,7 @@
           <a:p>
             <a:fld id="{BC042625-1509-409A-BC22-8F22810715F5}" type="datetime1">
               <a:rPr lang="en-CA" smtClean="0"/>
-              <a:t>25/05/2017</a:t>
+              <a:t>26/05/2017</a:t>
             </a:fld>
             <a:endParaRPr lang="en-CA"/>
           </a:p>
@@ -12003,7 +8987,7 @@
           <a:p>
             <a:fld id="{1238C4B7-3C1E-4FA0-9C76-FE5833939200}" type="slidenum">
               <a:rPr lang="en-CA" smtClean="0"/>
-              <a:t>15</a:t>
+              <a:t>14</a:t>
             </a:fld>
             <a:endParaRPr lang="en-CA"/>
           </a:p>
@@ -12738,7 +9722,7 @@
 </p:sld>
 </file>
 
-<file path=ppt/slides/slide16.xml><?xml version="1.0" encoding="utf-8"?>
+<file path=ppt/slides/slide15.xml><?xml version="1.0" encoding="utf-8"?>
 <p:sld xmlns:a="http://schemas.openxmlformats.org/drawingml/2006/main" xmlns:r="http://schemas.openxmlformats.org/officeDocument/2006/relationships" xmlns:p="http://schemas.openxmlformats.org/presentationml/2006/main">
   <p:cSld>
     <p:spTree>
@@ -12789,11 +9773,7 @@
             </a:br>
             <a:r>
               <a:rPr lang="en-CA" sz="3100" dirty="0" smtClean="0"/>
-              <a:t>Future </a:t>
-            </a:r>
-            <a:r>
-              <a:rPr lang="en-CA" sz="3100" dirty="0" smtClean="0"/>
-              <a:t>work (in progress)</a:t>
+              <a:t>Future work (in progress)</a:t>
             </a:r>
             <a:endParaRPr lang="en-CA" sz="2700" dirty="0"/>
           </a:p>
@@ -13001,7 +9981,7 @@
           <a:p>
             <a:fld id="{503A7B79-DB2D-4A3A-90EB-C7136F37409A}" type="datetime1">
               <a:rPr lang="en-CA" smtClean="0"/>
-              <a:t>25/05/2017</a:t>
+              <a:t>26/05/2017</a:t>
             </a:fld>
             <a:endParaRPr lang="en-CA"/>
           </a:p>
@@ -13024,7 +10004,7 @@
           <a:p>
             <a:fld id="{1238C4B7-3C1E-4FA0-9C76-FE5833939200}" type="slidenum">
               <a:rPr lang="en-CA" smtClean="0"/>
-              <a:t>16</a:t>
+              <a:t>15</a:t>
             </a:fld>
             <a:endParaRPr lang="en-CA"/>
           </a:p>
@@ -13050,7 +10030,7 @@
 </p:sld>
 </file>
 
-<file path=ppt/slides/slide17.xml><?xml version="1.0" encoding="utf-8"?>
+<file path=ppt/slides/slide16.xml><?xml version="1.0" encoding="utf-8"?>
 <p:sld xmlns:a="http://schemas.openxmlformats.org/drawingml/2006/main" xmlns:r="http://schemas.openxmlformats.org/officeDocument/2006/relationships" xmlns:p="http://schemas.openxmlformats.org/presentationml/2006/main">
   <p:cSld>
     <p:spTree>
@@ -13076,7 +10056,7 @@
           <p:nvPr/>
         </p:nvPicPr>
         <p:blipFill>
-          <a:blip r:embed="rId2">
+          <a:blip r:embed="rId3">
             <a:extLst>
               <a:ext uri="{28A0092B-C50C-407E-A947-70E740481C1C}">
                 <a14:useLocalDpi xmlns:a14="http://schemas.microsoft.com/office/drawing/2010/main" val="0"/>
@@ -13204,7 +10184,7 @@
           <a:p>
             <a:fld id="{64CB2766-0896-4834-9051-F9B21CBB5EE0}" type="datetime1">
               <a:rPr lang="en-CA" smtClean="0"/>
-              <a:t>25/05/2017</a:t>
+              <a:t>26/05/2017</a:t>
             </a:fld>
             <a:endParaRPr lang="en-CA"/>
           </a:p>
@@ -13227,7 +10207,7 @@
           <a:p>
             <a:fld id="{1238C4B7-3C1E-4FA0-9C76-FE5833939200}" type="slidenum">
               <a:rPr lang="en-CA" smtClean="0"/>
-              <a:t>17</a:t>
+              <a:t>16</a:t>
             </a:fld>
             <a:endParaRPr lang="en-CA"/>
           </a:p>
@@ -13473,7 +10453,7 @@
 </p:sld>
 </file>
 
-<file path=ppt/slides/slide18.xml><?xml version="1.0" encoding="utf-8"?>
+<file path=ppt/slides/slide17.xml><?xml version="1.0" encoding="utf-8"?>
 <p:sld xmlns:a="http://schemas.openxmlformats.org/drawingml/2006/main" xmlns:r="http://schemas.openxmlformats.org/officeDocument/2006/relationships" xmlns:p="http://schemas.openxmlformats.org/presentationml/2006/main">
   <p:cSld>
     <p:spTree>
@@ -13499,7 +10479,7 @@
           <p:nvPr/>
         </p:nvPicPr>
         <p:blipFill>
-          <a:blip r:embed="rId2">
+          <a:blip r:embed="rId3">
             <a:extLst>
               <a:ext uri="{28A0092B-C50C-407E-A947-70E740481C1C}">
                 <a14:useLocalDpi xmlns:a14="http://schemas.microsoft.com/office/drawing/2010/main" val="0"/>
@@ -13619,7 +10599,7 @@
           <a:p>
             <a:fld id="{64CB2766-0896-4834-9051-F9B21CBB5EE0}" type="datetime1">
               <a:rPr lang="en-CA" smtClean="0"/>
-              <a:t>25/05/2017</a:t>
+              <a:t>26/05/2017</a:t>
             </a:fld>
             <a:endParaRPr lang="en-CA"/>
           </a:p>
@@ -13642,7 +10622,7 @@
           <a:p>
             <a:fld id="{1238C4B7-3C1E-4FA0-9C76-FE5833939200}" type="slidenum">
               <a:rPr lang="en-CA" smtClean="0"/>
-              <a:t>18</a:t>
+              <a:t>17</a:t>
             </a:fld>
             <a:endParaRPr lang="en-CA"/>
           </a:p>
@@ -14047,7 +11027,7 @@
 </p:sld>
 </file>
 
-<file path=ppt/slides/slide19.xml><?xml version="1.0" encoding="utf-8"?>
+<file path=ppt/slides/slide18.xml><?xml version="1.0" encoding="utf-8"?>
 <p:sld xmlns:a="http://schemas.openxmlformats.org/drawingml/2006/main" xmlns:r="http://schemas.openxmlformats.org/officeDocument/2006/relationships" xmlns:p="http://schemas.openxmlformats.org/presentationml/2006/main">
   <p:cSld>
     <p:spTree>
@@ -14171,7 +11151,7 @@
           <a:p>
             <a:fld id="{64CB2766-0896-4834-9051-F9B21CBB5EE0}" type="datetime1">
               <a:rPr lang="en-CA" smtClean="0"/>
-              <a:t>25/05/2017</a:t>
+              <a:t>26/05/2017</a:t>
             </a:fld>
             <a:endParaRPr lang="en-CA"/>
           </a:p>
@@ -14194,7 +11174,7 @@
           <a:p>
             <a:fld id="{1238C4B7-3C1E-4FA0-9C76-FE5833939200}" type="slidenum">
               <a:rPr lang="en-CA" smtClean="0"/>
-              <a:t>19</a:t>
+              <a:t>18</a:t>
             </a:fld>
             <a:endParaRPr lang="en-CA"/>
           </a:p>
@@ -14209,7 +11189,7 @@
           <p:nvPr/>
         </p:nvPicPr>
         <p:blipFill>
-          <a:blip r:embed="rId2">
+          <a:blip r:embed="rId3">
             <a:extLst>
               <a:ext uri="{28A0092B-C50C-407E-A947-70E740481C1C}">
                 <a14:useLocalDpi xmlns:a14="http://schemas.microsoft.com/office/drawing/2010/main" val="0"/>
@@ -14629,6 +11609,149 @@
 </p:sld>
 </file>
 
+<file path=ppt/slides/slide19.xml><?xml version="1.0" encoding="utf-8"?>
+<p:sld xmlns:a="http://schemas.openxmlformats.org/drawingml/2006/main" xmlns:r="http://schemas.openxmlformats.org/officeDocument/2006/relationships" xmlns:p="http://schemas.openxmlformats.org/presentationml/2006/main">
+  <p:cSld>
+    <p:spTree>
+      <p:nvGrpSpPr>
+        <p:cNvPr id="1" name=""/>
+        <p:cNvGrpSpPr/>
+        <p:nvPr/>
+      </p:nvGrpSpPr>
+      <p:grpSpPr>
+        <a:xfrm>
+          <a:off x="0" y="0"/>
+          <a:ext cx="0" cy="0"/>
+          <a:chOff x="0" y="0"/>
+          <a:chExt cx="0" cy="0"/>
+        </a:xfrm>
+      </p:grpSpPr>
+      <p:sp>
+        <p:nvSpPr>
+          <p:cNvPr id="2" name="Title 1"/>
+          <p:cNvSpPr>
+            <a:spLocks noGrp="1"/>
+          </p:cNvSpPr>
+          <p:nvPr>
+            <p:ph type="title"/>
+          </p:nvPr>
+        </p:nvSpPr>
+        <p:spPr/>
+        <p:txBody>
+          <a:bodyPr/>
+          <a:lstStyle/>
+          <a:p>
+            <a:r>
+              <a:rPr lang="en-CA" dirty="0" smtClean="0"/>
+              <a:t>Questions?</a:t>
+            </a:r>
+            <a:endParaRPr lang="en-CA" dirty="0"/>
+          </a:p>
+        </p:txBody>
+      </p:sp>
+      <p:sp>
+        <p:nvSpPr>
+          <p:cNvPr id="3" name="Content Placeholder 2"/>
+          <p:cNvSpPr>
+            <a:spLocks noGrp="1"/>
+          </p:cNvSpPr>
+          <p:nvPr>
+            <p:ph idx="1"/>
+          </p:nvPr>
+        </p:nvSpPr>
+        <p:spPr/>
+        <p:txBody>
+          <a:bodyPr/>
+          <a:lstStyle/>
+          <a:p>
+            <a:r>
+              <a:rPr lang="en-CA" b="1" dirty="0" smtClean="0"/>
+              <a:t>E-mail</a:t>
+            </a:r>
+            <a:r>
+              <a:rPr lang="en-CA" dirty="0" smtClean="0"/>
+              <a:t>: </a:t>
+            </a:r>
+            <a:r>
+              <a:rPr lang="en-CA" dirty="0" smtClean="0">
+                <a:hlinkClick r:id="rId3"/>
+              </a:rPr>
+              <a:t>william.van.woensel@gmail.com</a:t>
+            </a:r>
+            <a:r>
+              <a:rPr lang="en-CA" dirty="0" smtClean="0"/>
+              <a:t> </a:t>
+            </a:r>
+            <a:endParaRPr lang="en-CA" dirty="0"/>
+          </a:p>
+        </p:txBody>
+      </p:sp>
+      <p:sp>
+        <p:nvSpPr>
+          <p:cNvPr id="4" name="Date Placeholder 3"/>
+          <p:cNvSpPr>
+            <a:spLocks noGrp="1"/>
+          </p:cNvSpPr>
+          <p:nvPr>
+            <p:ph type="dt" sz="half" idx="10"/>
+          </p:nvPr>
+        </p:nvSpPr>
+        <p:spPr/>
+        <p:txBody>
+          <a:bodyPr/>
+          <a:lstStyle/>
+          <a:p>
+            <a:fld id="{64CB2766-0896-4834-9051-F9B21CBB5EE0}" type="datetime1">
+              <a:rPr lang="en-CA" smtClean="0"/>
+              <a:t>26/05/2017</a:t>
+            </a:fld>
+            <a:endParaRPr lang="en-CA"/>
+          </a:p>
+        </p:txBody>
+      </p:sp>
+      <p:sp>
+        <p:nvSpPr>
+          <p:cNvPr id="5" name="Slide Number Placeholder 4"/>
+          <p:cNvSpPr>
+            <a:spLocks noGrp="1"/>
+          </p:cNvSpPr>
+          <p:nvPr>
+            <p:ph type="sldNum" sz="quarter" idx="12"/>
+          </p:nvPr>
+        </p:nvSpPr>
+        <p:spPr/>
+        <p:txBody>
+          <a:bodyPr/>
+          <a:lstStyle/>
+          <a:p>
+            <a:fld id="{1238C4B7-3C1E-4FA0-9C76-FE5833939200}" type="slidenum">
+              <a:rPr lang="en-CA" smtClean="0"/>
+              <a:t>19</a:t>
+            </a:fld>
+            <a:endParaRPr lang="en-CA"/>
+          </a:p>
+        </p:txBody>
+      </p:sp>
+    </p:spTree>
+    <p:extLst>
+      <p:ext uri="{BB962C8B-B14F-4D97-AF65-F5344CB8AC3E}">
+        <p14:creationId xmlns:p14="http://schemas.microsoft.com/office/powerpoint/2010/main" val="1325193602"/>
+      </p:ext>
+    </p:extLst>
+  </p:cSld>
+  <p:clrMapOvr>
+    <a:masterClrMapping/>
+  </p:clrMapOvr>
+  <p:timing>
+    <p:tnLst>
+      <p:par>
+        <p:cTn id="1" dur="indefinite" restart="never" nodeType="tmRoot"/>
+      </p:par>
+    </p:tnLst>
+  </p:timing>
+</p:sld>
+</file>
+
 <file path=ppt/slides/slide2.xml><?xml version="1.0" encoding="utf-8"?>
 <p:sld xmlns:a="http://schemas.openxmlformats.org/drawingml/2006/main" xmlns:r="http://schemas.openxmlformats.org/officeDocument/2006/relationships" xmlns:p="http://schemas.openxmlformats.org/presentationml/2006/main">
   <p:cSld>
@@ -14737,7 +11860,7 @@
           <p:nvPr/>
         </p:nvPicPr>
         <p:blipFill>
-          <a:blip r:embed="rId2">
+          <a:blip r:embed="rId3">
             <a:extLst>
               <a:ext uri="{28A0092B-C50C-407E-A947-70E740481C1C}">
                 <a14:useLocalDpi xmlns:a14="http://schemas.microsoft.com/office/drawing/2010/main" val="0"/>
@@ -14767,7 +11890,7 @@
           <p:nvPr/>
         </p:nvPicPr>
         <p:blipFill>
-          <a:blip r:embed="rId3">
+          <a:blip r:embed="rId4">
             <a:extLst>
               <a:ext uri="{28A0092B-C50C-407E-A947-70E740481C1C}">
                 <a14:useLocalDpi xmlns:a14="http://schemas.microsoft.com/office/drawing/2010/main" val="0"/>
@@ -14797,7 +11920,7 @@
           <p:nvPr/>
         </p:nvPicPr>
         <p:blipFill>
-          <a:blip r:embed="rId4" cstate="print">
+          <a:blip r:embed="rId5" cstate="print">
             <a:extLst>
               <a:ext uri="{28A0092B-C50C-407E-A947-70E740481C1C}">
                 <a14:useLocalDpi xmlns:a14="http://schemas.microsoft.com/office/drawing/2010/main" val="0"/>
@@ -14896,15 +12019,7 @@
                   <a:srgbClr val="52514F"/>
                 </a:solidFill>
               </a:rPr>
-              <a:t>correction of electrolytes </a:t>
-            </a:r>
-            <a:r>
-              <a:rPr lang="en-CA" sz="1200" b="1" dirty="0" smtClean="0">
-                <a:solidFill>
-                  <a:srgbClr val="52514F"/>
-                </a:solidFill>
-              </a:rPr>
-              <a:t>[1]</a:t>
+              <a:t>correction of electrolytes [1]</a:t>
             </a:r>
             <a:endParaRPr lang="en-CA" sz="1200" b="1" dirty="0">
               <a:solidFill>
@@ -14942,15 +12057,7 @@
                   <a:srgbClr val="52514F"/>
                 </a:solidFill>
               </a:rPr>
-              <a:t>ACEI upitration </a:t>
-            </a:r>
-            <a:r>
-              <a:rPr lang="en-CA" sz="1200" b="1" dirty="0" smtClean="0">
-                <a:solidFill>
-                  <a:srgbClr val="52514F"/>
-                </a:solidFill>
-              </a:rPr>
-              <a:t>[1]</a:t>
+              <a:t>ACEI upitration [1]</a:t>
             </a:r>
             <a:endParaRPr lang="en-CA" sz="1200" b="1" dirty="0">
               <a:solidFill>
@@ -14977,7 +12084,7 @@
           <a:p>
             <a:fld id="{F487DFF7-E5D7-4009-8739-C31B6600638A}" type="datetime1">
               <a:rPr lang="en-CA" smtClean="0"/>
-              <a:t>25/05/2017</a:t>
+              <a:t>26/05/2017</a:t>
             </a:fld>
             <a:endParaRPr lang="en-CA"/>
           </a:p>
@@ -15060,149 +12167,6 @@
           <a:p>
             <a:r>
               <a:rPr lang="en-CA" dirty="0" smtClean="0"/>
-              <a:t>Questions?</a:t>
-            </a:r>
-            <a:endParaRPr lang="en-CA" dirty="0"/>
-          </a:p>
-        </p:txBody>
-      </p:sp>
-      <p:sp>
-        <p:nvSpPr>
-          <p:cNvPr id="3" name="Content Placeholder 2"/>
-          <p:cNvSpPr>
-            <a:spLocks noGrp="1"/>
-          </p:cNvSpPr>
-          <p:nvPr>
-            <p:ph idx="1"/>
-          </p:nvPr>
-        </p:nvSpPr>
-        <p:spPr/>
-        <p:txBody>
-          <a:bodyPr/>
-          <a:lstStyle/>
-          <a:p>
-            <a:r>
-              <a:rPr lang="en-CA" b="1" dirty="0" smtClean="0"/>
-              <a:t>E-mail</a:t>
-            </a:r>
-            <a:r>
-              <a:rPr lang="en-CA" dirty="0" smtClean="0"/>
-              <a:t>: </a:t>
-            </a:r>
-            <a:r>
-              <a:rPr lang="en-CA" dirty="0" smtClean="0">
-                <a:hlinkClick r:id="rId2"/>
-              </a:rPr>
-              <a:t>william.van.woensel@gmail.com</a:t>
-            </a:r>
-            <a:r>
-              <a:rPr lang="en-CA" dirty="0" smtClean="0"/>
-              <a:t> </a:t>
-            </a:r>
-            <a:endParaRPr lang="en-CA" dirty="0"/>
-          </a:p>
-        </p:txBody>
-      </p:sp>
-      <p:sp>
-        <p:nvSpPr>
-          <p:cNvPr id="4" name="Date Placeholder 3"/>
-          <p:cNvSpPr>
-            <a:spLocks noGrp="1"/>
-          </p:cNvSpPr>
-          <p:nvPr>
-            <p:ph type="dt" sz="half" idx="10"/>
-          </p:nvPr>
-        </p:nvSpPr>
-        <p:spPr/>
-        <p:txBody>
-          <a:bodyPr/>
-          <a:lstStyle/>
-          <a:p>
-            <a:fld id="{64CB2766-0896-4834-9051-F9B21CBB5EE0}" type="datetime1">
-              <a:rPr lang="en-CA" smtClean="0"/>
-              <a:t>25/05/2017</a:t>
-            </a:fld>
-            <a:endParaRPr lang="en-CA"/>
-          </a:p>
-        </p:txBody>
-      </p:sp>
-      <p:sp>
-        <p:nvSpPr>
-          <p:cNvPr id="5" name="Slide Number Placeholder 4"/>
-          <p:cNvSpPr>
-            <a:spLocks noGrp="1"/>
-          </p:cNvSpPr>
-          <p:nvPr>
-            <p:ph type="sldNum" sz="quarter" idx="12"/>
-          </p:nvPr>
-        </p:nvSpPr>
-        <p:spPr/>
-        <p:txBody>
-          <a:bodyPr/>
-          <a:lstStyle/>
-          <a:p>
-            <a:fld id="{1238C4B7-3C1E-4FA0-9C76-FE5833939200}" type="slidenum">
-              <a:rPr lang="en-CA" smtClean="0"/>
-              <a:t>20</a:t>
-            </a:fld>
-            <a:endParaRPr lang="en-CA"/>
-          </a:p>
-        </p:txBody>
-      </p:sp>
-    </p:spTree>
-    <p:extLst>
-      <p:ext uri="{BB962C8B-B14F-4D97-AF65-F5344CB8AC3E}">
-        <p14:creationId xmlns:p14="http://schemas.microsoft.com/office/powerpoint/2010/main" val="1325193602"/>
-      </p:ext>
-    </p:extLst>
-  </p:cSld>
-  <p:clrMapOvr>
-    <a:masterClrMapping/>
-  </p:clrMapOvr>
-  <p:timing>
-    <p:tnLst>
-      <p:par>
-        <p:cTn id="1" dur="indefinite" restart="never" nodeType="tmRoot"/>
-      </p:par>
-    </p:tnLst>
-  </p:timing>
-</p:sld>
-</file>
-
-<file path=ppt/slides/slide21.xml><?xml version="1.0" encoding="utf-8"?>
-<p:sld xmlns:a="http://schemas.openxmlformats.org/drawingml/2006/main" xmlns:r="http://schemas.openxmlformats.org/officeDocument/2006/relationships" xmlns:p="http://schemas.openxmlformats.org/presentationml/2006/main">
-  <p:cSld>
-    <p:spTree>
-      <p:nvGrpSpPr>
-        <p:cNvPr id="1" name=""/>
-        <p:cNvGrpSpPr/>
-        <p:nvPr/>
-      </p:nvGrpSpPr>
-      <p:grpSpPr>
-        <a:xfrm>
-          <a:off x="0" y="0"/>
-          <a:ext cx="0" cy="0"/>
-          <a:chOff x="0" y="0"/>
-          <a:chExt cx="0" cy="0"/>
-        </a:xfrm>
-      </p:grpSpPr>
-      <p:sp>
-        <p:nvSpPr>
-          <p:cNvPr id="2" name="Title 1"/>
-          <p:cNvSpPr>
-            <a:spLocks noGrp="1"/>
-          </p:cNvSpPr>
-          <p:nvPr>
-            <p:ph type="title"/>
-          </p:nvPr>
-        </p:nvSpPr>
-        <p:spPr/>
-        <p:txBody>
-          <a:bodyPr/>
-          <a:lstStyle/>
-          <a:p>
-            <a:r>
-              <a:rPr lang="en-CA" dirty="0" smtClean="0"/>
               <a:t>References</a:t>
             </a:r>
             <a:endParaRPr lang="en-CA" dirty="0"/>
@@ -15261,11 +12225,7 @@
             </a:r>
             <a:r>
               <a:rPr lang="en-CA" sz="1400" dirty="0" smtClean="0"/>
-              <a:t>. PhD Thesis, 2010</a:t>
-            </a:r>
-            <a:r>
-              <a:rPr lang="en-CA" sz="1400" dirty="0" smtClean="0"/>
-              <a:t>.</a:t>
+              <a:t>. PhD Thesis, 2010.</a:t>
             </a:r>
           </a:p>
           <a:p>
@@ -15336,7 +12296,6 @@
               <a:rPr lang="en-CA" sz="1400" dirty="0" smtClean="0"/>
               <a:t>2014.</a:t>
             </a:r>
-            <a:endParaRPr lang="en-CA" sz="1400" dirty="0" smtClean="0"/>
           </a:p>
           <a:p>
             <a:pPr marL="0" indent="0">
@@ -15822,11 +12781,7 @@
             </a:pPr>
             <a:r>
               <a:rPr lang="en-CA" sz="1400" dirty="0" smtClean="0"/>
-              <a:t>[</a:t>
-            </a:r>
-            <a:r>
-              <a:rPr lang="en-CA" sz="1400" dirty="0" smtClean="0"/>
-              <a:t>11] </a:t>
+              <a:t>[11] </a:t>
             </a:r>
             <a:r>
               <a:rPr lang="en-US" sz="1400" i="1" dirty="0"/>
@@ -15885,7 +12840,7 @@
           <a:p>
             <a:fld id="{B62F45E3-A9E9-4754-AA28-DF852443B547}" type="datetime1">
               <a:rPr lang="en-CA" smtClean="0"/>
-              <a:t>25/05/2017</a:t>
+              <a:t>26/05/2017</a:t>
             </a:fld>
             <a:endParaRPr lang="en-CA" dirty="0"/>
           </a:p>
@@ -15908,7 +12863,7 @@
           <a:p>
             <a:fld id="{1238C4B7-3C1E-4FA0-9C76-FE5833939200}" type="slidenum">
               <a:rPr lang="en-CA" smtClean="0"/>
-              <a:t>21</a:t>
+              <a:t>20</a:t>
             </a:fld>
             <a:endParaRPr lang="en-CA"/>
           </a:p>
@@ -16260,7 +13215,7 @@
           <p:nvPr/>
         </p:nvPicPr>
         <p:blipFill>
-          <a:blip r:embed="rId2" cstate="print">
+          <a:blip r:embed="rId3" cstate="print">
             <a:extLst>
               <a:ext uri="{28A0092B-C50C-407E-A947-70E740481C1C}">
                 <a14:useLocalDpi xmlns:a14="http://schemas.microsoft.com/office/drawing/2010/main" val="0"/>
@@ -16290,7 +13245,7 @@
           <p:nvPr/>
         </p:nvPicPr>
         <p:blipFill>
-          <a:blip r:embed="rId3">
+          <a:blip r:embed="rId4">
             <a:extLst>
               <a:ext uri="{28A0092B-C50C-407E-A947-70E740481C1C}">
                 <a14:useLocalDpi xmlns:a14="http://schemas.microsoft.com/office/drawing/2010/main" val="0"/>
@@ -16320,7 +13275,7 @@
           <p:nvPr/>
         </p:nvPicPr>
         <p:blipFill>
-          <a:blip r:embed="rId4" cstate="print">
+          <a:blip r:embed="rId5" cstate="print">
             <a:extLst>
               <a:ext uri="{28A0092B-C50C-407E-A947-70E740481C1C}">
                 <a14:useLocalDpi xmlns:a14="http://schemas.microsoft.com/office/drawing/2010/main" val="0"/>
@@ -16350,7 +13305,7 @@
           <p:nvPr/>
         </p:nvPicPr>
         <p:blipFill>
-          <a:blip r:embed="rId5"/>
+          <a:blip r:embed="rId6"/>
           <a:stretch>
             <a:fillRect/>
           </a:stretch>
@@ -16401,15 +13356,7 @@
                   <a:srgbClr val="52514F"/>
                 </a:solidFill>
               </a:rPr>
-              <a:t>CPG-DKO [</a:t>
-            </a:r>
-            <a:r>
-              <a:rPr lang="en-CA" sz="1200" b="1" dirty="0" smtClean="0">
-                <a:solidFill>
-                  <a:srgbClr val="52514F"/>
-                </a:solidFill>
-              </a:rPr>
-              <a:t>2, 3] </a:t>
+              <a:t>CPG-DKO [2, 3] </a:t>
             </a:r>
             <a:endParaRPr lang="en-CA" sz="1200" b="1" dirty="0">
               <a:solidFill>
@@ -16908,7 +13855,7 @@
                 <a:avLst/>
               </a:prstGeom>
               <a:blipFill rotWithShape="0">
-                <a:blip r:embed="rId6"/>
+                <a:blip r:embed="rId7"/>
                 <a:stretch>
                   <a:fillRect l="-290" b="-2181"/>
                 </a:stretch>
@@ -16957,15 +13904,7 @@
                   <a:srgbClr val="52514F"/>
                 </a:solidFill>
               </a:rPr>
-              <a:t>Switch [</a:t>
-            </a:r>
-            <a:r>
-              <a:rPr lang="en-CA" sz="1600" b="1" dirty="0" smtClean="0">
-                <a:solidFill>
-                  <a:srgbClr val="52514F"/>
-                </a:solidFill>
-              </a:rPr>
-              <a:t>2, 3]:</a:t>
+              <a:t>Switch [2, 3]:</a:t>
             </a:r>
             <a:endParaRPr lang="en-CA" sz="1600" b="1" dirty="0">
               <a:solidFill>
@@ -16992,7 +13931,7 @@
           <a:p>
             <a:fld id="{6F758649-0809-4034-A79D-92C26461EF17}" type="datetime1">
               <a:rPr lang="en-CA" smtClean="0"/>
-              <a:t>25/05/2017</a:t>
+              <a:t>26/05/2017</a:t>
             </a:fld>
             <a:endParaRPr lang="en-CA"/>
           </a:p>
@@ -17339,7 +14278,7 @@
           <p:nvPr/>
         </p:nvPicPr>
         <p:blipFill>
-          <a:blip r:embed="rId2" cstate="print">
+          <a:blip r:embed="rId3" cstate="print">
             <a:extLst>
               <a:ext uri="{28A0092B-C50C-407E-A947-70E740481C1C}">
                 <a14:useLocalDpi xmlns:a14="http://schemas.microsoft.com/office/drawing/2010/main" val="0"/>
@@ -17369,7 +14308,7 @@
           <p:nvPr/>
         </p:nvPicPr>
         <p:blipFill>
-          <a:blip r:embed="rId3">
+          <a:blip r:embed="rId4">
             <a:extLst>
               <a:ext uri="{28A0092B-C50C-407E-A947-70E740481C1C}">
                 <a14:useLocalDpi xmlns:a14="http://schemas.microsoft.com/office/drawing/2010/main" val="0"/>
@@ -17399,7 +14338,7 @@
           <p:nvPr/>
         </p:nvPicPr>
         <p:blipFill>
-          <a:blip r:embed="rId4">
+          <a:blip r:embed="rId5">
             <a:extLst>
               <a:ext uri="{28A0092B-C50C-407E-A947-70E740481C1C}">
                 <a14:useLocalDpi xmlns:a14="http://schemas.microsoft.com/office/drawing/2010/main" val="0"/>
@@ -17429,7 +14368,7 @@
           <p:nvPr/>
         </p:nvPicPr>
         <p:blipFill>
-          <a:blip r:embed="rId5" cstate="print">
+          <a:blip r:embed="rId6" cstate="print">
             <a:extLst>
               <a:ext uri="{28A0092B-C50C-407E-A947-70E740481C1C}">
                 <a14:useLocalDpi xmlns:a14="http://schemas.microsoft.com/office/drawing/2010/main" val="0"/>
@@ -17467,7 +14406,7 @@
           <a:p>
             <a:fld id="{0DBA6FF8-643D-49F2-9893-D627A8B70AAA}" type="datetime1">
               <a:rPr lang="en-CA" smtClean="0"/>
-              <a:t>25/05/2017</a:t>
+              <a:t>26/05/2017</a:t>
             </a:fld>
             <a:endParaRPr lang="en-CA"/>
           </a:p>
@@ -17759,7 +14698,7 @@
           <p:nvPr/>
         </p:nvPicPr>
         <p:blipFill>
-          <a:blip r:embed="rId2" cstate="print">
+          <a:blip r:embed="rId3" cstate="print">
             <a:extLst>
               <a:ext uri="{28A0092B-C50C-407E-A947-70E740481C1C}">
                 <a14:useLocalDpi xmlns:a14="http://schemas.microsoft.com/office/drawing/2010/main" val="0"/>
@@ -17947,7 +14886,7 @@
           <a:p>
             <a:fld id="{69BFCA8C-93E9-403B-AE87-4F4C180C7035}" type="datetime1">
               <a:rPr lang="en-CA" smtClean="0"/>
-              <a:t>25/05/2017</a:t>
+              <a:t>26/05/2017</a:t>
             </a:fld>
             <a:endParaRPr lang="en-CA"/>
           </a:p>
@@ -18265,11 +15204,7 @@
             <a:pPr lvl="1"/>
             <a:r>
               <a:rPr lang="en-CA" sz="1600" dirty="0" smtClean="0"/>
-              <a:t>Recent empirical work by Bobed et al. </a:t>
-            </a:r>
-            <a:r>
-              <a:rPr lang="en-CA" sz="1600" dirty="0" smtClean="0"/>
-              <a:t>[4]:</a:t>
+              <a:t>Recent empirical work by Bobed et al. [4]:</a:t>
             </a:r>
             <a:endParaRPr lang="en-CA" sz="1600" dirty="0"/>
           </a:p>
@@ -18434,7 +15369,7 @@
           <a:p>
             <a:fld id="{E3939E62-13E2-4738-AA1F-F18C0294C843}" type="datetime1">
               <a:rPr lang="en-CA" smtClean="0"/>
-              <a:t>25/05/2017</a:t>
+              <a:t>26/05/2017</a:t>
             </a:fld>
             <a:endParaRPr lang="en-CA"/>
           </a:p>
@@ -18614,7 +15549,15 @@
             </a:r>
             <a:r>
               <a:rPr lang="en-CA" sz="1600" dirty="0" smtClean="0"/>
-              <a:t>rules</a:t>
+              <a:t>rules (-</a:t>
+            </a:r>
+            <a:r>
+              <a:rPr lang="en-CA" sz="1600" i="1" dirty="0" smtClean="0"/>
+              <a:t>7 rules</a:t>
+            </a:r>
+            <a:r>
+              <a:rPr lang="en-CA" sz="1600" dirty="0" smtClean="0"/>
+              <a:t>)</a:t>
             </a:r>
           </a:p>
           <a:p>
@@ -18632,7 +15575,15 @@
             </a:r>
             <a:r>
               <a:rPr lang="en-CA" sz="1600" dirty="0" smtClean="0"/>
-              <a:t>rules &amp; axioms</a:t>
+              <a:t>rules &amp; axioms (-</a:t>
+            </a:r>
+            <a:r>
+              <a:rPr lang="en-CA" sz="1600" i="1" dirty="0" smtClean="0"/>
+              <a:t>10 rules</a:t>
+            </a:r>
+            <a:r>
+              <a:rPr lang="en-CA" sz="1600" dirty="0" smtClean="0"/>
+              <a:t>)</a:t>
             </a:r>
           </a:p>
           <a:p>
@@ -18642,9 +15593,13 @@
             </a:pPr>
             <a:r>
               <a:rPr lang="en-CA" sz="1600" dirty="0" smtClean="0"/>
-              <a:t>Removing “stand-alone” schema inference rules</a:t>
-            </a:r>
-            <a:endParaRPr lang="en-CA" sz="1600" dirty="0"/>
+              <a:t>Removing “stand-alone” schema inference rules </a:t>
+            </a:r>
+            <a:r>
+              <a:rPr lang="en-CA" sz="1600" i="1" dirty="0" smtClean="0"/>
+              <a:t>(-4 rules)</a:t>
+            </a:r>
+            <a:endParaRPr lang="en-CA" sz="1600" i="1" dirty="0"/>
           </a:p>
           <a:p>
             <a:pPr>
@@ -18674,8 +15629,37 @@
             </a:r>
             <a:r>
               <a:rPr lang="en-CA" sz="1600" dirty="0"/>
-              <a:t>: inferencing vs. validation </a:t>
-            </a:r>
+              <a:t>: inferencing </a:t>
+            </a:r>
+            <a:r>
+              <a:rPr lang="en-CA" sz="1600" dirty="0" smtClean="0"/>
+              <a:t>(= </a:t>
+            </a:r>
+            <a:r>
+              <a:rPr lang="en-CA" sz="1600" i="1" dirty="0" smtClean="0"/>
+              <a:t>53 rules</a:t>
+            </a:r>
+            <a:r>
+              <a:rPr lang="en-CA" sz="1600" dirty="0" smtClean="0"/>
+              <a:t>) vs</a:t>
+            </a:r>
+            <a:r>
+              <a:rPr lang="en-CA" sz="1600" dirty="0"/>
+              <a:t>. </a:t>
+            </a:r>
+            <a:r>
+              <a:rPr lang="en-CA" sz="1600" dirty="0" smtClean="0"/>
+              <a:t>validation (</a:t>
+            </a:r>
+            <a:r>
+              <a:rPr lang="en-CA" sz="1600" i="1" dirty="0" smtClean="0"/>
+              <a:t>=18 rules</a:t>
+            </a:r>
+            <a:r>
+              <a:rPr lang="en-CA" sz="1600" dirty="0" smtClean="0"/>
+              <a:t>)</a:t>
+            </a:r>
+            <a:endParaRPr lang="en-CA" sz="1600" dirty="0"/>
           </a:p>
           <a:p>
             <a:pPr marL="800100" lvl="1" indent="-342900">
@@ -18692,8 +15676,37 @@
             </a:r>
             <a:r>
               <a:rPr lang="en-CA" sz="1600" dirty="0"/>
-              <a:t>: instances vs. schema</a:t>
-            </a:r>
+              <a:t>: instances </a:t>
+            </a:r>
+            <a:r>
+              <a:rPr lang="en-CA" sz="1600" dirty="0" smtClean="0"/>
+              <a:t>(= </a:t>
+            </a:r>
+            <a:r>
+              <a:rPr lang="en-CA" sz="1600" i="1" dirty="0" smtClean="0"/>
+              <a:t>32 rules</a:t>
+            </a:r>
+            <a:r>
+              <a:rPr lang="en-CA" sz="1600" dirty="0" smtClean="0"/>
+              <a:t>) vs</a:t>
+            </a:r>
+            <a:r>
+              <a:rPr lang="en-CA" sz="1600" dirty="0"/>
+              <a:t>. </a:t>
+            </a:r>
+            <a:r>
+              <a:rPr lang="en-CA" sz="1600" dirty="0" smtClean="0"/>
+              <a:t>schema (= </a:t>
+            </a:r>
+            <a:r>
+              <a:rPr lang="en-CA" sz="1600" i="1" dirty="0" smtClean="0"/>
+              <a:t>23 rules</a:t>
+            </a:r>
+            <a:r>
+              <a:rPr lang="en-CA" sz="1600" dirty="0" smtClean="0"/>
+              <a:t>)</a:t>
+            </a:r>
+            <a:endParaRPr lang="en-CA" sz="1600" dirty="0"/>
           </a:p>
           <a:p>
             <a:pPr>
@@ -18709,8 +15722,21 @@
             </a:r>
             <a:r>
               <a:rPr lang="en-CA" sz="1800" dirty="0"/>
-              <a:t>inefficient rules</a:t>
-            </a:r>
+              <a:t>inefficient </a:t>
+            </a:r>
+            <a:r>
+              <a:rPr lang="en-CA" sz="1800" dirty="0" smtClean="0"/>
+              <a:t>rules (</a:t>
+            </a:r>
+            <a:r>
+              <a:rPr lang="en-CA" sz="1800" i="1" dirty="0" smtClean="0"/>
+              <a:t>- 1 rule</a:t>
+            </a:r>
+            <a:r>
+              <a:rPr lang="en-CA" sz="1800" dirty="0" smtClean="0"/>
+              <a:t>)</a:t>
+            </a:r>
+            <a:endParaRPr lang="en-CA" sz="1800" dirty="0"/>
           </a:p>
           <a:p>
             <a:pPr lvl="1">
@@ -18783,7 +15809,6 @@
               <a:rPr lang="en-CA" sz="1600" dirty="0" smtClean="0"/>
               <a:t>[8])</a:t>
             </a:r>
-            <a:endParaRPr lang="en-CA" sz="1600" dirty="0" smtClean="0"/>
           </a:p>
         </p:txBody>
       </p:sp>
@@ -18875,7 +15900,9 @@
             <a:ext cx="2979506" cy="400692"/>
           </a:xfrm>
           <a:prstGeom prst="curvedConnector3">
-            <a:avLst/>
+            <a:avLst>
+              <a:gd name="adj1" fmla="val 56930"/>
+            </a:avLst>
           </a:prstGeom>
           <a:ln>
             <a:tailEnd type="triangle"/>
@@ -18937,11 +15964,13 @@
         </p:nvCxnSpPr>
         <p:spPr>
           <a:xfrm flipV="1">
-            <a:off x="3411020" y="3513762"/>
-            <a:ext cx="4274050" cy="1458930"/>
+            <a:off x="4218039" y="3513762"/>
+            <a:ext cx="3467031" cy="1481025"/>
           </a:xfrm>
           <a:prstGeom prst="curvedConnector3">
-            <a:avLst/>
+            <a:avLst>
+              <a:gd name="adj1" fmla="val 73822"/>
+            </a:avLst>
           </a:prstGeom>
           <a:ln>
             <a:solidFill>
@@ -19054,8 +16083,8 @@
         </p:nvCxnSpPr>
         <p:spPr>
           <a:xfrm flipV="1">
-            <a:off x="5575441" y="3524036"/>
-            <a:ext cx="2109629" cy="113016"/>
+            <a:off x="6223819" y="3524036"/>
+            <a:ext cx="1461251" cy="123732"/>
           </a:xfrm>
           <a:prstGeom prst="curvedConnector3">
             <a:avLst/>
@@ -19099,7 +16128,7 @@
           <a:p>
             <a:fld id="{50DE8B16-EE75-4C58-AD88-7B30203DB413}" type="datetime1">
               <a:rPr lang="en-CA" smtClean="0"/>
-              <a:t>25/05/2017</a:t>
+              <a:t>26/05/2017</a:t>
             </a:fld>
             <a:endParaRPr lang="en-CA"/>
           </a:p>
@@ -20195,11 +17224,7 @@
             </a:r>
             <a:r>
               <a:rPr lang="en-CA" dirty="0" smtClean="0"/>
-              <a:t>ruleset: </a:t>
-            </a:r>
-            <a:r>
-              <a:rPr lang="en-CA" dirty="0" smtClean="0"/>
-              <a:t>Evaluation</a:t>
+              <a:t>ruleset: Evaluation</a:t>
             </a:r>
             <a:endParaRPr lang="en-CA" dirty="0"/>
           </a:p>
@@ -20650,7 +17675,7 @@
           <a:p>
             <a:fld id="{2DF2B9C1-EC20-46D6-AEDD-18BB40E4A75C}" type="datetime1">
               <a:rPr lang="en-CA" smtClean="0"/>
-              <a:t>25/05/2017</a:t>
+              <a:t>26/05/2017</a:t>
             </a:fld>
             <a:endParaRPr lang="en-CA"/>
           </a:p>
@@ -21160,15 +18185,7 @@
             </a:r>
             <a:r>
               <a:rPr lang="en-CA" sz="3100" dirty="0" smtClean="0"/>
-              <a:t>RL ruleset</a:t>
-            </a:r>
-            <a:r>
-              <a:rPr lang="en-CA" sz="3100" dirty="0" smtClean="0"/>
-              <a:t>: Future </a:t>
-            </a:r>
-            <a:r>
-              <a:rPr lang="en-CA" sz="3100" dirty="0" smtClean="0"/>
-              <a:t>work</a:t>
+              <a:t>RL ruleset: Future work</a:t>
             </a:r>
             <a:endParaRPr lang="en-CA" sz="3100" dirty="0"/>
           </a:p>
@@ -21302,11 +18319,7 @@
             <a:pPr lvl="1"/>
             <a:r>
               <a:rPr lang="en-CA" sz="1800" dirty="0" smtClean="0"/>
-              <a:t>Currently</a:t>
-            </a:r>
-            <a:r>
-              <a:rPr lang="en-CA" sz="1800" dirty="0" smtClean="0"/>
-              <a:t>, does not support “volatile” ontologies</a:t>
+              <a:t>Currently, does not support “volatile” ontologies</a:t>
             </a:r>
           </a:p>
           <a:p>
@@ -21327,11 +18340,7 @@
             <a:pPr lvl="1"/>
             <a:r>
               <a:rPr lang="en-CA" sz="1800" dirty="0" smtClean="0"/>
-              <a:t> Deploy on mobile device, integrate with </a:t>
-            </a:r>
-            <a:r>
-              <a:rPr lang="en-CA" sz="1800" dirty="0" smtClean="0"/>
-              <a:t>reasoner?</a:t>
+              <a:t> Deploy on mobile device, integrate with reasoner?</a:t>
             </a:r>
             <a:endParaRPr lang="en-CA" sz="1800" dirty="0"/>
           </a:p>
@@ -21354,7 +18363,7 @@
           <a:p>
             <a:fld id="{B6D74659-C90F-4A04-A6FC-CE3E5CF47C08}" type="datetime1">
               <a:rPr lang="en-CA" smtClean="0"/>
-              <a:t>25/05/2017</a:t>
+              <a:t>26/05/2017</a:t>
             </a:fld>
             <a:endParaRPr lang="en-CA"/>
           </a:p>
